--- a/AZW_Azure_Services_as_Code.pptx
+++ b/AZW_Azure_Services_as_Code.pptx
@@ -7,29 +7,32 @@
     <p:sldMasterId id="2147483672" r:id="rId3"/>
   </p:sldMasterIdLst>
   <p:notesMasterIdLst>
-    <p:notesMasterId r:id="rId24"/>
+    <p:notesMasterId r:id="rId27"/>
   </p:notesMasterIdLst>
   <p:sldIdLst>
     <p:sldId id="269" r:id="rId4"/>
-    <p:sldId id="270" r:id="rId5"/>
-    <p:sldId id="279" r:id="rId6"/>
-    <p:sldId id="280" r:id="rId7"/>
-    <p:sldId id="281" r:id="rId8"/>
-    <p:sldId id="282" r:id="rId9"/>
-    <p:sldId id="283" r:id="rId10"/>
-    <p:sldId id="259" r:id="rId11"/>
-    <p:sldId id="261" r:id="rId12"/>
-    <p:sldId id="273" r:id="rId13"/>
-    <p:sldId id="262" r:id="rId14"/>
-    <p:sldId id="278" r:id="rId15"/>
-    <p:sldId id="263" r:id="rId16"/>
-    <p:sldId id="271" r:id="rId17"/>
-    <p:sldId id="272" r:id="rId18"/>
-    <p:sldId id="274" r:id="rId19"/>
-    <p:sldId id="276" r:id="rId20"/>
-    <p:sldId id="277" r:id="rId21"/>
-    <p:sldId id="268" r:id="rId22"/>
-    <p:sldId id="260" r:id="rId23"/>
+    <p:sldId id="284" r:id="rId5"/>
+    <p:sldId id="285" r:id="rId6"/>
+    <p:sldId id="286" r:id="rId7"/>
+    <p:sldId id="270" r:id="rId8"/>
+    <p:sldId id="279" r:id="rId9"/>
+    <p:sldId id="280" r:id="rId10"/>
+    <p:sldId id="281" r:id="rId11"/>
+    <p:sldId id="282" r:id="rId12"/>
+    <p:sldId id="283" r:id="rId13"/>
+    <p:sldId id="259" r:id="rId14"/>
+    <p:sldId id="261" r:id="rId15"/>
+    <p:sldId id="273" r:id="rId16"/>
+    <p:sldId id="262" r:id="rId17"/>
+    <p:sldId id="278" r:id="rId18"/>
+    <p:sldId id="263" r:id="rId19"/>
+    <p:sldId id="271" r:id="rId20"/>
+    <p:sldId id="274" r:id="rId21"/>
+    <p:sldId id="276" r:id="rId22"/>
+    <p:sldId id="277" r:id="rId23"/>
+    <p:sldId id="272" r:id="rId24"/>
+    <p:sldId id="268" r:id="rId25"/>
+    <p:sldId id="260" r:id="rId26"/>
   </p:sldIdLst>
   <p:sldSz cx="12192000" cy="6858000"/>
   <p:notesSz cx="6858000" cy="9144000"/>
@@ -6719,8 +6722,8 @@
 <file path=ppt/diagrams/data4.xml><?xml version="1.0" encoding="utf-8"?>
 <dgm:dataModel xmlns:dgm="http://schemas.openxmlformats.org/drawingml/2006/diagram" xmlns:a="http://schemas.openxmlformats.org/drawingml/2006/main">
   <dgm:ptLst>
-    <dgm:pt modelId="{CD653842-16E9-496D-95EE-A621B93C4FDC}" type="doc">
-      <dgm:prSet loTypeId="urn:microsoft.com/office/officeart/2016/7/layout/VerticalDownArrowProcess" loCatId="process" qsTypeId="urn:microsoft.com/office/officeart/2005/8/quickstyle/simple1" qsCatId="simple" csTypeId="urn:microsoft.com/office/officeart/2005/8/colors/colorful2" csCatId="colorful" phldr="1"/>
+    <dgm:pt modelId="{AC78C006-EDA3-4925-ACF9-E42FD98152A0}" type="doc">
+      <dgm:prSet loTypeId="urn:microsoft.com/office/officeart/2016/7/layout/VerticalSolidActionList" loCatId="List" qsTypeId="urn:microsoft.com/office/officeart/2005/8/quickstyle/simple1" qsCatId="simple" csTypeId="urn:microsoft.com/office/officeart/2005/8/colors/colorful2" csCatId="colorful" phldr="1"/>
       <dgm:spPr/>
       <dgm:t>
         <a:bodyPr/>
@@ -6730,7 +6733,7 @@
         </a:p>
       </dgm:t>
     </dgm:pt>
-    <dgm:pt modelId="{EB2E1EC4-4BD7-4190-BD8E-01CEFBF2A6DF}">
+    <dgm:pt modelId="{3A16DF8B-2CC0-4B1B-8375-0559880C8BE2}">
       <dgm:prSet/>
       <dgm:spPr/>
       <dgm:t>
@@ -6738,13 +6741,13 @@
         <a:lstStyle/>
         <a:p>
           <a:r>
-            <a:rPr lang="en-US"/>
+            <a:rPr lang="en-US" dirty="0"/>
             <a:t>Create</a:t>
           </a:r>
         </a:p>
       </dgm:t>
     </dgm:pt>
-    <dgm:pt modelId="{16B31BC9-C3CE-4A03-B4EE-6ABE8B0BB674}" type="parTrans" cxnId="{136FD677-8942-4314-8E8D-5BCE7A484079}">
+    <dgm:pt modelId="{BA8DAF20-23B6-43E8-99CB-938673ACEB6F}" type="parTrans" cxnId="{33139CB2-3104-47EA-8D65-B3F11912B7C1}">
       <dgm:prSet/>
       <dgm:spPr/>
       <dgm:t>
@@ -6755,7 +6758,7 @@
         </a:p>
       </dgm:t>
     </dgm:pt>
-    <dgm:pt modelId="{F52C468A-4DBC-41B3-988F-343EA0C1777F}" type="sibTrans" cxnId="{136FD677-8942-4314-8E8D-5BCE7A484079}">
+    <dgm:pt modelId="{8794A088-27D2-45D0-9452-335DEEEF854C}" type="sibTrans" cxnId="{33139CB2-3104-47EA-8D65-B3F11912B7C1}">
       <dgm:prSet/>
       <dgm:spPr/>
       <dgm:t>
@@ -6766,7 +6769,7 @@
         </a:p>
       </dgm:t>
     </dgm:pt>
-    <dgm:pt modelId="{CC8EAE76-D16C-48A5-BB66-E9A2215AB5B4}">
+    <dgm:pt modelId="{0027FCA6-A508-4996-BE68-6AC025F3DB46}">
       <dgm:prSet/>
       <dgm:spPr/>
       <dgm:t>
@@ -6774,18 +6777,13 @@
         <a:lstStyle/>
         <a:p>
           <a:r>
-            <a:rPr lang="en-US" b="0" dirty="0"/>
-            <a:t>An Azure </a:t>
+            <a:rPr lang="en-US" dirty="0"/>
+            <a:t>Azure AD SPN for Terraform</a:t>
           </a:r>
-          <a:r>
-            <a:rPr lang="en-US" b="0" dirty="0" err="1"/>
-            <a:t>KeyVault</a:t>
-          </a:r>
-          <a:endParaRPr lang="en-US" b="0" dirty="0"/>
         </a:p>
       </dgm:t>
     </dgm:pt>
-    <dgm:pt modelId="{C042DA25-FC5A-4F9E-8B64-3588D9D27E5C}" type="parTrans" cxnId="{FA77D045-A28A-4250-9078-A0CF2A871954}">
+    <dgm:pt modelId="{926D8FCE-D7ED-4493-A85E-4AA697C549A2}" type="parTrans" cxnId="{E489912C-3C5A-40EC-8FF9-8C3DBFD66A25}">
       <dgm:prSet/>
       <dgm:spPr/>
       <dgm:t>
@@ -6796,7 +6794,7 @@
         </a:p>
       </dgm:t>
     </dgm:pt>
-    <dgm:pt modelId="{9DB2856F-32F6-45BC-AF6B-956844F20C7E}" type="sibTrans" cxnId="{FA77D045-A28A-4250-9078-A0CF2A871954}">
+    <dgm:pt modelId="{928AA4B8-5F32-4E29-B2BC-D043F9CA6E46}" type="sibTrans" cxnId="{E489912C-3C5A-40EC-8FF9-8C3DBFD66A25}">
       <dgm:prSet/>
       <dgm:spPr/>
       <dgm:t>
@@ -6807,7 +6805,7 @@
         </a:p>
       </dgm:t>
     </dgm:pt>
-    <dgm:pt modelId="{E42A3153-5F40-4648-9A4D-C9826E356CDD}">
+    <dgm:pt modelId="{05426CEB-AD77-48F8-BB01-CD743C0484BA}">
       <dgm:prSet/>
       <dgm:spPr/>
       <dgm:t>
@@ -6815,13 +6813,13 @@
         <a:lstStyle/>
         <a:p>
           <a:r>
-            <a:rPr lang="en-US" dirty="0"/>
-            <a:t>Store</a:t>
+            <a:rPr lang="en-US"/>
+            <a:t>Build</a:t>
           </a:r>
         </a:p>
       </dgm:t>
     </dgm:pt>
-    <dgm:pt modelId="{2C897784-1461-4611-83BF-3E5FE05A1E42}" type="parTrans" cxnId="{DB10210C-9D80-497E-9206-A08C734E1113}">
+    <dgm:pt modelId="{E6F2A138-6348-4CD8-BA0D-7A40DFC31D4D}" type="parTrans" cxnId="{7DAF8940-4C65-4A3A-BCA3-768123C5E8FF}">
       <dgm:prSet/>
       <dgm:spPr/>
       <dgm:t>
@@ -6832,7 +6830,7 @@
         </a:p>
       </dgm:t>
     </dgm:pt>
-    <dgm:pt modelId="{AAA1D5C4-7DDB-49BC-A303-5658CD361B00}" type="sibTrans" cxnId="{DB10210C-9D80-497E-9206-A08C734E1113}">
+    <dgm:pt modelId="{68028111-6149-4753-A9D0-B4C9907EF3E9}" type="sibTrans" cxnId="{7DAF8940-4C65-4A3A-BCA3-768123C5E8FF}">
       <dgm:prSet/>
       <dgm:spPr/>
       <dgm:t>
@@ -6843,7 +6841,7 @@
         </a:p>
       </dgm:t>
     </dgm:pt>
-    <dgm:pt modelId="{4163E243-74C1-4F97-9DB7-CD4E0C23CE7C}">
+    <dgm:pt modelId="{929D43EA-D26F-479F-B784-865FD579CA86}">
       <dgm:prSet/>
       <dgm:spPr/>
       <dgm:t>
@@ -6852,17 +6850,12 @@
         <a:p>
           <a:r>
             <a:rPr lang="en-US" dirty="0"/>
-            <a:t>Store secrets in Azure </a:t>
+            <a:t>Build a VNET in East US using IP space of 10.10.0.0/16 in Terraform</a:t>
           </a:r>
-          <a:r>
-            <a:rPr lang="en-US" dirty="0" err="1"/>
-            <a:t>KeyVault</a:t>
-          </a:r>
-          <a:endParaRPr lang="en-US" dirty="0"/>
         </a:p>
       </dgm:t>
     </dgm:pt>
-    <dgm:pt modelId="{78F92F42-6743-4C06-B6FE-F280685B6BD6}" type="parTrans" cxnId="{8E90ABF2-8693-4F0F-A174-0CEFD7F18DD4}">
+    <dgm:pt modelId="{54F145C7-160D-4453-8097-3357517809E3}" type="parTrans" cxnId="{CE195457-179B-4C82-BD01-052A10FCB622}">
       <dgm:prSet/>
       <dgm:spPr/>
       <dgm:t>
@@ -6873,7 +6866,7 @@
         </a:p>
       </dgm:t>
     </dgm:pt>
-    <dgm:pt modelId="{B8339AE3-6837-473E-9306-A445E211939C}" type="sibTrans" cxnId="{8E90ABF2-8693-4F0F-A174-0CEFD7F18DD4}">
+    <dgm:pt modelId="{A8E848B5-C5A1-4454-B7B5-4F5C19BFE032}" type="sibTrans" cxnId="{CE195457-179B-4C82-BD01-052A10FCB622}">
       <dgm:prSet/>
       <dgm:spPr/>
       <dgm:t>
@@ -6884,7 +6877,7 @@
         </a:p>
       </dgm:t>
     </dgm:pt>
-    <dgm:pt modelId="{23912FC7-B95D-4465-94A5-9F8511D47030}">
+    <dgm:pt modelId="{9F8D48DC-6A50-47CD-A3F6-B72F3D26222F}">
       <dgm:prSet/>
       <dgm:spPr/>
       <dgm:t>
@@ -6892,13 +6885,13 @@
         <a:lstStyle/>
         <a:p>
           <a:r>
-            <a:rPr lang="en-US" dirty="0"/>
+            <a:rPr lang="en-US"/>
             <a:t>Build</a:t>
           </a:r>
         </a:p>
       </dgm:t>
     </dgm:pt>
-    <dgm:pt modelId="{A7A58BB9-04C0-4134-BE50-5823B1FF4847}" type="parTrans" cxnId="{3D5BE298-F86A-471A-A4A4-CAD14005A9A5}">
+    <dgm:pt modelId="{B871D168-F454-49E6-9008-B0763437B9E6}" type="parTrans" cxnId="{582B9545-7CFC-4CE6-93D6-39BB961BC877}">
       <dgm:prSet/>
       <dgm:spPr/>
       <dgm:t>
@@ -6909,7 +6902,7 @@
         </a:p>
       </dgm:t>
     </dgm:pt>
-    <dgm:pt modelId="{C57828AF-0DA1-4B32-B99A-17D6D387B093}" type="sibTrans" cxnId="{3D5BE298-F86A-471A-A4A4-CAD14005A9A5}">
+    <dgm:pt modelId="{DD4E7ED4-06FD-4A1A-9291-7C0E35209663}" type="sibTrans" cxnId="{582B9545-7CFC-4CE6-93D6-39BB961BC877}">
       <dgm:prSet/>
       <dgm:spPr/>
       <dgm:t>
@@ -6920,7 +6913,7 @@
         </a:p>
       </dgm:t>
     </dgm:pt>
-    <dgm:pt modelId="{01E2664F-0A1E-48DE-89ED-966F0E95ACC5}">
+    <dgm:pt modelId="{5F49D653-CEED-4E05-A404-F9C27438677D}">
       <dgm:prSet/>
       <dgm:spPr/>
       <dgm:t>
@@ -6929,20 +6922,12 @@
         <a:p>
           <a:r>
             <a:rPr lang="en-US" dirty="0"/>
-            <a:t>Build a VM from an ARM Template using </a:t>
-          </a:r>
-          <a:r>
-            <a:rPr lang="en-US" dirty="0" err="1"/>
-            <a:t>KeyVault</a:t>
-          </a:r>
-          <a:r>
-            <a:rPr lang="en-US" dirty="0"/>
-            <a:t> to reference Secrets</a:t>
+            <a:t>Build a VM in Terraform in East US</a:t>
           </a:r>
         </a:p>
       </dgm:t>
     </dgm:pt>
-    <dgm:pt modelId="{744A9688-3E91-4A32-875E-AFDBC475B5E5}" type="parTrans" cxnId="{F493B4B5-2880-4D79-87B9-AA5C05F5E73C}">
+    <dgm:pt modelId="{6262C97B-D7F4-4666-A330-82824EE26275}" type="parTrans" cxnId="{112C9BE9-39E1-4AF3-A502-F06001738CAB}">
       <dgm:prSet/>
       <dgm:spPr/>
       <dgm:t>
@@ -6953,7 +6938,7 @@
         </a:p>
       </dgm:t>
     </dgm:pt>
-    <dgm:pt modelId="{2A99AD93-3A13-40E0-A9C7-BC03DEE6374F}" type="sibTrans" cxnId="{F493B4B5-2880-4D79-87B9-AA5C05F5E73C}">
+    <dgm:pt modelId="{081939CF-9D2B-4C3C-B606-6F6442B97317}" type="sibTrans" cxnId="{112C9BE9-39E1-4AF3-A502-F06001738CAB}">
       <dgm:prSet/>
       <dgm:spPr/>
       <dgm:t>
@@ -6964,8 +6949,118 @@
         </a:p>
       </dgm:t>
     </dgm:pt>
-    <dgm:pt modelId="{5444FCD3-C2BA-489A-9E5E-852CCD135753}" type="pres">
-      <dgm:prSet presAssocID="{CD653842-16E9-496D-95EE-A621B93C4FDC}" presName="Name0" presStyleCnt="0">
+    <dgm:pt modelId="{D042CC2E-4D76-4A96-80D6-6A23BF051B4A}">
+      <dgm:prSet/>
+      <dgm:spPr/>
+      <dgm:t>
+        <a:bodyPr/>
+        <a:lstStyle/>
+        <a:p>
+          <a:r>
+            <a:rPr lang="en-US" dirty="0"/>
+            <a:t>Subnets </a:t>
+          </a:r>
+          <a:r>
+            <a:rPr lang="en-US" dirty="0" err="1"/>
+            <a:t>DefualtGateway</a:t>
+          </a:r>
+          <a:r>
+            <a:rPr lang="en-US" dirty="0"/>
+            <a:t>, AAA, DATA, APP, WEB using /24</a:t>
+          </a:r>
+        </a:p>
+      </dgm:t>
+    </dgm:pt>
+    <dgm:pt modelId="{F8261DE9-0A2E-4FD5-BAED-8E640666F75F}" type="parTrans" cxnId="{64D38CBF-758F-4E70-84AC-169894317D90}">
+      <dgm:prSet/>
+      <dgm:spPr/>
+      <dgm:t>
+        <a:bodyPr/>
+        <a:lstStyle/>
+        <a:p>
+          <a:endParaRPr lang="en-US"/>
+        </a:p>
+      </dgm:t>
+    </dgm:pt>
+    <dgm:pt modelId="{37E2E227-C0BC-494F-BD2C-DF6A1D802848}" type="sibTrans" cxnId="{64D38CBF-758F-4E70-84AC-169894317D90}">
+      <dgm:prSet/>
+      <dgm:spPr/>
+      <dgm:t>
+        <a:bodyPr/>
+        <a:lstStyle/>
+        <a:p>
+          <a:endParaRPr lang="en-US"/>
+        </a:p>
+      </dgm:t>
+    </dgm:pt>
+    <dgm:pt modelId="{183C49A2-27E0-4F82-B94C-C36861C43271}">
+      <dgm:prSet/>
+      <dgm:spPr/>
+      <dgm:t>
+        <a:bodyPr/>
+        <a:lstStyle/>
+        <a:p>
+          <a:r>
+            <a:rPr lang="en-US" dirty="0"/>
+            <a:t>Update Terraform Authentication Script Block</a:t>
+          </a:r>
+        </a:p>
+      </dgm:t>
+    </dgm:pt>
+    <dgm:pt modelId="{327413D4-D78D-41BA-A827-309D3563F201}" type="parTrans" cxnId="{35FD32E6-F3A7-41FE-88B6-C64495730B14}">
+      <dgm:prSet/>
+      <dgm:spPr/>
+    </dgm:pt>
+    <dgm:pt modelId="{10637BDA-159E-4177-B6FD-8FF83321312F}" type="sibTrans" cxnId="{35FD32E6-F3A7-41FE-88B6-C64495730B14}">
+      <dgm:prSet/>
+      <dgm:spPr/>
+    </dgm:pt>
+    <dgm:pt modelId="{D0CB7977-9B61-47FF-A5D7-BCB13A038AE4}">
+      <dgm:prSet/>
+      <dgm:spPr/>
+      <dgm:t>
+        <a:bodyPr/>
+        <a:lstStyle/>
+        <a:p>
+          <a:r>
+            <a:rPr lang="en-US" dirty="0"/>
+            <a:t>Leverage VNET</a:t>
+          </a:r>
+        </a:p>
+      </dgm:t>
+    </dgm:pt>
+    <dgm:pt modelId="{9BF70B52-F014-426D-8B4A-F7B449655304}" type="parTrans" cxnId="{9CB20767-B735-47FE-B61D-7658A235D3FB}">
+      <dgm:prSet/>
+      <dgm:spPr/>
+    </dgm:pt>
+    <dgm:pt modelId="{A7A70FEA-B38E-4C1B-9AD3-26A9A9A26C79}" type="sibTrans" cxnId="{9CB20767-B735-47FE-B61D-7658A235D3FB}">
+      <dgm:prSet/>
+      <dgm:spPr/>
+    </dgm:pt>
+    <dgm:pt modelId="{CA1ACF9A-3D07-4E64-B4E8-E63E965657E9}">
+      <dgm:prSet/>
+      <dgm:spPr/>
+      <dgm:t>
+        <a:bodyPr/>
+        <a:lstStyle/>
+        <a:p>
+          <a:r>
+            <a:rPr lang="en-US" dirty="0"/>
+            <a:t>Create a Storage Diagnostic Account to Leverage</a:t>
+          </a:r>
+        </a:p>
+      </dgm:t>
+    </dgm:pt>
+    <dgm:pt modelId="{DD44612D-3574-4197-AFC8-72862ABADCFA}" type="parTrans" cxnId="{2CC49AC6-0D1E-44CC-87CC-B9476D41C3FE}">
+      <dgm:prSet/>
+      <dgm:spPr/>
+    </dgm:pt>
+    <dgm:pt modelId="{A8F11865-EB1C-4C7C-8F2D-3727B21AB7D0}" type="sibTrans" cxnId="{2CC49AC6-0D1E-44CC-87CC-B9476D41C3FE}">
+      <dgm:prSet/>
+      <dgm:spPr/>
+    </dgm:pt>
+    <dgm:pt modelId="{CB5118B4-BBA3-4DD3-B6A1-93F805443CBE}" type="pres">
+      <dgm:prSet presAssocID="{AC78C006-EDA3-4925-ACF9-E42FD98152A0}" presName="Name0" presStyleCnt="0">
         <dgm:presLayoutVars>
           <dgm:dir/>
           <dgm:animLvl val="lvl"/>
@@ -6974,88 +7069,111 @@
       </dgm:prSet>
       <dgm:spPr/>
     </dgm:pt>
-    <dgm:pt modelId="{7B2BBBCF-E0F6-47BC-9EEA-2590BB8115C3}" type="pres">
-      <dgm:prSet presAssocID="{23912FC7-B95D-4465-94A5-9F8511D47030}" presName="boxAndChildren" presStyleCnt="0"/>
+    <dgm:pt modelId="{ED39C9E8-FEEF-4AE3-80C4-9E59E1F17825}" type="pres">
+      <dgm:prSet presAssocID="{3A16DF8B-2CC0-4B1B-8375-0559880C8BE2}" presName="linNode" presStyleCnt="0"/>
       <dgm:spPr/>
     </dgm:pt>
-    <dgm:pt modelId="{368D3BFF-9267-42F0-8DDD-655D1541F0D4}" type="pres">
-      <dgm:prSet presAssocID="{23912FC7-B95D-4465-94A5-9F8511D47030}" presName="parentTextBox" presStyleLbl="alignNode1" presStyleIdx="0" presStyleCnt="3"/>
+    <dgm:pt modelId="{FDB5E8B8-5490-4441-BEE5-D491833B5222}" type="pres">
+      <dgm:prSet presAssocID="{3A16DF8B-2CC0-4B1B-8375-0559880C8BE2}" presName="parentText" presStyleLbl="alignNode1" presStyleIdx="0" presStyleCnt="3">
+        <dgm:presLayoutVars>
+          <dgm:chMax val="1"/>
+          <dgm:bulletEnabled/>
+        </dgm:presLayoutVars>
+      </dgm:prSet>
       <dgm:spPr/>
     </dgm:pt>
-    <dgm:pt modelId="{3B73741D-1663-4B48-B289-69DB858007C3}" type="pres">
-      <dgm:prSet presAssocID="{23912FC7-B95D-4465-94A5-9F8511D47030}" presName="descendantBox" presStyleLbl="bgAccFollowNode1" presStyleIdx="0" presStyleCnt="3"/>
+    <dgm:pt modelId="{320FCFD0-D130-4E54-9268-6E53F4C6FF20}" type="pres">
+      <dgm:prSet presAssocID="{3A16DF8B-2CC0-4B1B-8375-0559880C8BE2}" presName="descendantText" presStyleLbl="alignAccFollowNode1" presStyleIdx="0" presStyleCnt="3">
+        <dgm:presLayoutVars>
+          <dgm:bulletEnabled/>
+        </dgm:presLayoutVars>
+      </dgm:prSet>
       <dgm:spPr/>
     </dgm:pt>
-    <dgm:pt modelId="{5C28123A-9138-4146-A1E4-14BDBDEB212C}" type="pres">
-      <dgm:prSet presAssocID="{AAA1D5C4-7DDB-49BC-A303-5658CD361B00}" presName="sp" presStyleCnt="0"/>
+    <dgm:pt modelId="{7F066CFD-DDFF-40D4-B173-A0DB6631AFE4}" type="pres">
+      <dgm:prSet presAssocID="{8794A088-27D2-45D0-9452-335DEEEF854C}" presName="sp" presStyleCnt="0"/>
       <dgm:spPr/>
     </dgm:pt>
-    <dgm:pt modelId="{7D0F952C-F857-419B-8464-B4E44D5700FE}" type="pres">
-      <dgm:prSet presAssocID="{E42A3153-5F40-4648-9A4D-C9826E356CDD}" presName="arrowAndChildren" presStyleCnt="0"/>
+    <dgm:pt modelId="{C9D540CD-E2C1-4477-9269-1E6D58C07246}" type="pres">
+      <dgm:prSet presAssocID="{05426CEB-AD77-48F8-BB01-CD743C0484BA}" presName="linNode" presStyleCnt="0"/>
       <dgm:spPr/>
     </dgm:pt>
-    <dgm:pt modelId="{C18DC6BC-89A6-431A-B800-3438BFF1EC58}" type="pres">
-      <dgm:prSet presAssocID="{E42A3153-5F40-4648-9A4D-C9826E356CDD}" presName="parentTextArrow" presStyleLbl="node1" presStyleIdx="0" presStyleCnt="0"/>
+    <dgm:pt modelId="{A5C505C1-D7DC-4D53-B54D-6D2381FE1BE3}" type="pres">
+      <dgm:prSet presAssocID="{05426CEB-AD77-48F8-BB01-CD743C0484BA}" presName="parentText" presStyleLbl="alignNode1" presStyleIdx="1" presStyleCnt="3">
+        <dgm:presLayoutVars>
+          <dgm:chMax val="1"/>
+          <dgm:bulletEnabled/>
+        </dgm:presLayoutVars>
+      </dgm:prSet>
       <dgm:spPr/>
     </dgm:pt>
-    <dgm:pt modelId="{39F1F89A-18E7-4195-8330-4EF4904EF647}" type="pres">
-      <dgm:prSet presAssocID="{E42A3153-5F40-4648-9A4D-C9826E356CDD}" presName="arrow" presStyleLbl="alignNode1" presStyleIdx="1" presStyleCnt="3"/>
+    <dgm:pt modelId="{A542DC08-3F3F-4EDB-B465-478215625B3A}" type="pres">
+      <dgm:prSet presAssocID="{05426CEB-AD77-48F8-BB01-CD743C0484BA}" presName="descendantText" presStyleLbl="alignAccFollowNode1" presStyleIdx="1" presStyleCnt="3">
+        <dgm:presLayoutVars>
+          <dgm:bulletEnabled/>
+        </dgm:presLayoutVars>
+      </dgm:prSet>
       <dgm:spPr/>
     </dgm:pt>
-    <dgm:pt modelId="{8CA98573-50BF-44EC-8D08-0E521417E7E9}" type="pres">
-      <dgm:prSet presAssocID="{E42A3153-5F40-4648-9A4D-C9826E356CDD}" presName="descendantArrow" presStyleLbl="bgAccFollowNode1" presStyleIdx="1" presStyleCnt="3"/>
+    <dgm:pt modelId="{B652E307-0F13-4CEE-AB7D-1DBF74A07BBB}" type="pres">
+      <dgm:prSet presAssocID="{68028111-6149-4753-A9D0-B4C9907EF3E9}" presName="sp" presStyleCnt="0"/>
       <dgm:spPr/>
     </dgm:pt>
-    <dgm:pt modelId="{FCF6C775-47C9-420C-BEAD-A4B0C34D3B3F}" type="pres">
-      <dgm:prSet presAssocID="{F52C468A-4DBC-41B3-988F-343EA0C1777F}" presName="sp" presStyleCnt="0"/>
+    <dgm:pt modelId="{ADDB9ACA-99F1-4602-B5B1-E1D8F042F307}" type="pres">
+      <dgm:prSet presAssocID="{9F8D48DC-6A50-47CD-A3F6-B72F3D26222F}" presName="linNode" presStyleCnt="0"/>
       <dgm:spPr/>
     </dgm:pt>
-    <dgm:pt modelId="{5E24B031-BFB8-477B-8BB9-01F09C6E65F3}" type="pres">
-      <dgm:prSet presAssocID="{EB2E1EC4-4BD7-4190-BD8E-01CEFBF2A6DF}" presName="arrowAndChildren" presStyleCnt="0"/>
+    <dgm:pt modelId="{95CE8702-7429-4BBE-B2F5-638C55648A22}" type="pres">
+      <dgm:prSet presAssocID="{9F8D48DC-6A50-47CD-A3F6-B72F3D26222F}" presName="parentText" presStyleLbl="alignNode1" presStyleIdx="2" presStyleCnt="3">
+        <dgm:presLayoutVars>
+          <dgm:chMax val="1"/>
+          <dgm:bulletEnabled/>
+        </dgm:presLayoutVars>
+      </dgm:prSet>
       <dgm:spPr/>
     </dgm:pt>
-    <dgm:pt modelId="{7CCF5672-A189-4F02-BE41-EF63A39A50D0}" type="pres">
-      <dgm:prSet presAssocID="{EB2E1EC4-4BD7-4190-BD8E-01CEFBF2A6DF}" presName="parentTextArrow" presStyleLbl="node1" presStyleIdx="0" presStyleCnt="0"/>
-      <dgm:spPr/>
-    </dgm:pt>
-    <dgm:pt modelId="{132E8397-4F29-403C-A5DF-9145EC6AEA40}" type="pres">
-      <dgm:prSet presAssocID="{EB2E1EC4-4BD7-4190-BD8E-01CEFBF2A6DF}" presName="arrow" presStyleLbl="alignNode1" presStyleIdx="2" presStyleCnt="3"/>
-      <dgm:spPr/>
-    </dgm:pt>
-    <dgm:pt modelId="{A8C82F68-FEE9-465C-9714-29D09C0425F3}" type="pres">
-      <dgm:prSet presAssocID="{EB2E1EC4-4BD7-4190-BD8E-01CEFBF2A6DF}" presName="descendantArrow" presStyleLbl="bgAccFollowNode1" presStyleIdx="2" presStyleCnt="3"/>
+    <dgm:pt modelId="{D17F2767-2475-4836-9533-D477035310A8}" type="pres">
+      <dgm:prSet presAssocID="{9F8D48DC-6A50-47CD-A3F6-B72F3D26222F}" presName="descendantText" presStyleLbl="alignAccFollowNode1" presStyleIdx="2" presStyleCnt="3">
+        <dgm:presLayoutVars>
+          <dgm:bulletEnabled/>
+        </dgm:presLayoutVars>
+      </dgm:prSet>
       <dgm:spPr/>
     </dgm:pt>
   </dgm:ptLst>
   <dgm:cxnLst>
-    <dgm:cxn modelId="{67A71D07-7A4F-4FC1-85EB-1A63723127B5}" type="presOf" srcId="{4163E243-74C1-4F97-9DB7-CD4E0C23CE7C}" destId="{8CA98573-50BF-44EC-8D08-0E521417E7E9}" srcOrd="0" destOrd="0" presId="urn:microsoft.com/office/officeart/2016/7/layout/VerticalDownArrowProcess"/>
-    <dgm:cxn modelId="{DB10210C-9D80-497E-9206-A08C734E1113}" srcId="{CD653842-16E9-496D-95EE-A621B93C4FDC}" destId="{E42A3153-5F40-4648-9A4D-C9826E356CDD}" srcOrd="1" destOrd="0" parTransId="{2C897784-1461-4611-83BF-3E5FE05A1E42}" sibTransId="{AAA1D5C4-7DDB-49BC-A303-5658CD361B00}"/>
-    <dgm:cxn modelId="{CBC3C61E-0AAF-4825-BD14-FB1609460338}" type="presOf" srcId="{E42A3153-5F40-4648-9A4D-C9826E356CDD}" destId="{C18DC6BC-89A6-431A-B800-3438BFF1EC58}" srcOrd="0" destOrd="0" presId="urn:microsoft.com/office/officeart/2016/7/layout/VerticalDownArrowProcess"/>
-    <dgm:cxn modelId="{342AD022-545E-4997-9FD4-ECCAC1AAD9D1}" type="presOf" srcId="{CD653842-16E9-496D-95EE-A621B93C4FDC}" destId="{5444FCD3-C2BA-489A-9E5E-852CCD135753}" srcOrd="0" destOrd="0" presId="urn:microsoft.com/office/officeart/2016/7/layout/VerticalDownArrowProcess"/>
-    <dgm:cxn modelId="{FA77D045-A28A-4250-9078-A0CF2A871954}" srcId="{EB2E1EC4-4BD7-4190-BD8E-01CEFBF2A6DF}" destId="{CC8EAE76-D16C-48A5-BB66-E9A2215AB5B4}" srcOrd="0" destOrd="0" parTransId="{C042DA25-FC5A-4F9E-8B64-3588D9D27E5C}" sibTransId="{9DB2856F-32F6-45BC-AF6B-956844F20C7E}"/>
-    <dgm:cxn modelId="{136FD677-8942-4314-8E8D-5BCE7A484079}" srcId="{CD653842-16E9-496D-95EE-A621B93C4FDC}" destId="{EB2E1EC4-4BD7-4190-BD8E-01CEFBF2A6DF}" srcOrd="0" destOrd="0" parTransId="{16B31BC9-C3CE-4A03-B4EE-6ABE8B0BB674}" sibTransId="{F52C468A-4DBC-41B3-988F-343EA0C1777F}"/>
-    <dgm:cxn modelId="{3D5BE298-F86A-471A-A4A4-CAD14005A9A5}" srcId="{CD653842-16E9-496D-95EE-A621B93C4FDC}" destId="{23912FC7-B95D-4465-94A5-9F8511D47030}" srcOrd="2" destOrd="0" parTransId="{A7A58BB9-04C0-4134-BE50-5823B1FF4847}" sibTransId="{C57828AF-0DA1-4B32-B99A-17D6D387B093}"/>
-    <dgm:cxn modelId="{966494AA-A46D-4C36-90C5-89E93805E1B5}" type="presOf" srcId="{CC8EAE76-D16C-48A5-BB66-E9A2215AB5B4}" destId="{A8C82F68-FEE9-465C-9714-29D09C0425F3}" srcOrd="0" destOrd="0" presId="urn:microsoft.com/office/officeart/2016/7/layout/VerticalDownArrowProcess"/>
-    <dgm:cxn modelId="{432F9CAC-7778-4E7D-930E-32ECF1170833}" type="presOf" srcId="{23912FC7-B95D-4465-94A5-9F8511D47030}" destId="{368D3BFF-9267-42F0-8DDD-655D1541F0D4}" srcOrd="0" destOrd="0" presId="urn:microsoft.com/office/officeart/2016/7/layout/VerticalDownArrowProcess"/>
-    <dgm:cxn modelId="{F493B4B5-2880-4D79-87B9-AA5C05F5E73C}" srcId="{23912FC7-B95D-4465-94A5-9F8511D47030}" destId="{01E2664F-0A1E-48DE-89ED-966F0E95ACC5}" srcOrd="0" destOrd="0" parTransId="{744A9688-3E91-4A32-875E-AFDBC475B5E5}" sibTransId="{2A99AD93-3A13-40E0-A9C7-BC03DEE6374F}"/>
-    <dgm:cxn modelId="{6235A0CA-9DE5-4A45-9167-44DA74DD2D4C}" type="presOf" srcId="{EB2E1EC4-4BD7-4190-BD8E-01CEFBF2A6DF}" destId="{7CCF5672-A189-4F02-BE41-EF63A39A50D0}" srcOrd="0" destOrd="0" presId="urn:microsoft.com/office/officeart/2016/7/layout/VerticalDownArrowProcess"/>
-    <dgm:cxn modelId="{F3F6DECC-F707-4230-8E2E-7C4BC069F360}" type="presOf" srcId="{01E2664F-0A1E-48DE-89ED-966F0E95ACC5}" destId="{3B73741D-1663-4B48-B289-69DB858007C3}" srcOrd="0" destOrd="0" presId="urn:microsoft.com/office/officeart/2016/7/layout/VerticalDownArrowProcess"/>
-    <dgm:cxn modelId="{6E481DE9-FAF4-493E-A672-6A6B2D331325}" type="presOf" srcId="{EB2E1EC4-4BD7-4190-BD8E-01CEFBF2A6DF}" destId="{132E8397-4F29-403C-A5DF-9145EC6AEA40}" srcOrd="1" destOrd="0" presId="urn:microsoft.com/office/officeart/2016/7/layout/VerticalDownArrowProcess"/>
-    <dgm:cxn modelId="{A05ADEEA-D95F-4A7D-90F3-830D9463D473}" type="presOf" srcId="{E42A3153-5F40-4648-9A4D-C9826E356CDD}" destId="{39F1F89A-18E7-4195-8330-4EF4904EF647}" srcOrd="1" destOrd="0" presId="urn:microsoft.com/office/officeart/2016/7/layout/VerticalDownArrowProcess"/>
-    <dgm:cxn modelId="{8E90ABF2-8693-4F0F-A174-0CEFD7F18DD4}" srcId="{E42A3153-5F40-4648-9A4D-C9826E356CDD}" destId="{4163E243-74C1-4F97-9DB7-CD4E0C23CE7C}" srcOrd="0" destOrd="0" parTransId="{78F92F42-6743-4C06-B6FE-F280685B6BD6}" sibTransId="{B8339AE3-6837-473E-9306-A445E211939C}"/>
-    <dgm:cxn modelId="{3AFEECD9-07E5-4F2A-861F-DC8C9792D3F4}" type="presParOf" srcId="{5444FCD3-C2BA-489A-9E5E-852CCD135753}" destId="{7B2BBBCF-E0F6-47BC-9EEA-2590BB8115C3}" srcOrd="0" destOrd="0" presId="urn:microsoft.com/office/officeart/2016/7/layout/VerticalDownArrowProcess"/>
-    <dgm:cxn modelId="{135A4B76-4024-4AA9-A49B-5EA8D9E1827D}" type="presParOf" srcId="{7B2BBBCF-E0F6-47BC-9EEA-2590BB8115C3}" destId="{368D3BFF-9267-42F0-8DDD-655D1541F0D4}" srcOrd="0" destOrd="0" presId="urn:microsoft.com/office/officeart/2016/7/layout/VerticalDownArrowProcess"/>
-    <dgm:cxn modelId="{140637AC-8817-4FF1-BA71-7E9EF136C52A}" type="presParOf" srcId="{7B2BBBCF-E0F6-47BC-9EEA-2590BB8115C3}" destId="{3B73741D-1663-4B48-B289-69DB858007C3}" srcOrd="1" destOrd="0" presId="urn:microsoft.com/office/officeart/2016/7/layout/VerticalDownArrowProcess"/>
-    <dgm:cxn modelId="{9115D138-4732-4B09-9636-C864A0C19EF2}" type="presParOf" srcId="{5444FCD3-C2BA-489A-9E5E-852CCD135753}" destId="{5C28123A-9138-4146-A1E4-14BDBDEB212C}" srcOrd="1" destOrd="0" presId="urn:microsoft.com/office/officeart/2016/7/layout/VerticalDownArrowProcess"/>
-    <dgm:cxn modelId="{A28BB2C7-6C6A-400A-9BC6-7D7B2199191B}" type="presParOf" srcId="{5444FCD3-C2BA-489A-9E5E-852CCD135753}" destId="{7D0F952C-F857-419B-8464-B4E44D5700FE}" srcOrd="2" destOrd="0" presId="urn:microsoft.com/office/officeart/2016/7/layout/VerticalDownArrowProcess"/>
-    <dgm:cxn modelId="{E2131007-CC34-49C4-BDB3-4CE35C962FBA}" type="presParOf" srcId="{7D0F952C-F857-419B-8464-B4E44D5700FE}" destId="{C18DC6BC-89A6-431A-B800-3438BFF1EC58}" srcOrd="0" destOrd="0" presId="urn:microsoft.com/office/officeart/2016/7/layout/VerticalDownArrowProcess"/>
-    <dgm:cxn modelId="{CFA56B2A-C9DF-4481-8B3B-2C37C8185161}" type="presParOf" srcId="{7D0F952C-F857-419B-8464-B4E44D5700FE}" destId="{39F1F89A-18E7-4195-8330-4EF4904EF647}" srcOrd="1" destOrd="0" presId="urn:microsoft.com/office/officeart/2016/7/layout/VerticalDownArrowProcess"/>
-    <dgm:cxn modelId="{677B5B39-1CAE-489E-A396-2C31AE7AC254}" type="presParOf" srcId="{7D0F952C-F857-419B-8464-B4E44D5700FE}" destId="{8CA98573-50BF-44EC-8D08-0E521417E7E9}" srcOrd="2" destOrd="0" presId="urn:microsoft.com/office/officeart/2016/7/layout/VerticalDownArrowProcess"/>
-    <dgm:cxn modelId="{8291F7AC-7B63-4081-BCF7-7390BFB061BD}" type="presParOf" srcId="{5444FCD3-C2BA-489A-9E5E-852CCD135753}" destId="{FCF6C775-47C9-420C-BEAD-A4B0C34D3B3F}" srcOrd="3" destOrd="0" presId="urn:microsoft.com/office/officeart/2016/7/layout/VerticalDownArrowProcess"/>
-    <dgm:cxn modelId="{2072FB8C-434A-4829-B2D6-0D916798319B}" type="presParOf" srcId="{5444FCD3-C2BA-489A-9E5E-852CCD135753}" destId="{5E24B031-BFB8-477B-8BB9-01F09C6E65F3}" srcOrd="4" destOrd="0" presId="urn:microsoft.com/office/officeart/2016/7/layout/VerticalDownArrowProcess"/>
-    <dgm:cxn modelId="{4F949FA0-C832-4B97-B639-EB6E38929526}" type="presParOf" srcId="{5E24B031-BFB8-477B-8BB9-01F09C6E65F3}" destId="{7CCF5672-A189-4F02-BE41-EF63A39A50D0}" srcOrd="0" destOrd="0" presId="urn:microsoft.com/office/officeart/2016/7/layout/VerticalDownArrowProcess"/>
-    <dgm:cxn modelId="{5617B306-B65A-41A0-8385-3C8D471A37C4}" type="presParOf" srcId="{5E24B031-BFB8-477B-8BB9-01F09C6E65F3}" destId="{132E8397-4F29-403C-A5DF-9145EC6AEA40}" srcOrd="1" destOrd="0" presId="urn:microsoft.com/office/officeart/2016/7/layout/VerticalDownArrowProcess"/>
-    <dgm:cxn modelId="{A9D8A9F4-FFE4-42F0-84D1-75AE8FA55992}" type="presParOf" srcId="{5E24B031-BFB8-477B-8BB9-01F09C6E65F3}" destId="{A8C82F68-FEE9-465C-9714-29D09C0425F3}" srcOrd="2" destOrd="0" presId="urn:microsoft.com/office/officeart/2016/7/layout/VerticalDownArrowProcess"/>
+    <dgm:cxn modelId="{921C2201-F4EC-4F0E-BCF7-7FAF2A89C40A}" type="presOf" srcId="{929D43EA-D26F-479F-B784-865FD579CA86}" destId="{A542DC08-3F3F-4EDB-B465-478215625B3A}" srcOrd="0" destOrd="0" presId="urn:microsoft.com/office/officeart/2016/7/layout/VerticalSolidActionList"/>
+    <dgm:cxn modelId="{B49A090B-4E2E-4EB1-A987-BCDE84612CB1}" type="presOf" srcId="{D0CB7977-9B61-47FF-A5D7-BCB13A038AE4}" destId="{D17F2767-2475-4836-9533-D477035310A8}" srcOrd="0" destOrd="1" presId="urn:microsoft.com/office/officeart/2016/7/layout/VerticalSolidActionList"/>
+    <dgm:cxn modelId="{FDD9040E-A3C3-4A29-9458-9ED69B62D6EF}" type="presOf" srcId="{5F49D653-CEED-4E05-A404-F9C27438677D}" destId="{D17F2767-2475-4836-9533-D477035310A8}" srcOrd="0" destOrd="0" presId="urn:microsoft.com/office/officeart/2016/7/layout/VerticalSolidActionList"/>
+    <dgm:cxn modelId="{3FFEFA27-7145-4BA9-9985-92748CDDB471}" type="presOf" srcId="{0027FCA6-A508-4996-BE68-6AC025F3DB46}" destId="{320FCFD0-D130-4E54-9268-6E53F4C6FF20}" srcOrd="0" destOrd="0" presId="urn:microsoft.com/office/officeart/2016/7/layout/VerticalSolidActionList"/>
+    <dgm:cxn modelId="{47FC8428-C896-4244-9581-C59667DA4D8F}" type="presOf" srcId="{D042CC2E-4D76-4A96-80D6-6A23BF051B4A}" destId="{A542DC08-3F3F-4EDB-B465-478215625B3A}" srcOrd="0" destOrd="1" presId="urn:microsoft.com/office/officeart/2016/7/layout/VerticalSolidActionList"/>
+    <dgm:cxn modelId="{E489912C-3C5A-40EC-8FF9-8C3DBFD66A25}" srcId="{3A16DF8B-2CC0-4B1B-8375-0559880C8BE2}" destId="{0027FCA6-A508-4996-BE68-6AC025F3DB46}" srcOrd="0" destOrd="0" parTransId="{926D8FCE-D7ED-4493-A85E-4AA697C549A2}" sibTransId="{928AA4B8-5F32-4E29-B2BC-D043F9CA6E46}"/>
+    <dgm:cxn modelId="{B1D50935-07ED-49C3-8713-C91E905CD16C}" type="presOf" srcId="{AC78C006-EDA3-4925-ACF9-E42FD98152A0}" destId="{CB5118B4-BBA3-4DD3-B6A1-93F805443CBE}" srcOrd="0" destOrd="0" presId="urn:microsoft.com/office/officeart/2016/7/layout/VerticalSolidActionList"/>
+    <dgm:cxn modelId="{7DAF8940-4C65-4A3A-BCA3-768123C5E8FF}" srcId="{AC78C006-EDA3-4925-ACF9-E42FD98152A0}" destId="{05426CEB-AD77-48F8-BB01-CD743C0484BA}" srcOrd="1" destOrd="0" parTransId="{E6F2A138-6348-4CD8-BA0D-7A40DFC31D4D}" sibTransId="{68028111-6149-4753-A9D0-B4C9907EF3E9}"/>
+    <dgm:cxn modelId="{582B9545-7CFC-4CE6-93D6-39BB961BC877}" srcId="{AC78C006-EDA3-4925-ACF9-E42FD98152A0}" destId="{9F8D48DC-6A50-47CD-A3F6-B72F3D26222F}" srcOrd="2" destOrd="0" parTransId="{B871D168-F454-49E6-9008-B0763437B9E6}" sibTransId="{DD4E7ED4-06FD-4A1A-9291-7C0E35209663}"/>
+    <dgm:cxn modelId="{9CB20767-B735-47FE-B61D-7658A235D3FB}" srcId="{5F49D653-CEED-4E05-A404-F9C27438677D}" destId="{D0CB7977-9B61-47FF-A5D7-BCB13A038AE4}" srcOrd="0" destOrd="0" parTransId="{9BF70B52-F014-426D-8B4A-F7B449655304}" sibTransId="{A7A70FEA-B38E-4C1B-9AD3-26A9A9A26C79}"/>
+    <dgm:cxn modelId="{CE195457-179B-4C82-BD01-052A10FCB622}" srcId="{05426CEB-AD77-48F8-BB01-CD743C0484BA}" destId="{929D43EA-D26F-479F-B784-865FD579CA86}" srcOrd="0" destOrd="0" parTransId="{54F145C7-160D-4453-8097-3357517809E3}" sibTransId="{A8E848B5-C5A1-4454-B7B5-4F5C19BFE032}"/>
+    <dgm:cxn modelId="{D8613E91-8B52-493D-AE38-92EF2FBF6F2A}" type="presOf" srcId="{CA1ACF9A-3D07-4E64-B4E8-E63E965657E9}" destId="{D17F2767-2475-4836-9533-D477035310A8}" srcOrd="0" destOrd="2" presId="urn:microsoft.com/office/officeart/2016/7/layout/VerticalSolidActionList"/>
+    <dgm:cxn modelId="{98FC82A0-8BC2-4194-A0D0-A83C297D0F94}" type="presOf" srcId="{05426CEB-AD77-48F8-BB01-CD743C0484BA}" destId="{A5C505C1-D7DC-4D53-B54D-6D2381FE1BE3}" srcOrd="0" destOrd="0" presId="urn:microsoft.com/office/officeart/2016/7/layout/VerticalSolidActionList"/>
+    <dgm:cxn modelId="{61E3B0AE-C2A7-467A-B3AE-DB5246657B5C}" type="presOf" srcId="{3A16DF8B-2CC0-4B1B-8375-0559880C8BE2}" destId="{FDB5E8B8-5490-4441-BEE5-D491833B5222}" srcOrd="0" destOrd="0" presId="urn:microsoft.com/office/officeart/2016/7/layout/VerticalSolidActionList"/>
+    <dgm:cxn modelId="{33139CB2-3104-47EA-8D65-B3F11912B7C1}" srcId="{AC78C006-EDA3-4925-ACF9-E42FD98152A0}" destId="{3A16DF8B-2CC0-4B1B-8375-0559880C8BE2}" srcOrd="0" destOrd="0" parTransId="{BA8DAF20-23B6-43E8-99CB-938673ACEB6F}" sibTransId="{8794A088-27D2-45D0-9452-335DEEEF854C}"/>
+    <dgm:cxn modelId="{64D38CBF-758F-4E70-84AC-169894317D90}" srcId="{929D43EA-D26F-479F-B784-865FD579CA86}" destId="{D042CC2E-4D76-4A96-80D6-6A23BF051B4A}" srcOrd="0" destOrd="0" parTransId="{F8261DE9-0A2E-4FD5-BAED-8E640666F75F}" sibTransId="{37E2E227-C0BC-494F-BD2C-DF6A1D802848}"/>
+    <dgm:cxn modelId="{2C202EC6-552F-48A0-9230-AC3A5C03201B}" type="presOf" srcId="{9F8D48DC-6A50-47CD-A3F6-B72F3D26222F}" destId="{95CE8702-7429-4BBE-B2F5-638C55648A22}" srcOrd="0" destOrd="0" presId="urn:microsoft.com/office/officeart/2016/7/layout/VerticalSolidActionList"/>
+    <dgm:cxn modelId="{2CC49AC6-0D1E-44CC-87CC-B9476D41C3FE}" srcId="{5F49D653-CEED-4E05-A404-F9C27438677D}" destId="{CA1ACF9A-3D07-4E64-B4E8-E63E965657E9}" srcOrd="1" destOrd="0" parTransId="{DD44612D-3574-4197-AFC8-72862ABADCFA}" sibTransId="{A8F11865-EB1C-4C7C-8F2D-3727B21AB7D0}"/>
+    <dgm:cxn modelId="{85DDCFDB-8D5E-40F7-999E-355F03C9508F}" type="presOf" srcId="{183C49A2-27E0-4F82-B94C-C36861C43271}" destId="{320FCFD0-D130-4E54-9268-6E53F4C6FF20}" srcOrd="0" destOrd="1" presId="urn:microsoft.com/office/officeart/2016/7/layout/VerticalSolidActionList"/>
+    <dgm:cxn modelId="{35FD32E6-F3A7-41FE-88B6-C64495730B14}" srcId="{0027FCA6-A508-4996-BE68-6AC025F3DB46}" destId="{183C49A2-27E0-4F82-B94C-C36861C43271}" srcOrd="0" destOrd="0" parTransId="{327413D4-D78D-41BA-A827-309D3563F201}" sibTransId="{10637BDA-159E-4177-B6FD-8FF83321312F}"/>
+    <dgm:cxn modelId="{112C9BE9-39E1-4AF3-A502-F06001738CAB}" srcId="{9F8D48DC-6A50-47CD-A3F6-B72F3D26222F}" destId="{5F49D653-CEED-4E05-A404-F9C27438677D}" srcOrd="0" destOrd="0" parTransId="{6262C97B-D7F4-4666-A330-82824EE26275}" sibTransId="{081939CF-9D2B-4C3C-B606-6F6442B97317}"/>
+    <dgm:cxn modelId="{133DF4D7-C1AB-4656-9570-69C86D61FB23}" type="presParOf" srcId="{CB5118B4-BBA3-4DD3-B6A1-93F805443CBE}" destId="{ED39C9E8-FEEF-4AE3-80C4-9E59E1F17825}" srcOrd="0" destOrd="0" presId="urn:microsoft.com/office/officeart/2016/7/layout/VerticalSolidActionList"/>
+    <dgm:cxn modelId="{1BF89BB3-D375-4372-A4FB-82474B71030E}" type="presParOf" srcId="{ED39C9E8-FEEF-4AE3-80C4-9E59E1F17825}" destId="{FDB5E8B8-5490-4441-BEE5-D491833B5222}" srcOrd="0" destOrd="0" presId="urn:microsoft.com/office/officeart/2016/7/layout/VerticalSolidActionList"/>
+    <dgm:cxn modelId="{9E9E7A23-AAA9-4F11-9029-B026C994C6E4}" type="presParOf" srcId="{ED39C9E8-FEEF-4AE3-80C4-9E59E1F17825}" destId="{320FCFD0-D130-4E54-9268-6E53F4C6FF20}" srcOrd="1" destOrd="0" presId="urn:microsoft.com/office/officeart/2016/7/layout/VerticalSolidActionList"/>
+    <dgm:cxn modelId="{9FAD08CF-ED60-4E52-A1E3-72982DBB0F64}" type="presParOf" srcId="{CB5118B4-BBA3-4DD3-B6A1-93F805443CBE}" destId="{7F066CFD-DDFF-40D4-B173-A0DB6631AFE4}" srcOrd="1" destOrd="0" presId="urn:microsoft.com/office/officeart/2016/7/layout/VerticalSolidActionList"/>
+    <dgm:cxn modelId="{FF6ADA46-36C9-4BBA-8187-B78228485609}" type="presParOf" srcId="{CB5118B4-BBA3-4DD3-B6A1-93F805443CBE}" destId="{C9D540CD-E2C1-4477-9269-1E6D58C07246}" srcOrd="2" destOrd="0" presId="urn:microsoft.com/office/officeart/2016/7/layout/VerticalSolidActionList"/>
+    <dgm:cxn modelId="{49F6DDBB-2303-4404-AF6E-7046DBD68AD0}" type="presParOf" srcId="{C9D540CD-E2C1-4477-9269-1E6D58C07246}" destId="{A5C505C1-D7DC-4D53-B54D-6D2381FE1BE3}" srcOrd="0" destOrd="0" presId="urn:microsoft.com/office/officeart/2016/7/layout/VerticalSolidActionList"/>
+    <dgm:cxn modelId="{33233C12-D16E-42A1-992F-67175C45C413}" type="presParOf" srcId="{C9D540CD-E2C1-4477-9269-1E6D58C07246}" destId="{A542DC08-3F3F-4EDB-B465-478215625B3A}" srcOrd="1" destOrd="0" presId="urn:microsoft.com/office/officeart/2016/7/layout/VerticalSolidActionList"/>
+    <dgm:cxn modelId="{BDE3046A-ACBB-4E46-B597-CEB280E48B37}" type="presParOf" srcId="{CB5118B4-BBA3-4DD3-B6A1-93F805443CBE}" destId="{B652E307-0F13-4CEE-AB7D-1DBF74A07BBB}" srcOrd="3" destOrd="0" presId="urn:microsoft.com/office/officeart/2016/7/layout/VerticalSolidActionList"/>
+    <dgm:cxn modelId="{855A04C8-C034-4DAB-A012-921EF3B789F3}" type="presParOf" srcId="{CB5118B4-BBA3-4DD3-B6A1-93F805443CBE}" destId="{ADDB9ACA-99F1-4602-B5B1-E1D8F042F307}" srcOrd="4" destOrd="0" presId="urn:microsoft.com/office/officeart/2016/7/layout/VerticalSolidActionList"/>
+    <dgm:cxn modelId="{0C0A77DB-9473-4290-A7D1-0BC6A1E85D17}" type="presParOf" srcId="{ADDB9ACA-99F1-4602-B5B1-E1D8F042F307}" destId="{95CE8702-7429-4BBE-B2F5-638C55648A22}" srcOrd="0" destOrd="0" presId="urn:microsoft.com/office/officeart/2016/7/layout/VerticalSolidActionList"/>
+    <dgm:cxn modelId="{DEC78130-E548-411B-BAC8-561BEC6DA76C}" type="presParOf" srcId="{ADDB9ACA-99F1-4602-B5B1-E1D8F042F307}" destId="{D17F2767-2475-4836-9533-D477035310A8}" srcOrd="1" destOrd="0" presId="urn:microsoft.com/office/officeart/2016/7/layout/VerticalSolidActionList"/>
   </dgm:cxnLst>
   <dgm:bg/>
   <dgm:whole/>
@@ -7534,472 +7652,6 @@
 </file>
 
 <file path=ppt/diagrams/data6.xml><?xml version="1.0" encoding="utf-8"?>
-<dgm:dataModel xmlns:dgm="http://schemas.openxmlformats.org/drawingml/2006/diagram" xmlns:a="http://schemas.openxmlformats.org/drawingml/2006/main">
-  <dgm:ptLst>
-    <dgm:pt modelId="{AC78C006-EDA3-4925-ACF9-E42FD98152A0}" type="doc">
-      <dgm:prSet loTypeId="urn:microsoft.com/office/officeart/2016/7/layout/VerticalSolidActionList" loCatId="List" qsTypeId="urn:microsoft.com/office/officeart/2005/8/quickstyle/simple1" qsCatId="simple" csTypeId="urn:microsoft.com/office/officeart/2005/8/colors/colorful2" csCatId="colorful" phldr="1"/>
-      <dgm:spPr/>
-      <dgm:t>
-        <a:bodyPr/>
-        <a:lstStyle/>
-        <a:p>
-          <a:endParaRPr lang="en-US"/>
-        </a:p>
-      </dgm:t>
-    </dgm:pt>
-    <dgm:pt modelId="{3A16DF8B-2CC0-4B1B-8375-0559880C8BE2}">
-      <dgm:prSet/>
-      <dgm:spPr/>
-      <dgm:t>
-        <a:bodyPr/>
-        <a:lstStyle/>
-        <a:p>
-          <a:r>
-            <a:rPr lang="en-US" dirty="0"/>
-            <a:t>Create</a:t>
-          </a:r>
-        </a:p>
-      </dgm:t>
-    </dgm:pt>
-    <dgm:pt modelId="{BA8DAF20-23B6-43E8-99CB-938673ACEB6F}" type="parTrans" cxnId="{33139CB2-3104-47EA-8D65-B3F11912B7C1}">
-      <dgm:prSet/>
-      <dgm:spPr/>
-      <dgm:t>
-        <a:bodyPr/>
-        <a:lstStyle/>
-        <a:p>
-          <a:endParaRPr lang="en-US"/>
-        </a:p>
-      </dgm:t>
-    </dgm:pt>
-    <dgm:pt modelId="{8794A088-27D2-45D0-9452-335DEEEF854C}" type="sibTrans" cxnId="{33139CB2-3104-47EA-8D65-B3F11912B7C1}">
-      <dgm:prSet/>
-      <dgm:spPr/>
-      <dgm:t>
-        <a:bodyPr/>
-        <a:lstStyle/>
-        <a:p>
-          <a:endParaRPr lang="en-US"/>
-        </a:p>
-      </dgm:t>
-    </dgm:pt>
-    <dgm:pt modelId="{0027FCA6-A508-4996-BE68-6AC025F3DB46}">
-      <dgm:prSet/>
-      <dgm:spPr/>
-      <dgm:t>
-        <a:bodyPr/>
-        <a:lstStyle/>
-        <a:p>
-          <a:r>
-            <a:rPr lang="en-US" dirty="0"/>
-            <a:t>Azure AD SPN for Terraform</a:t>
-          </a:r>
-        </a:p>
-      </dgm:t>
-    </dgm:pt>
-    <dgm:pt modelId="{926D8FCE-D7ED-4493-A85E-4AA697C549A2}" type="parTrans" cxnId="{E489912C-3C5A-40EC-8FF9-8C3DBFD66A25}">
-      <dgm:prSet/>
-      <dgm:spPr/>
-      <dgm:t>
-        <a:bodyPr/>
-        <a:lstStyle/>
-        <a:p>
-          <a:endParaRPr lang="en-US"/>
-        </a:p>
-      </dgm:t>
-    </dgm:pt>
-    <dgm:pt modelId="{928AA4B8-5F32-4E29-B2BC-D043F9CA6E46}" type="sibTrans" cxnId="{E489912C-3C5A-40EC-8FF9-8C3DBFD66A25}">
-      <dgm:prSet/>
-      <dgm:spPr/>
-      <dgm:t>
-        <a:bodyPr/>
-        <a:lstStyle/>
-        <a:p>
-          <a:endParaRPr lang="en-US"/>
-        </a:p>
-      </dgm:t>
-    </dgm:pt>
-    <dgm:pt modelId="{05426CEB-AD77-48F8-BB01-CD743C0484BA}">
-      <dgm:prSet/>
-      <dgm:spPr/>
-      <dgm:t>
-        <a:bodyPr/>
-        <a:lstStyle/>
-        <a:p>
-          <a:r>
-            <a:rPr lang="en-US"/>
-            <a:t>Build</a:t>
-          </a:r>
-        </a:p>
-      </dgm:t>
-    </dgm:pt>
-    <dgm:pt modelId="{E6F2A138-6348-4CD8-BA0D-7A40DFC31D4D}" type="parTrans" cxnId="{7DAF8940-4C65-4A3A-BCA3-768123C5E8FF}">
-      <dgm:prSet/>
-      <dgm:spPr/>
-      <dgm:t>
-        <a:bodyPr/>
-        <a:lstStyle/>
-        <a:p>
-          <a:endParaRPr lang="en-US"/>
-        </a:p>
-      </dgm:t>
-    </dgm:pt>
-    <dgm:pt modelId="{68028111-6149-4753-A9D0-B4C9907EF3E9}" type="sibTrans" cxnId="{7DAF8940-4C65-4A3A-BCA3-768123C5E8FF}">
-      <dgm:prSet/>
-      <dgm:spPr/>
-      <dgm:t>
-        <a:bodyPr/>
-        <a:lstStyle/>
-        <a:p>
-          <a:endParaRPr lang="en-US"/>
-        </a:p>
-      </dgm:t>
-    </dgm:pt>
-    <dgm:pt modelId="{929D43EA-D26F-479F-B784-865FD579CA86}">
-      <dgm:prSet/>
-      <dgm:spPr/>
-      <dgm:t>
-        <a:bodyPr/>
-        <a:lstStyle/>
-        <a:p>
-          <a:r>
-            <a:rPr lang="en-US" dirty="0"/>
-            <a:t>Build a VNET in East US using IP space of 10.10.0.0/16 in Terraform</a:t>
-          </a:r>
-        </a:p>
-      </dgm:t>
-    </dgm:pt>
-    <dgm:pt modelId="{54F145C7-160D-4453-8097-3357517809E3}" type="parTrans" cxnId="{CE195457-179B-4C82-BD01-052A10FCB622}">
-      <dgm:prSet/>
-      <dgm:spPr/>
-      <dgm:t>
-        <a:bodyPr/>
-        <a:lstStyle/>
-        <a:p>
-          <a:endParaRPr lang="en-US"/>
-        </a:p>
-      </dgm:t>
-    </dgm:pt>
-    <dgm:pt modelId="{A8E848B5-C5A1-4454-B7B5-4F5C19BFE032}" type="sibTrans" cxnId="{CE195457-179B-4C82-BD01-052A10FCB622}">
-      <dgm:prSet/>
-      <dgm:spPr/>
-      <dgm:t>
-        <a:bodyPr/>
-        <a:lstStyle/>
-        <a:p>
-          <a:endParaRPr lang="en-US"/>
-        </a:p>
-      </dgm:t>
-    </dgm:pt>
-    <dgm:pt modelId="{9F8D48DC-6A50-47CD-A3F6-B72F3D26222F}">
-      <dgm:prSet/>
-      <dgm:spPr/>
-      <dgm:t>
-        <a:bodyPr/>
-        <a:lstStyle/>
-        <a:p>
-          <a:r>
-            <a:rPr lang="en-US"/>
-            <a:t>Build</a:t>
-          </a:r>
-        </a:p>
-      </dgm:t>
-    </dgm:pt>
-    <dgm:pt modelId="{B871D168-F454-49E6-9008-B0763437B9E6}" type="parTrans" cxnId="{582B9545-7CFC-4CE6-93D6-39BB961BC877}">
-      <dgm:prSet/>
-      <dgm:spPr/>
-      <dgm:t>
-        <a:bodyPr/>
-        <a:lstStyle/>
-        <a:p>
-          <a:endParaRPr lang="en-US"/>
-        </a:p>
-      </dgm:t>
-    </dgm:pt>
-    <dgm:pt modelId="{DD4E7ED4-06FD-4A1A-9291-7C0E35209663}" type="sibTrans" cxnId="{582B9545-7CFC-4CE6-93D6-39BB961BC877}">
-      <dgm:prSet/>
-      <dgm:spPr/>
-      <dgm:t>
-        <a:bodyPr/>
-        <a:lstStyle/>
-        <a:p>
-          <a:endParaRPr lang="en-US"/>
-        </a:p>
-      </dgm:t>
-    </dgm:pt>
-    <dgm:pt modelId="{5F49D653-CEED-4E05-A404-F9C27438677D}">
-      <dgm:prSet/>
-      <dgm:spPr/>
-      <dgm:t>
-        <a:bodyPr/>
-        <a:lstStyle/>
-        <a:p>
-          <a:r>
-            <a:rPr lang="en-US" dirty="0"/>
-            <a:t>Build a VM in Terraform in East US</a:t>
-          </a:r>
-        </a:p>
-      </dgm:t>
-    </dgm:pt>
-    <dgm:pt modelId="{6262C97B-D7F4-4666-A330-82824EE26275}" type="parTrans" cxnId="{112C9BE9-39E1-4AF3-A502-F06001738CAB}">
-      <dgm:prSet/>
-      <dgm:spPr/>
-      <dgm:t>
-        <a:bodyPr/>
-        <a:lstStyle/>
-        <a:p>
-          <a:endParaRPr lang="en-US"/>
-        </a:p>
-      </dgm:t>
-    </dgm:pt>
-    <dgm:pt modelId="{081939CF-9D2B-4C3C-B606-6F6442B97317}" type="sibTrans" cxnId="{112C9BE9-39E1-4AF3-A502-F06001738CAB}">
-      <dgm:prSet/>
-      <dgm:spPr/>
-      <dgm:t>
-        <a:bodyPr/>
-        <a:lstStyle/>
-        <a:p>
-          <a:endParaRPr lang="en-US"/>
-        </a:p>
-      </dgm:t>
-    </dgm:pt>
-    <dgm:pt modelId="{D042CC2E-4D76-4A96-80D6-6A23BF051B4A}">
-      <dgm:prSet/>
-      <dgm:spPr/>
-      <dgm:t>
-        <a:bodyPr/>
-        <a:lstStyle/>
-        <a:p>
-          <a:r>
-            <a:rPr lang="en-US" dirty="0"/>
-            <a:t>Subnets </a:t>
-          </a:r>
-          <a:r>
-            <a:rPr lang="en-US" dirty="0" err="1"/>
-            <a:t>DefualtGateway</a:t>
-          </a:r>
-          <a:r>
-            <a:rPr lang="en-US" dirty="0"/>
-            <a:t>, AAA, DATA, APP, WEB using /24</a:t>
-          </a:r>
-        </a:p>
-      </dgm:t>
-    </dgm:pt>
-    <dgm:pt modelId="{F8261DE9-0A2E-4FD5-BAED-8E640666F75F}" type="parTrans" cxnId="{64D38CBF-758F-4E70-84AC-169894317D90}">
-      <dgm:prSet/>
-      <dgm:spPr/>
-      <dgm:t>
-        <a:bodyPr/>
-        <a:lstStyle/>
-        <a:p>
-          <a:endParaRPr lang="en-US"/>
-        </a:p>
-      </dgm:t>
-    </dgm:pt>
-    <dgm:pt modelId="{37E2E227-C0BC-494F-BD2C-DF6A1D802848}" type="sibTrans" cxnId="{64D38CBF-758F-4E70-84AC-169894317D90}">
-      <dgm:prSet/>
-      <dgm:spPr/>
-      <dgm:t>
-        <a:bodyPr/>
-        <a:lstStyle/>
-        <a:p>
-          <a:endParaRPr lang="en-US"/>
-        </a:p>
-      </dgm:t>
-    </dgm:pt>
-    <dgm:pt modelId="{183C49A2-27E0-4F82-B94C-C36861C43271}">
-      <dgm:prSet/>
-      <dgm:spPr/>
-      <dgm:t>
-        <a:bodyPr/>
-        <a:lstStyle/>
-        <a:p>
-          <a:r>
-            <a:rPr lang="en-US" dirty="0"/>
-            <a:t>Update Terraform Authentication Script Block</a:t>
-          </a:r>
-        </a:p>
-      </dgm:t>
-    </dgm:pt>
-    <dgm:pt modelId="{327413D4-D78D-41BA-A827-309D3563F201}" type="parTrans" cxnId="{35FD32E6-F3A7-41FE-88B6-C64495730B14}">
-      <dgm:prSet/>
-      <dgm:spPr/>
-    </dgm:pt>
-    <dgm:pt modelId="{10637BDA-159E-4177-B6FD-8FF83321312F}" type="sibTrans" cxnId="{35FD32E6-F3A7-41FE-88B6-C64495730B14}">
-      <dgm:prSet/>
-      <dgm:spPr/>
-    </dgm:pt>
-    <dgm:pt modelId="{D0CB7977-9B61-47FF-A5D7-BCB13A038AE4}">
-      <dgm:prSet/>
-      <dgm:spPr/>
-      <dgm:t>
-        <a:bodyPr/>
-        <a:lstStyle/>
-        <a:p>
-          <a:r>
-            <a:rPr lang="en-US" dirty="0"/>
-            <a:t>Leverage VNET</a:t>
-          </a:r>
-        </a:p>
-      </dgm:t>
-    </dgm:pt>
-    <dgm:pt modelId="{9BF70B52-F014-426D-8B4A-F7B449655304}" type="parTrans" cxnId="{9CB20767-B735-47FE-B61D-7658A235D3FB}">
-      <dgm:prSet/>
-      <dgm:spPr/>
-    </dgm:pt>
-    <dgm:pt modelId="{A7A70FEA-B38E-4C1B-9AD3-26A9A9A26C79}" type="sibTrans" cxnId="{9CB20767-B735-47FE-B61D-7658A235D3FB}">
-      <dgm:prSet/>
-      <dgm:spPr/>
-    </dgm:pt>
-    <dgm:pt modelId="{CA1ACF9A-3D07-4E64-B4E8-E63E965657E9}">
-      <dgm:prSet/>
-      <dgm:spPr/>
-      <dgm:t>
-        <a:bodyPr/>
-        <a:lstStyle/>
-        <a:p>
-          <a:r>
-            <a:rPr lang="en-US" dirty="0"/>
-            <a:t>Create a Storage Diagnostic Account to Leverage</a:t>
-          </a:r>
-        </a:p>
-      </dgm:t>
-    </dgm:pt>
-    <dgm:pt modelId="{DD44612D-3574-4197-AFC8-72862ABADCFA}" type="parTrans" cxnId="{2CC49AC6-0D1E-44CC-87CC-B9476D41C3FE}">
-      <dgm:prSet/>
-      <dgm:spPr/>
-    </dgm:pt>
-    <dgm:pt modelId="{A8F11865-EB1C-4C7C-8F2D-3727B21AB7D0}" type="sibTrans" cxnId="{2CC49AC6-0D1E-44CC-87CC-B9476D41C3FE}">
-      <dgm:prSet/>
-      <dgm:spPr/>
-    </dgm:pt>
-    <dgm:pt modelId="{CB5118B4-BBA3-4DD3-B6A1-93F805443CBE}" type="pres">
-      <dgm:prSet presAssocID="{AC78C006-EDA3-4925-ACF9-E42FD98152A0}" presName="Name0" presStyleCnt="0">
-        <dgm:presLayoutVars>
-          <dgm:dir/>
-          <dgm:animLvl val="lvl"/>
-          <dgm:resizeHandles val="exact"/>
-        </dgm:presLayoutVars>
-      </dgm:prSet>
-      <dgm:spPr/>
-    </dgm:pt>
-    <dgm:pt modelId="{ED39C9E8-FEEF-4AE3-80C4-9E59E1F17825}" type="pres">
-      <dgm:prSet presAssocID="{3A16DF8B-2CC0-4B1B-8375-0559880C8BE2}" presName="linNode" presStyleCnt="0"/>
-      <dgm:spPr/>
-    </dgm:pt>
-    <dgm:pt modelId="{FDB5E8B8-5490-4441-BEE5-D491833B5222}" type="pres">
-      <dgm:prSet presAssocID="{3A16DF8B-2CC0-4B1B-8375-0559880C8BE2}" presName="parentText" presStyleLbl="alignNode1" presStyleIdx="0" presStyleCnt="3">
-        <dgm:presLayoutVars>
-          <dgm:chMax val="1"/>
-          <dgm:bulletEnabled/>
-        </dgm:presLayoutVars>
-      </dgm:prSet>
-      <dgm:spPr/>
-    </dgm:pt>
-    <dgm:pt modelId="{320FCFD0-D130-4E54-9268-6E53F4C6FF20}" type="pres">
-      <dgm:prSet presAssocID="{3A16DF8B-2CC0-4B1B-8375-0559880C8BE2}" presName="descendantText" presStyleLbl="alignAccFollowNode1" presStyleIdx="0" presStyleCnt="3">
-        <dgm:presLayoutVars>
-          <dgm:bulletEnabled/>
-        </dgm:presLayoutVars>
-      </dgm:prSet>
-      <dgm:spPr/>
-    </dgm:pt>
-    <dgm:pt modelId="{7F066CFD-DDFF-40D4-B173-A0DB6631AFE4}" type="pres">
-      <dgm:prSet presAssocID="{8794A088-27D2-45D0-9452-335DEEEF854C}" presName="sp" presStyleCnt="0"/>
-      <dgm:spPr/>
-    </dgm:pt>
-    <dgm:pt modelId="{C9D540CD-E2C1-4477-9269-1E6D58C07246}" type="pres">
-      <dgm:prSet presAssocID="{05426CEB-AD77-48F8-BB01-CD743C0484BA}" presName="linNode" presStyleCnt="0"/>
-      <dgm:spPr/>
-    </dgm:pt>
-    <dgm:pt modelId="{A5C505C1-D7DC-4D53-B54D-6D2381FE1BE3}" type="pres">
-      <dgm:prSet presAssocID="{05426CEB-AD77-48F8-BB01-CD743C0484BA}" presName="parentText" presStyleLbl="alignNode1" presStyleIdx="1" presStyleCnt="3">
-        <dgm:presLayoutVars>
-          <dgm:chMax val="1"/>
-          <dgm:bulletEnabled/>
-        </dgm:presLayoutVars>
-      </dgm:prSet>
-      <dgm:spPr/>
-    </dgm:pt>
-    <dgm:pt modelId="{A542DC08-3F3F-4EDB-B465-478215625B3A}" type="pres">
-      <dgm:prSet presAssocID="{05426CEB-AD77-48F8-BB01-CD743C0484BA}" presName="descendantText" presStyleLbl="alignAccFollowNode1" presStyleIdx="1" presStyleCnt="3">
-        <dgm:presLayoutVars>
-          <dgm:bulletEnabled/>
-        </dgm:presLayoutVars>
-      </dgm:prSet>
-      <dgm:spPr/>
-    </dgm:pt>
-    <dgm:pt modelId="{B652E307-0F13-4CEE-AB7D-1DBF74A07BBB}" type="pres">
-      <dgm:prSet presAssocID="{68028111-6149-4753-A9D0-B4C9907EF3E9}" presName="sp" presStyleCnt="0"/>
-      <dgm:spPr/>
-    </dgm:pt>
-    <dgm:pt modelId="{ADDB9ACA-99F1-4602-B5B1-E1D8F042F307}" type="pres">
-      <dgm:prSet presAssocID="{9F8D48DC-6A50-47CD-A3F6-B72F3D26222F}" presName="linNode" presStyleCnt="0"/>
-      <dgm:spPr/>
-    </dgm:pt>
-    <dgm:pt modelId="{95CE8702-7429-4BBE-B2F5-638C55648A22}" type="pres">
-      <dgm:prSet presAssocID="{9F8D48DC-6A50-47CD-A3F6-B72F3D26222F}" presName="parentText" presStyleLbl="alignNode1" presStyleIdx="2" presStyleCnt="3">
-        <dgm:presLayoutVars>
-          <dgm:chMax val="1"/>
-          <dgm:bulletEnabled/>
-        </dgm:presLayoutVars>
-      </dgm:prSet>
-      <dgm:spPr/>
-    </dgm:pt>
-    <dgm:pt modelId="{D17F2767-2475-4836-9533-D477035310A8}" type="pres">
-      <dgm:prSet presAssocID="{9F8D48DC-6A50-47CD-A3F6-B72F3D26222F}" presName="descendantText" presStyleLbl="alignAccFollowNode1" presStyleIdx="2" presStyleCnt="3">
-        <dgm:presLayoutVars>
-          <dgm:bulletEnabled/>
-        </dgm:presLayoutVars>
-      </dgm:prSet>
-      <dgm:spPr/>
-    </dgm:pt>
-  </dgm:ptLst>
-  <dgm:cxnLst>
-    <dgm:cxn modelId="{921C2201-F4EC-4F0E-BCF7-7FAF2A89C40A}" type="presOf" srcId="{929D43EA-D26F-479F-B784-865FD579CA86}" destId="{A542DC08-3F3F-4EDB-B465-478215625B3A}" srcOrd="0" destOrd="0" presId="urn:microsoft.com/office/officeart/2016/7/layout/VerticalSolidActionList"/>
-    <dgm:cxn modelId="{B49A090B-4E2E-4EB1-A987-BCDE84612CB1}" type="presOf" srcId="{D0CB7977-9B61-47FF-A5D7-BCB13A038AE4}" destId="{D17F2767-2475-4836-9533-D477035310A8}" srcOrd="0" destOrd="1" presId="urn:microsoft.com/office/officeart/2016/7/layout/VerticalSolidActionList"/>
-    <dgm:cxn modelId="{FDD9040E-A3C3-4A29-9458-9ED69B62D6EF}" type="presOf" srcId="{5F49D653-CEED-4E05-A404-F9C27438677D}" destId="{D17F2767-2475-4836-9533-D477035310A8}" srcOrd="0" destOrd="0" presId="urn:microsoft.com/office/officeart/2016/7/layout/VerticalSolidActionList"/>
-    <dgm:cxn modelId="{3FFEFA27-7145-4BA9-9985-92748CDDB471}" type="presOf" srcId="{0027FCA6-A508-4996-BE68-6AC025F3DB46}" destId="{320FCFD0-D130-4E54-9268-6E53F4C6FF20}" srcOrd="0" destOrd="0" presId="urn:microsoft.com/office/officeart/2016/7/layout/VerticalSolidActionList"/>
-    <dgm:cxn modelId="{47FC8428-C896-4244-9581-C59667DA4D8F}" type="presOf" srcId="{D042CC2E-4D76-4A96-80D6-6A23BF051B4A}" destId="{A542DC08-3F3F-4EDB-B465-478215625B3A}" srcOrd="0" destOrd="1" presId="urn:microsoft.com/office/officeart/2016/7/layout/VerticalSolidActionList"/>
-    <dgm:cxn modelId="{E489912C-3C5A-40EC-8FF9-8C3DBFD66A25}" srcId="{3A16DF8B-2CC0-4B1B-8375-0559880C8BE2}" destId="{0027FCA6-A508-4996-BE68-6AC025F3DB46}" srcOrd="0" destOrd="0" parTransId="{926D8FCE-D7ED-4493-A85E-4AA697C549A2}" sibTransId="{928AA4B8-5F32-4E29-B2BC-D043F9CA6E46}"/>
-    <dgm:cxn modelId="{B1D50935-07ED-49C3-8713-C91E905CD16C}" type="presOf" srcId="{AC78C006-EDA3-4925-ACF9-E42FD98152A0}" destId="{CB5118B4-BBA3-4DD3-B6A1-93F805443CBE}" srcOrd="0" destOrd="0" presId="urn:microsoft.com/office/officeart/2016/7/layout/VerticalSolidActionList"/>
-    <dgm:cxn modelId="{7DAF8940-4C65-4A3A-BCA3-768123C5E8FF}" srcId="{AC78C006-EDA3-4925-ACF9-E42FD98152A0}" destId="{05426CEB-AD77-48F8-BB01-CD743C0484BA}" srcOrd="1" destOrd="0" parTransId="{E6F2A138-6348-4CD8-BA0D-7A40DFC31D4D}" sibTransId="{68028111-6149-4753-A9D0-B4C9907EF3E9}"/>
-    <dgm:cxn modelId="{582B9545-7CFC-4CE6-93D6-39BB961BC877}" srcId="{AC78C006-EDA3-4925-ACF9-E42FD98152A0}" destId="{9F8D48DC-6A50-47CD-A3F6-B72F3D26222F}" srcOrd="2" destOrd="0" parTransId="{B871D168-F454-49E6-9008-B0763437B9E6}" sibTransId="{DD4E7ED4-06FD-4A1A-9291-7C0E35209663}"/>
-    <dgm:cxn modelId="{9CB20767-B735-47FE-B61D-7658A235D3FB}" srcId="{5F49D653-CEED-4E05-A404-F9C27438677D}" destId="{D0CB7977-9B61-47FF-A5D7-BCB13A038AE4}" srcOrd="0" destOrd="0" parTransId="{9BF70B52-F014-426D-8B4A-F7B449655304}" sibTransId="{A7A70FEA-B38E-4C1B-9AD3-26A9A9A26C79}"/>
-    <dgm:cxn modelId="{CE195457-179B-4C82-BD01-052A10FCB622}" srcId="{05426CEB-AD77-48F8-BB01-CD743C0484BA}" destId="{929D43EA-D26F-479F-B784-865FD579CA86}" srcOrd="0" destOrd="0" parTransId="{54F145C7-160D-4453-8097-3357517809E3}" sibTransId="{A8E848B5-C5A1-4454-B7B5-4F5C19BFE032}"/>
-    <dgm:cxn modelId="{D8613E91-8B52-493D-AE38-92EF2FBF6F2A}" type="presOf" srcId="{CA1ACF9A-3D07-4E64-B4E8-E63E965657E9}" destId="{D17F2767-2475-4836-9533-D477035310A8}" srcOrd="0" destOrd="2" presId="urn:microsoft.com/office/officeart/2016/7/layout/VerticalSolidActionList"/>
-    <dgm:cxn modelId="{98FC82A0-8BC2-4194-A0D0-A83C297D0F94}" type="presOf" srcId="{05426CEB-AD77-48F8-BB01-CD743C0484BA}" destId="{A5C505C1-D7DC-4D53-B54D-6D2381FE1BE3}" srcOrd="0" destOrd="0" presId="urn:microsoft.com/office/officeart/2016/7/layout/VerticalSolidActionList"/>
-    <dgm:cxn modelId="{61E3B0AE-C2A7-467A-B3AE-DB5246657B5C}" type="presOf" srcId="{3A16DF8B-2CC0-4B1B-8375-0559880C8BE2}" destId="{FDB5E8B8-5490-4441-BEE5-D491833B5222}" srcOrd="0" destOrd="0" presId="urn:microsoft.com/office/officeart/2016/7/layout/VerticalSolidActionList"/>
-    <dgm:cxn modelId="{33139CB2-3104-47EA-8D65-B3F11912B7C1}" srcId="{AC78C006-EDA3-4925-ACF9-E42FD98152A0}" destId="{3A16DF8B-2CC0-4B1B-8375-0559880C8BE2}" srcOrd="0" destOrd="0" parTransId="{BA8DAF20-23B6-43E8-99CB-938673ACEB6F}" sibTransId="{8794A088-27D2-45D0-9452-335DEEEF854C}"/>
-    <dgm:cxn modelId="{64D38CBF-758F-4E70-84AC-169894317D90}" srcId="{929D43EA-D26F-479F-B784-865FD579CA86}" destId="{D042CC2E-4D76-4A96-80D6-6A23BF051B4A}" srcOrd="0" destOrd="0" parTransId="{F8261DE9-0A2E-4FD5-BAED-8E640666F75F}" sibTransId="{37E2E227-C0BC-494F-BD2C-DF6A1D802848}"/>
-    <dgm:cxn modelId="{2C202EC6-552F-48A0-9230-AC3A5C03201B}" type="presOf" srcId="{9F8D48DC-6A50-47CD-A3F6-B72F3D26222F}" destId="{95CE8702-7429-4BBE-B2F5-638C55648A22}" srcOrd="0" destOrd="0" presId="urn:microsoft.com/office/officeart/2016/7/layout/VerticalSolidActionList"/>
-    <dgm:cxn modelId="{2CC49AC6-0D1E-44CC-87CC-B9476D41C3FE}" srcId="{5F49D653-CEED-4E05-A404-F9C27438677D}" destId="{CA1ACF9A-3D07-4E64-B4E8-E63E965657E9}" srcOrd="1" destOrd="0" parTransId="{DD44612D-3574-4197-AFC8-72862ABADCFA}" sibTransId="{A8F11865-EB1C-4C7C-8F2D-3727B21AB7D0}"/>
-    <dgm:cxn modelId="{85DDCFDB-8D5E-40F7-999E-355F03C9508F}" type="presOf" srcId="{183C49A2-27E0-4F82-B94C-C36861C43271}" destId="{320FCFD0-D130-4E54-9268-6E53F4C6FF20}" srcOrd="0" destOrd="1" presId="urn:microsoft.com/office/officeart/2016/7/layout/VerticalSolidActionList"/>
-    <dgm:cxn modelId="{35FD32E6-F3A7-41FE-88B6-C64495730B14}" srcId="{0027FCA6-A508-4996-BE68-6AC025F3DB46}" destId="{183C49A2-27E0-4F82-B94C-C36861C43271}" srcOrd="0" destOrd="0" parTransId="{327413D4-D78D-41BA-A827-309D3563F201}" sibTransId="{10637BDA-159E-4177-B6FD-8FF83321312F}"/>
-    <dgm:cxn modelId="{112C9BE9-39E1-4AF3-A502-F06001738CAB}" srcId="{9F8D48DC-6A50-47CD-A3F6-B72F3D26222F}" destId="{5F49D653-CEED-4E05-A404-F9C27438677D}" srcOrd="0" destOrd="0" parTransId="{6262C97B-D7F4-4666-A330-82824EE26275}" sibTransId="{081939CF-9D2B-4C3C-B606-6F6442B97317}"/>
-    <dgm:cxn modelId="{133DF4D7-C1AB-4656-9570-69C86D61FB23}" type="presParOf" srcId="{CB5118B4-BBA3-4DD3-B6A1-93F805443CBE}" destId="{ED39C9E8-FEEF-4AE3-80C4-9E59E1F17825}" srcOrd="0" destOrd="0" presId="urn:microsoft.com/office/officeart/2016/7/layout/VerticalSolidActionList"/>
-    <dgm:cxn modelId="{1BF89BB3-D375-4372-A4FB-82474B71030E}" type="presParOf" srcId="{ED39C9E8-FEEF-4AE3-80C4-9E59E1F17825}" destId="{FDB5E8B8-5490-4441-BEE5-D491833B5222}" srcOrd="0" destOrd="0" presId="urn:microsoft.com/office/officeart/2016/7/layout/VerticalSolidActionList"/>
-    <dgm:cxn modelId="{9E9E7A23-AAA9-4F11-9029-B026C994C6E4}" type="presParOf" srcId="{ED39C9E8-FEEF-4AE3-80C4-9E59E1F17825}" destId="{320FCFD0-D130-4E54-9268-6E53F4C6FF20}" srcOrd="1" destOrd="0" presId="urn:microsoft.com/office/officeart/2016/7/layout/VerticalSolidActionList"/>
-    <dgm:cxn modelId="{9FAD08CF-ED60-4E52-A1E3-72982DBB0F64}" type="presParOf" srcId="{CB5118B4-BBA3-4DD3-B6A1-93F805443CBE}" destId="{7F066CFD-DDFF-40D4-B173-A0DB6631AFE4}" srcOrd="1" destOrd="0" presId="urn:microsoft.com/office/officeart/2016/7/layout/VerticalSolidActionList"/>
-    <dgm:cxn modelId="{FF6ADA46-36C9-4BBA-8187-B78228485609}" type="presParOf" srcId="{CB5118B4-BBA3-4DD3-B6A1-93F805443CBE}" destId="{C9D540CD-E2C1-4477-9269-1E6D58C07246}" srcOrd="2" destOrd="0" presId="urn:microsoft.com/office/officeart/2016/7/layout/VerticalSolidActionList"/>
-    <dgm:cxn modelId="{49F6DDBB-2303-4404-AF6E-7046DBD68AD0}" type="presParOf" srcId="{C9D540CD-E2C1-4477-9269-1E6D58C07246}" destId="{A5C505C1-D7DC-4D53-B54D-6D2381FE1BE3}" srcOrd="0" destOrd="0" presId="urn:microsoft.com/office/officeart/2016/7/layout/VerticalSolidActionList"/>
-    <dgm:cxn modelId="{33233C12-D16E-42A1-992F-67175C45C413}" type="presParOf" srcId="{C9D540CD-E2C1-4477-9269-1E6D58C07246}" destId="{A542DC08-3F3F-4EDB-B465-478215625B3A}" srcOrd="1" destOrd="0" presId="urn:microsoft.com/office/officeart/2016/7/layout/VerticalSolidActionList"/>
-    <dgm:cxn modelId="{BDE3046A-ACBB-4E46-B597-CEB280E48B37}" type="presParOf" srcId="{CB5118B4-BBA3-4DD3-B6A1-93F805443CBE}" destId="{B652E307-0F13-4CEE-AB7D-1DBF74A07BBB}" srcOrd="3" destOrd="0" presId="urn:microsoft.com/office/officeart/2016/7/layout/VerticalSolidActionList"/>
-    <dgm:cxn modelId="{855A04C8-C034-4DAB-A012-921EF3B789F3}" type="presParOf" srcId="{CB5118B4-BBA3-4DD3-B6A1-93F805443CBE}" destId="{ADDB9ACA-99F1-4602-B5B1-E1D8F042F307}" srcOrd="4" destOrd="0" presId="urn:microsoft.com/office/officeart/2016/7/layout/VerticalSolidActionList"/>
-    <dgm:cxn modelId="{0C0A77DB-9473-4290-A7D1-0BC6A1E85D17}" type="presParOf" srcId="{ADDB9ACA-99F1-4602-B5B1-E1D8F042F307}" destId="{95CE8702-7429-4BBE-B2F5-638C55648A22}" srcOrd="0" destOrd="0" presId="urn:microsoft.com/office/officeart/2016/7/layout/VerticalSolidActionList"/>
-    <dgm:cxn modelId="{DEC78130-E548-411B-BAC8-561BEC6DA76C}" type="presParOf" srcId="{ADDB9ACA-99F1-4602-B5B1-E1D8F042F307}" destId="{D17F2767-2475-4836-9533-D477035310A8}" srcOrd="1" destOrd="0" presId="urn:microsoft.com/office/officeart/2016/7/layout/VerticalSolidActionList"/>
-  </dgm:cxnLst>
-  <dgm:bg/>
-  <dgm:whole/>
-  <dgm:extLst>
-    <a:ext uri="http://schemas.microsoft.com/office/drawing/2008/diagram">
-      <dsp:dataModelExt xmlns:dsp="http://schemas.microsoft.com/office/drawing/2008/diagram" relId="rId7" minVer="http://schemas.openxmlformats.org/drawingml/2006/diagram"/>
-    </a:ext>
-  </dgm:extLst>
-</dgm:dataModel>
-</file>
-
-<file path=ppt/diagrams/data7.xml><?xml version="1.0" encoding="utf-8"?>
 <dgm:dataModel xmlns:dgm="http://schemas.openxmlformats.org/drawingml/2006/diagram" xmlns:a="http://schemas.openxmlformats.org/drawingml/2006/main">
   <dgm:ptLst>
     <dgm:pt modelId="{AC78C006-EDA3-4925-ACF9-E42FD98152A0}" type="doc">
@@ -8679,6 +8331,357 @@
     <dgm:cxn modelId="{855A04C8-C034-4DAB-A012-921EF3B789F3}" type="presParOf" srcId="{CB5118B4-BBA3-4DD3-B6A1-93F805443CBE}" destId="{ADDB9ACA-99F1-4602-B5B1-E1D8F042F307}" srcOrd="4" destOrd="0" presId="urn:microsoft.com/office/officeart/2016/7/layout/VerticalSolidActionList"/>
     <dgm:cxn modelId="{0C0A77DB-9473-4290-A7D1-0BC6A1E85D17}" type="presParOf" srcId="{ADDB9ACA-99F1-4602-B5B1-E1D8F042F307}" destId="{95CE8702-7429-4BBE-B2F5-638C55648A22}" srcOrd="0" destOrd="0" presId="urn:microsoft.com/office/officeart/2016/7/layout/VerticalSolidActionList"/>
     <dgm:cxn modelId="{DEC78130-E548-411B-BAC8-561BEC6DA76C}" type="presParOf" srcId="{ADDB9ACA-99F1-4602-B5B1-E1D8F042F307}" destId="{D17F2767-2475-4836-9533-D477035310A8}" srcOrd="1" destOrd="0" presId="urn:microsoft.com/office/officeart/2016/7/layout/VerticalSolidActionList"/>
+  </dgm:cxnLst>
+  <dgm:bg/>
+  <dgm:whole/>
+  <dgm:extLst>
+    <a:ext uri="http://schemas.microsoft.com/office/drawing/2008/diagram">
+      <dsp:dataModelExt xmlns:dsp="http://schemas.microsoft.com/office/drawing/2008/diagram" relId="rId7" minVer="http://schemas.openxmlformats.org/drawingml/2006/diagram"/>
+    </a:ext>
+  </dgm:extLst>
+</dgm:dataModel>
+</file>
+
+<file path=ppt/diagrams/data7.xml><?xml version="1.0" encoding="utf-8"?>
+<dgm:dataModel xmlns:dgm="http://schemas.openxmlformats.org/drawingml/2006/diagram" xmlns:a="http://schemas.openxmlformats.org/drawingml/2006/main">
+  <dgm:ptLst>
+    <dgm:pt modelId="{CD653842-16E9-496D-95EE-A621B93C4FDC}" type="doc">
+      <dgm:prSet loTypeId="urn:microsoft.com/office/officeart/2016/7/layout/VerticalDownArrowProcess" loCatId="process" qsTypeId="urn:microsoft.com/office/officeart/2005/8/quickstyle/simple1" qsCatId="simple" csTypeId="urn:microsoft.com/office/officeart/2005/8/colors/colorful2" csCatId="colorful" phldr="1"/>
+      <dgm:spPr/>
+      <dgm:t>
+        <a:bodyPr/>
+        <a:lstStyle/>
+        <a:p>
+          <a:endParaRPr lang="en-US"/>
+        </a:p>
+      </dgm:t>
+    </dgm:pt>
+    <dgm:pt modelId="{EB2E1EC4-4BD7-4190-BD8E-01CEFBF2A6DF}">
+      <dgm:prSet/>
+      <dgm:spPr/>
+      <dgm:t>
+        <a:bodyPr/>
+        <a:lstStyle/>
+        <a:p>
+          <a:r>
+            <a:rPr lang="en-US"/>
+            <a:t>Create</a:t>
+          </a:r>
+        </a:p>
+      </dgm:t>
+    </dgm:pt>
+    <dgm:pt modelId="{16B31BC9-C3CE-4A03-B4EE-6ABE8B0BB674}" type="parTrans" cxnId="{136FD677-8942-4314-8E8D-5BCE7A484079}">
+      <dgm:prSet/>
+      <dgm:spPr/>
+      <dgm:t>
+        <a:bodyPr/>
+        <a:lstStyle/>
+        <a:p>
+          <a:endParaRPr lang="en-US"/>
+        </a:p>
+      </dgm:t>
+    </dgm:pt>
+    <dgm:pt modelId="{F52C468A-4DBC-41B3-988F-343EA0C1777F}" type="sibTrans" cxnId="{136FD677-8942-4314-8E8D-5BCE7A484079}">
+      <dgm:prSet/>
+      <dgm:spPr/>
+      <dgm:t>
+        <a:bodyPr/>
+        <a:lstStyle/>
+        <a:p>
+          <a:endParaRPr lang="en-US"/>
+        </a:p>
+      </dgm:t>
+    </dgm:pt>
+    <dgm:pt modelId="{CC8EAE76-D16C-48A5-BB66-E9A2215AB5B4}">
+      <dgm:prSet/>
+      <dgm:spPr/>
+      <dgm:t>
+        <a:bodyPr/>
+        <a:lstStyle/>
+        <a:p>
+          <a:r>
+            <a:rPr lang="en-US" b="0" dirty="0"/>
+            <a:t>An Azure </a:t>
+          </a:r>
+          <a:r>
+            <a:rPr lang="en-US" b="0" dirty="0" err="1"/>
+            <a:t>KeyVault</a:t>
+          </a:r>
+          <a:endParaRPr lang="en-US" b="0" dirty="0"/>
+        </a:p>
+      </dgm:t>
+    </dgm:pt>
+    <dgm:pt modelId="{C042DA25-FC5A-4F9E-8B64-3588D9D27E5C}" type="parTrans" cxnId="{FA77D045-A28A-4250-9078-A0CF2A871954}">
+      <dgm:prSet/>
+      <dgm:spPr/>
+      <dgm:t>
+        <a:bodyPr/>
+        <a:lstStyle/>
+        <a:p>
+          <a:endParaRPr lang="en-US"/>
+        </a:p>
+      </dgm:t>
+    </dgm:pt>
+    <dgm:pt modelId="{9DB2856F-32F6-45BC-AF6B-956844F20C7E}" type="sibTrans" cxnId="{FA77D045-A28A-4250-9078-A0CF2A871954}">
+      <dgm:prSet/>
+      <dgm:spPr/>
+      <dgm:t>
+        <a:bodyPr/>
+        <a:lstStyle/>
+        <a:p>
+          <a:endParaRPr lang="en-US"/>
+        </a:p>
+      </dgm:t>
+    </dgm:pt>
+    <dgm:pt modelId="{E42A3153-5F40-4648-9A4D-C9826E356CDD}">
+      <dgm:prSet/>
+      <dgm:spPr/>
+      <dgm:t>
+        <a:bodyPr/>
+        <a:lstStyle/>
+        <a:p>
+          <a:r>
+            <a:rPr lang="en-US" dirty="0"/>
+            <a:t>Store</a:t>
+          </a:r>
+        </a:p>
+      </dgm:t>
+    </dgm:pt>
+    <dgm:pt modelId="{2C897784-1461-4611-83BF-3E5FE05A1E42}" type="parTrans" cxnId="{DB10210C-9D80-497E-9206-A08C734E1113}">
+      <dgm:prSet/>
+      <dgm:spPr/>
+      <dgm:t>
+        <a:bodyPr/>
+        <a:lstStyle/>
+        <a:p>
+          <a:endParaRPr lang="en-US"/>
+        </a:p>
+      </dgm:t>
+    </dgm:pt>
+    <dgm:pt modelId="{AAA1D5C4-7DDB-49BC-A303-5658CD361B00}" type="sibTrans" cxnId="{DB10210C-9D80-497E-9206-A08C734E1113}">
+      <dgm:prSet/>
+      <dgm:spPr/>
+      <dgm:t>
+        <a:bodyPr/>
+        <a:lstStyle/>
+        <a:p>
+          <a:endParaRPr lang="en-US"/>
+        </a:p>
+      </dgm:t>
+    </dgm:pt>
+    <dgm:pt modelId="{4163E243-74C1-4F97-9DB7-CD4E0C23CE7C}">
+      <dgm:prSet/>
+      <dgm:spPr/>
+      <dgm:t>
+        <a:bodyPr/>
+        <a:lstStyle/>
+        <a:p>
+          <a:r>
+            <a:rPr lang="en-US" dirty="0"/>
+            <a:t>Store secrets in Azure </a:t>
+          </a:r>
+          <a:r>
+            <a:rPr lang="en-US" dirty="0" err="1"/>
+            <a:t>KeyVault</a:t>
+          </a:r>
+          <a:endParaRPr lang="en-US" dirty="0"/>
+        </a:p>
+      </dgm:t>
+    </dgm:pt>
+    <dgm:pt modelId="{78F92F42-6743-4C06-B6FE-F280685B6BD6}" type="parTrans" cxnId="{8E90ABF2-8693-4F0F-A174-0CEFD7F18DD4}">
+      <dgm:prSet/>
+      <dgm:spPr/>
+      <dgm:t>
+        <a:bodyPr/>
+        <a:lstStyle/>
+        <a:p>
+          <a:endParaRPr lang="en-US"/>
+        </a:p>
+      </dgm:t>
+    </dgm:pt>
+    <dgm:pt modelId="{B8339AE3-6837-473E-9306-A445E211939C}" type="sibTrans" cxnId="{8E90ABF2-8693-4F0F-A174-0CEFD7F18DD4}">
+      <dgm:prSet/>
+      <dgm:spPr/>
+      <dgm:t>
+        <a:bodyPr/>
+        <a:lstStyle/>
+        <a:p>
+          <a:endParaRPr lang="en-US"/>
+        </a:p>
+      </dgm:t>
+    </dgm:pt>
+    <dgm:pt modelId="{23912FC7-B95D-4465-94A5-9F8511D47030}">
+      <dgm:prSet/>
+      <dgm:spPr/>
+      <dgm:t>
+        <a:bodyPr/>
+        <a:lstStyle/>
+        <a:p>
+          <a:r>
+            <a:rPr lang="en-US" dirty="0"/>
+            <a:t>Build</a:t>
+          </a:r>
+        </a:p>
+      </dgm:t>
+    </dgm:pt>
+    <dgm:pt modelId="{A7A58BB9-04C0-4134-BE50-5823B1FF4847}" type="parTrans" cxnId="{3D5BE298-F86A-471A-A4A4-CAD14005A9A5}">
+      <dgm:prSet/>
+      <dgm:spPr/>
+      <dgm:t>
+        <a:bodyPr/>
+        <a:lstStyle/>
+        <a:p>
+          <a:endParaRPr lang="en-US"/>
+        </a:p>
+      </dgm:t>
+    </dgm:pt>
+    <dgm:pt modelId="{C57828AF-0DA1-4B32-B99A-17D6D387B093}" type="sibTrans" cxnId="{3D5BE298-F86A-471A-A4A4-CAD14005A9A5}">
+      <dgm:prSet/>
+      <dgm:spPr/>
+      <dgm:t>
+        <a:bodyPr/>
+        <a:lstStyle/>
+        <a:p>
+          <a:endParaRPr lang="en-US"/>
+        </a:p>
+      </dgm:t>
+    </dgm:pt>
+    <dgm:pt modelId="{01E2664F-0A1E-48DE-89ED-966F0E95ACC5}">
+      <dgm:prSet/>
+      <dgm:spPr/>
+      <dgm:t>
+        <a:bodyPr/>
+        <a:lstStyle/>
+        <a:p>
+          <a:r>
+            <a:rPr lang="en-US" dirty="0"/>
+            <a:t>Build a VM from an ARM Template using </a:t>
+          </a:r>
+          <a:r>
+            <a:rPr lang="en-US" dirty="0" err="1"/>
+            <a:t>KeyVault</a:t>
+          </a:r>
+          <a:r>
+            <a:rPr lang="en-US" dirty="0"/>
+            <a:t> to reference Secrets</a:t>
+          </a:r>
+        </a:p>
+      </dgm:t>
+    </dgm:pt>
+    <dgm:pt modelId="{744A9688-3E91-4A32-875E-AFDBC475B5E5}" type="parTrans" cxnId="{F493B4B5-2880-4D79-87B9-AA5C05F5E73C}">
+      <dgm:prSet/>
+      <dgm:spPr/>
+      <dgm:t>
+        <a:bodyPr/>
+        <a:lstStyle/>
+        <a:p>
+          <a:endParaRPr lang="en-US"/>
+        </a:p>
+      </dgm:t>
+    </dgm:pt>
+    <dgm:pt modelId="{2A99AD93-3A13-40E0-A9C7-BC03DEE6374F}" type="sibTrans" cxnId="{F493B4B5-2880-4D79-87B9-AA5C05F5E73C}">
+      <dgm:prSet/>
+      <dgm:spPr/>
+      <dgm:t>
+        <a:bodyPr/>
+        <a:lstStyle/>
+        <a:p>
+          <a:endParaRPr lang="en-US"/>
+        </a:p>
+      </dgm:t>
+    </dgm:pt>
+    <dgm:pt modelId="{5444FCD3-C2BA-489A-9E5E-852CCD135753}" type="pres">
+      <dgm:prSet presAssocID="{CD653842-16E9-496D-95EE-A621B93C4FDC}" presName="Name0" presStyleCnt="0">
+        <dgm:presLayoutVars>
+          <dgm:dir/>
+          <dgm:animLvl val="lvl"/>
+          <dgm:resizeHandles val="exact"/>
+        </dgm:presLayoutVars>
+      </dgm:prSet>
+      <dgm:spPr/>
+    </dgm:pt>
+    <dgm:pt modelId="{7B2BBBCF-E0F6-47BC-9EEA-2590BB8115C3}" type="pres">
+      <dgm:prSet presAssocID="{23912FC7-B95D-4465-94A5-9F8511D47030}" presName="boxAndChildren" presStyleCnt="0"/>
+      <dgm:spPr/>
+    </dgm:pt>
+    <dgm:pt modelId="{368D3BFF-9267-42F0-8DDD-655D1541F0D4}" type="pres">
+      <dgm:prSet presAssocID="{23912FC7-B95D-4465-94A5-9F8511D47030}" presName="parentTextBox" presStyleLbl="alignNode1" presStyleIdx="0" presStyleCnt="3"/>
+      <dgm:spPr/>
+    </dgm:pt>
+    <dgm:pt modelId="{3B73741D-1663-4B48-B289-69DB858007C3}" type="pres">
+      <dgm:prSet presAssocID="{23912FC7-B95D-4465-94A5-9F8511D47030}" presName="descendantBox" presStyleLbl="bgAccFollowNode1" presStyleIdx="0" presStyleCnt="3"/>
+      <dgm:spPr/>
+    </dgm:pt>
+    <dgm:pt modelId="{5C28123A-9138-4146-A1E4-14BDBDEB212C}" type="pres">
+      <dgm:prSet presAssocID="{AAA1D5C4-7DDB-49BC-A303-5658CD361B00}" presName="sp" presStyleCnt="0"/>
+      <dgm:spPr/>
+    </dgm:pt>
+    <dgm:pt modelId="{7D0F952C-F857-419B-8464-B4E44D5700FE}" type="pres">
+      <dgm:prSet presAssocID="{E42A3153-5F40-4648-9A4D-C9826E356CDD}" presName="arrowAndChildren" presStyleCnt="0"/>
+      <dgm:spPr/>
+    </dgm:pt>
+    <dgm:pt modelId="{C18DC6BC-89A6-431A-B800-3438BFF1EC58}" type="pres">
+      <dgm:prSet presAssocID="{E42A3153-5F40-4648-9A4D-C9826E356CDD}" presName="parentTextArrow" presStyleLbl="node1" presStyleIdx="0" presStyleCnt="0"/>
+      <dgm:spPr/>
+    </dgm:pt>
+    <dgm:pt modelId="{39F1F89A-18E7-4195-8330-4EF4904EF647}" type="pres">
+      <dgm:prSet presAssocID="{E42A3153-5F40-4648-9A4D-C9826E356CDD}" presName="arrow" presStyleLbl="alignNode1" presStyleIdx="1" presStyleCnt="3"/>
+      <dgm:spPr/>
+    </dgm:pt>
+    <dgm:pt modelId="{8CA98573-50BF-44EC-8D08-0E521417E7E9}" type="pres">
+      <dgm:prSet presAssocID="{E42A3153-5F40-4648-9A4D-C9826E356CDD}" presName="descendantArrow" presStyleLbl="bgAccFollowNode1" presStyleIdx="1" presStyleCnt="3"/>
+      <dgm:spPr/>
+    </dgm:pt>
+    <dgm:pt modelId="{FCF6C775-47C9-420C-BEAD-A4B0C34D3B3F}" type="pres">
+      <dgm:prSet presAssocID="{F52C468A-4DBC-41B3-988F-343EA0C1777F}" presName="sp" presStyleCnt="0"/>
+      <dgm:spPr/>
+    </dgm:pt>
+    <dgm:pt modelId="{5E24B031-BFB8-477B-8BB9-01F09C6E65F3}" type="pres">
+      <dgm:prSet presAssocID="{EB2E1EC4-4BD7-4190-BD8E-01CEFBF2A6DF}" presName="arrowAndChildren" presStyleCnt="0"/>
+      <dgm:spPr/>
+    </dgm:pt>
+    <dgm:pt modelId="{7CCF5672-A189-4F02-BE41-EF63A39A50D0}" type="pres">
+      <dgm:prSet presAssocID="{EB2E1EC4-4BD7-4190-BD8E-01CEFBF2A6DF}" presName="parentTextArrow" presStyleLbl="node1" presStyleIdx="0" presStyleCnt="0"/>
+      <dgm:spPr/>
+    </dgm:pt>
+    <dgm:pt modelId="{132E8397-4F29-403C-A5DF-9145EC6AEA40}" type="pres">
+      <dgm:prSet presAssocID="{EB2E1EC4-4BD7-4190-BD8E-01CEFBF2A6DF}" presName="arrow" presStyleLbl="alignNode1" presStyleIdx="2" presStyleCnt="3"/>
+      <dgm:spPr/>
+    </dgm:pt>
+    <dgm:pt modelId="{A8C82F68-FEE9-465C-9714-29D09C0425F3}" type="pres">
+      <dgm:prSet presAssocID="{EB2E1EC4-4BD7-4190-BD8E-01CEFBF2A6DF}" presName="descendantArrow" presStyleLbl="bgAccFollowNode1" presStyleIdx="2" presStyleCnt="3"/>
+      <dgm:spPr/>
+    </dgm:pt>
+  </dgm:ptLst>
+  <dgm:cxnLst>
+    <dgm:cxn modelId="{67A71D07-7A4F-4FC1-85EB-1A63723127B5}" type="presOf" srcId="{4163E243-74C1-4F97-9DB7-CD4E0C23CE7C}" destId="{8CA98573-50BF-44EC-8D08-0E521417E7E9}" srcOrd="0" destOrd="0" presId="urn:microsoft.com/office/officeart/2016/7/layout/VerticalDownArrowProcess"/>
+    <dgm:cxn modelId="{DB10210C-9D80-497E-9206-A08C734E1113}" srcId="{CD653842-16E9-496D-95EE-A621B93C4FDC}" destId="{E42A3153-5F40-4648-9A4D-C9826E356CDD}" srcOrd="1" destOrd="0" parTransId="{2C897784-1461-4611-83BF-3E5FE05A1E42}" sibTransId="{AAA1D5C4-7DDB-49BC-A303-5658CD361B00}"/>
+    <dgm:cxn modelId="{CBC3C61E-0AAF-4825-BD14-FB1609460338}" type="presOf" srcId="{E42A3153-5F40-4648-9A4D-C9826E356CDD}" destId="{C18DC6BC-89A6-431A-B800-3438BFF1EC58}" srcOrd="0" destOrd="0" presId="urn:microsoft.com/office/officeart/2016/7/layout/VerticalDownArrowProcess"/>
+    <dgm:cxn modelId="{342AD022-545E-4997-9FD4-ECCAC1AAD9D1}" type="presOf" srcId="{CD653842-16E9-496D-95EE-A621B93C4FDC}" destId="{5444FCD3-C2BA-489A-9E5E-852CCD135753}" srcOrd="0" destOrd="0" presId="urn:microsoft.com/office/officeart/2016/7/layout/VerticalDownArrowProcess"/>
+    <dgm:cxn modelId="{FA77D045-A28A-4250-9078-A0CF2A871954}" srcId="{EB2E1EC4-4BD7-4190-BD8E-01CEFBF2A6DF}" destId="{CC8EAE76-D16C-48A5-BB66-E9A2215AB5B4}" srcOrd="0" destOrd="0" parTransId="{C042DA25-FC5A-4F9E-8B64-3588D9D27E5C}" sibTransId="{9DB2856F-32F6-45BC-AF6B-956844F20C7E}"/>
+    <dgm:cxn modelId="{136FD677-8942-4314-8E8D-5BCE7A484079}" srcId="{CD653842-16E9-496D-95EE-A621B93C4FDC}" destId="{EB2E1EC4-4BD7-4190-BD8E-01CEFBF2A6DF}" srcOrd="0" destOrd="0" parTransId="{16B31BC9-C3CE-4A03-B4EE-6ABE8B0BB674}" sibTransId="{F52C468A-4DBC-41B3-988F-343EA0C1777F}"/>
+    <dgm:cxn modelId="{3D5BE298-F86A-471A-A4A4-CAD14005A9A5}" srcId="{CD653842-16E9-496D-95EE-A621B93C4FDC}" destId="{23912FC7-B95D-4465-94A5-9F8511D47030}" srcOrd="2" destOrd="0" parTransId="{A7A58BB9-04C0-4134-BE50-5823B1FF4847}" sibTransId="{C57828AF-0DA1-4B32-B99A-17D6D387B093}"/>
+    <dgm:cxn modelId="{966494AA-A46D-4C36-90C5-89E93805E1B5}" type="presOf" srcId="{CC8EAE76-D16C-48A5-BB66-E9A2215AB5B4}" destId="{A8C82F68-FEE9-465C-9714-29D09C0425F3}" srcOrd="0" destOrd="0" presId="urn:microsoft.com/office/officeart/2016/7/layout/VerticalDownArrowProcess"/>
+    <dgm:cxn modelId="{432F9CAC-7778-4E7D-930E-32ECF1170833}" type="presOf" srcId="{23912FC7-B95D-4465-94A5-9F8511D47030}" destId="{368D3BFF-9267-42F0-8DDD-655D1541F0D4}" srcOrd="0" destOrd="0" presId="urn:microsoft.com/office/officeart/2016/7/layout/VerticalDownArrowProcess"/>
+    <dgm:cxn modelId="{F493B4B5-2880-4D79-87B9-AA5C05F5E73C}" srcId="{23912FC7-B95D-4465-94A5-9F8511D47030}" destId="{01E2664F-0A1E-48DE-89ED-966F0E95ACC5}" srcOrd="0" destOrd="0" parTransId="{744A9688-3E91-4A32-875E-AFDBC475B5E5}" sibTransId="{2A99AD93-3A13-40E0-A9C7-BC03DEE6374F}"/>
+    <dgm:cxn modelId="{6235A0CA-9DE5-4A45-9167-44DA74DD2D4C}" type="presOf" srcId="{EB2E1EC4-4BD7-4190-BD8E-01CEFBF2A6DF}" destId="{7CCF5672-A189-4F02-BE41-EF63A39A50D0}" srcOrd="0" destOrd="0" presId="urn:microsoft.com/office/officeart/2016/7/layout/VerticalDownArrowProcess"/>
+    <dgm:cxn modelId="{F3F6DECC-F707-4230-8E2E-7C4BC069F360}" type="presOf" srcId="{01E2664F-0A1E-48DE-89ED-966F0E95ACC5}" destId="{3B73741D-1663-4B48-B289-69DB858007C3}" srcOrd="0" destOrd="0" presId="urn:microsoft.com/office/officeart/2016/7/layout/VerticalDownArrowProcess"/>
+    <dgm:cxn modelId="{6E481DE9-FAF4-493E-A672-6A6B2D331325}" type="presOf" srcId="{EB2E1EC4-4BD7-4190-BD8E-01CEFBF2A6DF}" destId="{132E8397-4F29-403C-A5DF-9145EC6AEA40}" srcOrd="1" destOrd="0" presId="urn:microsoft.com/office/officeart/2016/7/layout/VerticalDownArrowProcess"/>
+    <dgm:cxn modelId="{A05ADEEA-D95F-4A7D-90F3-830D9463D473}" type="presOf" srcId="{E42A3153-5F40-4648-9A4D-C9826E356CDD}" destId="{39F1F89A-18E7-4195-8330-4EF4904EF647}" srcOrd="1" destOrd="0" presId="urn:microsoft.com/office/officeart/2016/7/layout/VerticalDownArrowProcess"/>
+    <dgm:cxn modelId="{8E90ABF2-8693-4F0F-A174-0CEFD7F18DD4}" srcId="{E42A3153-5F40-4648-9A4D-C9826E356CDD}" destId="{4163E243-74C1-4F97-9DB7-CD4E0C23CE7C}" srcOrd="0" destOrd="0" parTransId="{78F92F42-6743-4C06-B6FE-F280685B6BD6}" sibTransId="{B8339AE3-6837-473E-9306-A445E211939C}"/>
+    <dgm:cxn modelId="{3AFEECD9-07E5-4F2A-861F-DC8C9792D3F4}" type="presParOf" srcId="{5444FCD3-C2BA-489A-9E5E-852CCD135753}" destId="{7B2BBBCF-E0F6-47BC-9EEA-2590BB8115C3}" srcOrd="0" destOrd="0" presId="urn:microsoft.com/office/officeart/2016/7/layout/VerticalDownArrowProcess"/>
+    <dgm:cxn modelId="{135A4B76-4024-4AA9-A49B-5EA8D9E1827D}" type="presParOf" srcId="{7B2BBBCF-E0F6-47BC-9EEA-2590BB8115C3}" destId="{368D3BFF-9267-42F0-8DDD-655D1541F0D4}" srcOrd="0" destOrd="0" presId="urn:microsoft.com/office/officeart/2016/7/layout/VerticalDownArrowProcess"/>
+    <dgm:cxn modelId="{140637AC-8817-4FF1-BA71-7E9EF136C52A}" type="presParOf" srcId="{7B2BBBCF-E0F6-47BC-9EEA-2590BB8115C3}" destId="{3B73741D-1663-4B48-B289-69DB858007C3}" srcOrd="1" destOrd="0" presId="urn:microsoft.com/office/officeart/2016/7/layout/VerticalDownArrowProcess"/>
+    <dgm:cxn modelId="{9115D138-4732-4B09-9636-C864A0C19EF2}" type="presParOf" srcId="{5444FCD3-C2BA-489A-9E5E-852CCD135753}" destId="{5C28123A-9138-4146-A1E4-14BDBDEB212C}" srcOrd="1" destOrd="0" presId="urn:microsoft.com/office/officeart/2016/7/layout/VerticalDownArrowProcess"/>
+    <dgm:cxn modelId="{A28BB2C7-6C6A-400A-9BC6-7D7B2199191B}" type="presParOf" srcId="{5444FCD3-C2BA-489A-9E5E-852CCD135753}" destId="{7D0F952C-F857-419B-8464-B4E44D5700FE}" srcOrd="2" destOrd="0" presId="urn:microsoft.com/office/officeart/2016/7/layout/VerticalDownArrowProcess"/>
+    <dgm:cxn modelId="{E2131007-CC34-49C4-BDB3-4CE35C962FBA}" type="presParOf" srcId="{7D0F952C-F857-419B-8464-B4E44D5700FE}" destId="{C18DC6BC-89A6-431A-B800-3438BFF1EC58}" srcOrd="0" destOrd="0" presId="urn:microsoft.com/office/officeart/2016/7/layout/VerticalDownArrowProcess"/>
+    <dgm:cxn modelId="{CFA56B2A-C9DF-4481-8B3B-2C37C8185161}" type="presParOf" srcId="{7D0F952C-F857-419B-8464-B4E44D5700FE}" destId="{39F1F89A-18E7-4195-8330-4EF4904EF647}" srcOrd="1" destOrd="0" presId="urn:microsoft.com/office/officeart/2016/7/layout/VerticalDownArrowProcess"/>
+    <dgm:cxn modelId="{677B5B39-1CAE-489E-A396-2C31AE7AC254}" type="presParOf" srcId="{7D0F952C-F857-419B-8464-B4E44D5700FE}" destId="{8CA98573-50BF-44EC-8D08-0E521417E7E9}" srcOrd="2" destOrd="0" presId="urn:microsoft.com/office/officeart/2016/7/layout/VerticalDownArrowProcess"/>
+    <dgm:cxn modelId="{8291F7AC-7B63-4081-BCF7-7390BFB061BD}" type="presParOf" srcId="{5444FCD3-C2BA-489A-9E5E-852CCD135753}" destId="{FCF6C775-47C9-420C-BEAD-A4B0C34D3B3F}" srcOrd="3" destOrd="0" presId="urn:microsoft.com/office/officeart/2016/7/layout/VerticalDownArrowProcess"/>
+    <dgm:cxn modelId="{2072FB8C-434A-4829-B2D6-0D916798319B}" type="presParOf" srcId="{5444FCD3-C2BA-489A-9E5E-852CCD135753}" destId="{5E24B031-BFB8-477B-8BB9-01F09C6E65F3}" srcOrd="4" destOrd="0" presId="urn:microsoft.com/office/officeart/2016/7/layout/VerticalDownArrowProcess"/>
+    <dgm:cxn modelId="{4F949FA0-C832-4B97-B639-EB6E38929526}" type="presParOf" srcId="{5E24B031-BFB8-477B-8BB9-01F09C6E65F3}" destId="{7CCF5672-A189-4F02-BE41-EF63A39A50D0}" srcOrd="0" destOrd="0" presId="urn:microsoft.com/office/officeart/2016/7/layout/VerticalDownArrowProcess"/>
+    <dgm:cxn modelId="{5617B306-B65A-41A0-8385-3C8D471A37C4}" type="presParOf" srcId="{5E24B031-BFB8-477B-8BB9-01F09C6E65F3}" destId="{132E8397-4F29-403C-A5DF-9145EC6AEA40}" srcOrd="1" destOrd="0" presId="urn:microsoft.com/office/officeart/2016/7/layout/VerticalDownArrowProcess"/>
+    <dgm:cxn modelId="{A9D8A9F4-FFE4-42F0-84D1-75AE8FA55992}" type="presParOf" srcId="{5E24B031-BFB8-477B-8BB9-01F09C6E65F3}" destId="{A8C82F68-FEE9-465C-9714-29D09C0425F3}" srcOrd="2" destOrd="0" presId="urn:microsoft.com/office/officeart/2016/7/layout/VerticalDownArrowProcess"/>
   </dgm:cxnLst>
   <dgm:bg/>
   <dgm:whole/>
@@ -10228,93 +10231,15 @@
       <dsp:cNvGrpSpPr/>
     </dsp:nvGrpSpPr>
     <dsp:grpSpPr/>
-    <dsp:sp modelId="{368D3BFF-9267-42F0-8DDD-655D1541F0D4}">
+    <dsp:sp modelId="{320FCFD0-D130-4E54-9268-6E53F4C6FF20}">
       <dsp:nvSpPr>
         <dsp:cNvPr id="0" name=""/>
         <dsp:cNvSpPr/>
       </dsp:nvSpPr>
       <dsp:spPr>
         <a:xfrm>
-          <a:off x="0" y="4194433"/>
-          <a:ext cx="1567259" cy="1376706"/>
-        </a:xfrm>
-        <a:prstGeom prst="rect">
-          <a:avLst/>
-        </a:prstGeom>
-        <a:solidFill>
-          <a:schemeClr val="accent2">
-            <a:hueOff val="0"/>
-            <a:satOff val="0"/>
-            <a:lumOff val="0"/>
-            <a:alphaOff val="0"/>
-          </a:schemeClr>
-        </a:solidFill>
-        <a:ln w="12700" cap="flat" cmpd="sng" algn="ctr">
-          <a:solidFill>
-            <a:schemeClr val="accent2">
-              <a:hueOff val="0"/>
-              <a:satOff val="0"/>
-              <a:lumOff val="0"/>
-              <a:alphaOff val="0"/>
-            </a:schemeClr>
-          </a:solidFill>
-          <a:prstDash val="solid"/>
-          <a:miter lim="800000"/>
-        </a:ln>
-        <a:effectLst/>
-      </dsp:spPr>
-      <dsp:style>
-        <a:lnRef idx="2">
-          <a:scrgbClr r="0" g="0" b="0"/>
-        </a:lnRef>
-        <a:fillRef idx="1">
-          <a:scrgbClr r="0" g="0" b="0"/>
-        </a:fillRef>
-        <a:effectRef idx="0">
-          <a:scrgbClr r="0" g="0" b="0"/>
-        </a:effectRef>
-        <a:fontRef idx="minor">
-          <a:schemeClr val="lt1"/>
-        </a:fontRef>
-      </dsp:style>
-      <dsp:txBody>
-        <a:bodyPr spcFirstLastPara="0" vert="horz" wrap="square" lIns="111463" tIns="256032" rIns="111463" bIns="256032" numCol="1" spcCol="1270" anchor="ctr" anchorCtr="0">
-          <a:noAutofit/>
-        </a:bodyPr>
-        <a:lstStyle/>
-        <a:p>
-          <a:pPr marL="0" lvl="0" indent="0" algn="ctr" defTabSz="1600200">
-            <a:lnSpc>
-              <a:spcPct val="90000"/>
-            </a:lnSpc>
-            <a:spcBef>
-              <a:spcPct val="0"/>
-            </a:spcBef>
-            <a:spcAft>
-              <a:spcPct val="35000"/>
-            </a:spcAft>
-            <a:buNone/>
-          </a:pPr>
-          <a:r>
-            <a:rPr lang="en-US" sz="3600" kern="1200" dirty="0"/>
-            <a:t>Build</a:t>
-          </a:r>
-        </a:p>
-      </dsp:txBody>
-      <dsp:txXfrm>
-        <a:off x="0" y="4194433"/>
-        <a:ext cx="1567259" cy="1376706"/>
-      </dsp:txXfrm>
-    </dsp:sp>
-    <dsp:sp modelId="{3B73741D-1663-4B48-B289-69DB858007C3}">
-      <dsp:nvSpPr>
-        <dsp:cNvPr id="0" name=""/>
-        <dsp:cNvSpPr/>
-      </dsp:nvSpPr>
-      <dsp:spPr>
-        <a:xfrm>
-          <a:off x="1567259" y="4194433"/>
-          <a:ext cx="4701777" cy="1376706"/>
+          <a:off x="1253807" y="1741"/>
+          <a:ext cx="5015229" cy="1784821"/>
         </a:xfrm>
         <a:prstGeom prst="rect">
           <a:avLst/>
@@ -10358,12 +10283,12 @@
         <a:fontRef idx="minor"/>
       </dsp:style>
       <dsp:txBody>
-        <a:bodyPr spcFirstLastPara="0" vert="horz" wrap="square" lIns="95374" tIns="304800" rIns="95374" bIns="304800" numCol="1" spcCol="1270" anchor="ctr" anchorCtr="0">
+        <a:bodyPr spcFirstLastPara="0" vert="horz" wrap="square" lIns="97309" tIns="453345" rIns="97309" bIns="453345" numCol="1" spcCol="1270" anchor="t" anchorCtr="0">
           <a:noAutofit/>
         </a:bodyPr>
         <a:lstStyle/>
         <a:p>
-          <a:pPr marL="0" lvl="0" indent="0" algn="l" defTabSz="1066800">
+          <a:pPr marL="0" lvl="0" indent="0" algn="l" defTabSz="844550">
             <a:lnSpc>
               <a:spcPct val="90000"/>
             </a:lnSpc>
@@ -10376,56 +10301,61 @@
             <a:buNone/>
           </a:pPr>
           <a:r>
-            <a:rPr lang="en-US" sz="2400" kern="1200" dirty="0"/>
-            <a:t>Build a VM from an ARM Template using </a:t>
+            <a:rPr lang="en-US" sz="1900" kern="1200" dirty="0"/>
+            <a:t>Azure AD SPN for Terraform</a:t>
           </a:r>
+        </a:p>
+        <a:p>
+          <a:pPr marL="114300" lvl="1" indent="-114300" algn="l" defTabSz="666750">
+            <a:lnSpc>
+              <a:spcPct val="90000"/>
+            </a:lnSpc>
+            <a:spcBef>
+              <a:spcPct val="0"/>
+            </a:spcBef>
+            <a:spcAft>
+              <a:spcPct val="15000"/>
+            </a:spcAft>
+            <a:buChar char="•"/>
+          </a:pPr>
           <a:r>
-            <a:rPr lang="en-US" sz="2400" kern="1200" dirty="0" err="1"/>
-            <a:t>KeyVault</a:t>
-          </a:r>
-          <a:r>
-            <a:rPr lang="en-US" sz="2400" kern="1200" dirty="0"/>
-            <a:t> to reference Secrets</a:t>
+            <a:rPr lang="en-US" sz="1500" kern="1200" dirty="0"/>
+            <a:t>Update Terraform Authentication Script Block</a:t>
           </a:r>
         </a:p>
       </dsp:txBody>
       <dsp:txXfrm>
-        <a:off x="1567259" y="4194433"/>
-        <a:ext cx="4701777" cy="1376706"/>
+        <a:off x="1253807" y="1741"/>
+        <a:ext cx="5015229" cy="1784821"/>
       </dsp:txXfrm>
     </dsp:sp>
-    <dsp:sp modelId="{39F1F89A-18E7-4195-8330-4EF4904EF647}">
+    <dsp:sp modelId="{FDB5E8B8-5490-4441-BEE5-D491833B5222}">
       <dsp:nvSpPr>
         <dsp:cNvPr id="0" name=""/>
         <dsp:cNvSpPr/>
       </dsp:nvSpPr>
       <dsp:spPr>
-        <a:xfrm rot="10800000">
-          <a:off x="0" y="2097709"/>
-          <a:ext cx="1567259" cy="2117374"/>
+        <a:xfrm>
+          <a:off x="0" y="1741"/>
+          <a:ext cx="1253807" cy="1784821"/>
         </a:xfrm>
-        <a:prstGeom prst="upArrowCallout">
-          <a:avLst>
-            <a:gd name="adj1" fmla="val 5000"/>
-            <a:gd name="adj2" fmla="val 10000"/>
-            <a:gd name="adj3" fmla="val 15000"/>
-            <a:gd name="adj4" fmla="val 64977"/>
-          </a:avLst>
+        <a:prstGeom prst="rect">
+          <a:avLst/>
         </a:prstGeom>
         <a:solidFill>
           <a:schemeClr val="accent2">
-            <a:hueOff val="-727682"/>
-            <a:satOff val="-41964"/>
-            <a:lumOff val="4314"/>
+            <a:hueOff val="0"/>
+            <a:satOff val="0"/>
+            <a:lumOff val="0"/>
             <a:alphaOff val="0"/>
           </a:schemeClr>
         </a:solidFill>
         <a:ln w="12700" cap="flat" cmpd="sng" algn="ctr">
           <a:solidFill>
             <a:schemeClr val="accent2">
-              <a:hueOff val="-727682"/>
-              <a:satOff val="-41964"/>
-              <a:lumOff val="4314"/>
+              <a:hueOff val="0"/>
+              <a:satOff val="0"/>
+              <a:lumOff val="0"/>
               <a:alphaOff val="0"/>
             </a:schemeClr>
           </a:solidFill>
@@ -10449,12 +10379,12 @@
         </a:fontRef>
       </dsp:style>
       <dsp:txBody>
-        <a:bodyPr spcFirstLastPara="0" vert="horz" wrap="square" lIns="111463" tIns="256032" rIns="111463" bIns="256032" numCol="1" spcCol="1270" anchor="ctr" anchorCtr="0">
+        <a:bodyPr spcFirstLastPara="0" vert="horz" wrap="square" lIns="66347" tIns="176301" rIns="66347" bIns="176301" numCol="1" spcCol="1270" anchor="ctr" anchorCtr="0">
           <a:noAutofit/>
         </a:bodyPr>
         <a:lstStyle/>
         <a:p>
-          <a:pPr marL="0" lvl="0" indent="0" algn="ctr" defTabSz="1600200">
+          <a:pPr marL="0" lvl="0" indent="0" algn="ctr" defTabSz="1066800">
             <a:lnSpc>
               <a:spcPct val="90000"/>
             </a:lnSpc>
@@ -10467,25 +10397,25 @@
             <a:buNone/>
           </a:pPr>
           <a:r>
-            <a:rPr lang="en-US" sz="3600" kern="1200" dirty="0"/>
-            <a:t>Store</a:t>
+            <a:rPr lang="en-US" sz="2400" kern="1200" dirty="0"/>
+            <a:t>Create</a:t>
           </a:r>
         </a:p>
       </dsp:txBody>
-      <dsp:txXfrm rot="-10800000">
-        <a:off x="0" y="2097709"/>
-        <a:ext cx="1567259" cy="1376293"/>
+      <dsp:txXfrm>
+        <a:off x="0" y="1741"/>
+        <a:ext cx="1253807" cy="1784821"/>
       </dsp:txXfrm>
     </dsp:sp>
-    <dsp:sp modelId="{8CA98573-50BF-44EC-8D08-0E521417E7E9}">
+    <dsp:sp modelId="{A542DC08-3F3F-4EDB-B465-478215625B3A}">
       <dsp:nvSpPr>
         <dsp:cNvPr id="0" name=""/>
         <dsp:cNvSpPr/>
       </dsp:nvSpPr>
       <dsp:spPr>
         <a:xfrm>
-          <a:off x="1567259" y="2097709"/>
-          <a:ext cx="4701777" cy="1376293"/>
+          <a:off x="1253807" y="1893651"/>
+          <a:ext cx="5015229" cy="1784821"/>
         </a:xfrm>
         <a:prstGeom prst="rect">
           <a:avLst/>
@@ -10529,12 +10459,12 @@
         <a:fontRef idx="minor"/>
       </dsp:style>
       <dsp:txBody>
-        <a:bodyPr spcFirstLastPara="0" vert="horz" wrap="square" lIns="95374" tIns="304800" rIns="95374" bIns="304800" numCol="1" spcCol="1270" anchor="ctr" anchorCtr="0">
+        <a:bodyPr spcFirstLastPara="0" vert="horz" wrap="square" lIns="97309" tIns="453345" rIns="97309" bIns="453345" numCol="1" spcCol="1270" anchor="t" anchorCtr="0">
           <a:noAutofit/>
         </a:bodyPr>
         <a:lstStyle/>
         <a:p>
-          <a:pPr marL="0" lvl="0" indent="0" algn="l" defTabSz="1066800">
+          <a:pPr marL="0" lvl="0" indent="0" algn="l" defTabSz="844550">
             <a:lnSpc>
               <a:spcPct val="90000"/>
             </a:lnSpc>
@@ -10547,53 +10477,69 @@
             <a:buNone/>
           </a:pPr>
           <a:r>
-            <a:rPr lang="en-US" sz="2400" kern="1200" dirty="0"/>
-            <a:t>Store secrets in Azure </a:t>
+            <a:rPr lang="en-US" sz="1900" kern="1200" dirty="0"/>
+            <a:t>Build a VNET in East US using IP space of 10.10.0.0/16 in Terraform</a:t>
+          </a:r>
+        </a:p>
+        <a:p>
+          <a:pPr marL="114300" lvl="1" indent="-114300" algn="l" defTabSz="666750">
+            <a:lnSpc>
+              <a:spcPct val="90000"/>
+            </a:lnSpc>
+            <a:spcBef>
+              <a:spcPct val="0"/>
+            </a:spcBef>
+            <a:spcAft>
+              <a:spcPct val="15000"/>
+            </a:spcAft>
+            <a:buChar char="•"/>
+          </a:pPr>
+          <a:r>
+            <a:rPr lang="en-US" sz="1500" kern="1200" dirty="0"/>
+            <a:t>Subnets </a:t>
           </a:r>
           <a:r>
-            <a:rPr lang="en-US" sz="2400" kern="1200" dirty="0" err="1"/>
-            <a:t>KeyVault</a:t>
+            <a:rPr lang="en-US" sz="1500" kern="1200" dirty="0" err="1"/>
+            <a:t>DefualtGateway</a:t>
           </a:r>
-          <a:endParaRPr lang="en-US" sz="2400" kern="1200" dirty="0"/>
+          <a:r>
+            <a:rPr lang="en-US" sz="1500" kern="1200" dirty="0"/>
+            <a:t>, AAA, DATA, APP, WEB using /24</a:t>
+          </a:r>
         </a:p>
       </dsp:txBody>
       <dsp:txXfrm>
-        <a:off x="1567259" y="2097709"/>
-        <a:ext cx="4701777" cy="1376293"/>
+        <a:off x="1253807" y="1893651"/>
+        <a:ext cx="5015229" cy="1784821"/>
       </dsp:txXfrm>
     </dsp:sp>
-    <dsp:sp modelId="{132E8397-4F29-403C-A5DF-9145EC6AEA40}">
+    <dsp:sp modelId="{A5C505C1-D7DC-4D53-B54D-6D2381FE1BE3}">
       <dsp:nvSpPr>
         <dsp:cNvPr id="0" name=""/>
         <dsp:cNvSpPr/>
       </dsp:nvSpPr>
       <dsp:spPr>
-        <a:xfrm rot="10800000">
-          <a:off x="0" y="984"/>
-          <a:ext cx="1567259" cy="2117374"/>
+        <a:xfrm>
+          <a:off x="0" y="1893651"/>
+          <a:ext cx="1253807" cy="1784821"/>
         </a:xfrm>
-        <a:prstGeom prst="upArrowCallout">
-          <a:avLst>
-            <a:gd name="adj1" fmla="val 5000"/>
-            <a:gd name="adj2" fmla="val 10000"/>
-            <a:gd name="adj3" fmla="val 15000"/>
-            <a:gd name="adj4" fmla="val 64977"/>
-          </a:avLst>
+        <a:prstGeom prst="rect">
+          <a:avLst/>
         </a:prstGeom>
         <a:solidFill>
           <a:schemeClr val="accent2">
-            <a:hueOff val="-1455363"/>
-            <a:satOff val="-83928"/>
-            <a:lumOff val="8628"/>
+            <a:hueOff val="-727682"/>
+            <a:satOff val="-41964"/>
+            <a:lumOff val="4314"/>
             <a:alphaOff val="0"/>
           </a:schemeClr>
         </a:solidFill>
         <a:ln w="12700" cap="flat" cmpd="sng" algn="ctr">
           <a:solidFill>
             <a:schemeClr val="accent2">
-              <a:hueOff val="-1455363"/>
-              <a:satOff val="-83928"/>
-              <a:lumOff val="8628"/>
+              <a:hueOff val="-727682"/>
+              <a:satOff val="-41964"/>
+              <a:lumOff val="4314"/>
               <a:alphaOff val="0"/>
             </a:schemeClr>
           </a:solidFill>
@@ -10617,12 +10563,12 @@
         </a:fontRef>
       </dsp:style>
       <dsp:txBody>
-        <a:bodyPr spcFirstLastPara="0" vert="horz" wrap="square" lIns="111463" tIns="256032" rIns="111463" bIns="256032" numCol="1" spcCol="1270" anchor="ctr" anchorCtr="0">
+        <a:bodyPr spcFirstLastPara="0" vert="horz" wrap="square" lIns="66347" tIns="176301" rIns="66347" bIns="176301" numCol="1" spcCol="1270" anchor="ctr" anchorCtr="0">
           <a:noAutofit/>
         </a:bodyPr>
         <a:lstStyle/>
         <a:p>
-          <a:pPr marL="0" lvl="0" indent="0" algn="ctr" defTabSz="1600200">
+          <a:pPr marL="0" lvl="0" indent="0" algn="ctr" defTabSz="1066800">
             <a:lnSpc>
               <a:spcPct val="90000"/>
             </a:lnSpc>
@@ -10635,25 +10581,25 @@
             <a:buNone/>
           </a:pPr>
           <a:r>
-            <a:rPr lang="en-US" sz="3600" kern="1200"/>
-            <a:t>Create</a:t>
+            <a:rPr lang="en-US" sz="2400" kern="1200"/>
+            <a:t>Build</a:t>
           </a:r>
         </a:p>
       </dsp:txBody>
-      <dsp:txXfrm rot="-10800000">
-        <a:off x="0" y="984"/>
-        <a:ext cx="1567259" cy="1376293"/>
+      <dsp:txXfrm>
+        <a:off x="0" y="1893651"/>
+        <a:ext cx="1253807" cy="1784821"/>
       </dsp:txXfrm>
     </dsp:sp>
-    <dsp:sp modelId="{A8C82F68-FEE9-465C-9714-29D09C0425F3}">
+    <dsp:sp modelId="{D17F2767-2475-4836-9533-D477035310A8}">
       <dsp:nvSpPr>
         <dsp:cNvPr id="0" name=""/>
         <dsp:cNvSpPr/>
       </dsp:nvSpPr>
       <dsp:spPr>
         <a:xfrm>
-          <a:off x="1567259" y="984"/>
-          <a:ext cx="4701777" cy="1376293"/>
+          <a:off x="1253807" y="3785562"/>
+          <a:ext cx="5015229" cy="1784821"/>
         </a:xfrm>
         <a:prstGeom prst="rect">
           <a:avLst/>
@@ -10697,12 +10643,12 @@
         <a:fontRef idx="minor"/>
       </dsp:style>
       <dsp:txBody>
-        <a:bodyPr spcFirstLastPara="0" vert="horz" wrap="square" lIns="95374" tIns="304800" rIns="95374" bIns="304800" numCol="1" spcCol="1270" anchor="ctr" anchorCtr="0">
+        <a:bodyPr spcFirstLastPara="0" vert="horz" wrap="square" lIns="97309" tIns="453345" rIns="97309" bIns="453345" numCol="1" spcCol="1270" anchor="t" anchorCtr="0">
           <a:noAutofit/>
         </a:bodyPr>
         <a:lstStyle/>
         <a:p>
-          <a:pPr marL="0" lvl="0" indent="0" algn="l" defTabSz="1066800">
+          <a:pPr marL="0" lvl="0" indent="0" algn="l" defTabSz="844550">
             <a:lnSpc>
               <a:spcPct val="90000"/>
             </a:lnSpc>
@@ -10715,19 +10661,128 @@
             <a:buNone/>
           </a:pPr>
           <a:r>
-            <a:rPr lang="en-US" sz="2400" b="0" kern="1200" dirty="0"/>
-            <a:t>An Azure </a:t>
+            <a:rPr lang="en-US" sz="1900" kern="1200" dirty="0"/>
+            <a:t>Build a VM in Terraform in East US</a:t>
           </a:r>
+        </a:p>
+        <a:p>
+          <a:pPr marL="114300" lvl="1" indent="-114300" algn="l" defTabSz="666750">
+            <a:lnSpc>
+              <a:spcPct val="90000"/>
+            </a:lnSpc>
+            <a:spcBef>
+              <a:spcPct val="0"/>
+            </a:spcBef>
+            <a:spcAft>
+              <a:spcPct val="15000"/>
+            </a:spcAft>
+            <a:buChar char="•"/>
+          </a:pPr>
           <a:r>
-            <a:rPr lang="en-US" sz="2400" b="0" kern="1200" dirty="0" err="1"/>
-            <a:t>KeyVault</a:t>
+            <a:rPr lang="en-US" sz="1500" kern="1200" dirty="0"/>
+            <a:t>Leverage VNET</a:t>
           </a:r>
-          <a:endParaRPr lang="en-US" sz="2400" b="0" kern="1200" dirty="0"/>
+        </a:p>
+        <a:p>
+          <a:pPr marL="114300" lvl="1" indent="-114300" algn="l" defTabSz="666750">
+            <a:lnSpc>
+              <a:spcPct val="90000"/>
+            </a:lnSpc>
+            <a:spcBef>
+              <a:spcPct val="0"/>
+            </a:spcBef>
+            <a:spcAft>
+              <a:spcPct val="15000"/>
+            </a:spcAft>
+            <a:buChar char="•"/>
+          </a:pPr>
+          <a:r>
+            <a:rPr lang="en-US" sz="1500" kern="1200" dirty="0"/>
+            <a:t>Create a Storage Diagnostic Account to Leverage</a:t>
+          </a:r>
         </a:p>
       </dsp:txBody>
       <dsp:txXfrm>
-        <a:off x="1567259" y="984"/>
-        <a:ext cx="4701777" cy="1376293"/>
+        <a:off x="1253807" y="3785562"/>
+        <a:ext cx="5015229" cy="1784821"/>
+      </dsp:txXfrm>
+    </dsp:sp>
+    <dsp:sp modelId="{95CE8702-7429-4BBE-B2F5-638C55648A22}">
+      <dsp:nvSpPr>
+        <dsp:cNvPr id="0" name=""/>
+        <dsp:cNvSpPr/>
+      </dsp:nvSpPr>
+      <dsp:spPr>
+        <a:xfrm>
+          <a:off x="0" y="3785562"/>
+          <a:ext cx="1253807" cy="1784821"/>
+        </a:xfrm>
+        <a:prstGeom prst="rect">
+          <a:avLst/>
+        </a:prstGeom>
+        <a:solidFill>
+          <a:schemeClr val="accent2">
+            <a:hueOff val="-1455363"/>
+            <a:satOff val="-83928"/>
+            <a:lumOff val="8628"/>
+            <a:alphaOff val="0"/>
+          </a:schemeClr>
+        </a:solidFill>
+        <a:ln w="12700" cap="flat" cmpd="sng" algn="ctr">
+          <a:solidFill>
+            <a:schemeClr val="accent2">
+              <a:hueOff val="-1455363"/>
+              <a:satOff val="-83928"/>
+              <a:lumOff val="8628"/>
+              <a:alphaOff val="0"/>
+            </a:schemeClr>
+          </a:solidFill>
+          <a:prstDash val="solid"/>
+          <a:miter lim="800000"/>
+        </a:ln>
+        <a:effectLst/>
+      </dsp:spPr>
+      <dsp:style>
+        <a:lnRef idx="2">
+          <a:scrgbClr r="0" g="0" b="0"/>
+        </a:lnRef>
+        <a:fillRef idx="1">
+          <a:scrgbClr r="0" g="0" b="0"/>
+        </a:fillRef>
+        <a:effectRef idx="0">
+          <a:scrgbClr r="0" g="0" b="0"/>
+        </a:effectRef>
+        <a:fontRef idx="minor">
+          <a:schemeClr val="lt1"/>
+        </a:fontRef>
+      </dsp:style>
+      <dsp:txBody>
+        <a:bodyPr spcFirstLastPara="0" vert="horz" wrap="square" lIns="66347" tIns="176301" rIns="66347" bIns="176301" numCol="1" spcCol="1270" anchor="ctr" anchorCtr="0">
+          <a:noAutofit/>
+        </a:bodyPr>
+        <a:lstStyle/>
+        <a:p>
+          <a:pPr marL="0" lvl="0" indent="0" algn="ctr" defTabSz="1066800">
+            <a:lnSpc>
+              <a:spcPct val="90000"/>
+            </a:lnSpc>
+            <a:spcBef>
+              <a:spcPct val="0"/>
+            </a:spcBef>
+            <a:spcAft>
+              <a:spcPct val="35000"/>
+            </a:spcAft>
+            <a:buNone/>
+          </a:pPr>
+          <a:r>
+            <a:rPr lang="en-US" sz="2400" kern="1200"/>
+            <a:t>Build</a:t>
+          </a:r>
+        </a:p>
+      </dsp:txBody>
+      <dsp:txXfrm>
+        <a:off x="0" y="3785562"/>
+        <a:ext cx="1253807" cy="1784821"/>
       </dsp:txXfrm>
     </dsp:sp>
   </dsp:spTree>
@@ -11301,572 +11356,6 @@
 </file>
 
 <file path=ppt/diagrams/drawing6.xml><?xml version="1.0" encoding="utf-8"?>
-<dsp:drawing xmlns:dgm="http://schemas.openxmlformats.org/drawingml/2006/diagram" xmlns:dsp="http://schemas.microsoft.com/office/drawing/2008/diagram" xmlns:a="http://schemas.openxmlformats.org/drawingml/2006/main">
-  <dsp:spTree>
-    <dsp:nvGrpSpPr>
-      <dsp:cNvPr id="0" name=""/>
-      <dsp:cNvGrpSpPr/>
-    </dsp:nvGrpSpPr>
-    <dsp:grpSpPr/>
-    <dsp:sp modelId="{320FCFD0-D130-4E54-9268-6E53F4C6FF20}">
-      <dsp:nvSpPr>
-        <dsp:cNvPr id="0" name=""/>
-        <dsp:cNvSpPr/>
-      </dsp:nvSpPr>
-      <dsp:spPr>
-        <a:xfrm>
-          <a:off x="1253807" y="1741"/>
-          <a:ext cx="5015229" cy="1784821"/>
-        </a:xfrm>
-        <a:prstGeom prst="rect">
-          <a:avLst/>
-        </a:prstGeom>
-        <a:solidFill>
-          <a:schemeClr val="accent2">
-            <a:tint val="40000"/>
-            <a:alpha val="90000"/>
-            <a:hueOff val="0"/>
-            <a:satOff val="0"/>
-            <a:lumOff val="0"/>
-            <a:alphaOff val="0"/>
-          </a:schemeClr>
-        </a:solidFill>
-        <a:ln w="12700" cap="flat" cmpd="sng" algn="ctr">
-          <a:solidFill>
-            <a:schemeClr val="accent2">
-              <a:tint val="40000"/>
-              <a:alpha val="90000"/>
-              <a:hueOff val="0"/>
-              <a:satOff val="0"/>
-              <a:lumOff val="0"/>
-              <a:alphaOff val="0"/>
-            </a:schemeClr>
-          </a:solidFill>
-          <a:prstDash val="solid"/>
-          <a:miter lim="800000"/>
-        </a:ln>
-        <a:effectLst/>
-      </dsp:spPr>
-      <dsp:style>
-        <a:lnRef idx="2">
-          <a:scrgbClr r="0" g="0" b="0"/>
-        </a:lnRef>
-        <a:fillRef idx="1">
-          <a:scrgbClr r="0" g="0" b="0"/>
-        </a:fillRef>
-        <a:effectRef idx="0">
-          <a:scrgbClr r="0" g="0" b="0"/>
-        </a:effectRef>
-        <a:fontRef idx="minor"/>
-      </dsp:style>
-      <dsp:txBody>
-        <a:bodyPr spcFirstLastPara="0" vert="horz" wrap="square" lIns="97309" tIns="453345" rIns="97309" bIns="453345" numCol="1" spcCol="1270" anchor="t" anchorCtr="0">
-          <a:noAutofit/>
-        </a:bodyPr>
-        <a:lstStyle/>
-        <a:p>
-          <a:pPr marL="0" lvl="0" indent="0" algn="l" defTabSz="844550">
-            <a:lnSpc>
-              <a:spcPct val="90000"/>
-            </a:lnSpc>
-            <a:spcBef>
-              <a:spcPct val="0"/>
-            </a:spcBef>
-            <a:spcAft>
-              <a:spcPct val="35000"/>
-            </a:spcAft>
-            <a:buNone/>
-          </a:pPr>
-          <a:r>
-            <a:rPr lang="en-US" sz="1900" kern="1200" dirty="0"/>
-            <a:t>Azure AD SPN for Terraform</a:t>
-          </a:r>
-        </a:p>
-        <a:p>
-          <a:pPr marL="114300" lvl="1" indent="-114300" algn="l" defTabSz="666750">
-            <a:lnSpc>
-              <a:spcPct val="90000"/>
-            </a:lnSpc>
-            <a:spcBef>
-              <a:spcPct val="0"/>
-            </a:spcBef>
-            <a:spcAft>
-              <a:spcPct val="15000"/>
-            </a:spcAft>
-            <a:buChar char="•"/>
-          </a:pPr>
-          <a:r>
-            <a:rPr lang="en-US" sz="1500" kern="1200" dirty="0"/>
-            <a:t>Update Terraform Authentication Script Block</a:t>
-          </a:r>
-        </a:p>
-      </dsp:txBody>
-      <dsp:txXfrm>
-        <a:off x="1253807" y="1741"/>
-        <a:ext cx="5015229" cy="1784821"/>
-      </dsp:txXfrm>
-    </dsp:sp>
-    <dsp:sp modelId="{FDB5E8B8-5490-4441-BEE5-D491833B5222}">
-      <dsp:nvSpPr>
-        <dsp:cNvPr id="0" name=""/>
-        <dsp:cNvSpPr/>
-      </dsp:nvSpPr>
-      <dsp:spPr>
-        <a:xfrm>
-          <a:off x="0" y="1741"/>
-          <a:ext cx="1253807" cy="1784821"/>
-        </a:xfrm>
-        <a:prstGeom prst="rect">
-          <a:avLst/>
-        </a:prstGeom>
-        <a:solidFill>
-          <a:schemeClr val="accent2">
-            <a:hueOff val="0"/>
-            <a:satOff val="0"/>
-            <a:lumOff val="0"/>
-            <a:alphaOff val="0"/>
-          </a:schemeClr>
-        </a:solidFill>
-        <a:ln w="12700" cap="flat" cmpd="sng" algn="ctr">
-          <a:solidFill>
-            <a:schemeClr val="accent2">
-              <a:hueOff val="0"/>
-              <a:satOff val="0"/>
-              <a:lumOff val="0"/>
-              <a:alphaOff val="0"/>
-            </a:schemeClr>
-          </a:solidFill>
-          <a:prstDash val="solid"/>
-          <a:miter lim="800000"/>
-        </a:ln>
-        <a:effectLst/>
-      </dsp:spPr>
-      <dsp:style>
-        <a:lnRef idx="2">
-          <a:scrgbClr r="0" g="0" b="0"/>
-        </a:lnRef>
-        <a:fillRef idx="1">
-          <a:scrgbClr r="0" g="0" b="0"/>
-        </a:fillRef>
-        <a:effectRef idx="0">
-          <a:scrgbClr r="0" g="0" b="0"/>
-        </a:effectRef>
-        <a:fontRef idx="minor">
-          <a:schemeClr val="lt1"/>
-        </a:fontRef>
-      </dsp:style>
-      <dsp:txBody>
-        <a:bodyPr spcFirstLastPara="0" vert="horz" wrap="square" lIns="66347" tIns="176301" rIns="66347" bIns="176301" numCol="1" spcCol="1270" anchor="ctr" anchorCtr="0">
-          <a:noAutofit/>
-        </a:bodyPr>
-        <a:lstStyle/>
-        <a:p>
-          <a:pPr marL="0" lvl="0" indent="0" algn="ctr" defTabSz="1066800">
-            <a:lnSpc>
-              <a:spcPct val="90000"/>
-            </a:lnSpc>
-            <a:spcBef>
-              <a:spcPct val="0"/>
-            </a:spcBef>
-            <a:spcAft>
-              <a:spcPct val="35000"/>
-            </a:spcAft>
-            <a:buNone/>
-          </a:pPr>
-          <a:r>
-            <a:rPr lang="en-US" sz="2400" kern="1200" dirty="0"/>
-            <a:t>Create</a:t>
-          </a:r>
-        </a:p>
-      </dsp:txBody>
-      <dsp:txXfrm>
-        <a:off x="0" y="1741"/>
-        <a:ext cx="1253807" cy="1784821"/>
-      </dsp:txXfrm>
-    </dsp:sp>
-    <dsp:sp modelId="{A542DC08-3F3F-4EDB-B465-478215625B3A}">
-      <dsp:nvSpPr>
-        <dsp:cNvPr id="0" name=""/>
-        <dsp:cNvSpPr/>
-      </dsp:nvSpPr>
-      <dsp:spPr>
-        <a:xfrm>
-          <a:off x="1253807" y="1893651"/>
-          <a:ext cx="5015229" cy="1784821"/>
-        </a:xfrm>
-        <a:prstGeom prst="rect">
-          <a:avLst/>
-        </a:prstGeom>
-        <a:solidFill>
-          <a:schemeClr val="accent2">
-            <a:tint val="40000"/>
-            <a:alpha val="90000"/>
-            <a:hueOff val="-424613"/>
-            <a:satOff val="-37673"/>
-            <a:lumOff val="-385"/>
-            <a:alphaOff val="0"/>
-          </a:schemeClr>
-        </a:solidFill>
-        <a:ln w="12700" cap="flat" cmpd="sng" algn="ctr">
-          <a:solidFill>
-            <a:schemeClr val="accent2">
-              <a:tint val="40000"/>
-              <a:alpha val="90000"/>
-              <a:hueOff val="-424613"/>
-              <a:satOff val="-37673"/>
-              <a:lumOff val="-385"/>
-              <a:alphaOff val="0"/>
-            </a:schemeClr>
-          </a:solidFill>
-          <a:prstDash val="solid"/>
-          <a:miter lim="800000"/>
-        </a:ln>
-        <a:effectLst/>
-      </dsp:spPr>
-      <dsp:style>
-        <a:lnRef idx="2">
-          <a:scrgbClr r="0" g="0" b="0"/>
-        </a:lnRef>
-        <a:fillRef idx="1">
-          <a:scrgbClr r="0" g="0" b="0"/>
-        </a:fillRef>
-        <a:effectRef idx="0">
-          <a:scrgbClr r="0" g="0" b="0"/>
-        </a:effectRef>
-        <a:fontRef idx="minor"/>
-      </dsp:style>
-      <dsp:txBody>
-        <a:bodyPr spcFirstLastPara="0" vert="horz" wrap="square" lIns="97309" tIns="453345" rIns="97309" bIns="453345" numCol="1" spcCol="1270" anchor="t" anchorCtr="0">
-          <a:noAutofit/>
-        </a:bodyPr>
-        <a:lstStyle/>
-        <a:p>
-          <a:pPr marL="0" lvl="0" indent="0" algn="l" defTabSz="844550">
-            <a:lnSpc>
-              <a:spcPct val="90000"/>
-            </a:lnSpc>
-            <a:spcBef>
-              <a:spcPct val="0"/>
-            </a:spcBef>
-            <a:spcAft>
-              <a:spcPct val="35000"/>
-            </a:spcAft>
-            <a:buNone/>
-          </a:pPr>
-          <a:r>
-            <a:rPr lang="en-US" sz="1900" kern="1200" dirty="0"/>
-            <a:t>Build a VNET in East US using IP space of 10.10.0.0/16 in Terraform</a:t>
-          </a:r>
-        </a:p>
-        <a:p>
-          <a:pPr marL="114300" lvl="1" indent="-114300" algn="l" defTabSz="666750">
-            <a:lnSpc>
-              <a:spcPct val="90000"/>
-            </a:lnSpc>
-            <a:spcBef>
-              <a:spcPct val="0"/>
-            </a:spcBef>
-            <a:spcAft>
-              <a:spcPct val="15000"/>
-            </a:spcAft>
-            <a:buChar char="•"/>
-          </a:pPr>
-          <a:r>
-            <a:rPr lang="en-US" sz="1500" kern="1200" dirty="0"/>
-            <a:t>Subnets </a:t>
-          </a:r>
-          <a:r>
-            <a:rPr lang="en-US" sz="1500" kern="1200" dirty="0" err="1"/>
-            <a:t>DefualtGateway</a:t>
-          </a:r>
-          <a:r>
-            <a:rPr lang="en-US" sz="1500" kern="1200" dirty="0"/>
-            <a:t>, AAA, DATA, APP, WEB using /24</a:t>
-          </a:r>
-        </a:p>
-      </dsp:txBody>
-      <dsp:txXfrm>
-        <a:off x="1253807" y="1893651"/>
-        <a:ext cx="5015229" cy="1784821"/>
-      </dsp:txXfrm>
-    </dsp:sp>
-    <dsp:sp modelId="{A5C505C1-D7DC-4D53-B54D-6D2381FE1BE3}">
-      <dsp:nvSpPr>
-        <dsp:cNvPr id="0" name=""/>
-        <dsp:cNvSpPr/>
-      </dsp:nvSpPr>
-      <dsp:spPr>
-        <a:xfrm>
-          <a:off x="0" y="1893651"/>
-          <a:ext cx="1253807" cy="1784821"/>
-        </a:xfrm>
-        <a:prstGeom prst="rect">
-          <a:avLst/>
-        </a:prstGeom>
-        <a:solidFill>
-          <a:schemeClr val="accent2">
-            <a:hueOff val="-727682"/>
-            <a:satOff val="-41964"/>
-            <a:lumOff val="4314"/>
-            <a:alphaOff val="0"/>
-          </a:schemeClr>
-        </a:solidFill>
-        <a:ln w="12700" cap="flat" cmpd="sng" algn="ctr">
-          <a:solidFill>
-            <a:schemeClr val="accent2">
-              <a:hueOff val="-727682"/>
-              <a:satOff val="-41964"/>
-              <a:lumOff val="4314"/>
-              <a:alphaOff val="0"/>
-            </a:schemeClr>
-          </a:solidFill>
-          <a:prstDash val="solid"/>
-          <a:miter lim="800000"/>
-        </a:ln>
-        <a:effectLst/>
-      </dsp:spPr>
-      <dsp:style>
-        <a:lnRef idx="2">
-          <a:scrgbClr r="0" g="0" b="0"/>
-        </a:lnRef>
-        <a:fillRef idx="1">
-          <a:scrgbClr r="0" g="0" b="0"/>
-        </a:fillRef>
-        <a:effectRef idx="0">
-          <a:scrgbClr r="0" g="0" b="0"/>
-        </a:effectRef>
-        <a:fontRef idx="minor">
-          <a:schemeClr val="lt1"/>
-        </a:fontRef>
-      </dsp:style>
-      <dsp:txBody>
-        <a:bodyPr spcFirstLastPara="0" vert="horz" wrap="square" lIns="66347" tIns="176301" rIns="66347" bIns="176301" numCol="1" spcCol="1270" anchor="ctr" anchorCtr="0">
-          <a:noAutofit/>
-        </a:bodyPr>
-        <a:lstStyle/>
-        <a:p>
-          <a:pPr marL="0" lvl="0" indent="0" algn="ctr" defTabSz="1066800">
-            <a:lnSpc>
-              <a:spcPct val="90000"/>
-            </a:lnSpc>
-            <a:spcBef>
-              <a:spcPct val="0"/>
-            </a:spcBef>
-            <a:spcAft>
-              <a:spcPct val="35000"/>
-            </a:spcAft>
-            <a:buNone/>
-          </a:pPr>
-          <a:r>
-            <a:rPr lang="en-US" sz="2400" kern="1200"/>
-            <a:t>Build</a:t>
-          </a:r>
-        </a:p>
-      </dsp:txBody>
-      <dsp:txXfrm>
-        <a:off x="0" y="1893651"/>
-        <a:ext cx="1253807" cy="1784821"/>
-      </dsp:txXfrm>
-    </dsp:sp>
-    <dsp:sp modelId="{D17F2767-2475-4836-9533-D477035310A8}">
-      <dsp:nvSpPr>
-        <dsp:cNvPr id="0" name=""/>
-        <dsp:cNvSpPr/>
-      </dsp:nvSpPr>
-      <dsp:spPr>
-        <a:xfrm>
-          <a:off x="1253807" y="3785562"/>
-          <a:ext cx="5015229" cy="1784821"/>
-        </a:xfrm>
-        <a:prstGeom prst="rect">
-          <a:avLst/>
-        </a:prstGeom>
-        <a:solidFill>
-          <a:schemeClr val="accent2">
-            <a:tint val="40000"/>
-            <a:alpha val="90000"/>
-            <a:hueOff val="-849226"/>
-            <a:satOff val="-75346"/>
-            <a:lumOff val="-769"/>
-            <a:alphaOff val="0"/>
-          </a:schemeClr>
-        </a:solidFill>
-        <a:ln w="12700" cap="flat" cmpd="sng" algn="ctr">
-          <a:solidFill>
-            <a:schemeClr val="accent2">
-              <a:tint val="40000"/>
-              <a:alpha val="90000"/>
-              <a:hueOff val="-849226"/>
-              <a:satOff val="-75346"/>
-              <a:lumOff val="-769"/>
-              <a:alphaOff val="0"/>
-            </a:schemeClr>
-          </a:solidFill>
-          <a:prstDash val="solid"/>
-          <a:miter lim="800000"/>
-        </a:ln>
-        <a:effectLst/>
-      </dsp:spPr>
-      <dsp:style>
-        <a:lnRef idx="2">
-          <a:scrgbClr r="0" g="0" b="0"/>
-        </a:lnRef>
-        <a:fillRef idx="1">
-          <a:scrgbClr r="0" g="0" b="0"/>
-        </a:fillRef>
-        <a:effectRef idx="0">
-          <a:scrgbClr r="0" g="0" b="0"/>
-        </a:effectRef>
-        <a:fontRef idx="minor"/>
-      </dsp:style>
-      <dsp:txBody>
-        <a:bodyPr spcFirstLastPara="0" vert="horz" wrap="square" lIns="97309" tIns="453345" rIns="97309" bIns="453345" numCol="1" spcCol="1270" anchor="t" anchorCtr="0">
-          <a:noAutofit/>
-        </a:bodyPr>
-        <a:lstStyle/>
-        <a:p>
-          <a:pPr marL="0" lvl="0" indent="0" algn="l" defTabSz="844550">
-            <a:lnSpc>
-              <a:spcPct val="90000"/>
-            </a:lnSpc>
-            <a:spcBef>
-              <a:spcPct val="0"/>
-            </a:spcBef>
-            <a:spcAft>
-              <a:spcPct val="35000"/>
-            </a:spcAft>
-            <a:buNone/>
-          </a:pPr>
-          <a:r>
-            <a:rPr lang="en-US" sz="1900" kern="1200" dirty="0"/>
-            <a:t>Build a VM in Terraform in East US</a:t>
-          </a:r>
-        </a:p>
-        <a:p>
-          <a:pPr marL="114300" lvl="1" indent="-114300" algn="l" defTabSz="666750">
-            <a:lnSpc>
-              <a:spcPct val="90000"/>
-            </a:lnSpc>
-            <a:spcBef>
-              <a:spcPct val="0"/>
-            </a:spcBef>
-            <a:spcAft>
-              <a:spcPct val="15000"/>
-            </a:spcAft>
-            <a:buChar char="•"/>
-          </a:pPr>
-          <a:r>
-            <a:rPr lang="en-US" sz="1500" kern="1200" dirty="0"/>
-            <a:t>Leverage VNET</a:t>
-          </a:r>
-        </a:p>
-        <a:p>
-          <a:pPr marL="114300" lvl="1" indent="-114300" algn="l" defTabSz="666750">
-            <a:lnSpc>
-              <a:spcPct val="90000"/>
-            </a:lnSpc>
-            <a:spcBef>
-              <a:spcPct val="0"/>
-            </a:spcBef>
-            <a:spcAft>
-              <a:spcPct val="15000"/>
-            </a:spcAft>
-            <a:buChar char="•"/>
-          </a:pPr>
-          <a:r>
-            <a:rPr lang="en-US" sz="1500" kern="1200" dirty="0"/>
-            <a:t>Create a Storage Diagnostic Account to Leverage</a:t>
-          </a:r>
-        </a:p>
-      </dsp:txBody>
-      <dsp:txXfrm>
-        <a:off x="1253807" y="3785562"/>
-        <a:ext cx="5015229" cy="1784821"/>
-      </dsp:txXfrm>
-    </dsp:sp>
-    <dsp:sp modelId="{95CE8702-7429-4BBE-B2F5-638C55648A22}">
-      <dsp:nvSpPr>
-        <dsp:cNvPr id="0" name=""/>
-        <dsp:cNvSpPr/>
-      </dsp:nvSpPr>
-      <dsp:spPr>
-        <a:xfrm>
-          <a:off x="0" y="3785562"/>
-          <a:ext cx="1253807" cy="1784821"/>
-        </a:xfrm>
-        <a:prstGeom prst="rect">
-          <a:avLst/>
-        </a:prstGeom>
-        <a:solidFill>
-          <a:schemeClr val="accent2">
-            <a:hueOff val="-1455363"/>
-            <a:satOff val="-83928"/>
-            <a:lumOff val="8628"/>
-            <a:alphaOff val="0"/>
-          </a:schemeClr>
-        </a:solidFill>
-        <a:ln w="12700" cap="flat" cmpd="sng" algn="ctr">
-          <a:solidFill>
-            <a:schemeClr val="accent2">
-              <a:hueOff val="-1455363"/>
-              <a:satOff val="-83928"/>
-              <a:lumOff val="8628"/>
-              <a:alphaOff val="0"/>
-            </a:schemeClr>
-          </a:solidFill>
-          <a:prstDash val="solid"/>
-          <a:miter lim="800000"/>
-        </a:ln>
-        <a:effectLst/>
-      </dsp:spPr>
-      <dsp:style>
-        <a:lnRef idx="2">
-          <a:scrgbClr r="0" g="0" b="0"/>
-        </a:lnRef>
-        <a:fillRef idx="1">
-          <a:scrgbClr r="0" g="0" b="0"/>
-        </a:fillRef>
-        <a:effectRef idx="0">
-          <a:scrgbClr r="0" g="0" b="0"/>
-        </a:effectRef>
-        <a:fontRef idx="minor">
-          <a:schemeClr val="lt1"/>
-        </a:fontRef>
-      </dsp:style>
-      <dsp:txBody>
-        <a:bodyPr spcFirstLastPara="0" vert="horz" wrap="square" lIns="66347" tIns="176301" rIns="66347" bIns="176301" numCol="1" spcCol="1270" anchor="ctr" anchorCtr="0">
-          <a:noAutofit/>
-        </a:bodyPr>
-        <a:lstStyle/>
-        <a:p>
-          <a:pPr marL="0" lvl="0" indent="0" algn="ctr" defTabSz="1066800">
-            <a:lnSpc>
-              <a:spcPct val="90000"/>
-            </a:lnSpc>
-            <a:spcBef>
-              <a:spcPct val="0"/>
-            </a:spcBef>
-            <a:spcAft>
-              <a:spcPct val="35000"/>
-            </a:spcAft>
-            <a:buNone/>
-          </a:pPr>
-          <a:r>
-            <a:rPr lang="en-US" sz="2400" kern="1200"/>
-            <a:t>Build</a:t>
-          </a:r>
-        </a:p>
-      </dsp:txBody>
-      <dsp:txXfrm>
-        <a:off x="0" y="3785562"/>
-        <a:ext cx="1253807" cy="1784821"/>
-      </dsp:txXfrm>
-    </dsp:sp>
-  </dsp:spTree>
-</dsp:drawing>
-</file>
-
-<file path=ppt/diagrams/drawing7.xml><?xml version="1.0" encoding="utf-8"?>
 <dsp:drawing xmlns:dgm="http://schemas.openxmlformats.org/drawingml/2006/diagram" xmlns:dsp="http://schemas.microsoft.com/office/drawing/2008/diagram" xmlns:a="http://schemas.openxmlformats.org/drawingml/2006/main">
   <dsp:spTree>
     <dsp:nvGrpSpPr>
@@ -12575,6 +12064,520 @@
       <dsp:txXfrm>
         <a:off x="0" y="3785562"/>
         <a:ext cx="1253807" cy="1784821"/>
+      </dsp:txXfrm>
+    </dsp:sp>
+  </dsp:spTree>
+</dsp:drawing>
+</file>
+
+<file path=ppt/diagrams/drawing7.xml><?xml version="1.0" encoding="utf-8"?>
+<dsp:drawing xmlns:dgm="http://schemas.openxmlformats.org/drawingml/2006/diagram" xmlns:dsp="http://schemas.microsoft.com/office/drawing/2008/diagram" xmlns:a="http://schemas.openxmlformats.org/drawingml/2006/main">
+  <dsp:spTree>
+    <dsp:nvGrpSpPr>
+      <dsp:cNvPr id="0" name=""/>
+      <dsp:cNvGrpSpPr/>
+    </dsp:nvGrpSpPr>
+    <dsp:grpSpPr/>
+    <dsp:sp modelId="{368D3BFF-9267-42F0-8DDD-655D1541F0D4}">
+      <dsp:nvSpPr>
+        <dsp:cNvPr id="0" name=""/>
+        <dsp:cNvSpPr/>
+      </dsp:nvSpPr>
+      <dsp:spPr>
+        <a:xfrm>
+          <a:off x="0" y="4194433"/>
+          <a:ext cx="1567259" cy="1376706"/>
+        </a:xfrm>
+        <a:prstGeom prst="rect">
+          <a:avLst/>
+        </a:prstGeom>
+        <a:solidFill>
+          <a:schemeClr val="accent2">
+            <a:hueOff val="0"/>
+            <a:satOff val="0"/>
+            <a:lumOff val="0"/>
+            <a:alphaOff val="0"/>
+          </a:schemeClr>
+        </a:solidFill>
+        <a:ln w="12700" cap="flat" cmpd="sng" algn="ctr">
+          <a:solidFill>
+            <a:schemeClr val="accent2">
+              <a:hueOff val="0"/>
+              <a:satOff val="0"/>
+              <a:lumOff val="0"/>
+              <a:alphaOff val="0"/>
+            </a:schemeClr>
+          </a:solidFill>
+          <a:prstDash val="solid"/>
+          <a:miter lim="800000"/>
+        </a:ln>
+        <a:effectLst/>
+      </dsp:spPr>
+      <dsp:style>
+        <a:lnRef idx="2">
+          <a:scrgbClr r="0" g="0" b="0"/>
+        </a:lnRef>
+        <a:fillRef idx="1">
+          <a:scrgbClr r="0" g="0" b="0"/>
+        </a:fillRef>
+        <a:effectRef idx="0">
+          <a:scrgbClr r="0" g="0" b="0"/>
+        </a:effectRef>
+        <a:fontRef idx="minor">
+          <a:schemeClr val="lt1"/>
+        </a:fontRef>
+      </dsp:style>
+      <dsp:txBody>
+        <a:bodyPr spcFirstLastPara="0" vert="horz" wrap="square" lIns="111463" tIns="256032" rIns="111463" bIns="256032" numCol="1" spcCol="1270" anchor="ctr" anchorCtr="0">
+          <a:noAutofit/>
+        </a:bodyPr>
+        <a:lstStyle/>
+        <a:p>
+          <a:pPr marL="0" lvl="0" indent="0" algn="ctr" defTabSz="1600200">
+            <a:lnSpc>
+              <a:spcPct val="90000"/>
+            </a:lnSpc>
+            <a:spcBef>
+              <a:spcPct val="0"/>
+            </a:spcBef>
+            <a:spcAft>
+              <a:spcPct val="35000"/>
+            </a:spcAft>
+            <a:buNone/>
+          </a:pPr>
+          <a:r>
+            <a:rPr lang="en-US" sz="3600" kern="1200" dirty="0"/>
+            <a:t>Build</a:t>
+          </a:r>
+        </a:p>
+      </dsp:txBody>
+      <dsp:txXfrm>
+        <a:off x="0" y="4194433"/>
+        <a:ext cx="1567259" cy="1376706"/>
+      </dsp:txXfrm>
+    </dsp:sp>
+    <dsp:sp modelId="{3B73741D-1663-4B48-B289-69DB858007C3}">
+      <dsp:nvSpPr>
+        <dsp:cNvPr id="0" name=""/>
+        <dsp:cNvSpPr/>
+      </dsp:nvSpPr>
+      <dsp:spPr>
+        <a:xfrm>
+          <a:off x="1567259" y="4194433"/>
+          <a:ext cx="4701777" cy="1376706"/>
+        </a:xfrm>
+        <a:prstGeom prst="rect">
+          <a:avLst/>
+        </a:prstGeom>
+        <a:solidFill>
+          <a:schemeClr val="accent2">
+            <a:tint val="40000"/>
+            <a:alpha val="90000"/>
+            <a:hueOff val="0"/>
+            <a:satOff val="0"/>
+            <a:lumOff val="0"/>
+            <a:alphaOff val="0"/>
+          </a:schemeClr>
+        </a:solidFill>
+        <a:ln w="12700" cap="flat" cmpd="sng" algn="ctr">
+          <a:solidFill>
+            <a:schemeClr val="accent2">
+              <a:tint val="40000"/>
+              <a:alpha val="90000"/>
+              <a:hueOff val="0"/>
+              <a:satOff val="0"/>
+              <a:lumOff val="0"/>
+              <a:alphaOff val="0"/>
+            </a:schemeClr>
+          </a:solidFill>
+          <a:prstDash val="solid"/>
+          <a:miter lim="800000"/>
+        </a:ln>
+        <a:effectLst/>
+      </dsp:spPr>
+      <dsp:style>
+        <a:lnRef idx="2">
+          <a:scrgbClr r="0" g="0" b="0"/>
+        </a:lnRef>
+        <a:fillRef idx="1">
+          <a:scrgbClr r="0" g="0" b="0"/>
+        </a:fillRef>
+        <a:effectRef idx="0">
+          <a:scrgbClr r="0" g="0" b="0"/>
+        </a:effectRef>
+        <a:fontRef idx="minor"/>
+      </dsp:style>
+      <dsp:txBody>
+        <a:bodyPr spcFirstLastPara="0" vert="horz" wrap="square" lIns="95374" tIns="304800" rIns="95374" bIns="304800" numCol="1" spcCol="1270" anchor="ctr" anchorCtr="0">
+          <a:noAutofit/>
+        </a:bodyPr>
+        <a:lstStyle/>
+        <a:p>
+          <a:pPr marL="0" lvl="0" indent="0" algn="l" defTabSz="1066800">
+            <a:lnSpc>
+              <a:spcPct val="90000"/>
+            </a:lnSpc>
+            <a:spcBef>
+              <a:spcPct val="0"/>
+            </a:spcBef>
+            <a:spcAft>
+              <a:spcPct val="35000"/>
+            </a:spcAft>
+            <a:buNone/>
+          </a:pPr>
+          <a:r>
+            <a:rPr lang="en-US" sz="2400" kern="1200" dirty="0"/>
+            <a:t>Build a VM from an ARM Template using </a:t>
+          </a:r>
+          <a:r>
+            <a:rPr lang="en-US" sz="2400" kern="1200" dirty="0" err="1"/>
+            <a:t>KeyVault</a:t>
+          </a:r>
+          <a:r>
+            <a:rPr lang="en-US" sz="2400" kern="1200" dirty="0"/>
+            <a:t> to reference Secrets</a:t>
+          </a:r>
+        </a:p>
+      </dsp:txBody>
+      <dsp:txXfrm>
+        <a:off x="1567259" y="4194433"/>
+        <a:ext cx="4701777" cy="1376706"/>
+      </dsp:txXfrm>
+    </dsp:sp>
+    <dsp:sp modelId="{39F1F89A-18E7-4195-8330-4EF4904EF647}">
+      <dsp:nvSpPr>
+        <dsp:cNvPr id="0" name=""/>
+        <dsp:cNvSpPr/>
+      </dsp:nvSpPr>
+      <dsp:spPr>
+        <a:xfrm rot="10800000">
+          <a:off x="0" y="2097709"/>
+          <a:ext cx="1567259" cy="2117374"/>
+        </a:xfrm>
+        <a:prstGeom prst="upArrowCallout">
+          <a:avLst>
+            <a:gd name="adj1" fmla="val 5000"/>
+            <a:gd name="adj2" fmla="val 10000"/>
+            <a:gd name="adj3" fmla="val 15000"/>
+            <a:gd name="adj4" fmla="val 64977"/>
+          </a:avLst>
+        </a:prstGeom>
+        <a:solidFill>
+          <a:schemeClr val="accent2">
+            <a:hueOff val="-727682"/>
+            <a:satOff val="-41964"/>
+            <a:lumOff val="4314"/>
+            <a:alphaOff val="0"/>
+          </a:schemeClr>
+        </a:solidFill>
+        <a:ln w="12700" cap="flat" cmpd="sng" algn="ctr">
+          <a:solidFill>
+            <a:schemeClr val="accent2">
+              <a:hueOff val="-727682"/>
+              <a:satOff val="-41964"/>
+              <a:lumOff val="4314"/>
+              <a:alphaOff val="0"/>
+            </a:schemeClr>
+          </a:solidFill>
+          <a:prstDash val="solid"/>
+          <a:miter lim="800000"/>
+        </a:ln>
+        <a:effectLst/>
+      </dsp:spPr>
+      <dsp:style>
+        <a:lnRef idx="2">
+          <a:scrgbClr r="0" g="0" b="0"/>
+        </a:lnRef>
+        <a:fillRef idx="1">
+          <a:scrgbClr r="0" g="0" b="0"/>
+        </a:fillRef>
+        <a:effectRef idx="0">
+          <a:scrgbClr r="0" g="0" b="0"/>
+        </a:effectRef>
+        <a:fontRef idx="minor">
+          <a:schemeClr val="lt1"/>
+        </a:fontRef>
+      </dsp:style>
+      <dsp:txBody>
+        <a:bodyPr spcFirstLastPara="0" vert="horz" wrap="square" lIns="111463" tIns="256032" rIns="111463" bIns="256032" numCol="1" spcCol="1270" anchor="ctr" anchorCtr="0">
+          <a:noAutofit/>
+        </a:bodyPr>
+        <a:lstStyle/>
+        <a:p>
+          <a:pPr marL="0" lvl="0" indent="0" algn="ctr" defTabSz="1600200">
+            <a:lnSpc>
+              <a:spcPct val="90000"/>
+            </a:lnSpc>
+            <a:spcBef>
+              <a:spcPct val="0"/>
+            </a:spcBef>
+            <a:spcAft>
+              <a:spcPct val="35000"/>
+            </a:spcAft>
+            <a:buNone/>
+          </a:pPr>
+          <a:r>
+            <a:rPr lang="en-US" sz="3600" kern="1200" dirty="0"/>
+            <a:t>Store</a:t>
+          </a:r>
+        </a:p>
+      </dsp:txBody>
+      <dsp:txXfrm rot="-10800000">
+        <a:off x="0" y="2097709"/>
+        <a:ext cx="1567259" cy="1376293"/>
+      </dsp:txXfrm>
+    </dsp:sp>
+    <dsp:sp modelId="{8CA98573-50BF-44EC-8D08-0E521417E7E9}">
+      <dsp:nvSpPr>
+        <dsp:cNvPr id="0" name=""/>
+        <dsp:cNvSpPr/>
+      </dsp:nvSpPr>
+      <dsp:spPr>
+        <a:xfrm>
+          <a:off x="1567259" y="2097709"/>
+          <a:ext cx="4701777" cy="1376293"/>
+        </a:xfrm>
+        <a:prstGeom prst="rect">
+          <a:avLst/>
+        </a:prstGeom>
+        <a:solidFill>
+          <a:schemeClr val="accent2">
+            <a:tint val="40000"/>
+            <a:alpha val="90000"/>
+            <a:hueOff val="-424613"/>
+            <a:satOff val="-37673"/>
+            <a:lumOff val="-385"/>
+            <a:alphaOff val="0"/>
+          </a:schemeClr>
+        </a:solidFill>
+        <a:ln w="12700" cap="flat" cmpd="sng" algn="ctr">
+          <a:solidFill>
+            <a:schemeClr val="accent2">
+              <a:tint val="40000"/>
+              <a:alpha val="90000"/>
+              <a:hueOff val="-424613"/>
+              <a:satOff val="-37673"/>
+              <a:lumOff val="-385"/>
+              <a:alphaOff val="0"/>
+            </a:schemeClr>
+          </a:solidFill>
+          <a:prstDash val="solid"/>
+          <a:miter lim="800000"/>
+        </a:ln>
+        <a:effectLst/>
+      </dsp:spPr>
+      <dsp:style>
+        <a:lnRef idx="2">
+          <a:scrgbClr r="0" g="0" b="0"/>
+        </a:lnRef>
+        <a:fillRef idx="1">
+          <a:scrgbClr r="0" g="0" b="0"/>
+        </a:fillRef>
+        <a:effectRef idx="0">
+          <a:scrgbClr r="0" g="0" b="0"/>
+        </a:effectRef>
+        <a:fontRef idx="minor"/>
+      </dsp:style>
+      <dsp:txBody>
+        <a:bodyPr spcFirstLastPara="0" vert="horz" wrap="square" lIns="95374" tIns="304800" rIns="95374" bIns="304800" numCol="1" spcCol="1270" anchor="ctr" anchorCtr="0">
+          <a:noAutofit/>
+        </a:bodyPr>
+        <a:lstStyle/>
+        <a:p>
+          <a:pPr marL="0" lvl="0" indent="0" algn="l" defTabSz="1066800">
+            <a:lnSpc>
+              <a:spcPct val="90000"/>
+            </a:lnSpc>
+            <a:spcBef>
+              <a:spcPct val="0"/>
+            </a:spcBef>
+            <a:spcAft>
+              <a:spcPct val="35000"/>
+            </a:spcAft>
+            <a:buNone/>
+          </a:pPr>
+          <a:r>
+            <a:rPr lang="en-US" sz="2400" kern="1200" dirty="0"/>
+            <a:t>Store secrets in Azure </a:t>
+          </a:r>
+          <a:r>
+            <a:rPr lang="en-US" sz="2400" kern="1200" dirty="0" err="1"/>
+            <a:t>KeyVault</a:t>
+          </a:r>
+          <a:endParaRPr lang="en-US" sz="2400" kern="1200" dirty="0"/>
+        </a:p>
+      </dsp:txBody>
+      <dsp:txXfrm>
+        <a:off x="1567259" y="2097709"/>
+        <a:ext cx="4701777" cy="1376293"/>
+      </dsp:txXfrm>
+    </dsp:sp>
+    <dsp:sp modelId="{132E8397-4F29-403C-A5DF-9145EC6AEA40}">
+      <dsp:nvSpPr>
+        <dsp:cNvPr id="0" name=""/>
+        <dsp:cNvSpPr/>
+      </dsp:nvSpPr>
+      <dsp:spPr>
+        <a:xfrm rot="10800000">
+          <a:off x="0" y="984"/>
+          <a:ext cx="1567259" cy="2117374"/>
+        </a:xfrm>
+        <a:prstGeom prst="upArrowCallout">
+          <a:avLst>
+            <a:gd name="adj1" fmla="val 5000"/>
+            <a:gd name="adj2" fmla="val 10000"/>
+            <a:gd name="adj3" fmla="val 15000"/>
+            <a:gd name="adj4" fmla="val 64977"/>
+          </a:avLst>
+        </a:prstGeom>
+        <a:solidFill>
+          <a:schemeClr val="accent2">
+            <a:hueOff val="-1455363"/>
+            <a:satOff val="-83928"/>
+            <a:lumOff val="8628"/>
+            <a:alphaOff val="0"/>
+          </a:schemeClr>
+        </a:solidFill>
+        <a:ln w="12700" cap="flat" cmpd="sng" algn="ctr">
+          <a:solidFill>
+            <a:schemeClr val="accent2">
+              <a:hueOff val="-1455363"/>
+              <a:satOff val="-83928"/>
+              <a:lumOff val="8628"/>
+              <a:alphaOff val="0"/>
+            </a:schemeClr>
+          </a:solidFill>
+          <a:prstDash val="solid"/>
+          <a:miter lim="800000"/>
+        </a:ln>
+        <a:effectLst/>
+      </dsp:spPr>
+      <dsp:style>
+        <a:lnRef idx="2">
+          <a:scrgbClr r="0" g="0" b="0"/>
+        </a:lnRef>
+        <a:fillRef idx="1">
+          <a:scrgbClr r="0" g="0" b="0"/>
+        </a:fillRef>
+        <a:effectRef idx="0">
+          <a:scrgbClr r="0" g="0" b="0"/>
+        </a:effectRef>
+        <a:fontRef idx="minor">
+          <a:schemeClr val="lt1"/>
+        </a:fontRef>
+      </dsp:style>
+      <dsp:txBody>
+        <a:bodyPr spcFirstLastPara="0" vert="horz" wrap="square" lIns="111463" tIns="256032" rIns="111463" bIns="256032" numCol="1" spcCol="1270" anchor="ctr" anchorCtr="0">
+          <a:noAutofit/>
+        </a:bodyPr>
+        <a:lstStyle/>
+        <a:p>
+          <a:pPr marL="0" lvl="0" indent="0" algn="ctr" defTabSz="1600200">
+            <a:lnSpc>
+              <a:spcPct val="90000"/>
+            </a:lnSpc>
+            <a:spcBef>
+              <a:spcPct val="0"/>
+            </a:spcBef>
+            <a:spcAft>
+              <a:spcPct val="35000"/>
+            </a:spcAft>
+            <a:buNone/>
+          </a:pPr>
+          <a:r>
+            <a:rPr lang="en-US" sz="3600" kern="1200"/>
+            <a:t>Create</a:t>
+          </a:r>
+        </a:p>
+      </dsp:txBody>
+      <dsp:txXfrm rot="-10800000">
+        <a:off x="0" y="984"/>
+        <a:ext cx="1567259" cy="1376293"/>
+      </dsp:txXfrm>
+    </dsp:sp>
+    <dsp:sp modelId="{A8C82F68-FEE9-465C-9714-29D09C0425F3}">
+      <dsp:nvSpPr>
+        <dsp:cNvPr id="0" name=""/>
+        <dsp:cNvSpPr/>
+      </dsp:nvSpPr>
+      <dsp:spPr>
+        <a:xfrm>
+          <a:off x="1567259" y="984"/>
+          <a:ext cx="4701777" cy="1376293"/>
+        </a:xfrm>
+        <a:prstGeom prst="rect">
+          <a:avLst/>
+        </a:prstGeom>
+        <a:solidFill>
+          <a:schemeClr val="accent2">
+            <a:tint val="40000"/>
+            <a:alpha val="90000"/>
+            <a:hueOff val="-849226"/>
+            <a:satOff val="-75346"/>
+            <a:lumOff val="-769"/>
+            <a:alphaOff val="0"/>
+          </a:schemeClr>
+        </a:solidFill>
+        <a:ln w="12700" cap="flat" cmpd="sng" algn="ctr">
+          <a:solidFill>
+            <a:schemeClr val="accent2">
+              <a:tint val="40000"/>
+              <a:alpha val="90000"/>
+              <a:hueOff val="-849226"/>
+              <a:satOff val="-75346"/>
+              <a:lumOff val="-769"/>
+              <a:alphaOff val="0"/>
+            </a:schemeClr>
+          </a:solidFill>
+          <a:prstDash val="solid"/>
+          <a:miter lim="800000"/>
+        </a:ln>
+        <a:effectLst/>
+      </dsp:spPr>
+      <dsp:style>
+        <a:lnRef idx="2">
+          <a:scrgbClr r="0" g="0" b="0"/>
+        </a:lnRef>
+        <a:fillRef idx="1">
+          <a:scrgbClr r="0" g="0" b="0"/>
+        </a:fillRef>
+        <a:effectRef idx="0">
+          <a:scrgbClr r="0" g="0" b="0"/>
+        </a:effectRef>
+        <a:fontRef idx="minor"/>
+      </dsp:style>
+      <dsp:txBody>
+        <a:bodyPr spcFirstLastPara="0" vert="horz" wrap="square" lIns="95374" tIns="304800" rIns="95374" bIns="304800" numCol="1" spcCol="1270" anchor="ctr" anchorCtr="0">
+          <a:noAutofit/>
+        </a:bodyPr>
+        <a:lstStyle/>
+        <a:p>
+          <a:pPr marL="0" lvl="0" indent="0" algn="l" defTabSz="1066800">
+            <a:lnSpc>
+              <a:spcPct val="90000"/>
+            </a:lnSpc>
+            <a:spcBef>
+              <a:spcPct val="0"/>
+            </a:spcBef>
+            <a:spcAft>
+              <a:spcPct val="35000"/>
+            </a:spcAft>
+            <a:buNone/>
+          </a:pPr>
+          <a:r>
+            <a:rPr lang="en-US" sz="2400" b="0" kern="1200" dirty="0"/>
+            <a:t>An Azure </a:t>
+          </a:r>
+          <a:r>
+            <a:rPr lang="en-US" sz="2400" b="0" kern="1200" dirty="0" err="1"/>
+            <a:t>KeyVault</a:t>
+          </a:r>
+          <a:endParaRPr lang="en-US" sz="2400" b="0" kern="1200" dirty="0"/>
+        </a:p>
+      </dsp:txBody>
+      <dsp:txXfrm>
+        <a:off x="1567259" y="984"/>
+        <a:ext cx="4701777" cy="1376293"/>
       </dsp:txXfrm>
     </dsp:sp>
   </dsp:spTree>
@@ -13350,11 +13353,11 @@
 </file>
 
 <file path=ppt/diagrams/layout4.xml><?xml version="1.0" encoding="utf-8"?>
-<dgm:layoutDef xmlns:dgm="http://schemas.openxmlformats.org/drawingml/2006/diagram" xmlns:a="http://schemas.openxmlformats.org/drawingml/2006/main" uniqueId="urn:microsoft.com/office/officeart/2016/7/layout/VerticalDownArrowProcess">
-  <dgm:title val="Vertical Down Arrow Process"/>
-  <dgm:desc val="Use to show a progression; a timeline; sequential steps in a task, process, or workflow; or to emphasize movement or direction. Level 1 text appears inside an arrow shape while Level 2 text appears below the arrow shapes."/>
+<dgm:layoutDef xmlns:dgm="http://schemas.openxmlformats.org/drawingml/2006/diagram" xmlns:a="http://schemas.openxmlformats.org/drawingml/2006/main" uniqueId="urn:microsoft.com/office/officeart/2016/7/layout/VerticalSolidActionList">
+  <dgm:title val="Vertical Solid Action List"/>
+  <dgm:desc val="Use to show non-sequential or grouped lists of information. Works well with large amounts of text. All text has the same level of emphasis, and direction is not implied."/>
   <dgm:catLst>
-    <dgm:cat type="process" pri="500"/>
+    <dgm:cat type="list" pri="500"/>
   </dgm:catLst>
   <dgm:sampData>
     <dgm:dataModel>
@@ -13378,14 +13381,30 @@
         <dgm:pt modelId="31">
           <dgm:prSet phldr="1"/>
         </dgm:pt>
+        <dgm:pt modelId="4">
+          <dgm:prSet phldr="1"/>
+        </dgm:pt>
+        <dgm:pt modelId="41">
+          <dgm:prSet phldr="1"/>
+        </dgm:pt>
+        <dgm:pt modelId="5">
+          <dgm:prSet phldr="1"/>
+        </dgm:pt>
+        <dgm:pt modelId="51">
+          <dgm:prSet phldr="1"/>
+        </dgm:pt>
       </dgm:ptLst>
       <dgm:cxnLst>
         <dgm:cxn modelId="4" srcId="0" destId="1" srcOrd="0" destOrd="0"/>
         <dgm:cxn modelId="5" srcId="0" destId="2" srcOrd="1" destOrd="0"/>
         <dgm:cxn modelId="6" srcId="0" destId="3" srcOrd="2" destOrd="0"/>
+        <dgm:cxn modelId="7" srcId="0" destId="4" srcOrd="3" destOrd="0"/>
+        <dgm:cxn modelId="8" srcId="0" destId="5" srcOrd="4" destOrd="0"/>
         <dgm:cxn modelId="13" srcId="1" destId="11" srcOrd="0" destOrd="0"/>
         <dgm:cxn modelId="23" srcId="2" destId="21" srcOrd="0" destOrd="0"/>
         <dgm:cxn modelId="33" srcId="3" destId="31" srcOrd="0" destOrd="0"/>
+        <dgm:cxn modelId="43" srcId="4" destId="41" srcOrd="0" destOrd="0"/>
+        <dgm:cxn modelId="53" srcId="5" destId="51" srcOrd="0" destOrd="0"/>
       </dgm:cxnLst>
       <dgm:bg/>
       <dgm:whole/>
@@ -13443,170 +13462,121 @@
       <dgm:animLvl val="lvl"/>
       <dgm:resizeHandles val="exact"/>
     </dgm:varLst>
-    <dgm:alg type="lin">
-      <dgm:param type="linDir" val="fromB"/>
-    </dgm:alg>
+    <dgm:choose name="Name1">
+      <dgm:if name="Name2" func="var" arg="dir" op="equ" val="norm">
+        <dgm:alg type="lin">
+          <dgm:param type="linDir" val="fromT"/>
+          <dgm:param type="nodeHorzAlign" val="l"/>
+        </dgm:alg>
+      </dgm:if>
+      <dgm:else name="Name3">
+        <dgm:alg type="lin">
+          <dgm:param type="linDir" val="fromT"/>
+          <dgm:param type="nodeHorzAlign" val="r"/>
+        </dgm:alg>
+      </dgm:else>
+    </dgm:choose>
     <dgm:shape xmlns:r="http://schemas.openxmlformats.org/officeDocument/2006/relationships" r:blip="">
       <dgm:adjLst/>
     </dgm:shape>
     <dgm:presOf/>
     <dgm:constrLst>
-      <dgm:constr type="h" for="ch" forName="boxAndChildren" refType="h"/>
-      <dgm:constr type="h" for="ch" forName="arrowAndChildren" refType="h" refFor="ch" refForName="boxAndChildren" op="equ" fact="1.538"/>
-      <dgm:constr type="w" for="ch" forName="arrowAndChildren" refType="w"/>
-      <dgm:constr type="w" for="ch" forName="boxAndChildren" refType="w"/>
-      <dgm:constr type="h" for="ch" forName="sp" refType="h" fact="-0.015"/>
-      <dgm:constr type="primFontSz" for="des" forName="parentTextBox" val="36"/>
-      <dgm:constr type="primFontSz" for="des" forName="parentTextArrow" refType="primFontSz" refFor="des" refForName="parentTextBox" op="equ"/>
-      <dgm:constr type="primFontSz" for="des" forName="descendantArrow" val="24"/>
-      <dgm:constr type="primFontSz" for="des" forName="descendantArrow" refType="primFontSz" refFor="des" refForName="parentTextArrow" op="lte"/>
-      <dgm:constr type="primFontSz" for="des" forName="descendantBox" refType="primFontSz" refFor="des" refForName="parentTextArrow" op="lte"/>
-      <dgm:constr type="primFontSz" for="des" forName="descendantBox" refType="primFontSz" refFor="des" refForName="parentTextBox" op="lte"/>
-      <dgm:constr type="primFontSz" for="des" forName="descendantArrow" refType="primFontSz" refFor="des" refForName="parentTextBox" op="lte"/>
-      <dgm:constr type="primFontSz" for="des" forName="descendantBox" refType="primFontSz" refFor="des" refForName="descendantArrow" op="equ"/>
+      <dgm:constr type="h" for="ch" forName="linNode" refType="h"/>
+      <dgm:constr type="w" for="ch" forName="linNode" refType="w"/>
+      <dgm:constr type="h" for="ch" forName="sp" refType="h" fact="0.06"/>
+      <dgm:constr type="primFontSz" for="des" forName="parentText" op="equ" val="28"/>
+      <dgm:constr type="primFontSz" for="des" forName="descendantText" refType="primFontSz" refFor="des" refForName="parentText" op="lte" fact="0.82"/>
+      <dgm:constr type="primFontSz" for="des" forName="parentText" refType="primFontSz" refFor="des" refForName="descendantText" op="lte" fact="1.25"/>
     </dgm:constrLst>
     <dgm:ruleLst/>
-    <dgm:forEach name="Name1" axis="ch" ptType="node" st="-1" step="-1">
-      <dgm:choose name="Name2">
-        <dgm:if name="Name3" axis="self" ptType="node" func="revPos" op="equ" val="1">
-          <dgm:layoutNode name="boxAndChildren">
-            <dgm:alg type="composite"/>
-            <dgm:shape xmlns:r="http://schemas.openxmlformats.org/officeDocument/2006/relationships" r:blip="">
-              <dgm:adjLst/>
-            </dgm:shape>
-            <dgm:presOf/>
-            <dgm:constrLst>
-              <dgm:constr type="w" for="ch" forName="parentTextBox" refType="w" fact="0.25"/>
-              <dgm:constr type="h" for="ch" forName="parentTextBox" refType="h"/>
-              <dgm:constr type="t" for="ch" forName="parentTextBox"/>
-              <dgm:constr type="w" for="ch" forName="descendantBox" refType="w" fact="0.75"/>
-              <dgm:constr type="l" for="ch" forName="descendantBox" refType="w" fact="0.25"/>
-              <dgm:constr type="b" for="ch" forName="descendantBox" refType="h"/>
-              <dgm:constr type="h" for="ch" forName="descendantBox" refType="h"/>
-            </dgm:constrLst>
-            <dgm:ruleLst/>
-            <dgm:layoutNode name="parentTextBox" styleLbl="alignNode1">
-              <dgm:alg type="tx"/>
+    <dgm:forEach name="Name4" axis="ch" ptType="node">
+      <dgm:layoutNode name="linNode">
+        <dgm:choose name="Name5">
+          <dgm:if name="Name6" func="var" arg="dir" op="equ" val="norm">
+            <dgm:alg type="lin">
+              <dgm:param type="linDir" val="fromL"/>
+            </dgm:alg>
+          </dgm:if>
+          <dgm:else name="Name7">
+            <dgm:alg type="lin">
+              <dgm:param type="linDir" val="fromR"/>
+            </dgm:alg>
+          </dgm:else>
+        </dgm:choose>
+        <dgm:shape xmlns:r="http://schemas.openxmlformats.org/officeDocument/2006/relationships" r:blip="">
+          <dgm:adjLst/>
+        </dgm:shape>
+        <dgm:presOf/>
+        <dgm:constrLst>
+          <dgm:constr type="w" for="ch" forName="parentText" refType="w" fact="0.2"/>
+          <dgm:constr type="w" for="ch" forName="descendantText" refType="w" fact="0.8"/>
+          <dgm:constr type="h" for="ch" forName="parentText" refType="h"/>
+          <dgm:constr type="h" for="ch" forName="descendantText" refType="h" refFor="ch" refForName="parentText"/>
+        </dgm:constrLst>
+        <dgm:ruleLst/>
+        <dgm:layoutNode name="parentText" styleLbl="alignNode1">
+          <dgm:varLst>
+            <dgm:chMax val="1"/>
+            <dgm:bulletEnabled/>
+          </dgm:varLst>
+          <dgm:alg type="tx"/>
+          <dgm:shape xmlns:r="http://schemas.openxmlformats.org/officeDocument/2006/relationships" type="rect" r:blip="" zOrderOff="3">
+            <dgm:adjLst/>
+          </dgm:shape>
+          <dgm:presOf axis="self" ptType="node"/>
+          <dgm:constrLst>
+            <dgm:constr type="tMarg" refType="h" fact="0.28"/>
+            <dgm:constr type="bMarg" refType="h" fact="0.28"/>
+            <dgm:constr type="lMarg" refType="w" fact="0.15"/>
+            <dgm:constr type="rMarg" refType="w" fact="0.15"/>
+          </dgm:constrLst>
+          <dgm:ruleLst>
+            <dgm:rule type="primFontSz" val="15" fact="NaN" max="NaN"/>
+          </dgm:ruleLst>
+        </dgm:layoutNode>
+        <dgm:layoutNode name="descendantText" styleLbl="alignAccFollowNode1">
+          <dgm:varLst>
+            <dgm:bulletEnabled/>
+          </dgm:varLst>
+          <dgm:alg type="tx">
+            <dgm:param type="stBulletLvl" val="0"/>
+            <dgm:param type="parTxLTRAlign" val="l"/>
+            <dgm:param type="shpTxLTRAlignCh" val="l"/>
+            <dgm:param type="parTxRTLAlign" val="r"/>
+            <dgm:param type="shpTxRTLAlignCh" val="r"/>
+          </dgm:alg>
+          <dgm:choose name="Name10">
+            <dgm:if name="Name11" func="var" arg="dir" op="equ" val="norm">
               <dgm:shape xmlns:r="http://schemas.openxmlformats.org/officeDocument/2006/relationships" type="rect" r:blip="">
                 <dgm:adjLst/>
               </dgm:shape>
-              <dgm:presOf axis="self"/>
-              <dgm:constrLst>
-                <dgm:constr type="primFontSz" refType="h" op="lte" fact="0.5"/>
-                <dgm:constr type="lMarg" refType="w" fact="0.2016"/>
-                <dgm:constr type="rMarg" refType="w" fact="0.2016"/>
-              </dgm:constrLst>
-              <dgm:ruleLst>
-                <dgm:rule type="primFontSz" val="13" fact="NaN" max="NaN"/>
-              </dgm:ruleLst>
-            </dgm:layoutNode>
-            <dgm:layoutNode name="descendantBox" styleLbl="bgAccFollowNode1">
-              <dgm:alg type="tx">
-                <dgm:param type="stBulletLvl" val="0"/>
-                <dgm:param type="parTxLTRAlign" val="l"/>
-              </dgm:alg>
+            </dgm:if>
+            <dgm:else name="Name12">
               <dgm:shape xmlns:r="http://schemas.openxmlformats.org/officeDocument/2006/relationships" type="rect" r:blip="">
                 <dgm:adjLst/>
               </dgm:shape>
-              <dgm:presOf/>
-              <dgm:constrLst>
-                <dgm:constr type="tMarg" refType="primFontSz"/>
-                <dgm:constr type="bMarg" refType="primFontSz"/>
-                <dgm:constr type="lMarg" refType="w" fact="0.0575"/>
-                <dgm:constr type="rMarg" refType="w" fact="0.0575"/>
-              </dgm:constrLst>
-              <dgm:presOf axis="des" ptType="node"/>
-              <dgm:ruleLst>
-                <dgm:rule type="primFontSz" val="11" fact="NaN" max="NaN"/>
-              </dgm:ruleLst>
-            </dgm:layoutNode>
-          </dgm:layoutNode>
-        </dgm:if>
-        <dgm:else name="Name17">
-          <dgm:layoutNode name="arrowAndChildren">
-            <dgm:alg type="composite"/>
-            <dgm:shape xmlns:r="http://schemas.openxmlformats.org/officeDocument/2006/relationships" r:blip="">
-              <dgm:adjLst/>
-            </dgm:shape>
-            <dgm:presOf/>
-            <dgm:constrLst>
-              <dgm:constr type="w" for="ch" forName="parentTextArrow" refType="w" fact="0.25"/>
-              <dgm:constr type="t" for="ch" forName="parentTextArrow"/>
-              <dgm:constr type="h" for="ch" forName="parentTextArrow" refType="h" fact="0.65"/>
-              <dgm:constr type="w" for="ch" forName="arrow" refType="w" fact="0.25"/>
-              <dgm:constr type="h" for="ch" forName="arrow" refType="h"/>
-              <dgm:constr type="l" for="ch" forName="descendantArrow" refType="w" fact="0.25"/>
-              <dgm:constr type="w" for="ch" forName="descendantArrow" refType="w" fact="0.75"/>
-              <dgm:constr type="b" for="ch" forName="descendantArrow" refType="h" fact="0.65"/>
-              <dgm:constr type="h" for="ch" forName="descendantArrow" refType="h" fact="0.65"/>
-            </dgm:constrLst>
-            <dgm:ruleLst/>
-            <dgm:layoutNode name="parentTextArrow">
-              <dgm:alg type="tx"/>
-              <dgm:choose name="Name21">
-                <dgm:if name="Name22" axis="ch" ptType="node" func="cnt" op="gte" val="1">
-                  <dgm:shape xmlns:r="http://schemas.openxmlformats.org/officeDocument/2006/relationships" type="rect" r:blip="" zOrderOff="1" hideGeom="1">
-                    <dgm:adjLst/>
-                  </dgm:shape>
-                </dgm:if>
-                <dgm:else name="Name23">
-                  <dgm:shape xmlns:r="http://schemas.openxmlformats.org/officeDocument/2006/relationships" rot="180" type="upArrowCallout" r:blip="">
-                    <dgm:adjLst/>
-                  </dgm:shape>
-                </dgm:else>
-              </dgm:choose>
-              <dgm:presOf axis="self"/>
-              <dgm:constrLst>
-                <dgm:constr type="primFontSz" refType="h" op="lte" fact="0.5"/>
-                <dgm:constr type="lMarg" refType="w" fact="0.2016"/>
-                <dgm:constr type="rMarg" refType="w" fact="0.2016"/>
-              </dgm:constrLst>
-              <dgm:ruleLst>
-                <dgm:rule type="primFontSz" val="13" fact="NaN" max="NaN"/>
-              </dgm:ruleLst>
-            </dgm:layoutNode>
-            <dgm:layoutNode name="arrow" styleLbl="alignNode1">
-              <dgm:alg type="sp"/>
-              <dgm:shape xmlns:r="http://schemas.openxmlformats.org/officeDocument/2006/relationships" rot="180" type="upArrowCallout" r:blip="">
-                <dgm:adjLst>
-                  <dgm:adj idx="1" val="0.05"/>
-                  <dgm:adj idx="2" val="0.1"/>
-                  <dgm:adj idx="3" val="0.15"/>
-                </dgm:adjLst>
-              </dgm:shape>
-              <dgm:presOf axis="self"/>
-              <dgm:constrLst/>
-              <dgm:ruleLst/>
-            </dgm:layoutNode>
-            <dgm:layoutNode name="descendantArrow" styleLbl="bgAccFollowNode1">
-              <dgm:alg type="tx">
-                <dgm:param type="stBulletLvl" val="0"/>
-                <dgm:param type="parTxLTRAlign" val="l"/>
-              </dgm:alg>
-              <dgm:shape xmlns:r="http://schemas.openxmlformats.org/officeDocument/2006/relationships" type="rect" r:blip="">
-                <dgm:adjLst/>
-              </dgm:shape>
-              <dgm:presOf axis="des" ptType="node"/>
-              <dgm:constrLst>
-                <dgm:constr type="tMarg" refType="primFontSz"/>
-                <dgm:constr type="bMarg" refType="primFontSz"/>
-                <dgm:constr type="lMarg" refType="w" fact="0.0575"/>
-                <dgm:constr type="rMarg" refType="w" fact="0.0575"/>
-              </dgm:constrLst>
-              <dgm:ruleLst>
-                <dgm:rule type="primFontSz" val="11" fact="NaN" max="NaN"/>
-              </dgm:ruleLst>
-            </dgm:layoutNode>
-          </dgm:layoutNode>
-        </dgm:else>
-      </dgm:choose>
-      <dgm:forEach name="Name31" axis="precedSib" ptType="sibTrans" st="-1" cnt="1">
+            </dgm:else>
+          </dgm:choose>
+          <dgm:presOf axis="des" ptType="node"/>
+          <dgm:constrLst>
+            <dgm:constr type="primFontSz" val="24"/>
+            <dgm:constr type="lMarg" refType="w" fact="0.055"/>
+            <dgm:constr type="rMarg" refType="w" fact="0.055"/>
+            <dgm:constr type="tMarg" refType="h" fact="0.72"/>
+            <dgm:constr type="bMarg" refType="h" fact="0.72"/>
+          </dgm:constrLst>
+          <dgm:ruleLst>
+            <dgm:rule type="primFontSz" val="11" fact="NaN" max="NaN"/>
+          </dgm:ruleLst>
+        </dgm:layoutNode>
+      </dgm:layoutNode>
+      <dgm:forEach name="Name14" axis="followSib" ptType="sibTrans" cnt="1">
         <dgm:layoutNode name="sp">
           <dgm:alg type="sp"/>
           <dgm:shape xmlns:r="http://schemas.openxmlformats.org/officeDocument/2006/relationships" r:blip="">
             <dgm:adjLst/>
           </dgm:shape>
-          <dgm:presOf axis="self"/>
+          <dgm:presOf/>
           <dgm:constrLst/>
           <dgm:ruleLst/>
         </dgm:layoutNode>
@@ -14085,11 +14055,11 @@
 </file>
 
 <file path=ppt/diagrams/layout7.xml><?xml version="1.0" encoding="utf-8"?>
-<dgm:layoutDef xmlns:dgm="http://schemas.openxmlformats.org/drawingml/2006/diagram" xmlns:a="http://schemas.openxmlformats.org/drawingml/2006/main" uniqueId="urn:microsoft.com/office/officeart/2016/7/layout/VerticalSolidActionList">
-  <dgm:title val="Vertical Solid Action List"/>
-  <dgm:desc val="Use to show non-sequential or grouped lists of information. Works well with large amounts of text. All text has the same level of emphasis, and direction is not implied."/>
+<dgm:layoutDef xmlns:dgm="http://schemas.openxmlformats.org/drawingml/2006/diagram" xmlns:a="http://schemas.openxmlformats.org/drawingml/2006/main" uniqueId="urn:microsoft.com/office/officeart/2016/7/layout/VerticalDownArrowProcess">
+  <dgm:title val="Vertical Down Arrow Process"/>
+  <dgm:desc val="Use to show a progression; a timeline; sequential steps in a task, process, or workflow; or to emphasize movement or direction. Level 1 text appears inside an arrow shape while Level 2 text appears below the arrow shapes."/>
   <dgm:catLst>
-    <dgm:cat type="list" pri="500"/>
+    <dgm:cat type="process" pri="500"/>
   </dgm:catLst>
   <dgm:sampData>
     <dgm:dataModel>
@@ -14113,30 +14083,14 @@
         <dgm:pt modelId="31">
           <dgm:prSet phldr="1"/>
         </dgm:pt>
-        <dgm:pt modelId="4">
-          <dgm:prSet phldr="1"/>
-        </dgm:pt>
-        <dgm:pt modelId="41">
-          <dgm:prSet phldr="1"/>
-        </dgm:pt>
-        <dgm:pt modelId="5">
-          <dgm:prSet phldr="1"/>
-        </dgm:pt>
-        <dgm:pt modelId="51">
-          <dgm:prSet phldr="1"/>
-        </dgm:pt>
       </dgm:ptLst>
       <dgm:cxnLst>
         <dgm:cxn modelId="4" srcId="0" destId="1" srcOrd="0" destOrd="0"/>
         <dgm:cxn modelId="5" srcId="0" destId="2" srcOrd="1" destOrd="0"/>
         <dgm:cxn modelId="6" srcId="0" destId="3" srcOrd="2" destOrd="0"/>
-        <dgm:cxn modelId="7" srcId="0" destId="4" srcOrd="3" destOrd="0"/>
-        <dgm:cxn modelId="8" srcId="0" destId="5" srcOrd="4" destOrd="0"/>
         <dgm:cxn modelId="13" srcId="1" destId="11" srcOrd="0" destOrd="0"/>
         <dgm:cxn modelId="23" srcId="2" destId="21" srcOrd="0" destOrd="0"/>
         <dgm:cxn modelId="33" srcId="3" destId="31" srcOrd="0" destOrd="0"/>
-        <dgm:cxn modelId="43" srcId="4" destId="41" srcOrd="0" destOrd="0"/>
-        <dgm:cxn modelId="53" srcId="5" destId="51" srcOrd="0" destOrd="0"/>
       </dgm:cxnLst>
       <dgm:bg/>
       <dgm:whole/>
@@ -14194,121 +14148,170 @@
       <dgm:animLvl val="lvl"/>
       <dgm:resizeHandles val="exact"/>
     </dgm:varLst>
-    <dgm:choose name="Name1">
-      <dgm:if name="Name2" func="var" arg="dir" op="equ" val="norm">
-        <dgm:alg type="lin">
-          <dgm:param type="linDir" val="fromT"/>
-          <dgm:param type="nodeHorzAlign" val="l"/>
-        </dgm:alg>
-      </dgm:if>
-      <dgm:else name="Name3">
-        <dgm:alg type="lin">
-          <dgm:param type="linDir" val="fromT"/>
-          <dgm:param type="nodeHorzAlign" val="r"/>
-        </dgm:alg>
-      </dgm:else>
-    </dgm:choose>
+    <dgm:alg type="lin">
+      <dgm:param type="linDir" val="fromB"/>
+    </dgm:alg>
     <dgm:shape xmlns:r="http://schemas.openxmlformats.org/officeDocument/2006/relationships" r:blip="">
       <dgm:adjLst/>
     </dgm:shape>
     <dgm:presOf/>
     <dgm:constrLst>
-      <dgm:constr type="h" for="ch" forName="linNode" refType="h"/>
-      <dgm:constr type="w" for="ch" forName="linNode" refType="w"/>
-      <dgm:constr type="h" for="ch" forName="sp" refType="h" fact="0.06"/>
-      <dgm:constr type="primFontSz" for="des" forName="parentText" op="equ" val="28"/>
-      <dgm:constr type="primFontSz" for="des" forName="descendantText" refType="primFontSz" refFor="des" refForName="parentText" op="lte" fact="0.82"/>
-      <dgm:constr type="primFontSz" for="des" forName="parentText" refType="primFontSz" refFor="des" refForName="descendantText" op="lte" fact="1.25"/>
+      <dgm:constr type="h" for="ch" forName="boxAndChildren" refType="h"/>
+      <dgm:constr type="h" for="ch" forName="arrowAndChildren" refType="h" refFor="ch" refForName="boxAndChildren" op="equ" fact="1.538"/>
+      <dgm:constr type="w" for="ch" forName="arrowAndChildren" refType="w"/>
+      <dgm:constr type="w" for="ch" forName="boxAndChildren" refType="w"/>
+      <dgm:constr type="h" for="ch" forName="sp" refType="h" fact="-0.015"/>
+      <dgm:constr type="primFontSz" for="des" forName="parentTextBox" val="36"/>
+      <dgm:constr type="primFontSz" for="des" forName="parentTextArrow" refType="primFontSz" refFor="des" refForName="parentTextBox" op="equ"/>
+      <dgm:constr type="primFontSz" for="des" forName="descendantArrow" val="24"/>
+      <dgm:constr type="primFontSz" for="des" forName="descendantArrow" refType="primFontSz" refFor="des" refForName="parentTextArrow" op="lte"/>
+      <dgm:constr type="primFontSz" for="des" forName="descendantBox" refType="primFontSz" refFor="des" refForName="parentTextArrow" op="lte"/>
+      <dgm:constr type="primFontSz" for="des" forName="descendantBox" refType="primFontSz" refFor="des" refForName="parentTextBox" op="lte"/>
+      <dgm:constr type="primFontSz" for="des" forName="descendantArrow" refType="primFontSz" refFor="des" refForName="parentTextBox" op="lte"/>
+      <dgm:constr type="primFontSz" for="des" forName="descendantBox" refType="primFontSz" refFor="des" refForName="descendantArrow" op="equ"/>
     </dgm:constrLst>
     <dgm:ruleLst/>
-    <dgm:forEach name="Name4" axis="ch" ptType="node">
-      <dgm:layoutNode name="linNode">
-        <dgm:choose name="Name5">
-          <dgm:if name="Name6" func="var" arg="dir" op="equ" val="norm">
-            <dgm:alg type="lin">
-              <dgm:param type="linDir" val="fromL"/>
-            </dgm:alg>
-          </dgm:if>
-          <dgm:else name="Name7">
-            <dgm:alg type="lin">
-              <dgm:param type="linDir" val="fromR"/>
-            </dgm:alg>
-          </dgm:else>
-        </dgm:choose>
-        <dgm:shape xmlns:r="http://schemas.openxmlformats.org/officeDocument/2006/relationships" r:blip="">
-          <dgm:adjLst/>
-        </dgm:shape>
-        <dgm:presOf/>
-        <dgm:constrLst>
-          <dgm:constr type="w" for="ch" forName="parentText" refType="w" fact="0.2"/>
-          <dgm:constr type="w" for="ch" forName="descendantText" refType="w" fact="0.8"/>
-          <dgm:constr type="h" for="ch" forName="parentText" refType="h"/>
-          <dgm:constr type="h" for="ch" forName="descendantText" refType="h" refFor="ch" refForName="parentText"/>
-        </dgm:constrLst>
-        <dgm:ruleLst/>
-        <dgm:layoutNode name="parentText" styleLbl="alignNode1">
-          <dgm:varLst>
-            <dgm:chMax val="1"/>
-            <dgm:bulletEnabled/>
-          </dgm:varLst>
-          <dgm:alg type="tx"/>
-          <dgm:shape xmlns:r="http://schemas.openxmlformats.org/officeDocument/2006/relationships" type="rect" r:blip="" zOrderOff="3">
-            <dgm:adjLst/>
-          </dgm:shape>
-          <dgm:presOf axis="self" ptType="node"/>
-          <dgm:constrLst>
-            <dgm:constr type="tMarg" refType="h" fact="0.28"/>
-            <dgm:constr type="bMarg" refType="h" fact="0.28"/>
-            <dgm:constr type="lMarg" refType="w" fact="0.15"/>
-            <dgm:constr type="rMarg" refType="w" fact="0.15"/>
-          </dgm:constrLst>
-          <dgm:ruleLst>
-            <dgm:rule type="primFontSz" val="15" fact="NaN" max="NaN"/>
-          </dgm:ruleLst>
-        </dgm:layoutNode>
-        <dgm:layoutNode name="descendantText" styleLbl="alignAccFollowNode1">
-          <dgm:varLst>
-            <dgm:bulletEnabled/>
-          </dgm:varLst>
-          <dgm:alg type="tx">
-            <dgm:param type="stBulletLvl" val="0"/>
-            <dgm:param type="parTxLTRAlign" val="l"/>
-            <dgm:param type="shpTxLTRAlignCh" val="l"/>
-            <dgm:param type="parTxRTLAlign" val="r"/>
-            <dgm:param type="shpTxRTLAlignCh" val="r"/>
-          </dgm:alg>
-          <dgm:choose name="Name10">
-            <dgm:if name="Name11" func="var" arg="dir" op="equ" val="norm">
+    <dgm:forEach name="Name1" axis="ch" ptType="node" st="-1" step="-1">
+      <dgm:choose name="Name2">
+        <dgm:if name="Name3" axis="self" ptType="node" func="revPos" op="equ" val="1">
+          <dgm:layoutNode name="boxAndChildren">
+            <dgm:alg type="composite"/>
+            <dgm:shape xmlns:r="http://schemas.openxmlformats.org/officeDocument/2006/relationships" r:blip="">
+              <dgm:adjLst/>
+            </dgm:shape>
+            <dgm:presOf/>
+            <dgm:constrLst>
+              <dgm:constr type="w" for="ch" forName="parentTextBox" refType="w" fact="0.25"/>
+              <dgm:constr type="h" for="ch" forName="parentTextBox" refType="h"/>
+              <dgm:constr type="t" for="ch" forName="parentTextBox"/>
+              <dgm:constr type="w" for="ch" forName="descendantBox" refType="w" fact="0.75"/>
+              <dgm:constr type="l" for="ch" forName="descendantBox" refType="w" fact="0.25"/>
+              <dgm:constr type="b" for="ch" forName="descendantBox" refType="h"/>
+              <dgm:constr type="h" for="ch" forName="descendantBox" refType="h"/>
+            </dgm:constrLst>
+            <dgm:ruleLst/>
+            <dgm:layoutNode name="parentTextBox" styleLbl="alignNode1">
+              <dgm:alg type="tx"/>
               <dgm:shape xmlns:r="http://schemas.openxmlformats.org/officeDocument/2006/relationships" type="rect" r:blip="">
                 <dgm:adjLst/>
               </dgm:shape>
-            </dgm:if>
-            <dgm:else name="Name12">
+              <dgm:presOf axis="self"/>
+              <dgm:constrLst>
+                <dgm:constr type="primFontSz" refType="h" op="lte" fact="0.5"/>
+                <dgm:constr type="lMarg" refType="w" fact="0.2016"/>
+                <dgm:constr type="rMarg" refType="w" fact="0.2016"/>
+              </dgm:constrLst>
+              <dgm:ruleLst>
+                <dgm:rule type="primFontSz" val="13" fact="NaN" max="NaN"/>
+              </dgm:ruleLst>
+            </dgm:layoutNode>
+            <dgm:layoutNode name="descendantBox" styleLbl="bgAccFollowNode1">
+              <dgm:alg type="tx">
+                <dgm:param type="stBulletLvl" val="0"/>
+                <dgm:param type="parTxLTRAlign" val="l"/>
+              </dgm:alg>
               <dgm:shape xmlns:r="http://schemas.openxmlformats.org/officeDocument/2006/relationships" type="rect" r:blip="">
                 <dgm:adjLst/>
               </dgm:shape>
-            </dgm:else>
-          </dgm:choose>
-          <dgm:presOf axis="des" ptType="node"/>
-          <dgm:constrLst>
-            <dgm:constr type="primFontSz" val="24"/>
-            <dgm:constr type="lMarg" refType="w" fact="0.055"/>
-            <dgm:constr type="rMarg" refType="w" fact="0.055"/>
-            <dgm:constr type="tMarg" refType="h" fact="0.72"/>
-            <dgm:constr type="bMarg" refType="h" fact="0.72"/>
-          </dgm:constrLst>
-          <dgm:ruleLst>
-            <dgm:rule type="primFontSz" val="11" fact="NaN" max="NaN"/>
-          </dgm:ruleLst>
-        </dgm:layoutNode>
-      </dgm:layoutNode>
-      <dgm:forEach name="Name14" axis="followSib" ptType="sibTrans" cnt="1">
+              <dgm:presOf/>
+              <dgm:constrLst>
+                <dgm:constr type="tMarg" refType="primFontSz"/>
+                <dgm:constr type="bMarg" refType="primFontSz"/>
+                <dgm:constr type="lMarg" refType="w" fact="0.0575"/>
+                <dgm:constr type="rMarg" refType="w" fact="0.0575"/>
+              </dgm:constrLst>
+              <dgm:presOf axis="des" ptType="node"/>
+              <dgm:ruleLst>
+                <dgm:rule type="primFontSz" val="11" fact="NaN" max="NaN"/>
+              </dgm:ruleLst>
+            </dgm:layoutNode>
+          </dgm:layoutNode>
+        </dgm:if>
+        <dgm:else name="Name17">
+          <dgm:layoutNode name="arrowAndChildren">
+            <dgm:alg type="composite"/>
+            <dgm:shape xmlns:r="http://schemas.openxmlformats.org/officeDocument/2006/relationships" r:blip="">
+              <dgm:adjLst/>
+            </dgm:shape>
+            <dgm:presOf/>
+            <dgm:constrLst>
+              <dgm:constr type="w" for="ch" forName="parentTextArrow" refType="w" fact="0.25"/>
+              <dgm:constr type="t" for="ch" forName="parentTextArrow"/>
+              <dgm:constr type="h" for="ch" forName="parentTextArrow" refType="h" fact="0.65"/>
+              <dgm:constr type="w" for="ch" forName="arrow" refType="w" fact="0.25"/>
+              <dgm:constr type="h" for="ch" forName="arrow" refType="h"/>
+              <dgm:constr type="l" for="ch" forName="descendantArrow" refType="w" fact="0.25"/>
+              <dgm:constr type="w" for="ch" forName="descendantArrow" refType="w" fact="0.75"/>
+              <dgm:constr type="b" for="ch" forName="descendantArrow" refType="h" fact="0.65"/>
+              <dgm:constr type="h" for="ch" forName="descendantArrow" refType="h" fact="0.65"/>
+            </dgm:constrLst>
+            <dgm:ruleLst/>
+            <dgm:layoutNode name="parentTextArrow">
+              <dgm:alg type="tx"/>
+              <dgm:choose name="Name21">
+                <dgm:if name="Name22" axis="ch" ptType="node" func="cnt" op="gte" val="1">
+                  <dgm:shape xmlns:r="http://schemas.openxmlformats.org/officeDocument/2006/relationships" type="rect" r:blip="" zOrderOff="1" hideGeom="1">
+                    <dgm:adjLst/>
+                  </dgm:shape>
+                </dgm:if>
+                <dgm:else name="Name23">
+                  <dgm:shape xmlns:r="http://schemas.openxmlformats.org/officeDocument/2006/relationships" rot="180" type="upArrowCallout" r:blip="">
+                    <dgm:adjLst/>
+                  </dgm:shape>
+                </dgm:else>
+              </dgm:choose>
+              <dgm:presOf axis="self"/>
+              <dgm:constrLst>
+                <dgm:constr type="primFontSz" refType="h" op="lte" fact="0.5"/>
+                <dgm:constr type="lMarg" refType="w" fact="0.2016"/>
+                <dgm:constr type="rMarg" refType="w" fact="0.2016"/>
+              </dgm:constrLst>
+              <dgm:ruleLst>
+                <dgm:rule type="primFontSz" val="13" fact="NaN" max="NaN"/>
+              </dgm:ruleLst>
+            </dgm:layoutNode>
+            <dgm:layoutNode name="arrow" styleLbl="alignNode1">
+              <dgm:alg type="sp"/>
+              <dgm:shape xmlns:r="http://schemas.openxmlformats.org/officeDocument/2006/relationships" rot="180" type="upArrowCallout" r:blip="">
+                <dgm:adjLst>
+                  <dgm:adj idx="1" val="0.05"/>
+                  <dgm:adj idx="2" val="0.1"/>
+                  <dgm:adj idx="3" val="0.15"/>
+                </dgm:adjLst>
+              </dgm:shape>
+              <dgm:presOf axis="self"/>
+              <dgm:constrLst/>
+              <dgm:ruleLst/>
+            </dgm:layoutNode>
+            <dgm:layoutNode name="descendantArrow" styleLbl="bgAccFollowNode1">
+              <dgm:alg type="tx">
+                <dgm:param type="stBulletLvl" val="0"/>
+                <dgm:param type="parTxLTRAlign" val="l"/>
+              </dgm:alg>
+              <dgm:shape xmlns:r="http://schemas.openxmlformats.org/officeDocument/2006/relationships" type="rect" r:blip="">
+                <dgm:adjLst/>
+              </dgm:shape>
+              <dgm:presOf axis="des" ptType="node"/>
+              <dgm:constrLst>
+                <dgm:constr type="tMarg" refType="primFontSz"/>
+                <dgm:constr type="bMarg" refType="primFontSz"/>
+                <dgm:constr type="lMarg" refType="w" fact="0.0575"/>
+                <dgm:constr type="rMarg" refType="w" fact="0.0575"/>
+              </dgm:constrLst>
+              <dgm:ruleLst>
+                <dgm:rule type="primFontSz" val="11" fact="NaN" max="NaN"/>
+              </dgm:ruleLst>
+            </dgm:layoutNode>
+          </dgm:layoutNode>
+        </dgm:else>
+      </dgm:choose>
+      <dgm:forEach name="Name31" axis="precedSib" ptType="sibTrans" st="-1" cnt="1">
         <dgm:layoutNode name="sp">
           <dgm:alg type="sp"/>
           <dgm:shape xmlns:r="http://schemas.openxmlformats.org/officeDocument/2006/relationships" r:blip="">
             <dgm:adjLst/>
           </dgm:shape>
-          <dgm:presOf/>
+          <dgm:presOf axis="self"/>
           <dgm:constrLst/>
           <dgm:ruleLst/>
         </dgm:layoutNode>
@@ -21638,7 +21641,7 @@
           <a:p>
             <a:fld id="{8C581135-D932-42D3-A5BE-448786D8DE75}" type="datetimeFigureOut">
               <a:rPr lang="en-US" smtClean="0"/>
-              <a:t>11/19/2017</a:t>
+              <a:t>2/26/2018</a:t>
             </a:fld>
             <a:endParaRPr lang="en-US"/>
           </a:p>
@@ -22093,7 +22096,24 @@
           <a:bodyPr/>
           <a:lstStyle/>
           <a:p>
-            <a:endParaRPr lang="en-US"/>
+            <a:r>
+              <a:rPr lang="en-US" dirty="0" err="1"/>
+              <a:t>Az</a:t>
+            </a:r>
+            <a:r>
+              <a:rPr lang="en-US" dirty="0"/>
+              <a:t> login</a:t>
+            </a:r>
+          </a:p>
+          <a:p>
+            <a:r>
+              <a:rPr lang="en-US" dirty="0" err="1"/>
+              <a:t>azbb</a:t>
+            </a:r>
+            <a:r>
+              <a:rPr lang="en-US" dirty="0"/>
+              <a:t> -g rgRentPathAAA3 -s 6820d920-c94a-41f8-9e08-811fa97a1624 -l eastus2 -p C:\Users\naswif\Downloads\Rentpath\SampleADDCInfraPush.json --deploy</a:t>
+            </a:r>
           </a:p>
         </p:txBody>
       </p:sp>
@@ -22112,18 +22132,78 @@
           <a:bodyPr/>
           <a:lstStyle/>
           <a:p>
-            <a:fld id="{D288ECDE-EFC6-484F-8C81-C346395907CB}" type="slidenum">
-              <a:rPr lang="en-US" smtClean="0"/>
+            <a:pPr marL="0" marR="0" lvl="0" indent="0" algn="r" defTabSz="914400" rtl="0" eaLnBrk="1" fontAlgn="auto" latinLnBrk="0" hangingPunct="1">
+              <a:lnSpc>
+                <a:spcPct val="100000"/>
+              </a:lnSpc>
+              <a:spcBef>
+                <a:spcPts val="0"/>
+              </a:spcBef>
+              <a:spcAft>
+                <a:spcPts val="0"/>
+              </a:spcAft>
+              <a:buClrTx/>
+              <a:buSzTx/>
+              <a:buFontTx/>
+              <a:buNone/>
+              <a:tabLst/>
+              <a:defRPr/>
+            </a:pPr>
+            <a:fld id="{118217E1-4565-4866-828C-5007AD55CDCF}" type="slidenum">
+              <a:rPr kumimoji="0" lang="en-US" sz="1200" b="0" i="0" u="none" strike="noStrike" kern="1200" cap="none" spc="0" normalizeH="0" baseline="0" noProof="0" smtClean="0">
+                <a:ln>
+                  <a:noFill/>
+                </a:ln>
+                <a:solidFill>
+                  <a:prstClr val="black"/>
+                </a:solidFill>
+                <a:effectLst/>
+                <a:uLnTx/>
+                <a:uFillTx/>
+                <a:latin typeface="Calibri" panose="020F0502020204030204"/>
+                <a:ea typeface="+mn-ea"/>
+                <a:cs typeface="+mn-cs"/>
+              </a:rPr>
+              <a:pPr marL="0" marR="0" lvl="0" indent="0" algn="r" defTabSz="914400" rtl="0" eaLnBrk="1" fontAlgn="auto" latinLnBrk="0" hangingPunct="1">
+                <a:lnSpc>
+                  <a:spcPct val="100000"/>
+                </a:lnSpc>
+                <a:spcBef>
+                  <a:spcPts val="0"/>
+                </a:spcBef>
+                <a:spcAft>
+                  <a:spcPts val="0"/>
+                </a:spcAft>
+                <a:buClrTx/>
+                <a:buSzTx/>
+                <a:buFontTx/>
+                <a:buNone/>
+                <a:tabLst/>
+                <a:defRPr/>
+              </a:pPr>
               <a:t>10</a:t>
             </a:fld>
-            <a:endParaRPr lang="en-US"/>
+            <a:endParaRPr kumimoji="0" lang="en-US" sz="1200" b="0" i="0" u="none" strike="noStrike" kern="1200" cap="none" spc="0" normalizeH="0" baseline="0" noProof="0">
+              <a:ln>
+                <a:noFill/>
+              </a:ln>
+              <a:solidFill>
+                <a:prstClr val="black"/>
+              </a:solidFill>
+              <a:effectLst/>
+              <a:uLnTx/>
+              <a:uFillTx/>
+              <a:latin typeface="Calibri" panose="020F0502020204030204"/>
+              <a:ea typeface="+mn-ea"/>
+              <a:cs typeface="+mn-cs"/>
+            </a:endParaRPr>
           </a:p>
         </p:txBody>
       </p:sp>
     </p:spTree>
     <p:extLst>
       <p:ext uri="{BB962C8B-B14F-4D97-AF65-F5344CB8AC3E}">
-        <p14:creationId xmlns:p14="http://schemas.microsoft.com/office/powerpoint/2010/main" val="3139478445"/>
+        <p14:creationId xmlns:p14="http://schemas.microsoft.com/office/powerpoint/2010/main" val="4218994901"/>
       </p:ext>
     </p:extLst>
   </p:cSld>
@@ -22207,7 +22287,7 @@
     </p:spTree>
     <p:extLst>
       <p:ext uri="{BB962C8B-B14F-4D97-AF65-F5344CB8AC3E}">
-        <p14:creationId xmlns:p14="http://schemas.microsoft.com/office/powerpoint/2010/main" val="1404082919"/>
+        <p14:creationId xmlns:p14="http://schemas.microsoft.com/office/powerpoint/2010/main" val="265829900"/>
       </p:ext>
     </p:extLst>
   </p:cSld>
@@ -22291,7 +22371,7 @@
     </p:spTree>
     <p:extLst>
       <p:ext uri="{BB962C8B-B14F-4D97-AF65-F5344CB8AC3E}">
-        <p14:creationId xmlns:p14="http://schemas.microsoft.com/office/powerpoint/2010/main" val="1730879583"/>
+        <p14:creationId xmlns:p14="http://schemas.microsoft.com/office/powerpoint/2010/main" val="895077937"/>
       </p:ext>
     </p:extLst>
   </p:cSld>
@@ -22375,7 +22455,7 @@
     </p:spTree>
     <p:extLst>
       <p:ext uri="{BB962C8B-B14F-4D97-AF65-F5344CB8AC3E}">
-        <p14:creationId xmlns:p14="http://schemas.microsoft.com/office/powerpoint/2010/main" val="2480102086"/>
+        <p14:creationId xmlns:p14="http://schemas.microsoft.com/office/powerpoint/2010/main" val="3139478445"/>
       </p:ext>
     </p:extLst>
   </p:cSld>
@@ -22429,10 +22509,7 @@
           <a:bodyPr/>
           <a:lstStyle/>
           <a:p>
-            <a:r>
-              <a:rPr lang="en-US" dirty="0"/>
-              <a:t>https://docs.microsoft.com/en-us/azure/azure-resource-manager/resource-group-template-functions-numeric#copyindex</a:t>
-            </a:r>
+            <a:endParaRPr lang="en-US"/>
           </a:p>
         </p:txBody>
       </p:sp>
@@ -22451,78 +22528,18 @@
           <a:bodyPr/>
           <a:lstStyle/>
           <a:p>
-            <a:pPr marL="0" marR="0" lvl="0" indent="0" algn="r" defTabSz="914400" rtl="0" eaLnBrk="1" fontAlgn="auto" latinLnBrk="0" hangingPunct="1">
-              <a:lnSpc>
-                <a:spcPct val="100000"/>
-              </a:lnSpc>
-              <a:spcBef>
-                <a:spcPts val="0"/>
-              </a:spcBef>
-              <a:spcAft>
-                <a:spcPts val="0"/>
-              </a:spcAft>
-              <a:buClrTx/>
-              <a:buSzTx/>
-              <a:buFontTx/>
-              <a:buNone/>
-              <a:tabLst/>
-              <a:defRPr/>
-            </a:pPr>
             <a:fld id="{D288ECDE-EFC6-484F-8C81-C346395907CB}" type="slidenum">
-              <a:rPr kumimoji="0" lang="en-US" sz="1200" b="0" i="0" u="none" strike="noStrike" kern="1200" cap="none" spc="0" normalizeH="0" baseline="0" noProof="0" smtClean="0">
-                <a:ln>
-                  <a:noFill/>
-                </a:ln>
-                <a:solidFill>
-                  <a:prstClr val="black"/>
-                </a:solidFill>
-                <a:effectLst/>
-                <a:uLnTx/>
-                <a:uFillTx/>
-                <a:latin typeface="Calibri" panose="020F0502020204030204"/>
-                <a:ea typeface="+mn-ea"/>
-                <a:cs typeface="+mn-cs"/>
-              </a:rPr>
-              <a:pPr marL="0" marR="0" lvl="0" indent="0" algn="r" defTabSz="914400" rtl="0" eaLnBrk="1" fontAlgn="auto" latinLnBrk="0" hangingPunct="1">
-                <a:lnSpc>
-                  <a:spcPct val="100000"/>
-                </a:lnSpc>
-                <a:spcBef>
-                  <a:spcPts val="0"/>
-                </a:spcBef>
-                <a:spcAft>
-                  <a:spcPts val="0"/>
-                </a:spcAft>
-                <a:buClrTx/>
-                <a:buSzTx/>
-                <a:buFontTx/>
-                <a:buNone/>
-                <a:tabLst/>
-                <a:defRPr/>
-              </a:pPr>
+              <a:rPr lang="en-US" smtClean="0"/>
               <a:t>14</a:t>
             </a:fld>
-            <a:endParaRPr kumimoji="0" lang="en-US" sz="1200" b="0" i="0" u="none" strike="noStrike" kern="1200" cap="none" spc="0" normalizeH="0" baseline="0" noProof="0">
-              <a:ln>
-                <a:noFill/>
-              </a:ln>
-              <a:solidFill>
-                <a:prstClr val="black"/>
-              </a:solidFill>
-              <a:effectLst/>
-              <a:uLnTx/>
-              <a:uFillTx/>
-              <a:latin typeface="Calibri" panose="020F0502020204030204"/>
-              <a:ea typeface="+mn-ea"/>
-              <a:cs typeface="+mn-cs"/>
-            </a:endParaRPr>
+            <a:endParaRPr lang="en-US"/>
           </a:p>
         </p:txBody>
       </p:sp>
     </p:spTree>
     <p:extLst>
       <p:ext uri="{BB962C8B-B14F-4D97-AF65-F5344CB8AC3E}">
-        <p14:creationId xmlns:p14="http://schemas.microsoft.com/office/powerpoint/2010/main" val="709517895"/>
+        <p14:creationId xmlns:p14="http://schemas.microsoft.com/office/powerpoint/2010/main" val="1404082919"/>
       </p:ext>
     </p:extLst>
   </p:cSld>
@@ -22576,10 +22593,7 @@
           <a:bodyPr/>
           <a:lstStyle/>
           <a:p>
-            <a:r>
-              <a:rPr lang="en-US" dirty="0"/>
-              <a:t>https://azure.microsoft.com/en-us/blog/keyvault-support-for-arm-templates/</a:t>
-            </a:r>
+            <a:endParaRPr lang="en-US"/>
           </a:p>
         </p:txBody>
       </p:sp>
@@ -22598,78 +22612,18 @@
           <a:bodyPr/>
           <a:lstStyle/>
           <a:p>
-            <a:pPr marL="0" marR="0" lvl="0" indent="0" algn="r" defTabSz="914400" rtl="0" eaLnBrk="1" fontAlgn="auto" latinLnBrk="0" hangingPunct="1">
-              <a:lnSpc>
-                <a:spcPct val="100000"/>
-              </a:lnSpc>
-              <a:spcBef>
-                <a:spcPts val="0"/>
-              </a:spcBef>
-              <a:spcAft>
-                <a:spcPts val="0"/>
-              </a:spcAft>
-              <a:buClrTx/>
-              <a:buSzTx/>
-              <a:buFontTx/>
-              <a:buNone/>
-              <a:tabLst/>
-              <a:defRPr/>
-            </a:pPr>
             <a:fld id="{D288ECDE-EFC6-484F-8C81-C346395907CB}" type="slidenum">
-              <a:rPr kumimoji="0" lang="en-US" sz="1200" b="0" i="0" u="none" strike="noStrike" kern="1200" cap="none" spc="0" normalizeH="0" baseline="0" noProof="0" smtClean="0">
-                <a:ln>
-                  <a:noFill/>
-                </a:ln>
-                <a:solidFill>
-                  <a:prstClr val="black"/>
-                </a:solidFill>
-                <a:effectLst/>
-                <a:uLnTx/>
-                <a:uFillTx/>
-                <a:latin typeface="Calibri" panose="020F0502020204030204"/>
-                <a:ea typeface="+mn-ea"/>
-                <a:cs typeface="+mn-cs"/>
-              </a:rPr>
-              <a:pPr marL="0" marR="0" lvl="0" indent="0" algn="r" defTabSz="914400" rtl="0" eaLnBrk="1" fontAlgn="auto" latinLnBrk="0" hangingPunct="1">
-                <a:lnSpc>
-                  <a:spcPct val="100000"/>
-                </a:lnSpc>
-                <a:spcBef>
-                  <a:spcPts val="0"/>
-                </a:spcBef>
-                <a:spcAft>
-                  <a:spcPts val="0"/>
-                </a:spcAft>
-                <a:buClrTx/>
-                <a:buSzTx/>
-                <a:buFontTx/>
-                <a:buNone/>
-                <a:tabLst/>
-                <a:defRPr/>
-              </a:pPr>
+              <a:rPr lang="en-US" smtClean="0"/>
               <a:t>15</a:t>
             </a:fld>
-            <a:endParaRPr kumimoji="0" lang="en-US" sz="1200" b="0" i="0" u="none" strike="noStrike" kern="1200" cap="none" spc="0" normalizeH="0" baseline="0" noProof="0">
-              <a:ln>
-                <a:noFill/>
-              </a:ln>
-              <a:solidFill>
-                <a:prstClr val="black"/>
-              </a:solidFill>
-              <a:effectLst/>
-              <a:uLnTx/>
-              <a:uFillTx/>
-              <a:latin typeface="Calibri" panose="020F0502020204030204"/>
-              <a:ea typeface="+mn-ea"/>
-              <a:cs typeface="+mn-cs"/>
-            </a:endParaRPr>
+            <a:endParaRPr lang="en-US"/>
           </a:p>
         </p:txBody>
       </p:sp>
     </p:spTree>
     <p:extLst>
       <p:ext uri="{BB962C8B-B14F-4D97-AF65-F5344CB8AC3E}">
-        <p14:creationId xmlns:p14="http://schemas.microsoft.com/office/powerpoint/2010/main" val="3336019214"/>
+        <p14:creationId xmlns:p14="http://schemas.microsoft.com/office/powerpoint/2010/main" val="1730879583"/>
       </p:ext>
     </p:extLst>
   </p:cSld>
@@ -22742,78 +22696,18 @@
           <a:bodyPr/>
           <a:lstStyle/>
           <a:p>
-            <a:pPr marL="0" marR="0" lvl="0" indent="0" algn="r" defTabSz="914400" rtl="0" eaLnBrk="1" fontAlgn="auto" latinLnBrk="0" hangingPunct="1">
-              <a:lnSpc>
-                <a:spcPct val="100000"/>
-              </a:lnSpc>
-              <a:spcBef>
-                <a:spcPts val="0"/>
-              </a:spcBef>
-              <a:spcAft>
-                <a:spcPts val="0"/>
-              </a:spcAft>
-              <a:buClrTx/>
-              <a:buSzTx/>
-              <a:buFontTx/>
-              <a:buNone/>
-              <a:tabLst/>
-              <a:defRPr/>
-            </a:pPr>
             <a:fld id="{D288ECDE-EFC6-484F-8C81-C346395907CB}" type="slidenum">
-              <a:rPr kumimoji="0" lang="en-US" sz="1200" b="0" i="0" u="none" strike="noStrike" kern="1200" cap="none" spc="0" normalizeH="0" baseline="0" noProof="0" smtClean="0">
-                <a:ln>
-                  <a:noFill/>
-                </a:ln>
-                <a:solidFill>
-                  <a:prstClr val="black"/>
-                </a:solidFill>
-                <a:effectLst/>
-                <a:uLnTx/>
-                <a:uFillTx/>
-                <a:latin typeface="Calibri" panose="020F0502020204030204"/>
-                <a:ea typeface="+mn-ea"/>
-                <a:cs typeface="+mn-cs"/>
-              </a:rPr>
-              <a:pPr marL="0" marR="0" lvl="0" indent="0" algn="r" defTabSz="914400" rtl="0" eaLnBrk="1" fontAlgn="auto" latinLnBrk="0" hangingPunct="1">
-                <a:lnSpc>
-                  <a:spcPct val="100000"/>
-                </a:lnSpc>
-                <a:spcBef>
-                  <a:spcPts val="0"/>
-                </a:spcBef>
-                <a:spcAft>
-                  <a:spcPts val="0"/>
-                </a:spcAft>
-                <a:buClrTx/>
-                <a:buSzTx/>
-                <a:buFontTx/>
-                <a:buNone/>
-                <a:tabLst/>
-                <a:defRPr/>
-              </a:pPr>
+              <a:rPr lang="en-US" smtClean="0"/>
               <a:t>16</a:t>
             </a:fld>
-            <a:endParaRPr kumimoji="0" lang="en-US" sz="1200" b="0" i="0" u="none" strike="noStrike" kern="1200" cap="none" spc="0" normalizeH="0" baseline="0" noProof="0">
-              <a:ln>
-                <a:noFill/>
-              </a:ln>
-              <a:solidFill>
-                <a:prstClr val="black"/>
-              </a:solidFill>
-              <a:effectLst/>
-              <a:uLnTx/>
-              <a:uFillTx/>
-              <a:latin typeface="Calibri" panose="020F0502020204030204"/>
-              <a:ea typeface="+mn-ea"/>
-              <a:cs typeface="+mn-cs"/>
-            </a:endParaRPr>
+            <a:endParaRPr lang="en-US"/>
           </a:p>
         </p:txBody>
       </p:sp>
     </p:spTree>
     <p:extLst>
       <p:ext uri="{BB962C8B-B14F-4D97-AF65-F5344CB8AC3E}">
-        <p14:creationId xmlns:p14="http://schemas.microsoft.com/office/powerpoint/2010/main" val="3435104571"/>
+        <p14:creationId xmlns:p14="http://schemas.microsoft.com/office/powerpoint/2010/main" val="2480102086"/>
       </p:ext>
     </p:extLst>
   </p:cSld>
@@ -22869,7 +22763,7 @@
           <a:p>
             <a:r>
               <a:rPr lang="en-US" dirty="0"/>
-              <a:t>https://github.com/mspnp/template-building-blocks/wiki/overview</a:t>
+              <a:t>https://docs.microsoft.com/en-us/azure/azure-resource-manager/resource-group-template-functions-numeric#copyindex</a:t>
             </a:r>
           </a:p>
         </p:txBody>
@@ -22960,7 +22854,7 @@
     </p:spTree>
     <p:extLst>
       <p:ext uri="{BB962C8B-B14F-4D97-AF65-F5344CB8AC3E}">
-        <p14:creationId xmlns:p14="http://schemas.microsoft.com/office/powerpoint/2010/main" val="2103493120"/>
+        <p14:creationId xmlns:p14="http://schemas.microsoft.com/office/powerpoint/2010/main" val="709517895"/>
       </p:ext>
     </p:extLst>
   </p:cSld>
@@ -23104,7 +22998,7 @@
     </p:spTree>
     <p:extLst>
       <p:ext uri="{BB962C8B-B14F-4D97-AF65-F5344CB8AC3E}">
-        <p14:creationId xmlns:p14="http://schemas.microsoft.com/office/powerpoint/2010/main" val="2442216117"/>
+        <p14:creationId xmlns:p14="http://schemas.microsoft.com/office/powerpoint/2010/main" val="3435104571"/>
       </p:ext>
     </p:extLst>
   </p:cSld>
@@ -23158,7 +23052,10 @@
           <a:bodyPr/>
           <a:lstStyle/>
           <a:p>
-            <a:endParaRPr lang="en-US"/>
+            <a:r>
+              <a:rPr lang="en-US" dirty="0"/>
+              <a:t>https://github.com/mspnp/template-building-blocks/wiki/overview</a:t>
+            </a:r>
           </a:p>
         </p:txBody>
       </p:sp>
@@ -23194,13 +23091,13 @@
               <a:tabLst/>
               <a:defRPr/>
             </a:pPr>
-            <a:fld id="{0A19B3D5-E175-4495-8778-1EC0CDFD9691}" type="slidenum">
-              <a:rPr kumimoji="0" lang="en-US" sz="1800" b="0" i="0" u="none" strike="noStrike" kern="0" cap="none" spc="0" normalizeH="0" baseline="0" noProof="0" smtClean="0">
+            <a:fld id="{D288ECDE-EFC6-484F-8C81-C346395907CB}" type="slidenum">
+              <a:rPr kumimoji="0" lang="en-US" sz="1200" b="0" i="0" u="none" strike="noStrike" kern="1200" cap="none" spc="0" normalizeH="0" baseline="0" noProof="0" smtClean="0">
                 <a:ln>
                   <a:noFill/>
                 </a:ln>
                 <a:solidFill>
-                  <a:sysClr val="windowText" lastClr="000000"/>
+                  <a:prstClr val="black"/>
                 </a:solidFill>
                 <a:effectLst/>
                 <a:uLnTx/>
@@ -23228,12 +23125,12 @@
               </a:pPr>
               <a:t>19</a:t>
             </a:fld>
-            <a:endParaRPr kumimoji="0" lang="en-US" sz="1800" b="0" i="0" u="none" strike="noStrike" kern="0" cap="none" spc="0" normalizeH="0" baseline="0" noProof="0">
+            <a:endParaRPr kumimoji="0" lang="en-US" sz="1200" b="0" i="0" u="none" strike="noStrike" kern="1200" cap="none" spc="0" normalizeH="0" baseline="0" noProof="0">
               <a:ln>
                 <a:noFill/>
               </a:ln>
               <a:solidFill>
-                <a:sysClr val="windowText" lastClr="000000"/>
+                <a:prstClr val="black"/>
               </a:solidFill>
               <a:effectLst/>
               <a:uLnTx/>
@@ -23248,7 +23145,7 @@
     </p:spTree>
     <p:extLst>
       <p:ext uri="{BB962C8B-B14F-4D97-AF65-F5344CB8AC3E}">
-        <p14:creationId xmlns:p14="http://schemas.microsoft.com/office/powerpoint/2010/main" val="2684960220"/>
+        <p14:creationId xmlns:p14="http://schemas.microsoft.com/office/powerpoint/2010/main" val="2103493120"/>
       </p:ext>
     </p:extLst>
   </p:cSld>
@@ -23338,7 +23235,7 @@
               <a:tabLst/>
               <a:defRPr/>
             </a:pPr>
-            <a:fld id="{02549F46-6E34-4F40-A2E5-3343621E18DF}" type="slidenum">
+            <a:fld id="{D288ECDE-EFC6-484F-8C81-C346395907CB}" type="slidenum">
               <a:rPr kumimoji="0" lang="en-US" sz="1200" b="0" i="0" u="none" strike="noStrike" kern="1200" cap="none" spc="0" normalizeH="0" baseline="0" noProof="0" smtClean="0">
                 <a:ln>
                   <a:noFill/>
@@ -23392,7 +23289,7 @@
     </p:spTree>
     <p:extLst>
       <p:ext uri="{BB962C8B-B14F-4D97-AF65-F5344CB8AC3E}">
-        <p14:creationId xmlns:p14="http://schemas.microsoft.com/office/powerpoint/2010/main" val="2168713016"/>
+        <p14:creationId xmlns:p14="http://schemas.microsoft.com/office/powerpoint/2010/main" val="1066261384"/>
       </p:ext>
     </p:extLst>
   </p:cSld>
@@ -23465,9 +23362,444 @@
           <a:bodyPr/>
           <a:lstStyle/>
           <a:p>
+            <a:pPr marL="0" marR="0" lvl="0" indent="0" algn="r" defTabSz="914400" rtl="0" eaLnBrk="1" fontAlgn="auto" latinLnBrk="0" hangingPunct="1">
+              <a:lnSpc>
+                <a:spcPct val="100000"/>
+              </a:lnSpc>
+              <a:spcBef>
+                <a:spcPts val="0"/>
+              </a:spcBef>
+              <a:spcAft>
+                <a:spcPts val="0"/>
+              </a:spcAft>
+              <a:buClrTx/>
+              <a:buSzTx/>
+              <a:buFontTx/>
+              <a:buNone/>
+              <a:tabLst/>
+              <a:defRPr/>
+            </a:pPr>
+            <a:fld id="{D288ECDE-EFC6-484F-8C81-C346395907CB}" type="slidenum">
+              <a:rPr kumimoji="0" lang="en-US" sz="1200" b="0" i="0" u="none" strike="noStrike" kern="1200" cap="none" spc="0" normalizeH="0" baseline="0" noProof="0" smtClean="0">
+                <a:ln>
+                  <a:noFill/>
+                </a:ln>
+                <a:solidFill>
+                  <a:prstClr val="black"/>
+                </a:solidFill>
+                <a:effectLst/>
+                <a:uLnTx/>
+                <a:uFillTx/>
+                <a:latin typeface="Calibri" panose="020F0502020204030204"/>
+                <a:ea typeface="+mn-ea"/>
+                <a:cs typeface="+mn-cs"/>
+              </a:rPr>
+              <a:pPr marL="0" marR="0" lvl="0" indent="0" algn="r" defTabSz="914400" rtl="0" eaLnBrk="1" fontAlgn="auto" latinLnBrk="0" hangingPunct="1">
+                <a:lnSpc>
+                  <a:spcPct val="100000"/>
+                </a:lnSpc>
+                <a:spcBef>
+                  <a:spcPts val="0"/>
+                </a:spcBef>
+                <a:spcAft>
+                  <a:spcPts val="0"/>
+                </a:spcAft>
+                <a:buClrTx/>
+                <a:buSzTx/>
+                <a:buFontTx/>
+                <a:buNone/>
+                <a:tabLst/>
+                <a:defRPr/>
+              </a:pPr>
+              <a:t>20</a:t>
+            </a:fld>
+            <a:endParaRPr kumimoji="0" lang="en-US" sz="1200" b="0" i="0" u="none" strike="noStrike" kern="1200" cap="none" spc="0" normalizeH="0" baseline="0" noProof="0">
+              <a:ln>
+                <a:noFill/>
+              </a:ln>
+              <a:solidFill>
+                <a:prstClr val="black"/>
+              </a:solidFill>
+              <a:effectLst/>
+              <a:uLnTx/>
+              <a:uFillTx/>
+              <a:latin typeface="Calibri" panose="020F0502020204030204"/>
+              <a:ea typeface="+mn-ea"/>
+              <a:cs typeface="+mn-cs"/>
+            </a:endParaRPr>
+          </a:p>
+        </p:txBody>
+      </p:sp>
+    </p:spTree>
+    <p:extLst>
+      <p:ext uri="{BB962C8B-B14F-4D97-AF65-F5344CB8AC3E}">
+        <p14:creationId xmlns:p14="http://schemas.microsoft.com/office/powerpoint/2010/main" val="2442216117"/>
+      </p:ext>
+    </p:extLst>
+  </p:cSld>
+  <p:clrMapOvr>
+    <a:masterClrMapping/>
+  </p:clrMapOvr>
+</p:notes>
+</file>
+
+<file path=ppt/notesSlides/notesSlide21.xml><?xml version="1.0" encoding="utf-8"?>
+<p:notes xmlns:a="http://schemas.openxmlformats.org/drawingml/2006/main" xmlns:r="http://schemas.openxmlformats.org/officeDocument/2006/relationships" xmlns:p="http://schemas.openxmlformats.org/presentationml/2006/main">
+  <p:cSld>
+    <p:spTree>
+      <p:nvGrpSpPr>
+        <p:cNvPr id="1" name=""/>
+        <p:cNvGrpSpPr/>
+        <p:nvPr/>
+      </p:nvGrpSpPr>
+      <p:grpSpPr>
+        <a:xfrm>
+          <a:off x="0" y="0"/>
+          <a:ext cx="0" cy="0"/>
+          <a:chOff x="0" y="0"/>
+          <a:chExt cx="0" cy="0"/>
+        </a:xfrm>
+      </p:grpSpPr>
+      <p:sp>
+        <p:nvSpPr>
+          <p:cNvPr id="2" name="Slide Image Placeholder 1"/>
+          <p:cNvSpPr>
+            <a:spLocks noGrp="1" noRot="1" noChangeAspect="1"/>
+          </p:cNvSpPr>
+          <p:nvPr>
+            <p:ph type="sldImg"/>
+          </p:nvPr>
+        </p:nvSpPr>
+        <p:spPr/>
+      </p:sp>
+      <p:sp>
+        <p:nvSpPr>
+          <p:cNvPr id="3" name="Notes Placeholder 2"/>
+          <p:cNvSpPr>
+            <a:spLocks noGrp="1"/>
+          </p:cNvSpPr>
+          <p:nvPr>
+            <p:ph type="body" idx="1"/>
+          </p:nvPr>
+        </p:nvSpPr>
+        <p:spPr/>
+        <p:txBody>
+          <a:bodyPr/>
+          <a:lstStyle/>
+          <a:p>
+            <a:r>
+              <a:rPr lang="en-US" dirty="0"/>
+              <a:t>https://azure.microsoft.com/en-us/blog/keyvault-support-for-arm-templates/</a:t>
+            </a:r>
+          </a:p>
+        </p:txBody>
+      </p:sp>
+      <p:sp>
+        <p:nvSpPr>
+          <p:cNvPr id="4" name="Slide Number Placeholder 3"/>
+          <p:cNvSpPr>
+            <a:spLocks noGrp="1"/>
+          </p:cNvSpPr>
+          <p:nvPr>
+            <p:ph type="sldNum" sz="quarter" idx="10"/>
+          </p:nvPr>
+        </p:nvSpPr>
+        <p:spPr/>
+        <p:txBody>
+          <a:bodyPr/>
+          <a:lstStyle/>
+          <a:p>
+            <a:pPr marL="0" marR="0" lvl="0" indent="0" algn="r" defTabSz="914400" rtl="0" eaLnBrk="1" fontAlgn="auto" latinLnBrk="0" hangingPunct="1">
+              <a:lnSpc>
+                <a:spcPct val="100000"/>
+              </a:lnSpc>
+              <a:spcBef>
+                <a:spcPts val="0"/>
+              </a:spcBef>
+              <a:spcAft>
+                <a:spcPts val="0"/>
+              </a:spcAft>
+              <a:buClrTx/>
+              <a:buSzTx/>
+              <a:buFontTx/>
+              <a:buNone/>
+              <a:tabLst/>
+              <a:defRPr/>
+            </a:pPr>
+            <a:fld id="{D288ECDE-EFC6-484F-8C81-C346395907CB}" type="slidenum">
+              <a:rPr kumimoji="0" lang="en-US" sz="1200" b="0" i="0" u="none" strike="noStrike" kern="1200" cap="none" spc="0" normalizeH="0" baseline="0" noProof="0" smtClean="0">
+                <a:ln>
+                  <a:noFill/>
+                </a:ln>
+                <a:solidFill>
+                  <a:prstClr val="black"/>
+                </a:solidFill>
+                <a:effectLst/>
+                <a:uLnTx/>
+                <a:uFillTx/>
+                <a:latin typeface="Calibri" panose="020F0502020204030204"/>
+                <a:ea typeface="+mn-ea"/>
+                <a:cs typeface="+mn-cs"/>
+              </a:rPr>
+              <a:pPr marL="0" marR="0" lvl="0" indent="0" algn="r" defTabSz="914400" rtl="0" eaLnBrk="1" fontAlgn="auto" latinLnBrk="0" hangingPunct="1">
+                <a:lnSpc>
+                  <a:spcPct val="100000"/>
+                </a:lnSpc>
+                <a:spcBef>
+                  <a:spcPts val="0"/>
+                </a:spcBef>
+                <a:spcAft>
+                  <a:spcPts val="0"/>
+                </a:spcAft>
+                <a:buClrTx/>
+                <a:buSzTx/>
+                <a:buFontTx/>
+                <a:buNone/>
+                <a:tabLst/>
+                <a:defRPr/>
+              </a:pPr>
+              <a:t>21</a:t>
+            </a:fld>
+            <a:endParaRPr kumimoji="0" lang="en-US" sz="1200" b="0" i="0" u="none" strike="noStrike" kern="1200" cap="none" spc="0" normalizeH="0" baseline="0" noProof="0">
+              <a:ln>
+                <a:noFill/>
+              </a:ln>
+              <a:solidFill>
+                <a:prstClr val="black"/>
+              </a:solidFill>
+              <a:effectLst/>
+              <a:uLnTx/>
+              <a:uFillTx/>
+              <a:latin typeface="Calibri" panose="020F0502020204030204"/>
+              <a:ea typeface="+mn-ea"/>
+              <a:cs typeface="+mn-cs"/>
+            </a:endParaRPr>
+          </a:p>
+        </p:txBody>
+      </p:sp>
+    </p:spTree>
+    <p:extLst>
+      <p:ext uri="{BB962C8B-B14F-4D97-AF65-F5344CB8AC3E}">
+        <p14:creationId xmlns:p14="http://schemas.microsoft.com/office/powerpoint/2010/main" val="3336019214"/>
+      </p:ext>
+    </p:extLst>
+  </p:cSld>
+  <p:clrMapOvr>
+    <a:masterClrMapping/>
+  </p:clrMapOvr>
+</p:notes>
+</file>
+
+<file path=ppt/notesSlides/notesSlide22.xml><?xml version="1.0" encoding="utf-8"?>
+<p:notes xmlns:a="http://schemas.openxmlformats.org/drawingml/2006/main" xmlns:r="http://schemas.openxmlformats.org/officeDocument/2006/relationships" xmlns:p="http://schemas.openxmlformats.org/presentationml/2006/main">
+  <p:cSld>
+    <p:spTree>
+      <p:nvGrpSpPr>
+        <p:cNvPr id="1" name=""/>
+        <p:cNvGrpSpPr/>
+        <p:nvPr/>
+      </p:nvGrpSpPr>
+      <p:grpSpPr>
+        <a:xfrm>
+          <a:off x="0" y="0"/>
+          <a:ext cx="0" cy="0"/>
+          <a:chOff x="0" y="0"/>
+          <a:chExt cx="0" cy="0"/>
+        </a:xfrm>
+      </p:grpSpPr>
+      <p:sp>
+        <p:nvSpPr>
+          <p:cNvPr id="2" name="Slide Image Placeholder 1"/>
+          <p:cNvSpPr>
+            <a:spLocks noGrp="1" noRot="1" noChangeAspect="1"/>
+          </p:cNvSpPr>
+          <p:nvPr>
+            <p:ph type="sldImg"/>
+          </p:nvPr>
+        </p:nvSpPr>
+        <p:spPr/>
+      </p:sp>
+      <p:sp>
+        <p:nvSpPr>
+          <p:cNvPr id="3" name="Notes Placeholder 2"/>
+          <p:cNvSpPr>
+            <a:spLocks noGrp="1"/>
+          </p:cNvSpPr>
+          <p:nvPr>
+            <p:ph type="body" idx="1"/>
+          </p:nvPr>
+        </p:nvSpPr>
+        <p:spPr/>
+        <p:txBody>
+          <a:bodyPr/>
+          <a:lstStyle/>
+          <a:p>
+            <a:endParaRPr lang="en-US"/>
+          </a:p>
+        </p:txBody>
+      </p:sp>
+      <p:sp>
+        <p:nvSpPr>
+          <p:cNvPr id="4" name="Slide Number Placeholder 3"/>
+          <p:cNvSpPr>
+            <a:spLocks noGrp="1"/>
+          </p:cNvSpPr>
+          <p:nvPr>
+            <p:ph type="sldNum" sz="quarter" idx="10"/>
+          </p:nvPr>
+        </p:nvSpPr>
+        <p:spPr/>
+        <p:txBody>
+          <a:bodyPr/>
+          <a:lstStyle/>
+          <a:p>
+            <a:pPr marL="0" marR="0" lvl="0" indent="0" algn="r" defTabSz="914400" rtl="0" eaLnBrk="1" fontAlgn="auto" latinLnBrk="0" hangingPunct="1">
+              <a:lnSpc>
+                <a:spcPct val="100000"/>
+              </a:lnSpc>
+              <a:spcBef>
+                <a:spcPts val="0"/>
+              </a:spcBef>
+              <a:spcAft>
+                <a:spcPts val="0"/>
+              </a:spcAft>
+              <a:buClrTx/>
+              <a:buSzTx/>
+              <a:buFontTx/>
+              <a:buNone/>
+              <a:tabLst/>
+              <a:defRPr/>
+            </a:pPr>
+            <a:fld id="{0A19B3D5-E175-4495-8778-1EC0CDFD9691}" type="slidenum">
+              <a:rPr kumimoji="0" lang="en-US" sz="1800" b="0" i="0" u="none" strike="noStrike" kern="0" cap="none" spc="0" normalizeH="0" baseline="0" noProof="0" smtClean="0">
+                <a:ln>
+                  <a:noFill/>
+                </a:ln>
+                <a:solidFill>
+                  <a:sysClr val="windowText" lastClr="000000"/>
+                </a:solidFill>
+                <a:effectLst/>
+                <a:uLnTx/>
+                <a:uFillTx/>
+                <a:latin typeface="Calibri" panose="020F0502020204030204"/>
+                <a:ea typeface="+mn-ea"/>
+                <a:cs typeface="+mn-cs"/>
+              </a:rPr>
+              <a:pPr marL="0" marR="0" lvl="0" indent="0" algn="r" defTabSz="914400" rtl="0" eaLnBrk="1" fontAlgn="auto" latinLnBrk="0" hangingPunct="1">
+                <a:lnSpc>
+                  <a:spcPct val="100000"/>
+                </a:lnSpc>
+                <a:spcBef>
+                  <a:spcPts val="0"/>
+                </a:spcBef>
+                <a:spcAft>
+                  <a:spcPts val="0"/>
+                </a:spcAft>
+                <a:buClrTx/>
+                <a:buSzTx/>
+                <a:buFontTx/>
+                <a:buNone/>
+                <a:tabLst/>
+                <a:defRPr/>
+              </a:pPr>
+              <a:t>22</a:t>
+            </a:fld>
+            <a:endParaRPr kumimoji="0" lang="en-US" sz="1800" b="0" i="0" u="none" strike="noStrike" kern="0" cap="none" spc="0" normalizeH="0" baseline="0" noProof="0">
+              <a:ln>
+                <a:noFill/>
+              </a:ln>
+              <a:solidFill>
+                <a:sysClr val="windowText" lastClr="000000"/>
+              </a:solidFill>
+              <a:effectLst/>
+              <a:uLnTx/>
+              <a:uFillTx/>
+              <a:latin typeface="Calibri" panose="020F0502020204030204"/>
+              <a:ea typeface="+mn-ea"/>
+              <a:cs typeface="+mn-cs"/>
+            </a:endParaRPr>
+          </a:p>
+        </p:txBody>
+      </p:sp>
+    </p:spTree>
+    <p:extLst>
+      <p:ext uri="{BB962C8B-B14F-4D97-AF65-F5344CB8AC3E}">
+        <p14:creationId xmlns:p14="http://schemas.microsoft.com/office/powerpoint/2010/main" val="2684960220"/>
+      </p:ext>
+    </p:extLst>
+  </p:cSld>
+  <p:clrMapOvr>
+    <a:masterClrMapping/>
+  </p:clrMapOvr>
+</p:notes>
+</file>
+
+<file path=ppt/notesSlides/notesSlide23.xml><?xml version="1.0" encoding="utf-8"?>
+<p:notes xmlns:a="http://schemas.openxmlformats.org/drawingml/2006/main" xmlns:r="http://schemas.openxmlformats.org/officeDocument/2006/relationships" xmlns:p="http://schemas.openxmlformats.org/presentationml/2006/main">
+  <p:cSld>
+    <p:spTree>
+      <p:nvGrpSpPr>
+        <p:cNvPr id="1" name=""/>
+        <p:cNvGrpSpPr/>
+        <p:nvPr/>
+      </p:nvGrpSpPr>
+      <p:grpSpPr>
+        <a:xfrm>
+          <a:off x="0" y="0"/>
+          <a:ext cx="0" cy="0"/>
+          <a:chOff x="0" y="0"/>
+          <a:chExt cx="0" cy="0"/>
+        </a:xfrm>
+      </p:grpSpPr>
+      <p:sp>
+        <p:nvSpPr>
+          <p:cNvPr id="2" name="Slide Image Placeholder 1"/>
+          <p:cNvSpPr>
+            <a:spLocks noGrp="1" noRot="1" noChangeAspect="1"/>
+          </p:cNvSpPr>
+          <p:nvPr>
+            <p:ph type="sldImg"/>
+          </p:nvPr>
+        </p:nvSpPr>
+        <p:spPr/>
+      </p:sp>
+      <p:sp>
+        <p:nvSpPr>
+          <p:cNvPr id="3" name="Notes Placeholder 2"/>
+          <p:cNvSpPr>
+            <a:spLocks noGrp="1"/>
+          </p:cNvSpPr>
+          <p:nvPr>
+            <p:ph type="body" idx="1"/>
+          </p:nvPr>
+        </p:nvSpPr>
+        <p:spPr/>
+        <p:txBody>
+          <a:bodyPr/>
+          <a:lstStyle/>
+          <a:p>
+            <a:endParaRPr lang="en-US"/>
+          </a:p>
+        </p:txBody>
+      </p:sp>
+      <p:sp>
+        <p:nvSpPr>
+          <p:cNvPr id="4" name="Slide Number Placeholder 3"/>
+          <p:cNvSpPr>
+            <a:spLocks noGrp="1"/>
+          </p:cNvSpPr>
+          <p:nvPr>
+            <p:ph type="sldNum" sz="quarter" idx="10"/>
+          </p:nvPr>
+        </p:nvSpPr>
+        <p:spPr/>
+        <p:txBody>
+          <a:bodyPr/>
+          <a:lstStyle/>
+          <a:p>
             <a:fld id="{D288ECDE-EFC6-484F-8C81-C346395907CB}" type="slidenum">
               <a:rPr lang="en-US" smtClean="0"/>
-              <a:t>20</a:t>
+              <a:t>23</a:t>
             </a:fld>
             <a:endParaRPr lang="en-US"/>
           </a:p>
@@ -23530,7 +23862,10 @@
           <a:bodyPr/>
           <a:lstStyle/>
           <a:p>
-            <a:endParaRPr lang="en-US"/>
+            <a:r>
+              <a:rPr lang="en-US" dirty="0"/>
+              <a:t>https://www.congrego.io/events/a5b2342d-095d-451e-a318-3685d2700821/0-60-Application-Migration-and-Modernization</a:t>
+            </a:r>
           </a:p>
         </p:txBody>
       </p:sp>
@@ -23566,7 +23901,7 @@
               <a:tabLst/>
               <a:defRPr/>
             </a:pPr>
-            <a:fld id="{118217E1-4565-4866-828C-5007AD55CDCF}" type="slidenum">
+            <a:fld id="{D288ECDE-EFC6-484F-8C81-C346395907CB}" type="slidenum">
               <a:rPr kumimoji="0" lang="en-US" sz="1200" b="0" i="0" u="none" strike="noStrike" kern="1200" cap="none" spc="0" normalizeH="0" baseline="0" noProof="0" smtClean="0">
                 <a:ln>
                   <a:noFill/>
@@ -23620,7 +23955,7 @@
     </p:spTree>
     <p:extLst>
       <p:ext uri="{BB962C8B-B14F-4D97-AF65-F5344CB8AC3E}">
-        <p14:creationId xmlns:p14="http://schemas.microsoft.com/office/powerpoint/2010/main" val="2148476035"/>
+        <p14:creationId xmlns:p14="http://schemas.microsoft.com/office/powerpoint/2010/main" val="3201621101"/>
       </p:ext>
     </p:extLst>
   </p:cSld>
@@ -23674,7 +24009,7 @@
           <a:bodyPr/>
           <a:lstStyle/>
           <a:p>
-            <a:endParaRPr lang="en-US" dirty="0"/>
+            <a:endParaRPr lang="en-US"/>
           </a:p>
         </p:txBody>
       </p:sp>
@@ -23710,7 +24045,7 @@
               <a:tabLst/>
               <a:defRPr/>
             </a:pPr>
-            <a:fld id="{118217E1-4565-4866-828C-5007AD55CDCF}" type="slidenum">
+            <a:fld id="{D288ECDE-EFC6-484F-8C81-C346395907CB}" type="slidenum">
               <a:rPr kumimoji="0" lang="en-US" sz="1200" b="0" i="0" u="none" strike="noStrike" kern="1200" cap="none" spc="0" normalizeH="0" baseline="0" noProof="0" smtClean="0">
                 <a:ln>
                   <a:noFill/>
@@ -23764,7 +24099,7 @@
     </p:spTree>
     <p:extLst>
       <p:ext uri="{BB962C8B-B14F-4D97-AF65-F5344CB8AC3E}">
-        <p14:creationId xmlns:p14="http://schemas.microsoft.com/office/powerpoint/2010/main" val="343701394"/>
+        <p14:creationId xmlns:p14="http://schemas.microsoft.com/office/powerpoint/2010/main" val="622553462"/>
       </p:ext>
     </p:extLst>
   </p:cSld>
@@ -23854,7 +24189,7 @@
               <a:tabLst/>
               <a:defRPr/>
             </a:pPr>
-            <a:fld id="{118217E1-4565-4866-828C-5007AD55CDCF}" type="slidenum">
+            <a:fld id="{02549F46-6E34-4F40-A2E5-3343621E18DF}" type="slidenum">
               <a:rPr kumimoji="0" lang="en-US" sz="1200" b="0" i="0" u="none" strike="noStrike" kern="1200" cap="none" spc="0" normalizeH="0" baseline="0" noProof="0" smtClean="0">
                 <a:ln>
                   <a:noFill/>
@@ -23908,7 +24243,7 @@
     </p:spTree>
     <p:extLst>
       <p:ext uri="{BB962C8B-B14F-4D97-AF65-F5344CB8AC3E}">
-        <p14:creationId xmlns:p14="http://schemas.microsoft.com/office/powerpoint/2010/main" val="3864630345"/>
+        <p14:creationId xmlns:p14="http://schemas.microsoft.com/office/powerpoint/2010/main" val="2168713016"/>
       </p:ext>
     </p:extLst>
   </p:cSld>
@@ -23962,92 +24297,7 @@
           <a:bodyPr/>
           <a:lstStyle/>
           <a:p>
-            <a:r>
-              <a:rPr lang="en-US" dirty="0"/>
-              <a:t>Terraform </a:t>
-            </a:r>
-            <a:r>
-              <a:rPr lang="en-US" dirty="0" err="1"/>
-              <a:t>init</a:t>
-            </a:r>
-            <a:endParaRPr lang="en-US" dirty="0"/>
-          </a:p>
-          <a:p>
-            <a:r>
-              <a:rPr lang="en-US" dirty="0"/>
-              <a:t>Terraform plan</a:t>
-            </a:r>
-          </a:p>
-          <a:p>
-            <a:r>
-              <a:rPr lang="en-US" dirty="0"/>
-              <a:t>Terraform </a:t>
-            </a:r>
-            <a:r>
-              <a:rPr lang="en-US" dirty="0" err="1"/>
-              <a:t>Grapth</a:t>
-            </a:r>
-            <a:r>
-              <a:rPr lang="en-US" dirty="0"/>
-              <a:t> | dot &gt; </a:t>
-            </a:r>
-            <a:r>
-              <a:rPr lang="en-US" dirty="0" err="1"/>
-              <a:t>graph.gv</a:t>
-            </a:r>
-            <a:endParaRPr lang="en-US" dirty="0"/>
-          </a:p>
-          <a:p>
-            <a:r>
-              <a:rPr lang="en-US" dirty="0"/>
-              <a:t>## terraform import "</a:t>
-            </a:r>
-            <a:r>
-              <a:rPr lang="en-US" dirty="0" err="1"/>
-              <a:t>azurerm_subnet.existSubnet</a:t>
-            </a:r>
-            <a:r>
-              <a:rPr lang="en-US" dirty="0"/>
-              <a:t>" "/subscriptions/6820d920-c94a-41f8-9e08-811fa97a1624/</a:t>
-            </a:r>
-            <a:r>
-              <a:rPr lang="en-US" dirty="0" err="1"/>
-              <a:t>resourceGroups</a:t>
-            </a:r>
-            <a:r>
-              <a:rPr lang="en-US" dirty="0"/>
-              <a:t>/</a:t>
-            </a:r>
-            <a:r>
-              <a:rPr lang="en-US" dirty="0" err="1"/>
-              <a:t>rgSwiftNetworking</a:t>
-            </a:r>
-            <a:r>
-              <a:rPr lang="en-US" dirty="0"/>
-              <a:t>/providers/</a:t>
-            </a:r>
-            <a:r>
-              <a:rPr lang="en-US" dirty="0" err="1"/>
-              <a:t>Microsoft.Network</a:t>
-            </a:r>
-            <a:r>
-              <a:rPr lang="en-US" dirty="0"/>
-              <a:t>/</a:t>
-            </a:r>
-            <a:r>
-              <a:rPr lang="en-US" dirty="0" err="1"/>
-              <a:t>virtualNetworks</a:t>
-            </a:r>
-            <a:r>
-              <a:rPr lang="en-US" dirty="0"/>
-              <a:t>/VNET-EUS2-01/subnets/AAA"</a:t>
-            </a:r>
-          </a:p>
-          <a:p>
-            <a:r>
-              <a:rPr lang="en-US" dirty="0"/>
-              <a:t>Terraform Apply</a:t>
-            </a:r>
+            <a:endParaRPr lang="en-US"/>
           </a:p>
         </p:txBody>
       </p:sp>
@@ -24137,7 +24387,7 @@
     </p:spTree>
     <p:extLst>
       <p:ext uri="{BB962C8B-B14F-4D97-AF65-F5344CB8AC3E}">
-        <p14:creationId xmlns:p14="http://schemas.microsoft.com/office/powerpoint/2010/main" val="2936695571"/>
+        <p14:creationId xmlns:p14="http://schemas.microsoft.com/office/powerpoint/2010/main" val="2148476035"/>
       </p:ext>
     </p:extLst>
   </p:cSld>
@@ -24191,24 +24441,7 @@
           <a:bodyPr/>
           <a:lstStyle/>
           <a:p>
-            <a:r>
-              <a:rPr lang="en-US" dirty="0" err="1"/>
-              <a:t>Az</a:t>
-            </a:r>
-            <a:r>
-              <a:rPr lang="en-US" dirty="0"/>
-              <a:t> login</a:t>
-            </a:r>
-          </a:p>
-          <a:p>
-            <a:r>
-              <a:rPr lang="en-US" dirty="0" err="1"/>
-              <a:t>azbb</a:t>
-            </a:r>
-            <a:r>
-              <a:rPr lang="en-US" dirty="0"/>
-              <a:t> -g rgRentPathAAA3 -s 6820d920-c94a-41f8-9e08-811fa97a1624 -l eastus2 -p C:\Users\naswif\Downloads\Rentpath\SampleADDCInfraPush.json --deploy</a:t>
-            </a:r>
+            <a:endParaRPr lang="en-US" dirty="0"/>
           </a:p>
         </p:txBody>
       </p:sp>
@@ -24298,7 +24531,7 @@
     </p:spTree>
     <p:extLst>
       <p:ext uri="{BB962C8B-B14F-4D97-AF65-F5344CB8AC3E}">
-        <p14:creationId xmlns:p14="http://schemas.microsoft.com/office/powerpoint/2010/main" val="4218994901"/>
+        <p14:creationId xmlns:p14="http://schemas.microsoft.com/office/powerpoint/2010/main" val="343701394"/>
       </p:ext>
     </p:extLst>
   </p:cSld>
@@ -24371,18 +24604,78 @@
           <a:bodyPr/>
           <a:lstStyle/>
           <a:p>
-            <a:fld id="{D288ECDE-EFC6-484F-8C81-C346395907CB}" type="slidenum">
-              <a:rPr lang="en-US" smtClean="0"/>
+            <a:pPr marL="0" marR="0" lvl="0" indent="0" algn="r" defTabSz="914400" rtl="0" eaLnBrk="1" fontAlgn="auto" latinLnBrk="0" hangingPunct="1">
+              <a:lnSpc>
+                <a:spcPct val="100000"/>
+              </a:lnSpc>
+              <a:spcBef>
+                <a:spcPts val="0"/>
+              </a:spcBef>
+              <a:spcAft>
+                <a:spcPts val="0"/>
+              </a:spcAft>
+              <a:buClrTx/>
+              <a:buSzTx/>
+              <a:buFontTx/>
+              <a:buNone/>
+              <a:tabLst/>
+              <a:defRPr/>
+            </a:pPr>
+            <a:fld id="{118217E1-4565-4866-828C-5007AD55CDCF}" type="slidenum">
+              <a:rPr kumimoji="0" lang="en-US" sz="1200" b="0" i="0" u="none" strike="noStrike" kern="1200" cap="none" spc="0" normalizeH="0" baseline="0" noProof="0" smtClean="0">
+                <a:ln>
+                  <a:noFill/>
+                </a:ln>
+                <a:solidFill>
+                  <a:prstClr val="black"/>
+                </a:solidFill>
+                <a:effectLst/>
+                <a:uLnTx/>
+                <a:uFillTx/>
+                <a:latin typeface="Calibri" panose="020F0502020204030204"/>
+                <a:ea typeface="+mn-ea"/>
+                <a:cs typeface="+mn-cs"/>
+              </a:rPr>
+              <a:pPr marL="0" marR="0" lvl="0" indent="0" algn="r" defTabSz="914400" rtl="0" eaLnBrk="1" fontAlgn="auto" latinLnBrk="0" hangingPunct="1">
+                <a:lnSpc>
+                  <a:spcPct val="100000"/>
+                </a:lnSpc>
+                <a:spcBef>
+                  <a:spcPts val="0"/>
+                </a:spcBef>
+                <a:spcAft>
+                  <a:spcPts val="0"/>
+                </a:spcAft>
+                <a:buClrTx/>
+                <a:buSzTx/>
+                <a:buFontTx/>
+                <a:buNone/>
+                <a:tabLst/>
+                <a:defRPr/>
+              </a:pPr>
               <a:t>8</a:t>
             </a:fld>
-            <a:endParaRPr lang="en-US"/>
+            <a:endParaRPr kumimoji="0" lang="en-US" sz="1200" b="0" i="0" u="none" strike="noStrike" kern="1200" cap="none" spc="0" normalizeH="0" baseline="0" noProof="0">
+              <a:ln>
+                <a:noFill/>
+              </a:ln>
+              <a:solidFill>
+                <a:prstClr val="black"/>
+              </a:solidFill>
+              <a:effectLst/>
+              <a:uLnTx/>
+              <a:uFillTx/>
+              <a:latin typeface="Calibri" panose="020F0502020204030204"/>
+              <a:ea typeface="+mn-ea"/>
+              <a:cs typeface="+mn-cs"/>
+            </a:endParaRPr>
           </a:p>
         </p:txBody>
       </p:sp>
     </p:spTree>
     <p:extLst>
       <p:ext uri="{BB962C8B-B14F-4D97-AF65-F5344CB8AC3E}">
-        <p14:creationId xmlns:p14="http://schemas.microsoft.com/office/powerpoint/2010/main" val="265829900"/>
+        <p14:creationId xmlns:p14="http://schemas.microsoft.com/office/powerpoint/2010/main" val="3864630345"/>
       </p:ext>
     </p:extLst>
   </p:cSld>
@@ -24436,7 +24729,92 @@
           <a:bodyPr/>
           <a:lstStyle/>
           <a:p>
-            <a:endParaRPr lang="en-US"/>
+            <a:r>
+              <a:rPr lang="en-US" dirty="0"/>
+              <a:t>Terraform </a:t>
+            </a:r>
+            <a:r>
+              <a:rPr lang="en-US" dirty="0" err="1"/>
+              <a:t>init</a:t>
+            </a:r>
+            <a:endParaRPr lang="en-US" dirty="0"/>
+          </a:p>
+          <a:p>
+            <a:r>
+              <a:rPr lang="en-US" dirty="0"/>
+              <a:t>Terraform plan</a:t>
+            </a:r>
+          </a:p>
+          <a:p>
+            <a:r>
+              <a:rPr lang="en-US" dirty="0"/>
+              <a:t>Terraform </a:t>
+            </a:r>
+            <a:r>
+              <a:rPr lang="en-US" dirty="0" err="1"/>
+              <a:t>Grapth</a:t>
+            </a:r>
+            <a:r>
+              <a:rPr lang="en-US" dirty="0"/>
+              <a:t> | dot &gt; </a:t>
+            </a:r>
+            <a:r>
+              <a:rPr lang="en-US" dirty="0" err="1"/>
+              <a:t>graph.gv</a:t>
+            </a:r>
+            <a:endParaRPr lang="en-US" dirty="0"/>
+          </a:p>
+          <a:p>
+            <a:r>
+              <a:rPr lang="en-US" dirty="0"/>
+              <a:t>## terraform import "</a:t>
+            </a:r>
+            <a:r>
+              <a:rPr lang="en-US" dirty="0" err="1"/>
+              <a:t>azurerm_subnet.existSubnet</a:t>
+            </a:r>
+            <a:r>
+              <a:rPr lang="en-US" dirty="0"/>
+              <a:t>" "/subscriptions/6820d920-c94a-41f8-9e08-811fa97a1624/</a:t>
+            </a:r>
+            <a:r>
+              <a:rPr lang="en-US" dirty="0" err="1"/>
+              <a:t>resourceGroups</a:t>
+            </a:r>
+            <a:r>
+              <a:rPr lang="en-US" dirty="0"/>
+              <a:t>/</a:t>
+            </a:r>
+            <a:r>
+              <a:rPr lang="en-US" dirty="0" err="1"/>
+              <a:t>rgSwiftNetworking</a:t>
+            </a:r>
+            <a:r>
+              <a:rPr lang="en-US" dirty="0"/>
+              <a:t>/providers/</a:t>
+            </a:r>
+            <a:r>
+              <a:rPr lang="en-US" dirty="0" err="1"/>
+              <a:t>Microsoft.Network</a:t>
+            </a:r>
+            <a:r>
+              <a:rPr lang="en-US" dirty="0"/>
+              <a:t>/</a:t>
+            </a:r>
+            <a:r>
+              <a:rPr lang="en-US" dirty="0" err="1"/>
+              <a:t>virtualNetworks</a:t>
+            </a:r>
+            <a:r>
+              <a:rPr lang="en-US" dirty="0"/>
+              <a:t>/VNET-EUS2-01/subnets/AAA"</a:t>
+            </a:r>
+          </a:p>
+          <a:p>
+            <a:r>
+              <a:rPr lang="en-US" dirty="0"/>
+              <a:t>Terraform Apply</a:t>
+            </a:r>
           </a:p>
         </p:txBody>
       </p:sp>
@@ -24455,18 +24833,78 @@
           <a:bodyPr/>
           <a:lstStyle/>
           <a:p>
-            <a:fld id="{D288ECDE-EFC6-484F-8C81-C346395907CB}" type="slidenum">
-              <a:rPr lang="en-US" smtClean="0"/>
+            <a:pPr marL="0" marR="0" lvl="0" indent="0" algn="r" defTabSz="914400" rtl="0" eaLnBrk="1" fontAlgn="auto" latinLnBrk="0" hangingPunct="1">
+              <a:lnSpc>
+                <a:spcPct val="100000"/>
+              </a:lnSpc>
+              <a:spcBef>
+                <a:spcPts val="0"/>
+              </a:spcBef>
+              <a:spcAft>
+                <a:spcPts val="0"/>
+              </a:spcAft>
+              <a:buClrTx/>
+              <a:buSzTx/>
+              <a:buFontTx/>
+              <a:buNone/>
+              <a:tabLst/>
+              <a:defRPr/>
+            </a:pPr>
+            <a:fld id="{118217E1-4565-4866-828C-5007AD55CDCF}" type="slidenum">
+              <a:rPr kumimoji="0" lang="en-US" sz="1200" b="0" i="0" u="none" strike="noStrike" kern="1200" cap="none" spc="0" normalizeH="0" baseline="0" noProof="0" smtClean="0">
+                <a:ln>
+                  <a:noFill/>
+                </a:ln>
+                <a:solidFill>
+                  <a:prstClr val="black"/>
+                </a:solidFill>
+                <a:effectLst/>
+                <a:uLnTx/>
+                <a:uFillTx/>
+                <a:latin typeface="Calibri" panose="020F0502020204030204"/>
+                <a:ea typeface="+mn-ea"/>
+                <a:cs typeface="+mn-cs"/>
+              </a:rPr>
+              <a:pPr marL="0" marR="0" lvl="0" indent="0" algn="r" defTabSz="914400" rtl="0" eaLnBrk="1" fontAlgn="auto" latinLnBrk="0" hangingPunct="1">
+                <a:lnSpc>
+                  <a:spcPct val="100000"/>
+                </a:lnSpc>
+                <a:spcBef>
+                  <a:spcPts val="0"/>
+                </a:spcBef>
+                <a:spcAft>
+                  <a:spcPts val="0"/>
+                </a:spcAft>
+                <a:buClrTx/>
+                <a:buSzTx/>
+                <a:buFontTx/>
+                <a:buNone/>
+                <a:tabLst/>
+                <a:defRPr/>
+              </a:pPr>
               <a:t>9</a:t>
             </a:fld>
-            <a:endParaRPr lang="en-US"/>
+            <a:endParaRPr kumimoji="0" lang="en-US" sz="1200" b="0" i="0" u="none" strike="noStrike" kern="1200" cap="none" spc="0" normalizeH="0" baseline="0" noProof="0">
+              <a:ln>
+                <a:noFill/>
+              </a:ln>
+              <a:solidFill>
+                <a:prstClr val="black"/>
+              </a:solidFill>
+              <a:effectLst/>
+              <a:uLnTx/>
+              <a:uFillTx/>
+              <a:latin typeface="Calibri" panose="020F0502020204030204"/>
+              <a:ea typeface="+mn-ea"/>
+              <a:cs typeface="+mn-cs"/>
+            </a:endParaRPr>
           </a:p>
         </p:txBody>
       </p:sp>
     </p:spTree>
     <p:extLst>
       <p:ext uri="{BB962C8B-B14F-4D97-AF65-F5344CB8AC3E}">
-        <p14:creationId xmlns:p14="http://schemas.microsoft.com/office/powerpoint/2010/main" val="895077937"/>
+        <p14:creationId xmlns:p14="http://schemas.microsoft.com/office/powerpoint/2010/main" val="2936695571"/>
       </p:ext>
     </p:extLst>
   </p:cSld>
@@ -24623,7 +25061,7 @@
           <a:p>
             <a:fld id="{FC590EAF-C565-4B69-A1DA-31F3B204B43F}" type="datetimeFigureOut">
               <a:rPr lang="en-US" smtClean="0"/>
-              <a:t>11/19/2017</a:t>
+              <a:t>2/26/2018</a:t>
             </a:fld>
             <a:endParaRPr lang="en-US"/>
           </a:p>
@@ -24821,7 +25259,7 @@
           <a:p>
             <a:fld id="{FC590EAF-C565-4B69-A1DA-31F3B204B43F}" type="datetimeFigureOut">
               <a:rPr lang="en-US" smtClean="0"/>
-              <a:t>11/19/2017</a:t>
+              <a:t>2/26/2018</a:t>
             </a:fld>
             <a:endParaRPr lang="en-US"/>
           </a:p>
@@ -25029,7 +25467,7 @@
           <a:p>
             <a:fld id="{FC590EAF-C565-4B69-A1DA-31F3B204B43F}" type="datetimeFigureOut">
               <a:rPr lang="en-US" smtClean="0"/>
-              <a:t>11/19/2017</a:t>
+              <a:t>2/26/2018</a:t>
             </a:fld>
             <a:endParaRPr lang="en-US"/>
           </a:p>
@@ -25231,7 +25669,7 @@
           <a:p>
             <a:fld id="{DF08AAD4-57CA-4088-B791-71452529A27A}" type="datetimeFigureOut">
               <a:rPr lang="en-US" smtClean="0"/>
-              <a:t>11/19/2017</a:t>
+              <a:t>2/26/2018</a:t>
             </a:fld>
             <a:endParaRPr lang="en-US"/>
           </a:p>
@@ -25399,7 +25837,7 @@
           <a:p>
             <a:fld id="{DF08AAD4-57CA-4088-B791-71452529A27A}" type="datetimeFigureOut">
               <a:rPr lang="en-US" smtClean="0"/>
-              <a:t>11/19/2017</a:t>
+              <a:t>2/26/2018</a:t>
             </a:fld>
             <a:endParaRPr lang="en-US"/>
           </a:p>
@@ -25644,7 +26082,7 @@
           <a:p>
             <a:fld id="{DF08AAD4-57CA-4088-B791-71452529A27A}" type="datetimeFigureOut">
               <a:rPr lang="en-US" smtClean="0"/>
-              <a:t>11/19/2017</a:t>
+              <a:t>2/26/2018</a:t>
             </a:fld>
             <a:endParaRPr lang="en-US"/>
           </a:p>
@@ -25873,7 +26311,7 @@
           <a:p>
             <a:fld id="{DF08AAD4-57CA-4088-B791-71452529A27A}" type="datetimeFigureOut">
               <a:rPr lang="en-US" smtClean="0"/>
-              <a:t>11/19/2017</a:t>
+              <a:t>2/26/2018</a:t>
             </a:fld>
             <a:endParaRPr lang="en-US"/>
           </a:p>
@@ -26237,7 +26675,7 @@
           <a:p>
             <a:fld id="{DF08AAD4-57CA-4088-B791-71452529A27A}" type="datetimeFigureOut">
               <a:rPr lang="en-US" smtClean="0"/>
-              <a:t>11/19/2017</a:t>
+              <a:t>2/26/2018</a:t>
             </a:fld>
             <a:endParaRPr lang="en-US"/>
           </a:p>
@@ -26354,7 +26792,7 @@
           <a:p>
             <a:fld id="{DF08AAD4-57CA-4088-B791-71452529A27A}" type="datetimeFigureOut">
               <a:rPr lang="en-US" smtClean="0"/>
-              <a:t>11/19/2017</a:t>
+              <a:t>2/26/2018</a:t>
             </a:fld>
             <a:endParaRPr lang="en-US"/>
           </a:p>
@@ -26449,7 +26887,7 @@
           <a:p>
             <a:fld id="{DF08AAD4-57CA-4088-B791-71452529A27A}" type="datetimeFigureOut">
               <a:rPr lang="en-US" smtClean="0"/>
-              <a:t>11/19/2017</a:t>
+              <a:t>2/26/2018</a:t>
             </a:fld>
             <a:endParaRPr lang="en-US"/>
           </a:p>
@@ -26724,7 +27162,7 @@
           <a:p>
             <a:fld id="{DF08AAD4-57CA-4088-B791-71452529A27A}" type="datetimeFigureOut">
               <a:rPr lang="en-US" smtClean="0"/>
-              <a:t>11/19/2017</a:t>
+              <a:t>2/26/2018</a:t>
             </a:fld>
             <a:endParaRPr lang="en-US"/>
           </a:p>
@@ -26910,7 +27348,7 @@
           <a:p>
             <a:fld id="{FC590EAF-C565-4B69-A1DA-31F3B204B43F}" type="datetimeFigureOut">
               <a:rPr lang="en-US" smtClean="0"/>
-              <a:t>11/19/2017</a:t>
+              <a:t>2/26/2018</a:t>
             </a:fld>
             <a:endParaRPr lang="en-US"/>
           </a:p>
@@ -27174,7 +27612,7 @@
           <a:p>
             <a:fld id="{DF08AAD4-57CA-4088-B791-71452529A27A}" type="datetimeFigureOut">
               <a:rPr lang="en-US" smtClean="0"/>
-              <a:t>11/19/2017</a:t>
+              <a:t>2/26/2018</a:t>
             </a:fld>
             <a:endParaRPr lang="en-US"/>
           </a:p>
@@ -27342,7 +27780,7 @@
           <a:p>
             <a:fld id="{DF08AAD4-57CA-4088-B791-71452529A27A}" type="datetimeFigureOut">
               <a:rPr lang="en-US" smtClean="0"/>
-              <a:t>11/19/2017</a:t>
+              <a:t>2/26/2018</a:t>
             </a:fld>
             <a:endParaRPr lang="en-US"/>
           </a:p>
@@ -27520,7 +27958,7 @@
           <a:p>
             <a:fld id="{DF08AAD4-57CA-4088-B791-71452529A27A}" type="datetimeFigureOut">
               <a:rPr lang="en-US" smtClean="0"/>
-              <a:t>11/19/2017</a:t>
+              <a:t>2/26/2018</a:t>
             </a:fld>
             <a:endParaRPr lang="en-US"/>
           </a:p>
@@ -28786,7 +29224,7 @@
           <a:p>
             <a:fld id="{FC590EAF-C565-4B69-A1DA-31F3B204B43F}" type="datetimeFigureOut">
               <a:rPr lang="en-US" smtClean="0"/>
-              <a:t>11/19/2017</a:t>
+              <a:t>2/26/2018</a:t>
             </a:fld>
             <a:endParaRPr lang="en-US"/>
           </a:p>
@@ -29664,7 +30102,7 @@
           <a:p>
             <a:fld id="{FC590EAF-C565-4B69-A1DA-31F3B204B43F}" type="datetimeFigureOut">
               <a:rPr lang="en-US" smtClean="0"/>
-              <a:t>11/19/2017</a:t>
+              <a:t>2/26/2018</a:t>
             </a:fld>
             <a:endParaRPr lang="en-US"/>
           </a:p>
@@ -30076,7 +30514,7 @@
           <a:p>
             <a:fld id="{FC590EAF-C565-4B69-A1DA-31F3B204B43F}" type="datetimeFigureOut">
               <a:rPr lang="en-US" smtClean="0"/>
-              <a:t>11/19/2017</a:t>
+              <a:t>2/26/2018</a:t>
             </a:fld>
             <a:endParaRPr lang="en-US"/>
           </a:p>
@@ -30217,7 +30655,7 @@
           <a:p>
             <a:fld id="{FC590EAF-C565-4B69-A1DA-31F3B204B43F}" type="datetimeFigureOut">
               <a:rPr lang="en-US" smtClean="0"/>
-              <a:t>11/19/2017</a:t>
+              <a:t>2/26/2018</a:t>
             </a:fld>
             <a:endParaRPr lang="en-US"/>
           </a:p>
@@ -30330,7 +30768,7 @@
           <a:p>
             <a:fld id="{FC590EAF-C565-4B69-A1DA-31F3B204B43F}" type="datetimeFigureOut">
               <a:rPr lang="en-US" smtClean="0"/>
-              <a:t>11/19/2017</a:t>
+              <a:t>2/26/2018</a:t>
             </a:fld>
             <a:endParaRPr lang="en-US"/>
           </a:p>
@@ -30641,7 +31079,7 @@
           <a:p>
             <a:fld id="{FC590EAF-C565-4B69-A1DA-31F3B204B43F}" type="datetimeFigureOut">
               <a:rPr lang="en-US" smtClean="0"/>
-              <a:t>11/19/2017</a:t>
+              <a:t>2/26/2018</a:t>
             </a:fld>
             <a:endParaRPr lang="en-US"/>
           </a:p>
@@ -30929,7 +31367,7 @@
           <a:p>
             <a:fld id="{FC590EAF-C565-4B69-A1DA-31F3B204B43F}" type="datetimeFigureOut">
               <a:rPr lang="en-US" smtClean="0"/>
-              <a:t>11/19/2017</a:t>
+              <a:t>2/26/2018</a:t>
             </a:fld>
             <a:endParaRPr lang="en-US"/>
           </a:p>
@@ -31170,7 +31608,7 @@
           <a:p>
             <a:fld id="{FC590EAF-C565-4B69-A1DA-31F3B204B43F}" type="datetimeFigureOut">
               <a:rPr lang="en-US" smtClean="0"/>
-              <a:t>11/19/2017</a:t>
+              <a:t>2/26/2018</a:t>
             </a:fld>
             <a:endParaRPr lang="en-US"/>
           </a:p>
@@ -31720,7 +32158,7 @@
           <a:p>
             <a:fld id="{DF08AAD4-57CA-4088-B791-71452529A27A}" type="datetimeFigureOut">
               <a:rPr lang="en-US" smtClean="0"/>
-              <a:t>11/19/2017</a:t>
+              <a:t>2/26/2018</a:t>
             </a:fld>
             <a:endParaRPr lang="en-US"/>
           </a:p>
@@ -34433,6 +34871,551 @@
           <p:cNvPr id="2" name="Title 1">
             <a:extLst>
               <a:ext uri="{FF2B5EF4-FFF2-40B4-BE49-F238E27FC236}">
+                <a16:creationId xmlns:a16="http://schemas.microsoft.com/office/drawing/2014/main" id="{18AF46C7-7693-44E6-8F36-134D491A9273}"/>
+              </a:ext>
+            </a:extLst>
+          </p:cNvPr>
+          <p:cNvSpPr>
+            <a:spLocks noGrp="1"/>
+          </p:cNvSpPr>
+          <p:nvPr>
+            <p:ph type="title"/>
+          </p:nvPr>
+        </p:nvSpPr>
+        <p:spPr/>
+        <p:txBody>
+          <a:bodyPr/>
+          <a:lstStyle/>
+          <a:p>
+            <a:r>
+              <a:rPr lang="en-US" dirty="0"/>
+              <a:t>Azure Building Blocks</a:t>
+            </a:r>
+          </a:p>
+        </p:txBody>
+      </p:sp>
+      <p:sp>
+        <p:nvSpPr>
+          <p:cNvPr id="3" name="Content Placeholder 2">
+            <a:extLst>
+              <a:ext uri="{FF2B5EF4-FFF2-40B4-BE49-F238E27FC236}">
+                <a16:creationId xmlns:a16="http://schemas.microsoft.com/office/drawing/2014/main" id="{45D71D06-0F4C-4701-8E5B-F00575A0717C}"/>
+              </a:ext>
+            </a:extLst>
+          </p:cNvPr>
+          <p:cNvSpPr>
+            <a:spLocks noGrp="1"/>
+          </p:cNvSpPr>
+          <p:nvPr>
+            <p:ph idx="1"/>
+          </p:nvPr>
+        </p:nvSpPr>
+        <p:spPr/>
+        <p:txBody>
+          <a:bodyPr>
+            <a:normAutofit fontScale="92500" lnSpcReduction="10000"/>
+          </a:bodyPr>
+          <a:lstStyle/>
+          <a:p>
+            <a:r>
+              <a:rPr lang="en-US" dirty="0"/>
+              <a:t>Developed by MS Patterns and Practices team</a:t>
+            </a:r>
+          </a:p>
+          <a:p>
+            <a:r>
+              <a:rPr lang="en-US" dirty="0"/>
+              <a:t>Need Azure CLI, Node.JS and </a:t>
+            </a:r>
+            <a:r>
+              <a:rPr lang="en-US" dirty="0" err="1"/>
+              <a:t>azbb</a:t>
+            </a:r>
+            <a:r>
+              <a:rPr lang="en-US" dirty="0"/>
+              <a:t> package</a:t>
+            </a:r>
+          </a:p>
+          <a:p>
+            <a:r>
+              <a:rPr lang="en-US" dirty="0"/>
+              <a:t>Simplified JSON, treats as blocks similar to Terraform</a:t>
+            </a:r>
+          </a:p>
+          <a:p>
+            <a:endParaRPr lang="en-US" dirty="0"/>
+          </a:p>
+          <a:p>
+            <a:r>
+              <a:rPr lang="en-US" dirty="0"/>
+              <a:t>Flexibility \ customization is limited to blocks defined by </a:t>
+            </a:r>
+            <a:r>
+              <a:rPr lang="en-US" dirty="0" err="1"/>
+              <a:t>azbb</a:t>
+            </a:r>
+            <a:endParaRPr lang="en-US" dirty="0"/>
+          </a:p>
+          <a:p>
+            <a:endParaRPr lang="en-US" dirty="0"/>
+          </a:p>
+          <a:p>
+            <a:endParaRPr lang="en-US" dirty="0"/>
+          </a:p>
+          <a:p>
+            <a:r>
+              <a:rPr lang="en-US" dirty="0">
+                <a:hlinkClick r:id="rId3"/>
+              </a:rPr>
+              <a:t>https://github.com/mspnp/template-building-blocks/wiki</a:t>
+            </a:r>
+            <a:endParaRPr lang="en-US" dirty="0"/>
+          </a:p>
+          <a:p>
+            <a:r>
+              <a:rPr lang="en-US" dirty="0">
+                <a:hlinkClick r:id="rId4"/>
+              </a:rPr>
+              <a:t>https://github.com/mspnp/template-building-blocks/tree/master/scenarios</a:t>
+            </a:r>
+            <a:r>
+              <a:rPr lang="en-US" dirty="0"/>
+              <a:t> </a:t>
+            </a:r>
+          </a:p>
+        </p:txBody>
+      </p:sp>
+    </p:spTree>
+    <p:extLst>
+      <p:ext uri="{BB962C8B-B14F-4D97-AF65-F5344CB8AC3E}">
+        <p14:creationId xmlns:p14="http://schemas.microsoft.com/office/powerpoint/2010/main" val="1899649903"/>
+      </p:ext>
+    </p:extLst>
+  </p:cSld>
+  <p:clrMapOvr>
+    <a:masterClrMapping/>
+  </p:clrMapOvr>
+</p:sld>
+</file>
+
+<file path=ppt/slides/slide11.xml><?xml version="1.0" encoding="utf-8"?>
+<p:sld xmlns:a="http://schemas.openxmlformats.org/drawingml/2006/main" xmlns:r="http://schemas.openxmlformats.org/officeDocument/2006/relationships" xmlns:p="http://schemas.openxmlformats.org/presentationml/2006/main" show="0">
+  <p:cSld>
+    <p:spTree>
+      <p:nvGrpSpPr>
+        <p:cNvPr id="1" name=""/>
+        <p:cNvGrpSpPr/>
+        <p:nvPr/>
+      </p:nvGrpSpPr>
+      <p:grpSpPr>
+        <a:xfrm>
+          <a:off x="0" y="0"/>
+          <a:ext cx="0" cy="0"/>
+          <a:chOff x="0" y="0"/>
+          <a:chExt cx="0" cy="0"/>
+        </a:xfrm>
+      </p:grpSpPr>
+      <p:sp>
+        <p:nvSpPr>
+          <p:cNvPr id="2" name="Title 1">
+            <a:extLst>
+              <a:ext uri="{FF2B5EF4-FFF2-40B4-BE49-F238E27FC236}">
+                <a16:creationId xmlns:a16="http://schemas.microsoft.com/office/drawing/2014/main" id="{1F137A35-2C0B-4392-B300-A5918282BF8F}"/>
+              </a:ext>
+            </a:extLst>
+          </p:cNvPr>
+          <p:cNvSpPr>
+            <a:spLocks noGrp="1"/>
+          </p:cNvSpPr>
+          <p:nvPr>
+            <p:ph type="title"/>
+          </p:nvPr>
+        </p:nvSpPr>
+        <p:spPr>
+          <a:xfrm>
+            <a:off x="0" y="0"/>
+            <a:ext cx="12192000" cy="1325563"/>
+          </a:xfrm>
+        </p:spPr>
+        <p:txBody>
+          <a:bodyPr/>
+          <a:lstStyle/>
+          <a:p>
+            <a:pPr algn="ctr"/>
+            <a:r>
+              <a:rPr lang="en-US" dirty="0"/>
+              <a:t>Objectives</a:t>
+            </a:r>
+          </a:p>
+        </p:txBody>
+      </p:sp>
+      <p:sp>
+        <p:nvSpPr>
+          <p:cNvPr id="3" name="Content Placeholder 2">
+            <a:extLst>
+              <a:ext uri="{FF2B5EF4-FFF2-40B4-BE49-F238E27FC236}">
+                <a16:creationId xmlns:a16="http://schemas.microsoft.com/office/drawing/2014/main" id="{9B78FC5D-EB6D-4AC8-9BAB-BB9A88041357}"/>
+              </a:ext>
+            </a:extLst>
+          </p:cNvPr>
+          <p:cNvSpPr>
+            <a:spLocks noGrp="1"/>
+          </p:cNvSpPr>
+          <p:nvPr>
+            <p:ph idx="1"/>
+          </p:nvPr>
+        </p:nvSpPr>
+        <p:spPr>
+          <a:xfrm>
+            <a:off x="0" y="1283516"/>
+            <a:ext cx="4944862" cy="5574484"/>
+          </a:xfrm>
+        </p:spPr>
+        <p:txBody>
+          <a:bodyPr>
+            <a:normAutofit fontScale="25000" lnSpcReduction="20000"/>
+          </a:bodyPr>
+          <a:lstStyle/>
+          <a:p>
+            <a:pPr lvl="0"/>
+            <a:r>
+              <a:rPr lang="en-US" sz="4800" b="1" i="1" u="sng" dirty="0"/>
+              <a:t>DAY 1</a:t>
+            </a:r>
+          </a:p>
+          <a:p>
+            <a:pPr lvl="0"/>
+            <a:r>
+              <a:rPr lang="en-US" sz="4800" b="1" dirty="0"/>
+              <a:t>(9:15 – 9:30) ARM Networking</a:t>
+            </a:r>
+            <a:endParaRPr lang="en-US" sz="4800" dirty="0"/>
+          </a:p>
+          <a:p>
+            <a:pPr lvl="1"/>
+            <a:r>
+              <a:rPr lang="en-US" sz="4800" dirty="0"/>
+              <a:t>Build a VNET in Portal</a:t>
+            </a:r>
+          </a:p>
+          <a:p>
+            <a:pPr lvl="1"/>
+            <a:r>
+              <a:rPr lang="en-US" sz="4800" dirty="0"/>
+              <a:t>Build a VNET in ARM template</a:t>
+            </a:r>
+          </a:p>
+          <a:p>
+            <a:pPr lvl="1"/>
+            <a:r>
+              <a:rPr lang="en-US" sz="4800" dirty="0"/>
+              <a:t>Connect VNETs in Portal</a:t>
+            </a:r>
+          </a:p>
+          <a:p>
+            <a:pPr lvl="2"/>
+            <a:r>
+              <a:rPr lang="en-US" sz="4400" dirty="0"/>
+              <a:t>Review updated ARM service as code around connections</a:t>
+            </a:r>
+          </a:p>
+          <a:p>
+            <a:pPr lvl="0"/>
+            <a:r>
+              <a:rPr lang="en-US" sz="4800" b="1" dirty="0"/>
+              <a:t>(10:00-12:00) Building VMs w/Storage</a:t>
+            </a:r>
+            <a:endParaRPr lang="en-US" sz="4800" dirty="0"/>
+          </a:p>
+          <a:p>
+            <a:pPr lvl="1"/>
+            <a:r>
+              <a:rPr lang="en-US" sz="4800" dirty="0"/>
+              <a:t>Create a storage account for diagnostics \ create containers</a:t>
+            </a:r>
+          </a:p>
+          <a:p>
+            <a:pPr lvl="1"/>
+            <a:r>
+              <a:rPr lang="en-US" sz="4800" dirty="0"/>
+              <a:t>Build a VM in Portal</a:t>
+            </a:r>
+          </a:p>
+          <a:p>
+            <a:pPr lvl="1"/>
+            <a:r>
+              <a:rPr lang="en-US" sz="4800" dirty="0"/>
+              <a:t>Build a VM in ARM Template</a:t>
+            </a:r>
+          </a:p>
+          <a:p>
+            <a:pPr lvl="0"/>
+            <a:r>
+              <a:rPr lang="en-US" sz="4800" b="1" dirty="0"/>
+              <a:t>(11:30-12:00) Lunch</a:t>
+            </a:r>
+            <a:endParaRPr lang="en-US" sz="4800" dirty="0"/>
+          </a:p>
+          <a:p>
+            <a:pPr lvl="0"/>
+            <a:r>
+              <a:rPr lang="en-US" sz="4800" b="1" dirty="0"/>
+              <a:t>(12:00-1:00) ARM Functions</a:t>
+            </a:r>
+          </a:p>
+          <a:p>
+            <a:pPr lvl="1"/>
+            <a:r>
+              <a:rPr lang="en-US" sz="4400" dirty="0"/>
+              <a:t>Update templates to use Copy</a:t>
+            </a:r>
+          </a:p>
+          <a:p>
+            <a:r>
+              <a:rPr lang="en-US" sz="4800" b="1" dirty="0"/>
+              <a:t>(1:00-2:00) Secure Secrets</a:t>
+            </a:r>
+          </a:p>
+          <a:p>
+            <a:pPr lvl="1"/>
+            <a:r>
+              <a:rPr lang="en-US" sz="4400" dirty="0"/>
+              <a:t>Deploy </a:t>
+            </a:r>
+            <a:r>
+              <a:rPr lang="en-US" sz="4400" dirty="0" err="1"/>
+              <a:t>KeyVault</a:t>
+            </a:r>
+            <a:endParaRPr lang="en-US" sz="4400" dirty="0"/>
+          </a:p>
+          <a:p>
+            <a:pPr lvl="1"/>
+            <a:r>
+              <a:rPr lang="en-US" sz="4400" dirty="0"/>
+              <a:t>Update ARM Templates to use </a:t>
+            </a:r>
+            <a:r>
+              <a:rPr lang="en-US" sz="4400" dirty="0" err="1"/>
+              <a:t>KeyVault</a:t>
+            </a:r>
+            <a:endParaRPr lang="en-US" sz="4400" dirty="0"/>
+          </a:p>
+          <a:p>
+            <a:r>
+              <a:rPr lang="en-US" sz="4800" b="1" dirty="0"/>
+              <a:t>(2:00-3:30) Investigate Terraform</a:t>
+            </a:r>
+          </a:p>
+          <a:p>
+            <a:pPr lvl="1"/>
+            <a:r>
+              <a:rPr lang="en-US" sz="4400" dirty="0"/>
+              <a:t>Authenticate to Azure</a:t>
+            </a:r>
+          </a:p>
+          <a:p>
+            <a:pPr lvl="1"/>
+            <a:r>
+              <a:rPr lang="en-US" sz="4400" dirty="0"/>
+              <a:t>Using Script Block</a:t>
+            </a:r>
+          </a:p>
+          <a:p>
+            <a:pPr lvl="1"/>
+            <a:r>
+              <a:rPr lang="en-US" sz="4400" dirty="0"/>
+              <a:t>Using ARM Template in Script Block</a:t>
+            </a:r>
+          </a:p>
+          <a:p>
+            <a:r>
+              <a:rPr lang="en-US" sz="4800" b="1" dirty="0"/>
+              <a:t>(3:30-4:15) Investigate Azure Building Blocks</a:t>
+            </a:r>
+          </a:p>
+          <a:p>
+            <a:pPr lvl="1"/>
+            <a:r>
+              <a:rPr lang="en-US" sz="4400" dirty="0"/>
+              <a:t>Use Azure Building Blocks</a:t>
+            </a:r>
+          </a:p>
+          <a:p>
+            <a:r>
+              <a:rPr lang="en-US" sz="4800" b="1" dirty="0"/>
+              <a:t>(4:15-5:00) Buildout Infrastructure and Services as Code in Sandbox</a:t>
+            </a:r>
+          </a:p>
+          <a:p>
+            <a:pPr lvl="1"/>
+            <a:r>
+              <a:rPr lang="en-US" sz="4400" dirty="0"/>
+              <a:t>Continue deploying and testing</a:t>
+            </a:r>
+          </a:p>
+          <a:p>
+            <a:pPr lvl="1"/>
+            <a:r>
+              <a:rPr lang="en-US" sz="4400" dirty="0"/>
+              <a:t>Questions and Answers</a:t>
+            </a:r>
+          </a:p>
+          <a:p>
+            <a:endParaRPr lang="en-US" sz="4800" dirty="0"/>
+          </a:p>
+          <a:p>
+            <a:endParaRPr lang="en-US" sz="4800" dirty="0"/>
+          </a:p>
+          <a:p>
+            <a:endParaRPr lang="en-US" sz="4800" dirty="0"/>
+          </a:p>
+          <a:p>
+            <a:pPr lvl="1"/>
+            <a:endParaRPr lang="en-US" dirty="0"/>
+          </a:p>
+        </p:txBody>
+      </p:sp>
+    </p:spTree>
+    <p:extLst>
+      <p:ext uri="{BB962C8B-B14F-4D97-AF65-F5344CB8AC3E}">
+        <p14:creationId xmlns:p14="http://schemas.microsoft.com/office/powerpoint/2010/main" val="118023117"/>
+      </p:ext>
+    </p:extLst>
+  </p:cSld>
+  <p:clrMapOvr>
+    <a:masterClrMapping/>
+  </p:clrMapOvr>
+</p:sld>
+</file>
+
+<file path=ppt/slides/slide12.xml><?xml version="1.0" encoding="utf-8"?>
+<p:sld xmlns:a="http://schemas.openxmlformats.org/drawingml/2006/main" xmlns:r="http://schemas.openxmlformats.org/officeDocument/2006/relationships" xmlns:p="http://schemas.openxmlformats.org/presentationml/2006/main" show="0">
+  <p:cSld>
+    <p:spTree>
+      <p:nvGrpSpPr>
+        <p:cNvPr id="1" name=""/>
+        <p:cNvGrpSpPr/>
+        <p:nvPr/>
+      </p:nvGrpSpPr>
+      <p:grpSpPr>
+        <a:xfrm>
+          <a:off x="0" y="0"/>
+          <a:ext cx="0" cy="0"/>
+          <a:chOff x="0" y="0"/>
+          <a:chExt cx="0" cy="0"/>
+        </a:xfrm>
+      </p:grpSpPr>
+      <p:sp>
+        <p:nvSpPr>
+          <p:cNvPr id="2" name="Title 1">
+            <a:extLst>
+              <a:ext uri="{FF2B5EF4-FFF2-40B4-BE49-F238E27FC236}">
+                <a16:creationId xmlns:a16="http://schemas.microsoft.com/office/drawing/2014/main" id="{8885C75E-6DC4-42DC-B8C4-3FA9A70A870E}"/>
+              </a:ext>
+            </a:extLst>
+          </p:cNvPr>
+          <p:cNvSpPr>
+            <a:spLocks noGrp="1"/>
+          </p:cNvSpPr>
+          <p:nvPr>
+            <p:ph type="title"/>
+          </p:nvPr>
+        </p:nvSpPr>
+        <p:spPr/>
+        <p:txBody>
+          <a:bodyPr/>
+          <a:lstStyle/>
+          <a:p>
+            <a:r>
+              <a:rPr lang="en-US" dirty="0"/>
+              <a:t>Be Sure to:</a:t>
+            </a:r>
+          </a:p>
+        </p:txBody>
+      </p:sp>
+      <p:sp>
+        <p:nvSpPr>
+          <p:cNvPr id="3" name="Content Placeholder 2">
+            <a:extLst>
+              <a:ext uri="{FF2B5EF4-FFF2-40B4-BE49-F238E27FC236}">
+                <a16:creationId xmlns:a16="http://schemas.microsoft.com/office/drawing/2014/main" id="{02705D34-E93C-4D8D-AB4E-8B806745AFF0}"/>
+              </a:ext>
+            </a:extLst>
+          </p:cNvPr>
+          <p:cNvSpPr>
+            <a:spLocks noGrp="1"/>
+          </p:cNvSpPr>
+          <p:nvPr>
+            <p:ph idx="1"/>
+          </p:nvPr>
+        </p:nvSpPr>
+        <p:spPr/>
+        <p:txBody>
+          <a:bodyPr>
+            <a:normAutofit/>
+          </a:bodyPr>
+          <a:lstStyle/>
+          <a:p>
+            <a:r>
+              <a:rPr lang="en-US" sz="4400" dirty="0"/>
+              <a:t>When creating Resources and Resource Groups use a </a:t>
+            </a:r>
+            <a:r>
+              <a:rPr lang="en-US" sz="4400" dirty="0">
+                <a:solidFill>
+                  <a:srgbClr val="FF0000"/>
+                </a:solidFill>
+              </a:rPr>
+              <a:t>xxx</a:t>
+            </a:r>
+            <a:r>
+              <a:rPr lang="en-US" sz="4400" dirty="0"/>
+              <a:t> as your initials prefix to the names </a:t>
+            </a:r>
+          </a:p>
+          <a:p>
+            <a:r>
+              <a:rPr lang="en-US" sz="4400" dirty="0"/>
+              <a:t>this way you do not overstep or use other peoples resources in the same Subscription</a:t>
+            </a:r>
+          </a:p>
+        </p:txBody>
+      </p:sp>
+    </p:spTree>
+    <p:extLst>
+      <p:ext uri="{BB962C8B-B14F-4D97-AF65-F5344CB8AC3E}">
+        <p14:creationId xmlns:p14="http://schemas.microsoft.com/office/powerpoint/2010/main" val="1807721756"/>
+      </p:ext>
+    </p:extLst>
+  </p:cSld>
+  <p:clrMapOvr>
+    <a:masterClrMapping/>
+  </p:clrMapOvr>
+</p:sld>
+</file>
+
+<file path=ppt/slides/slide13.xml><?xml version="1.0" encoding="utf-8"?>
+<p:sld xmlns:a="http://schemas.openxmlformats.org/drawingml/2006/main" xmlns:r="http://schemas.openxmlformats.org/officeDocument/2006/relationships" xmlns:p="http://schemas.openxmlformats.org/presentationml/2006/main">
+  <p:cSld>
+    <p:spTree>
+      <p:nvGrpSpPr>
+        <p:cNvPr id="1" name=""/>
+        <p:cNvGrpSpPr/>
+        <p:nvPr/>
+      </p:nvGrpSpPr>
+      <p:grpSpPr>
+        <a:xfrm>
+          <a:off x="0" y="0"/>
+          <a:ext cx="0" cy="0"/>
+          <a:chOff x="0" y="0"/>
+          <a:chExt cx="0" cy="0"/>
+        </a:xfrm>
+      </p:grpSpPr>
+      <p:sp>
+        <p:nvSpPr>
+          <p:cNvPr id="2" name="Title 1">
+            <a:extLst>
+              <a:ext uri="{FF2B5EF4-FFF2-40B4-BE49-F238E27FC236}">
                 <a16:creationId xmlns:a16="http://schemas.microsoft.com/office/drawing/2014/main" id="{2C943309-4A01-41AB-85A8-96987273B023}"/>
               </a:ext>
             </a:extLst>
@@ -34598,7 +35581,7 @@
 </p:sld>
 </file>
 
-<file path=ppt/slides/slide11.xml><?xml version="1.0" encoding="utf-8"?>
+<file path=ppt/slides/slide14.xml><?xml version="1.0" encoding="utf-8"?>
 <p:sld xmlns:a="http://schemas.openxmlformats.org/drawingml/2006/main" xmlns:r="http://schemas.openxmlformats.org/officeDocument/2006/relationships" xmlns:p="http://schemas.openxmlformats.org/presentationml/2006/main">
   <p:cSld>
     <p:bg>
@@ -34756,7 +35739,7 @@
 </p:sld>
 </file>
 
-<file path=ppt/slides/slide12.xml><?xml version="1.0" encoding="utf-8"?>
+<file path=ppt/slides/slide15.xml><?xml version="1.0" encoding="utf-8"?>
 <p:sld xmlns:a="http://schemas.openxmlformats.org/drawingml/2006/main" xmlns:r="http://schemas.openxmlformats.org/officeDocument/2006/relationships" xmlns:p="http://schemas.openxmlformats.org/presentationml/2006/main">
   <p:cSld>
     <p:spTree>
@@ -34921,7 +35904,7 @@
 </p:sld>
 </file>
 
-<file path=ppt/slides/slide13.xml><?xml version="1.0" encoding="utf-8"?>
+<file path=ppt/slides/slide16.xml><?xml version="1.0" encoding="utf-8"?>
 <p:sld xmlns:a="http://schemas.openxmlformats.org/drawingml/2006/main" xmlns:r="http://schemas.openxmlformats.org/officeDocument/2006/relationships" xmlns:p="http://schemas.openxmlformats.org/presentationml/2006/main">
   <p:cSld>
     <p:bg>
@@ -35079,7 +36062,7 @@
 </p:sld>
 </file>
 
-<file path=ppt/slides/slide14.xml><?xml version="1.0" encoding="utf-8"?>
+<file path=ppt/slides/slide17.xml><?xml version="1.0" encoding="utf-8"?>
 <p:sld xmlns:a="http://schemas.openxmlformats.org/drawingml/2006/main" xmlns:r="http://schemas.openxmlformats.org/officeDocument/2006/relationships" xmlns:p="http://schemas.openxmlformats.org/presentationml/2006/main">
   <p:cSld>
     <p:bg>
@@ -35257,576 +36240,6 @@
     <p:extLst>
       <p:ext uri="{BB962C8B-B14F-4D97-AF65-F5344CB8AC3E}">
         <p14:creationId xmlns:p14="http://schemas.microsoft.com/office/powerpoint/2010/main" val="3626031661"/>
-      </p:ext>
-    </p:extLst>
-  </p:cSld>
-  <p:clrMapOvr>
-    <a:masterClrMapping/>
-  </p:clrMapOvr>
-</p:sld>
-</file>
-
-<file path=ppt/slides/slide15.xml><?xml version="1.0" encoding="utf-8"?>
-<p:sld xmlns:a="http://schemas.openxmlformats.org/drawingml/2006/main" xmlns:r="http://schemas.openxmlformats.org/officeDocument/2006/relationships" xmlns:p="http://schemas.openxmlformats.org/presentationml/2006/main">
-  <p:cSld>
-    <p:bg>
-      <p:bgPr>
-        <a:solidFill>
-          <a:schemeClr val="bg1"/>
-        </a:solidFill>
-        <a:effectLst/>
-      </p:bgPr>
-    </p:bg>
-    <p:spTree>
-      <p:nvGrpSpPr>
-        <p:cNvPr id="1" name=""/>
-        <p:cNvGrpSpPr/>
-        <p:nvPr/>
-      </p:nvGrpSpPr>
-      <p:grpSpPr>
-        <a:xfrm>
-          <a:off x="0" y="0"/>
-          <a:ext cx="0" cy="0"/>
-          <a:chOff x="0" y="0"/>
-          <a:chExt cx="0" cy="0"/>
-        </a:xfrm>
-      </p:grpSpPr>
-      <p:sp>
-        <p:nvSpPr>
-          <p:cNvPr id="10" name="Rectangle 9"/>
-          <p:cNvSpPr>
-            <a:spLocks noGrp="1" noRot="1" noChangeAspect="1" noMove="1" noResize="1" noEditPoints="1" noAdjustHandles="1" noChangeArrowheads="1" noChangeShapeType="1" noTextEdit="1"/>
-          </p:cNvSpPr>
-          <p:nvPr>
-            <p:extLst>
-              <p:ext uri="{386F3935-93C4-4BCD-93E2-E3B085C9AB24}">
-                <p16:designElem xmlns:p16="http://schemas.microsoft.com/office/powerpoint/2015/main" val="1"/>
-              </p:ext>
-            </p:extLst>
-          </p:nvPr>
-        </p:nvSpPr>
-        <p:spPr>
-          <a:xfrm>
-            <a:off x="7555992" y="0"/>
-            <a:ext cx="4636008" cy="6858000"/>
-          </a:xfrm>
-          <a:prstGeom prst="rect">
-            <a:avLst/>
-          </a:prstGeom>
-          <a:solidFill>
-            <a:schemeClr val="bg2">
-              <a:lumMod val="50000"/>
-            </a:schemeClr>
-          </a:solidFill>
-          <a:ln>
-            <a:noFill/>
-          </a:ln>
-        </p:spPr>
-        <p:style>
-          <a:lnRef idx="2">
-            <a:schemeClr val="accent1">
-              <a:shade val="50000"/>
-            </a:schemeClr>
-          </a:lnRef>
-          <a:fillRef idx="1">
-            <a:schemeClr val="accent1"/>
-          </a:fillRef>
-          <a:effectRef idx="0">
-            <a:schemeClr val="accent1"/>
-          </a:effectRef>
-          <a:fontRef idx="minor">
-            <a:schemeClr val="lt1"/>
-          </a:fontRef>
-        </p:style>
-        <p:txBody>
-          <a:bodyPr rtlCol="0" anchor="ctr"/>
-          <a:lstStyle/>
-          <a:p>
-            <a:pPr marL="0" marR="0" lvl="0" indent="0" algn="ctr" defTabSz="914400" rtl="0" eaLnBrk="1" fontAlgn="auto" latinLnBrk="0" hangingPunct="1">
-              <a:lnSpc>
-                <a:spcPct val="100000"/>
-              </a:lnSpc>
-              <a:spcBef>
-                <a:spcPts val="0"/>
-              </a:spcBef>
-              <a:spcAft>
-                <a:spcPts val="0"/>
-              </a:spcAft>
-              <a:buClrTx/>
-              <a:buSzTx/>
-              <a:buFontTx/>
-              <a:buNone/>
-              <a:tabLst/>
-              <a:defRPr/>
-            </a:pPr>
-            <a:endParaRPr kumimoji="0" lang="en-US" sz="1800" b="0" i="0" u="none" strike="noStrike" kern="1200" cap="none" spc="0" normalizeH="0" baseline="0" noProof="0">
-              <a:ln>
-                <a:noFill/>
-              </a:ln>
-              <a:solidFill>
-                <a:prstClr val="white"/>
-              </a:solidFill>
-              <a:effectLst/>
-              <a:uLnTx/>
-              <a:uFillTx/>
-              <a:latin typeface="Calibri" panose="020F0502020204030204"/>
-              <a:ea typeface="+mn-ea"/>
-              <a:cs typeface="+mn-cs"/>
-            </a:endParaRPr>
-          </a:p>
-        </p:txBody>
-      </p:sp>
-      <p:sp>
-        <p:nvSpPr>
-          <p:cNvPr id="2" name="Title 1">
-            <a:extLst>
-              <a:ext uri="{FF2B5EF4-FFF2-40B4-BE49-F238E27FC236}">
-                <a16:creationId xmlns:a16="http://schemas.microsoft.com/office/drawing/2014/main" id="{FFAE2C32-0ADC-4359-A209-4464BD272937}"/>
-              </a:ext>
-            </a:extLst>
-          </p:cNvPr>
-          <p:cNvSpPr>
-            <a:spLocks noGrp="1"/>
-          </p:cNvSpPr>
-          <p:nvPr>
-            <p:ph type="title"/>
-          </p:nvPr>
-        </p:nvSpPr>
-        <p:spPr>
-          <a:xfrm>
-            <a:off x="8199459" y="642938"/>
-            <a:ext cx="3670808" cy="5502264"/>
-          </a:xfrm>
-        </p:spPr>
-        <p:txBody>
-          <a:bodyPr>
-            <a:normAutofit/>
-          </a:bodyPr>
-          <a:lstStyle/>
-          <a:p>
-            <a:r>
-              <a:rPr lang="en-US" dirty="0">
-                <a:solidFill>
-                  <a:srgbClr val="FFFFFF"/>
-                </a:solidFill>
-              </a:rPr>
-              <a:t>Secure Secrets with </a:t>
-            </a:r>
-            <a:r>
-              <a:rPr lang="en-US" dirty="0" err="1">
-                <a:solidFill>
-                  <a:srgbClr val="FFFFFF"/>
-                </a:solidFill>
-              </a:rPr>
-              <a:t>KeyVault</a:t>
-            </a:r>
-            <a:endParaRPr lang="en-US" dirty="0">
-              <a:solidFill>
-                <a:srgbClr val="FFFFFF"/>
-              </a:solidFill>
-            </a:endParaRPr>
-          </a:p>
-        </p:txBody>
-      </p:sp>
-      <p:graphicFrame>
-        <p:nvGraphicFramePr>
-          <p:cNvPr id="5" name="Content Placeholder 2"/>
-          <p:cNvGraphicFramePr>
-            <a:graphicFrameLocks noGrp="1"/>
-          </p:cNvGraphicFramePr>
-          <p:nvPr>
-            <p:ph idx="1"/>
-            <p:extLst>
-              <p:ext uri="{D42A27DB-BD31-4B8C-83A1-F6EECF244321}">
-                <p14:modId xmlns:p14="http://schemas.microsoft.com/office/powerpoint/2010/main" val="1430833727"/>
-              </p:ext>
-            </p:extLst>
-          </p:nvPr>
-        </p:nvGraphicFramePr>
-        <p:xfrm>
-          <a:off x="642938" y="642938"/>
-          <a:ext cx="6269037" cy="5572125"/>
-        </p:xfrm>
-        <a:graphic>
-          <a:graphicData uri="http://schemas.openxmlformats.org/drawingml/2006/diagram">
-            <dgm:relIds xmlns:dgm="http://schemas.openxmlformats.org/drawingml/2006/diagram" xmlns:r="http://schemas.openxmlformats.org/officeDocument/2006/relationships" r:dm="rId3" r:lo="rId4" r:qs="rId5" r:cs="rId6"/>
-          </a:graphicData>
-        </a:graphic>
-      </p:graphicFrame>
-    </p:spTree>
-    <p:extLst>
-      <p:ext uri="{BB962C8B-B14F-4D97-AF65-F5344CB8AC3E}">
-        <p14:creationId xmlns:p14="http://schemas.microsoft.com/office/powerpoint/2010/main" val="3089616497"/>
-      </p:ext>
-    </p:extLst>
-  </p:cSld>
-  <p:clrMapOvr>
-    <a:masterClrMapping/>
-  </p:clrMapOvr>
-</p:sld>
-</file>
-
-<file path=ppt/slides/slide16.xml><?xml version="1.0" encoding="utf-8"?>
-<p:sld xmlns:a="http://schemas.openxmlformats.org/drawingml/2006/main" xmlns:r="http://schemas.openxmlformats.org/officeDocument/2006/relationships" xmlns:p="http://schemas.openxmlformats.org/presentationml/2006/main">
-  <p:cSld>
-    <p:bg>
-      <p:bgPr>
-        <a:solidFill>
-          <a:schemeClr val="bg1"/>
-        </a:solidFill>
-        <a:effectLst/>
-      </p:bgPr>
-    </p:bg>
-    <p:spTree>
-      <p:nvGrpSpPr>
-        <p:cNvPr id="1" name=""/>
-        <p:cNvGrpSpPr/>
-        <p:nvPr/>
-      </p:nvGrpSpPr>
-      <p:grpSpPr>
-        <a:xfrm>
-          <a:off x="0" y="0"/>
-          <a:ext cx="0" cy="0"/>
-          <a:chOff x="0" y="0"/>
-          <a:chExt cx="0" cy="0"/>
-        </a:xfrm>
-      </p:grpSpPr>
-      <p:sp>
-        <p:nvSpPr>
-          <p:cNvPr id="19" name="Rectangle 9"/>
-          <p:cNvSpPr>
-            <a:spLocks noGrp="1" noRot="1" noChangeAspect="1" noMove="1" noResize="1" noEditPoints="1" noAdjustHandles="1" noChangeArrowheads="1" noChangeShapeType="1" noTextEdit="1"/>
-          </p:cNvSpPr>
-          <p:nvPr>
-            <p:extLst>
-              <p:ext uri="{386F3935-93C4-4BCD-93E2-E3B085C9AB24}">
-                <p16:designElem xmlns:p16="http://schemas.microsoft.com/office/powerpoint/2015/main" val="1"/>
-              </p:ext>
-            </p:extLst>
-          </p:nvPr>
-        </p:nvSpPr>
-        <p:spPr>
-          <a:xfrm>
-            <a:off x="7555992" y="0"/>
-            <a:ext cx="4636008" cy="6858000"/>
-          </a:xfrm>
-          <a:prstGeom prst="rect">
-            <a:avLst/>
-          </a:prstGeom>
-          <a:solidFill>
-            <a:schemeClr val="bg2">
-              <a:lumMod val="50000"/>
-            </a:schemeClr>
-          </a:solidFill>
-          <a:ln>
-            <a:noFill/>
-          </a:ln>
-        </p:spPr>
-        <p:style>
-          <a:lnRef idx="2">
-            <a:schemeClr val="accent1">
-              <a:shade val="50000"/>
-            </a:schemeClr>
-          </a:lnRef>
-          <a:fillRef idx="1">
-            <a:schemeClr val="accent1"/>
-          </a:fillRef>
-          <a:effectRef idx="0">
-            <a:schemeClr val="accent1"/>
-          </a:effectRef>
-          <a:fontRef idx="minor">
-            <a:schemeClr val="lt1"/>
-          </a:fontRef>
-        </p:style>
-        <p:txBody>
-          <a:bodyPr rtlCol="0" anchor="ctr"/>
-          <a:lstStyle/>
-          <a:p>
-            <a:pPr marL="0" marR="0" lvl="0" indent="0" algn="ctr" defTabSz="914400" rtl="0" eaLnBrk="1" fontAlgn="auto" latinLnBrk="0" hangingPunct="1">
-              <a:lnSpc>
-                <a:spcPct val="100000"/>
-              </a:lnSpc>
-              <a:spcBef>
-                <a:spcPts val="0"/>
-              </a:spcBef>
-              <a:spcAft>
-                <a:spcPts val="0"/>
-              </a:spcAft>
-              <a:buClrTx/>
-              <a:buSzTx/>
-              <a:buFontTx/>
-              <a:buNone/>
-              <a:tabLst/>
-              <a:defRPr/>
-            </a:pPr>
-            <a:endParaRPr kumimoji="0" lang="en-US" sz="1800" b="0" i="0" u="none" strike="noStrike" kern="1200" cap="none" spc="0" normalizeH="0" baseline="0" noProof="0">
-              <a:ln>
-                <a:noFill/>
-              </a:ln>
-              <a:solidFill>
-                <a:prstClr val="white"/>
-              </a:solidFill>
-              <a:effectLst/>
-              <a:uLnTx/>
-              <a:uFillTx/>
-              <a:latin typeface="Calibri" panose="020F0502020204030204"/>
-              <a:ea typeface="+mn-ea"/>
-              <a:cs typeface="+mn-cs"/>
-            </a:endParaRPr>
-          </a:p>
-        </p:txBody>
-      </p:sp>
-      <p:sp>
-        <p:nvSpPr>
-          <p:cNvPr id="2" name="Title 1">
-            <a:extLst>
-              <a:ext uri="{FF2B5EF4-FFF2-40B4-BE49-F238E27FC236}">
-                <a16:creationId xmlns:a16="http://schemas.microsoft.com/office/drawing/2014/main" id="{02D1C1D2-8851-479C-A560-9554FB10A6D4}"/>
-              </a:ext>
-            </a:extLst>
-          </p:cNvPr>
-          <p:cNvSpPr>
-            <a:spLocks noGrp="1"/>
-          </p:cNvSpPr>
-          <p:nvPr>
-            <p:ph type="title"/>
-          </p:nvPr>
-        </p:nvSpPr>
-        <p:spPr>
-          <a:xfrm>
-            <a:off x="8199459" y="642938"/>
-            <a:ext cx="3670808" cy="5502264"/>
-          </a:xfrm>
-        </p:spPr>
-        <p:txBody>
-          <a:bodyPr>
-            <a:normAutofit/>
-          </a:bodyPr>
-          <a:lstStyle/>
-          <a:p>
-            <a:r>
-              <a:rPr lang="en-US" dirty="0">
-                <a:solidFill>
-                  <a:srgbClr val="FFFFFF"/>
-                </a:solidFill>
-              </a:rPr>
-              <a:t>Terraform</a:t>
-            </a:r>
-          </a:p>
-        </p:txBody>
-      </p:sp>
-      <p:graphicFrame>
-        <p:nvGraphicFramePr>
-          <p:cNvPr id="20" name="Content Placeholder 2"/>
-          <p:cNvGraphicFramePr>
-            <a:graphicFrameLocks noGrp="1"/>
-          </p:cNvGraphicFramePr>
-          <p:nvPr>
-            <p:ph idx="1"/>
-            <p:extLst>
-              <p:ext uri="{D42A27DB-BD31-4B8C-83A1-F6EECF244321}">
-                <p14:modId xmlns:p14="http://schemas.microsoft.com/office/powerpoint/2010/main" val="371828570"/>
-              </p:ext>
-            </p:extLst>
-          </p:nvPr>
-        </p:nvGraphicFramePr>
-        <p:xfrm>
-          <a:off x="642938" y="642938"/>
-          <a:ext cx="6269037" cy="5572125"/>
-        </p:xfrm>
-        <a:graphic>
-          <a:graphicData uri="http://schemas.openxmlformats.org/drawingml/2006/diagram">
-            <dgm:relIds xmlns:dgm="http://schemas.openxmlformats.org/drawingml/2006/diagram" xmlns:r="http://schemas.openxmlformats.org/officeDocument/2006/relationships" r:dm="rId3" r:lo="rId4" r:qs="rId5" r:cs="rId6"/>
-          </a:graphicData>
-        </a:graphic>
-      </p:graphicFrame>
-    </p:spTree>
-    <p:extLst>
-      <p:ext uri="{BB962C8B-B14F-4D97-AF65-F5344CB8AC3E}">
-        <p14:creationId xmlns:p14="http://schemas.microsoft.com/office/powerpoint/2010/main" val="89316622"/>
-      </p:ext>
-    </p:extLst>
-  </p:cSld>
-  <p:clrMapOvr>
-    <a:masterClrMapping/>
-  </p:clrMapOvr>
-</p:sld>
-</file>
-
-<file path=ppt/slides/slide17.xml><?xml version="1.0" encoding="utf-8"?>
-<p:sld xmlns:a="http://schemas.openxmlformats.org/drawingml/2006/main" xmlns:r="http://schemas.openxmlformats.org/officeDocument/2006/relationships" xmlns:p="http://schemas.openxmlformats.org/presentationml/2006/main">
-  <p:cSld>
-    <p:bg>
-      <p:bgPr>
-        <a:solidFill>
-          <a:schemeClr val="bg1"/>
-        </a:solidFill>
-        <a:effectLst/>
-      </p:bgPr>
-    </p:bg>
-    <p:spTree>
-      <p:nvGrpSpPr>
-        <p:cNvPr id="1" name=""/>
-        <p:cNvGrpSpPr/>
-        <p:nvPr/>
-      </p:nvGrpSpPr>
-      <p:grpSpPr>
-        <a:xfrm>
-          <a:off x="0" y="0"/>
-          <a:ext cx="0" cy="0"/>
-          <a:chOff x="0" y="0"/>
-          <a:chExt cx="0" cy="0"/>
-        </a:xfrm>
-      </p:grpSpPr>
-      <p:sp>
-        <p:nvSpPr>
-          <p:cNvPr id="19" name="Rectangle 9"/>
-          <p:cNvSpPr>
-            <a:spLocks noGrp="1" noRot="1" noChangeAspect="1" noMove="1" noResize="1" noEditPoints="1" noAdjustHandles="1" noChangeArrowheads="1" noChangeShapeType="1" noTextEdit="1"/>
-          </p:cNvSpPr>
-          <p:nvPr>
-            <p:extLst>
-              <p:ext uri="{386F3935-93C4-4BCD-93E2-E3B085C9AB24}">
-                <p16:designElem xmlns:p16="http://schemas.microsoft.com/office/powerpoint/2015/main" val="1"/>
-              </p:ext>
-            </p:extLst>
-          </p:nvPr>
-        </p:nvSpPr>
-        <p:spPr>
-          <a:xfrm>
-            <a:off x="7555992" y="0"/>
-            <a:ext cx="4636008" cy="6858000"/>
-          </a:xfrm>
-          <a:prstGeom prst="rect">
-            <a:avLst/>
-          </a:prstGeom>
-          <a:solidFill>
-            <a:schemeClr val="bg2">
-              <a:lumMod val="50000"/>
-            </a:schemeClr>
-          </a:solidFill>
-          <a:ln>
-            <a:noFill/>
-          </a:ln>
-        </p:spPr>
-        <p:style>
-          <a:lnRef idx="2">
-            <a:schemeClr val="accent1">
-              <a:shade val="50000"/>
-            </a:schemeClr>
-          </a:lnRef>
-          <a:fillRef idx="1">
-            <a:schemeClr val="accent1"/>
-          </a:fillRef>
-          <a:effectRef idx="0">
-            <a:schemeClr val="accent1"/>
-          </a:effectRef>
-          <a:fontRef idx="minor">
-            <a:schemeClr val="lt1"/>
-          </a:fontRef>
-        </p:style>
-        <p:txBody>
-          <a:bodyPr rtlCol="0" anchor="ctr"/>
-          <a:lstStyle/>
-          <a:p>
-            <a:pPr marL="0" marR="0" lvl="0" indent="0" algn="ctr" defTabSz="914400" rtl="0" eaLnBrk="1" fontAlgn="auto" latinLnBrk="0" hangingPunct="1">
-              <a:lnSpc>
-                <a:spcPct val="100000"/>
-              </a:lnSpc>
-              <a:spcBef>
-                <a:spcPts val="0"/>
-              </a:spcBef>
-              <a:spcAft>
-                <a:spcPts val="0"/>
-              </a:spcAft>
-              <a:buClrTx/>
-              <a:buSzTx/>
-              <a:buFontTx/>
-              <a:buNone/>
-              <a:tabLst/>
-              <a:defRPr/>
-            </a:pPr>
-            <a:endParaRPr kumimoji="0" lang="en-US" sz="1800" b="0" i="0" u="none" strike="noStrike" kern="1200" cap="none" spc="0" normalizeH="0" baseline="0" noProof="0">
-              <a:ln>
-                <a:noFill/>
-              </a:ln>
-              <a:solidFill>
-                <a:prstClr val="white"/>
-              </a:solidFill>
-              <a:effectLst/>
-              <a:uLnTx/>
-              <a:uFillTx/>
-              <a:latin typeface="Calibri" panose="020F0502020204030204"/>
-              <a:ea typeface="+mn-ea"/>
-              <a:cs typeface="+mn-cs"/>
-            </a:endParaRPr>
-          </a:p>
-        </p:txBody>
-      </p:sp>
-      <p:sp>
-        <p:nvSpPr>
-          <p:cNvPr id="2" name="Title 1">
-            <a:extLst>
-              <a:ext uri="{FF2B5EF4-FFF2-40B4-BE49-F238E27FC236}">
-                <a16:creationId xmlns:a16="http://schemas.microsoft.com/office/drawing/2014/main" id="{02D1C1D2-8851-479C-A560-9554FB10A6D4}"/>
-              </a:ext>
-            </a:extLst>
-          </p:cNvPr>
-          <p:cNvSpPr>
-            <a:spLocks noGrp="1"/>
-          </p:cNvSpPr>
-          <p:nvPr>
-            <p:ph type="title"/>
-          </p:nvPr>
-        </p:nvSpPr>
-        <p:spPr>
-          <a:xfrm>
-            <a:off x="8199459" y="642938"/>
-            <a:ext cx="3670808" cy="5502264"/>
-          </a:xfrm>
-        </p:spPr>
-        <p:txBody>
-          <a:bodyPr>
-            <a:normAutofit/>
-          </a:bodyPr>
-          <a:lstStyle/>
-          <a:p>
-            <a:r>
-              <a:rPr lang="en-US" dirty="0">
-                <a:solidFill>
-                  <a:srgbClr val="FFFFFF"/>
-                </a:solidFill>
-              </a:rPr>
-              <a:t>Azure Building Blocks</a:t>
-            </a:r>
-          </a:p>
-        </p:txBody>
-      </p:sp>
-      <p:graphicFrame>
-        <p:nvGraphicFramePr>
-          <p:cNvPr id="20" name="Content Placeholder 2"/>
-          <p:cNvGraphicFramePr>
-            <a:graphicFrameLocks noGrp="1"/>
-          </p:cNvGraphicFramePr>
-          <p:nvPr>
-            <p:ph idx="1"/>
-            <p:extLst/>
-          </p:nvPr>
-        </p:nvGraphicFramePr>
-        <p:xfrm>
-          <a:off x="642938" y="642938"/>
-          <a:ext cx="6269037" cy="5572125"/>
-        </p:xfrm>
-        <a:graphic>
-          <a:graphicData uri="http://schemas.openxmlformats.org/drawingml/2006/diagram">
-            <dgm:relIds xmlns:dgm="http://schemas.openxmlformats.org/drawingml/2006/diagram" xmlns:r="http://schemas.openxmlformats.org/officeDocument/2006/relationships" r:dm="rId3" r:lo="rId4" r:qs="rId5" r:cs="rId6"/>
-          </a:graphicData>
-        </a:graphic>
-      </p:graphicFrame>
-    </p:spTree>
-    <p:extLst>
-      <p:ext uri="{BB962C8B-B14F-4D97-AF65-F5344CB8AC3E}">
-        <p14:creationId xmlns:p14="http://schemas.microsoft.com/office/powerpoint/2010/main" val="2506927355"/>
       </p:ext>
     </p:extLst>
   </p:cSld>
@@ -35980,6 +36393,781 @@
                   <a:srgbClr val="FFFFFF"/>
                 </a:solidFill>
               </a:rPr>
+              <a:t>Terraform</a:t>
+            </a:r>
+          </a:p>
+        </p:txBody>
+      </p:sp>
+      <p:graphicFrame>
+        <p:nvGraphicFramePr>
+          <p:cNvPr id="20" name="Content Placeholder 2"/>
+          <p:cNvGraphicFramePr>
+            <a:graphicFrameLocks noGrp="1"/>
+          </p:cNvGraphicFramePr>
+          <p:nvPr>
+            <p:ph idx="1"/>
+            <p:extLst>
+              <p:ext uri="{D42A27DB-BD31-4B8C-83A1-F6EECF244321}">
+                <p14:modId xmlns:p14="http://schemas.microsoft.com/office/powerpoint/2010/main" val="371828570"/>
+              </p:ext>
+            </p:extLst>
+          </p:nvPr>
+        </p:nvGraphicFramePr>
+        <p:xfrm>
+          <a:off x="642938" y="642938"/>
+          <a:ext cx="6269037" cy="5572125"/>
+        </p:xfrm>
+        <a:graphic>
+          <a:graphicData uri="http://schemas.openxmlformats.org/drawingml/2006/diagram">
+            <dgm:relIds xmlns:dgm="http://schemas.openxmlformats.org/drawingml/2006/diagram" xmlns:r="http://schemas.openxmlformats.org/officeDocument/2006/relationships" r:dm="rId3" r:lo="rId4" r:qs="rId5" r:cs="rId6"/>
+          </a:graphicData>
+        </a:graphic>
+      </p:graphicFrame>
+    </p:spTree>
+    <p:extLst>
+      <p:ext uri="{BB962C8B-B14F-4D97-AF65-F5344CB8AC3E}">
+        <p14:creationId xmlns:p14="http://schemas.microsoft.com/office/powerpoint/2010/main" val="89316622"/>
+      </p:ext>
+    </p:extLst>
+  </p:cSld>
+  <p:clrMapOvr>
+    <a:masterClrMapping/>
+  </p:clrMapOvr>
+</p:sld>
+</file>
+
+<file path=ppt/slides/slide19.xml><?xml version="1.0" encoding="utf-8"?>
+<p:sld xmlns:a="http://schemas.openxmlformats.org/drawingml/2006/main" xmlns:r="http://schemas.openxmlformats.org/officeDocument/2006/relationships" xmlns:p="http://schemas.openxmlformats.org/presentationml/2006/main" show="0">
+  <p:cSld>
+    <p:bg>
+      <p:bgPr>
+        <a:solidFill>
+          <a:schemeClr val="bg1"/>
+        </a:solidFill>
+        <a:effectLst/>
+      </p:bgPr>
+    </p:bg>
+    <p:spTree>
+      <p:nvGrpSpPr>
+        <p:cNvPr id="1" name=""/>
+        <p:cNvGrpSpPr/>
+        <p:nvPr/>
+      </p:nvGrpSpPr>
+      <p:grpSpPr>
+        <a:xfrm>
+          <a:off x="0" y="0"/>
+          <a:ext cx="0" cy="0"/>
+          <a:chOff x="0" y="0"/>
+          <a:chExt cx="0" cy="0"/>
+        </a:xfrm>
+      </p:grpSpPr>
+      <p:sp>
+        <p:nvSpPr>
+          <p:cNvPr id="19" name="Rectangle 9"/>
+          <p:cNvSpPr>
+            <a:spLocks noGrp="1" noRot="1" noChangeAspect="1" noMove="1" noResize="1" noEditPoints="1" noAdjustHandles="1" noChangeArrowheads="1" noChangeShapeType="1" noTextEdit="1"/>
+          </p:cNvSpPr>
+          <p:nvPr>
+            <p:extLst>
+              <p:ext uri="{386F3935-93C4-4BCD-93E2-E3B085C9AB24}">
+                <p16:designElem xmlns:p16="http://schemas.microsoft.com/office/powerpoint/2015/main" val="1"/>
+              </p:ext>
+            </p:extLst>
+          </p:nvPr>
+        </p:nvSpPr>
+        <p:spPr>
+          <a:xfrm>
+            <a:off x="7555992" y="0"/>
+            <a:ext cx="4636008" cy="6858000"/>
+          </a:xfrm>
+          <a:prstGeom prst="rect">
+            <a:avLst/>
+          </a:prstGeom>
+          <a:solidFill>
+            <a:schemeClr val="bg2">
+              <a:lumMod val="50000"/>
+            </a:schemeClr>
+          </a:solidFill>
+          <a:ln>
+            <a:noFill/>
+          </a:ln>
+        </p:spPr>
+        <p:style>
+          <a:lnRef idx="2">
+            <a:schemeClr val="accent1">
+              <a:shade val="50000"/>
+            </a:schemeClr>
+          </a:lnRef>
+          <a:fillRef idx="1">
+            <a:schemeClr val="accent1"/>
+          </a:fillRef>
+          <a:effectRef idx="0">
+            <a:schemeClr val="accent1"/>
+          </a:effectRef>
+          <a:fontRef idx="minor">
+            <a:schemeClr val="lt1"/>
+          </a:fontRef>
+        </p:style>
+        <p:txBody>
+          <a:bodyPr rtlCol="0" anchor="ctr"/>
+          <a:lstStyle/>
+          <a:p>
+            <a:pPr marL="0" marR="0" lvl="0" indent="0" algn="ctr" defTabSz="914400" rtl="0" eaLnBrk="1" fontAlgn="auto" latinLnBrk="0" hangingPunct="1">
+              <a:lnSpc>
+                <a:spcPct val="100000"/>
+              </a:lnSpc>
+              <a:spcBef>
+                <a:spcPts val="0"/>
+              </a:spcBef>
+              <a:spcAft>
+                <a:spcPts val="0"/>
+              </a:spcAft>
+              <a:buClrTx/>
+              <a:buSzTx/>
+              <a:buFontTx/>
+              <a:buNone/>
+              <a:tabLst/>
+              <a:defRPr/>
+            </a:pPr>
+            <a:endParaRPr kumimoji="0" lang="en-US" sz="1800" b="0" i="0" u="none" strike="noStrike" kern="1200" cap="none" spc="0" normalizeH="0" baseline="0" noProof="0">
+              <a:ln>
+                <a:noFill/>
+              </a:ln>
+              <a:solidFill>
+                <a:prstClr val="white"/>
+              </a:solidFill>
+              <a:effectLst/>
+              <a:uLnTx/>
+              <a:uFillTx/>
+              <a:latin typeface="Calibri" panose="020F0502020204030204"/>
+              <a:ea typeface="+mn-ea"/>
+              <a:cs typeface="+mn-cs"/>
+            </a:endParaRPr>
+          </a:p>
+        </p:txBody>
+      </p:sp>
+      <p:sp>
+        <p:nvSpPr>
+          <p:cNvPr id="2" name="Title 1">
+            <a:extLst>
+              <a:ext uri="{FF2B5EF4-FFF2-40B4-BE49-F238E27FC236}">
+                <a16:creationId xmlns:a16="http://schemas.microsoft.com/office/drawing/2014/main" id="{02D1C1D2-8851-479C-A560-9554FB10A6D4}"/>
+              </a:ext>
+            </a:extLst>
+          </p:cNvPr>
+          <p:cNvSpPr>
+            <a:spLocks noGrp="1"/>
+          </p:cNvSpPr>
+          <p:nvPr>
+            <p:ph type="title"/>
+          </p:nvPr>
+        </p:nvSpPr>
+        <p:spPr>
+          <a:xfrm>
+            <a:off x="8199459" y="642938"/>
+            <a:ext cx="3670808" cy="5502264"/>
+          </a:xfrm>
+        </p:spPr>
+        <p:txBody>
+          <a:bodyPr>
+            <a:normAutofit/>
+          </a:bodyPr>
+          <a:lstStyle/>
+          <a:p>
+            <a:r>
+              <a:rPr lang="en-US" dirty="0">
+                <a:solidFill>
+                  <a:srgbClr val="FFFFFF"/>
+                </a:solidFill>
+              </a:rPr>
+              <a:t>Azure Building Blocks</a:t>
+            </a:r>
+          </a:p>
+        </p:txBody>
+      </p:sp>
+      <p:graphicFrame>
+        <p:nvGraphicFramePr>
+          <p:cNvPr id="20" name="Content Placeholder 2"/>
+          <p:cNvGraphicFramePr>
+            <a:graphicFrameLocks noGrp="1"/>
+          </p:cNvGraphicFramePr>
+          <p:nvPr>
+            <p:ph idx="1"/>
+            <p:extLst/>
+          </p:nvPr>
+        </p:nvGraphicFramePr>
+        <p:xfrm>
+          <a:off x="642938" y="642938"/>
+          <a:ext cx="6269037" cy="5572125"/>
+        </p:xfrm>
+        <a:graphic>
+          <a:graphicData uri="http://schemas.openxmlformats.org/drawingml/2006/diagram">
+            <dgm:relIds xmlns:dgm="http://schemas.openxmlformats.org/drawingml/2006/diagram" xmlns:r="http://schemas.openxmlformats.org/officeDocument/2006/relationships" r:dm="rId3" r:lo="rId4" r:qs="rId5" r:cs="rId6"/>
+          </a:graphicData>
+        </a:graphic>
+      </p:graphicFrame>
+    </p:spTree>
+    <p:extLst>
+      <p:ext uri="{BB962C8B-B14F-4D97-AF65-F5344CB8AC3E}">
+        <p14:creationId xmlns:p14="http://schemas.microsoft.com/office/powerpoint/2010/main" val="2506927355"/>
+      </p:ext>
+    </p:extLst>
+  </p:cSld>
+  <p:clrMapOvr>
+    <a:masterClrMapping/>
+  </p:clrMapOvr>
+</p:sld>
+</file>
+
+<file path=ppt/slides/slide2.xml><?xml version="1.0" encoding="utf-8"?>
+<p:sld xmlns:a="http://schemas.openxmlformats.org/drawingml/2006/main" xmlns:r="http://schemas.openxmlformats.org/officeDocument/2006/relationships" xmlns:p="http://schemas.openxmlformats.org/presentationml/2006/main">
+  <p:cSld>
+    <p:spTree>
+      <p:nvGrpSpPr>
+        <p:cNvPr id="1" name=""/>
+        <p:cNvGrpSpPr/>
+        <p:nvPr/>
+      </p:nvGrpSpPr>
+      <p:grpSpPr>
+        <a:xfrm>
+          <a:off x="0" y="0"/>
+          <a:ext cx="0" cy="0"/>
+          <a:chOff x="0" y="0"/>
+          <a:chExt cx="0" cy="0"/>
+        </a:xfrm>
+      </p:grpSpPr>
+      <p:pic>
+        <p:nvPicPr>
+          <p:cNvPr id="4" name="Picture 3" descr="A picture containing person, wall, indoor, man&#10;&#10;Description generated with very high confidence">
+            <a:extLst>
+              <a:ext uri="{FF2B5EF4-FFF2-40B4-BE49-F238E27FC236}">
+                <a16:creationId xmlns:a16="http://schemas.microsoft.com/office/drawing/2014/main" id="{3C9C450C-3F03-4FBF-A4FD-9C4B18923C9D}"/>
+              </a:ext>
+            </a:extLst>
+          </p:cNvPr>
+          <p:cNvPicPr>
+            <a:picLocks noChangeAspect="1"/>
+          </p:cNvPicPr>
+          <p:nvPr/>
+        </p:nvPicPr>
+        <p:blipFill rotWithShape="1">
+          <a:blip r:embed="rId3"/>
+          <a:srcRect r="10922" b="-5"/>
+          <a:stretch/>
+        </p:blipFill>
+        <p:spPr>
+          <a:xfrm>
+            <a:off x="9117280" y="3468012"/>
+            <a:ext cx="2434639" cy="2740127"/>
+          </a:xfrm>
+          <a:prstGeom prst="rect">
+            <a:avLst/>
+          </a:prstGeom>
+        </p:spPr>
+      </p:pic>
+      <p:pic>
+        <p:nvPicPr>
+          <p:cNvPr id="5" name="Picture 4" descr="A black sign with white text&#10;&#10;Description generated with very high confidence">
+            <a:extLst>
+              <a:ext uri="{FF2B5EF4-FFF2-40B4-BE49-F238E27FC236}">
+                <a16:creationId xmlns:a16="http://schemas.microsoft.com/office/drawing/2014/main" id="{99229D24-14D7-4667-A234-DEB46EC23AE4}"/>
+              </a:ext>
+            </a:extLst>
+          </p:cNvPr>
+          <p:cNvPicPr>
+            <a:picLocks noChangeAspect="1"/>
+          </p:cNvPicPr>
+          <p:nvPr/>
+        </p:nvPicPr>
+        <p:blipFill rotWithShape="1">
+          <a:blip r:embed="rId4"/>
+          <a:srcRect t="1102" r="-2" b="13151"/>
+          <a:stretch/>
+        </p:blipFill>
+        <p:spPr>
+          <a:xfrm>
+            <a:off x="6551674" y="3468012"/>
+            <a:ext cx="2404738" cy="2740127"/>
+          </a:xfrm>
+          <a:prstGeom prst="rect">
+            <a:avLst/>
+          </a:prstGeom>
+        </p:spPr>
+      </p:pic>
+      <p:pic>
+        <p:nvPicPr>
+          <p:cNvPr id="6" name="Picture 5" descr="A person wearing a suit and tie&#10;&#10;Description generated with very high confidence">
+            <a:extLst>
+              <a:ext uri="{FF2B5EF4-FFF2-40B4-BE49-F238E27FC236}">
+                <a16:creationId xmlns:a16="http://schemas.microsoft.com/office/drawing/2014/main" id="{F73D8E5A-173F-4A2B-ABC8-ED74783A462F}"/>
+              </a:ext>
+            </a:extLst>
+          </p:cNvPr>
+          <p:cNvPicPr>
+            <a:picLocks noChangeAspect="1"/>
+          </p:cNvPicPr>
+          <p:nvPr/>
+        </p:nvPicPr>
+        <p:blipFill rotWithShape="1">
+          <a:blip r:embed="rId5"/>
+          <a:srcRect t="12598" r="6" b="6"/>
+          <a:stretch/>
+        </p:blipFill>
+        <p:spPr>
+          <a:xfrm>
+            <a:off x="9117281" y="634690"/>
+            <a:ext cx="2434638" cy="2693535"/>
+          </a:xfrm>
+          <a:prstGeom prst="rect">
+            <a:avLst/>
+          </a:prstGeom>
+        </p:spPr>
+      </p:pic>
+      <p:pic>
+        <p:nvPicPr>
+          <p:cNvPr id="7" name="Picture 6" descr="A person posing for the camera&#10;&#10;Description generated with very high confidence">
+            <a:extLst>
+              <a:ext uri="{FF2B5EF4-FFF2-40B4-BE49-F238E27FC236}">
+                <a16:creationId xmlns:a16="http://schemas.microsoft.com/office/drawing/2014/main" id="{3B0C19DB-F1CE-4C96-9448-DE97648FD898}"/>
+              </a:ext>
+            </a:extLst>
+          </p:cNvPr>
+          <p:cNvPicPr>
+            <a:picLocks noChangeAspect="1"/>
+          </p:cNvPicPr>
+          <p:nvPr/>
+        </p:nvPicPr>
+        <p:blipFill rotWithShape="1">
+          <a:blip r:embed="rId6"/>
+          <a:srcRect r="36936" b="2"/>
+          <a:stretch/>
+        </p:blipFill>
+        <p:spPr>
+          <a:xfrm>
+            <a:off x="6555442" y="634690"/>
+            <a:ext cx="2400970" cy="2693535"/>
+          </a:xfrm>
+          <a:prstGeom prst="rect">
+            <a:avLst/>
+          </a:prstGeom>
+        </p:spPr>
+      </p:pic>
+      <p:sp>
+        <p:nvSpPr>
+          <p:cNvPr id="12" name="Rectangle 11"/>
+          <p:cNvSpPr>
+            <a:spLocks noGrp="1" noRot="1" noChangeAspect="1" noMove="1" noResize="1" noEditPoints="1" noAdjustHandles="1" noChangeArrowheads="1" noChangeShapeType="1" noTextEdit="1"/>
+          </p:cNvSpPr>
+          <p:nvPr>
+            <p:extLst>
+              <p:ext uri="{386F3935-93C4-4BCD-93E2-E3B085C9AB24}">
+                <p16:designElem xmlns:p16="http://schemas.microsoft.com/office/powerpoint/2015/main" val="1"/>
+              </p:ext>
+            </p:extLst>
+          </p:nvPr>
+        </p:nvSpPr>
+        <p:spPr bwMode="ltGray">
+          <a:xfrm>
+            <a:off x="638174" y="639401"/>
+            <a:ext cx="5374005" cy="5577162"/>
+          </a:xfrm>
+          <a:prstGeom prst="rect">
+            <a:avLst/>
+          </a:prstGeom>
+          <a:solidFill>
+            <a:schemeClr val="tx1">
+              <a:lumMod val="75000"/>
+              <a:lumOff val="25000"/>
+              <a:alpha val="93000"/>
+            </a:schemeClr>
+          </a:solidFill>
+          <a:ln w="127000" cap="sq" cmpd="thinThick">
+            <a:solidFill>
+              <a:schemeClr val="tx1">
+                <a:lumMod val="75000"/>
+                <a:lumOff val="25000"/>
+              </a:schemeClr>
+            </a:solidFill>
+          </a:ln>
+        </p:spPr>
+        <p:style>
+          <a:lnRef idx="2">
+            <a:schemeClr val="accent1">
+              <a:shade val="50000"/>
+            </a:schemeClr>
+          </a:lnRef>
+          <a:fillRef idx="1">
+            <a:schemeClr val="accent1"/>
+          </a:fillRef>
+          <a:effectRef idx="0">
+            <a:schemeClr val="accent1"/>
+          </a:effectRef>
+          <a:fontRef idx="minor">
+            <a:schemeClr val="lt1"/>
+          </a:fontRef>
+        </p:style>
+        <p:txBody>
+          <a:bodyPr rtlCol="0" anchor="ctr"/>
+          <a:lstStyle/>
+          <a:p>
+            <a:pPr marL="0" marR="0" lvl="0" indent="0" algn="ctr" defTabSz="914400" rtl="0" eaLnBrk="1" fontAlgn="auto" latinLnBrk="0" hangingPunct="1">
+              <a:lnSpc>
+                <a:spcPct val="100000"/>
+              </a:lnSpc>
+              <a:spcBef>
+                <a:spcPts val="0"/>
+              </a:spcBef>
+              <a:spcAft>
+                <a:spcPts val="0"/>
+              </a:spcAft>
+              <a:buClrTx/>
+              <a:buSzTx/>
+              <a:buFontTx/>
+              <a:buNone/>
+              <a:tabLst/>
+              <a:defRPr/>
+            </a:pPr>
+            <a:endParaRPr kumimoji="0" lang="en-US" sz="1800" b="0" i="0" u="none" strike="noStrike" kern="1200" cap="none" spc="0" normalizeH="0" baseline="0" noProof="0">
+              <a:ln>
+                <a:noFill/>
+              </a:ln>
+              <a:solidFill>
+                <a:prstClr val="white"/>
+              </a:solidFill>
+              <a:effectLst/>
+              <a:uLnTx/>
+              <a:uFillTx/>
+              <a:latin typeface="Calibri" panose="020F0502020204030204"/>
+              <a:ea typeface="+mn-ea"/>
+              <a:cs typeface="+mn-cs"/>
+            </a:endParaRPr>
+          </a:p>
+        </p:txBody>
+      </p:sp>
+      <p:sp>
+        <p:nvSpPr>
+          <p:cNvPr id="2" name="Title 1">
+            <a:extLst>
+              <a:ext uri="{FF2B5EF4-FFF2-40B4-BE49-F238E27FC236}">
+                <a16:creationId xmlns:a16="http://schemas.microsoft.com/office/drawing/2014/main" id="{98134A6D-16D9-4996-8B48-DC628743306E}"/>
+              </a:ext>
+            </a:extLst>
+          </p:cNvPr>
+          <p:cNvSpPr>
+            <a:spLocks noGrp="1"/>
+          </p:cNvSpPr>
+          <p:nvPr>
+            <p:ph type="title"/>
+          </p:nvPr>
+        </p:nvSpPr>
+        <p:spPr>
+          <a:xfrm>
+            <a:off x="1038225" y="890907"/>
+            <a:ext cx="4600575" cy="1156563"/>
+          </a:xfrm>
+        </p:spPr>
+        <p:txBody>
+          <a:bodyPr>
+            <a:normAutofit/>
+          </a:bodyPr>
+          <a:lstStyle/>
+          <a:p>
+            <a:r>
+              <a:rPr lang="en-US" sz="3700">
+                <a:solidFill>
+                  <a:schemeClr val="bg1"/>
+                </a:solidFill>
+              </a:rPr>
+              <a:t>Nathan Swift</a:t>
+            </a:r>
+            <a:br>
+              <a:rPr lang="en-US" sz="3700">
+                <a:solidFill>
+                  <a:schemeClr val="bg1"/>
+                </a:solidFill>
+              </a:rPr>
+            </a:br>
+            <a:r>
+              <a:rPr lang="en-US" sz="3700" i="1">
+                <a:solidFill>
+                  <a:schemeClr val="bg1"/>
+                </a:solidFill>
+              </a:rPr>
+              <a:t>Azure Infrastructure</a:t>
+            </a:r>
+          </a:p>
+        </p:txBody>
+      </p:sp>
+      <p:sp>
+        <p:nvSpPr>
+          <p:cNvPr id="3" name="Content Placeholder 2">
+            <a:extLst>
+              <a:ext uri="{FF2B5EF4-FFF2-40B4-BE49-F238E27FC236}">
+                <a16:creationId xmlns:a16="http://schemas.microsoft.com/office/drawing/2014/main" id="{09B1219F-21F1-4AEE-A190-824C66961B4C}"/>
+              </a:ext>
+            </a:extLst>
+          </p:cNvPr>
+          <p:cNvSpPr>
+            <a:spLocks noGrp="1"/>
+          </p:cNvSpPr>
+          <p:nvPr>
+            <p:ph idx="1"/>
+          </p:nvPr>
+        </p:nvSpPr>
+        <p:spPr>
+          <a:xfrm>
+            <a:off x="1038225" y="2187256"/>
+            <a:ext cx="4600575" cy="3651569"/>
+          </a:xfrm>
+        </p:spPr>
+        <p:txBody>
+          <a:bodyPr vert="horz" lIns="91440" tIns="45720" rIns="91440" bIns="45720" rtlCol="0">
+            <a:normAutofit/>
+          </a:bodyPr>
+          <a:lstStyle/>
+          <a:p>
+            <a:r>
+              <a:rPr lang="en-US" sz="1800">
+                <a:solidFill>
+                  <a:schemeClr val="bg1"/>
+                </a:solidFill>
+                <a:highlight>
+                  <a:srgbClr val="C0C0C0"/>
+                </a:highlight>
+                <a:hlinkClick r:id="rId7"/>
+              </a:rPr>
+              <a:t>https://www.linkedin.com/in/swiftsolves/</a:t>
+            </a:r>
+            <a:r>
+              <a:rPr lang="en-US" sz="1800">
+                <a:solidFill>
+                  <a:schemeClr val="bg1"/>
+                </a:solidFill>
+                <a:highlight>
+                  <a:srgbClr val="C0C0C0"/>
+                </a:highlight>
+              </a:rPr>
+              <a:t> </a:t>
+            </a:r>
+          </a:p>
+          <a:p>
+            <a:r>
+              <a:rPr lang="en-US" sz="1800">
+                <a:solidFill>
+                  <a:schemeClr val="bg1"/>
+                </a:solidFill>
+                <a:highlight>
+                  <a:srgbClr val="C0C0C0"/>
+                </a:highlight>
+                <a:hlinkClick r:id="rId8"/>
+              </a:rPr>
+              <a:t>@</a:t>
+            </a:r>
+            <a:r>
+              <a:rPr lang="en-US" sz="1800" err="1">
+                <a:solidFill>
+                  <a:schemeClr val="bg1"/>
+                </a:solidFill>
+                <a:highlight>
+                  <a:srgbClr val="C0C0C0"/>
+                </a:highlight>
+                <a:hlinkClick r:id="rId8"/>
+              </a:rPr>
+              <a:t>SwiftSolves</a:t>
+            </a:r>
+            <a:endParaRPr lang="en-US" sz="1800">
+              <a:solidFill>
+                <a:schemeClr val="bg1"/>
+              </a:solidFill>
+              <a:highlight>
+                <a:srgbClr val="C0C0C0"/>
+              </a:highlight>
+            </a:endParaRPr>
+          </a:p>
+          <a:p>
+            <a:r>
+              <a:rPr lang="en-US" sz="1800">
+                <a:solidFill>
+                  <a:schemeClr val="bg1"/>
+                </a:solidFill>
+                <a:highlight>
+                  <a:srgbClr val="C0C0C0"/>
+                </a:highlight>
+                <a:hlinkClick r:id="rId9"/>
+              </a:rPr>
+              <a:t>https://github.com/swiftsolves-msft</a:t>
+            </a:r>
+            <a:r>
+              <a:rPr lang="en-US" sz="1800">
+                <a:solidFill>
+                  <a:schemeClr val="bg1"/>
+                </a:solidFill>
+                <a:highlight>
+                  <a:srgbClr val="C0C0C0"/>
+                </a:highlight>
+              </a:rPr>
+              <a:t> </a:t>
+            </a:r>
+          </a:p>
+        </p:txBody>
+      </p:sp>
+    </p:spTree>
+    <p:extLst>
+      <p:ext uri="{BB962C8B-B14F-4D97-AF65-F5344CB8AC3E}">
+        <p14:creationId xmlns:p14="http://schemas.microsoft.com/office/powerpoint/2010/main" val="2486135108"/>
+      </p:ext>
+    </p:extLst>
+  </p:cSld>
+  <p:clrMapOvr>
+    <a:masterClrMapping/>
+  </p:clrMapOvr>
+</p:sld>
+</file>
+
+<file path=ppt/slides/slide20.xml><?xml version="1.0" encoding="utf-8"?>
+<p:sld xmlns:a="http://schemas.openxmlformats.org/drawingml/2006/main" xmlns:r="http://schemas.openxmlformats.org/officeDocument/2006/relationships" xmlns:p="http://schemas.openxmlformats.org/presentationml/2006/main">
+  <p:cSld>
+    <p:bg>
+      <p:bgPr>
+        <a:solidFill>
+          <a:schemeClr val="bg1"/>
+        </a:solidFill>
+        <a:effectLst/>
+      </p:bgPr>
+    </p:bg>
+    <p:spTree>
+      <p:nvGrpSpPr>
+        <p:cNvPr id="1" name=""/>
+        <p:cNvGrpSpPr/>
+        <p:nvPr/>
+      </p:nvGrpSpPr>
+      <p:grpSpPr>
+        <a:xfrm>
+          <a:off x="0" y="0"/>
+          <a:ext cx="0" cy="0"/>
+          <a:chOff x="0" y="0"/>
+          <a:chExt cx="0" cy="0"/>
+        </a:xfrm>
+      </p:grpSpPr>
+      <p:sp>
+        <p:nvSpPr>
+          <p:cNvPr id="19" name="Rectangle 9"/>
+          <p:cNvSpPr>
+            <a:spLocks noGrp="1" noRot="1" noChangeAspect="1" noMove="1" noResize="1" noEditPoints="1" noAdjustHandles="1" noChangeArrowheads="1" noChangeShapeType="1" noTextEdit="1"/>
+          </p:cNvSpPr>
+          <p:nvPr>
+            <p:extLst>
+              <p:ext uri="{386F3935-93C4-4BCD-93E2-E3B085C9AB24}">
+                <p16:designElem xmlns:p16="http://schemas.microsoft.com/office/powerpoint/2015/main" val="1"/>
+              </p:ext>
+            </p:extLst>
+          </p:nvPr>
+        </p:nvSpPr>
+        <p:spPr>
+          <a:xfrm>
+            <a:off x="7555992" y="0"/>
+            <a:ext cx="4636008" cy="6858000"/>
+          </a:xfrm>
+          <a:prstGeom prst="rect">
+            <a:avLst/>
+          </a:prstGeom>
+          <a:solidFill>
+            <a:schemeClr val="bg2">
+              <a:lumMod val="50000"/>
+            </a:schemeClr>
+          </a:solidFill>
+          <a:ln>
+            <a:noFill/>
+          </a:ln>
+        </p:spPr>
+        <p:style>
+          <a:lnRef idx="2">
+            <a:schemeClr val="accent1">
+              <a:shade val="50000"/>
+            </a:schemeClr>
+          </a:lnRef>
+          <a:fillRef idx="1">
+            <a:schemeClr val="accent1"/>
+          </a:fillRef>
+          <a:effectRef idx="0">
+            <a:schemeClr val="accent1"/>
+          </a:effectRef>
+          <a:fontRef idx="minor">
+            <a:schemeClr val="lt1"/>
+          </a:fontRef>
+        </p:style>
+        <p:txBody>
+          <a:bodyPr rtlCol="0" anchor="ctr"/>
+          <a:lstStyle/>
+          <a:p>
+            <a:pPr marL="0" marR="0" lvl="0" indent="0" algn="ctr" defTabSz="914400" rtl="0" eaLnBrk="1" fontAlgn="auto" latinLnBrk="0" hangingPunct="1">
+              <a:lnSpc>
+                <a:spcPct val="100000"/>
+              </a:lnSpc>
+              <a:spcBef>
+                <a:spcPts val="0"/>
+              </a:spcBef>
+              <a:spcAft>
+                <a:spcPts val="0"/>
+              </a:spcAft>
+              <a:buClrTx/>
+              <a:buSzTx/>
+              <a:buFontTx/>
+              <a:buNone/>
+              <a:tabLst/>
+              <a:defRPr/>
+            </a:pPr>
+            <a:endParaRPr kumimoji="0" lang="en-US" sz="1800" b="0" i="0" u="none" strike="noStrike" kern="1200" cap="none" spc="0" normalizeH="0" baseline="0" noProof="0">
+              <a:ln>
+                <a:noFill/>
+              </a:ln>
+              <a:solidFill>
+                <a:prstClr val="white"/>
+              </a:solidFill>
+              <a:effectLst/>
+              <a:uLnTx/>
+              <a:uFillTx/>
+              <a:latin typeface="Calibri" panose="020F0502020204030204"/>
+              <a:ea typeface="+mn-ea"/>
+              <a:cs typeface="+mn-cs"/>
+            </a:endParaRPr>
+          </a:p>
+        </p:txBody>
+      </p:sp>
+      <p:sp>
+        <p:nvSpPr>
+          <p:cNvPr id="2" name="Title 1">
+            <a:extLst>
+              <a:ext uri="{FF2B5EF4-FFF2-40B4-BE49-F238E27FC236}">
+                <a16:creationId xmlns:a16="http://schemas.microsoft.com/office/drawing/2014/main" id="{02D1C1D2-8851-479C-A560-9554FB10A6D4}"/>
+              </a:ext>
+            </a:extLst>
+          </p:cNvPr>
+          <p:cNvSpPr>
+            <a:spLocks noGrp="1"/>
+          </p:cNvSpPr>
+          <p:nvPr>
+            <p:ph type="title"/>
+          </p:nvPr>
+        </p:nvSpPr>
+        <p:spPr>
+          <a:xfrm>
+            <a:off x="8199459" y="642938"/>
+            <a:ext cx="3670808" cy="5502264"/>
+          </a:xfrm>
+        </p:spPr>
+        <p:txBody>
+          <a:bodyPr>
+            <a:normAutofit/>
+          </a:bodyPr>
+          <a:lstStyle/>
+          <a:p>
+            <a:r>
+              <a:rPr lang="en-US" dirty="0">
+                <a:solidFill>
+                  <a:srgbClr val="FFFFFF"/>
+                </a:solidFill>
+              </a:rPr>
               <a:t>Sandbox</a:t>
             </a:r>
           </a:p>
@@ -36023,7 +37211,229 @@
 </p:sld>
 </file>
 
-<file path=ppt/slides/slide19.xml><?xml version="1.0" encoding="utf-8"?>
+<file path=ppt/slides/slide21.xml><?xml version="1.0" encoding="utf-8"?>
+<p:sld xmlns:a="http://schemas.openxmlformats.org/drawingml/2006/main" xmlns:r="http://schemas.openxmlformats.org/officeDocument/2006/relationships" xmlns:p="http://schemas.openxmlformats.org/presentationml/2006/main">
+  <p:cSld>
+    <p:bg>
+      <p:bgPr>
+        <a:solidFill>
+          <a:schemeClr val="bg1"/>
+        </a:solidFill>
+        <a:effectLst/>
+      </p:bgPr>
+    </p:bg>
+    <p:spTree>
+      <p:nvGrpSpPr>
+        <p:cNvPr id="1" name=""/>
+        <p:cNvGrpSpPr/>
+        <p:nvPr/>
+      </p:nvGrpSpPr>
+      <p:grpSpPr>
+        <a:xfrm>
+          <a:off x="0" y="0"/>
+          <a:ext cx="0" cy="0"/>
+          <a:chOff x="0" y="0"/>
+          <a:chExt cx="0" cy="0"/>
+        </a:xfrm>
+      </p:grpSpPr>
+      <p:sp>
+        <p:nvSpPr>
+          <p:cNvPr id="10" name="Rectangle 9"/>
+          <p:cNvSpPr>
+            <a:spLocks noGrp="1" noRot="1" noChangeAspect="1" noMove="1" noResize="1" noEditPoints="1" noAdjustHandles="1" noChangeArrowheads="1" noChangeShapeType="1" noTextEdit="1"/>
+          </p:cNvSpPr>
+          <p:nvPr>
+            <p:extLst>
+              <p:ext uri="{386F3935-93C4-4BCD-93E2-E3B085C9AB24}">
+                <p16:designElem xmlns:p16="http://schemas.microsoft.com/office/powerpoint/2015/main" val="1"/>
+              </p:ext>
+            </p:extLst>
+          </p:nvPr>
+        </p:nvSpPr>
+        <p:spPr>
+          <a:xfrm>
+            <a:off x="7555992" y="0"/>
+            <a:ext cx="4636008" cy="6858000"/>
+          </a:xfrm>
+          <a:prstGeom prst="rect">
+            <a:avLst/>
+          </a:prstGeom>
+          <a:solidFill>
+            <a:schemeClr val="bg2">
+              <a:lumMod val="50000"/>
+            </a:schemeClr>
+          </a:solidFill>
+          <a:ln>
+            <a:noFill/>
+          </a:ln>
+        </p:spPr>
+        <p:style>
+          <a:lnRef idx="2">
+            <a:schemeClr val="accent1">
+              <a:shade val="50000"/>
+            </a:schemeClr>
+          </a:lnRef>
+          <a:fillRef idx="1">
+            <a:schemeClr val="accent1"/>
+          </a:fillRef>
+          <a:effectRef idx="0">
+            <a:schemeClr val="accent1"/>
+          </a:effectRef>
+          <a:fontRef idx="minor">
+            <a:schemeClr val="lt1"/>
+          </a:fontRef>
+        </p:style>
+        <p:txBody>
+          <a:bodyPr rtlCol="0" anchor="ctr"/>
+          <a:lstStyle/>
+          <a:p>
+            <a:pPr marL="0" marR="0" lvl="0" indent="0" algn="ctr" defTabSz="914400" rtl="0" eaLnBrk="1" fontAlgn="auto" latinLnBrk="0" hangingPunct="1">
+              <a:lnSpc>
+                <a:spcPct val="100000"/>
+              </a:lnSpc>
+              <a:spcBef>
+                <a:spcPts val="0"/>
+              </a:spcBef>
+              <a:spcAft>
+                <a:spcPts val="0"/>
+              </a:spcAft>
+              <a:buClrTx/>
+              <a:buSzTx/>
+              <a:buFontTx/>
+              <a:buNone/>
+              <a:tabLst/>
+              <a:defRPr/>
+            </a:pPr>
+            <a:endParaRPr kumimoji="0" lang="en-US" sz="1800" b="0" i="0" u="none" strike="noStrike" kern="1200" cap="none" spc="0" normalizeH="0" baseline="0" noProof="0">
+              <a:ln>
+                <a:noFill/>
+              </a:ln>
+              <a:solidFill>
+                <a:prstClr val="white"/>
+              </a:solidFill>
+              <a:effectLst/>
+              <a:uLnTx/>
+              <a:uFillTx/>
+              <a:latin typeface="Calibri" panose="020F0502020204030204"/>
+              <a:ea typeface="+mn-ea"/>
+              <a:cs typeface="+mn-cs"/>
+            </a:endParaRPr>
+          </a:p>
+        </p:txBody>
+      </p:sp>
+      <p:sp>
+        <p:nvSpPr>
+          <p:cNvPr id="2" name="Title 1">
+            <a:extLst>
+              <a:ext uri="{FF2B5EF4-FFF2-40B4-BE49-F238E27FC236}">
+                <a16:creationId xmlns:a16="http://schemas.microsoft.com/office/drawing/2014/main" id="{FFAE2C32-0ADC-4359-A209-4464BD272937}"/>
+              </a:ext>
+            </a:extLst>
+          </p:cNvPr>
+          <p:cNvSpPr>
+            <a:spLocks noGrp="1"/>
+          </p:cNvSpPr>
+          <p:nvPr>
+            <p:ph type="title"/>
+          </p:nvPr>
+        </p:nvSpPr>
+        <p:spPr>
+          <a:xfrm>
+            <a:off x="8199459" y="642938"/>
+            <a:ext cx="3670808" cy="5502264"/>
+          </a:xfrm>
+        </p:spPr>
+        <p:txBody>
+          <a:bodyPr>
+            <a:normAutofit/>
+          </a:bodyPr>
+          <a:lstStyle/>
+          <a:p>
+            <a:r>
+              <a:rPr lang="en-US" dirty="0" err="1">
+                <a:solidFill>
+                  <a:srgbClr val="FFFFFF"/>
+                </a:solidFill>
+              </a:rPr>
+              <a:t>SandBox</a:t>
+            </a:r>
+            <a:br>
+              <a:rPr lang="en-US" dirty="0">
+                <a:solidFill>
+                  <a:srgbClr val="FFFFFF"/>
+                </a:solidFill>
+              </a:rPr>
+            </a:br>
+            <a:br>
+              <a:rPr lang="en-US" dirty="0">
+                <a:solidFill>
+                  <a:srgbClr val="FFFFFF"/>
+                </a:solidFill>
+              </a:rPr>
+            </a:br>
+            <a:r>
+              <a:rPr lang="en-US" dirty="0">
+                <a:solidFill>
+                  <a:srgbClr val="FFFFFF"/>
+                </a:solidFill>
+              </a:rPr>
+              <a:t>Secure Secrets with </a:t>
+            </a:r>
+            <a:r>
+              <a:rPr lang="en-US" dirty="0" err="1">
+                <a:solidFill>
+                  <a:srgbClr val="FFFFFF"/>
+                </a:solidFill>
+              </a:rPr>
+              <a:t>KeyVault</a:t>
+            </a:r>
+            <a:endParaRPr lang="en-US" dirty="0">
+              <a:solidFill>
+                <a:srgbClr val="FFFFFF"/>
+              </a:solidFill>
+            </a:endParaRPr>
+          </a:p>
+        </p:txBody>
+      </p:sp>
+      <p:graphicFrame>
+        <p:nvGraphicFramePr>
+          <p:cNvPr id="5" name="Content Placeholder 2"/>
+          <p:cNvGraphicFramePr>
+            <a:graphicFrameLocks noGrp="1"/>
+          </p:cNvGraphicFramePr>
+          <p:nvPr>
+            <p:ph idx="1"/>
+            <p:extLst>
+              <p:ext uri="{D42A27DB-BD31-4B8C-83A1-F6EECF244321}">
+                <p14:modId xmlns:p14="http://schemas.microsoft.com/office/powerpoint/2010/main" val="1430833727"/>
+              </p:ext>
+            </p:extLst>
+          </p:nvPr>
+        </p:nvGraphicFramePr>
+        <p:xfrm>
+          <a:off x="642938" y="642938"/>
+          <a:ext cx="6269037" cy="5572125"/>
+        </p:xfrm>
+        <a:graphic>
+          <a:graphicData uri="http://schemas.openxmlformats.org/drawingml/2006/diagram">
+            <dgm:relIds xmlns:dgm="http://schemas.openxmlformats.org/drawingml/2006/diagram" xmlns:r="http://schemas.openxmlformats.org/officeDocument/2006/relationships" r:dm="rId3" r:lo="rId4" r:qs="rId5" r:cs="rId6"/>
+          </a:graphicData>
+        </a:graphic>
+      </p:graphicFrame>
+    </p:spTree>
+    <p:extLst>
+      <p:ext uri="{BB962C8B-B14F-4D97-AF65-F5344CB8AC3E}">
+        <p14:creationId xmlns:p14="http://schemas.microsoft.com/office/powerpoint/2010/main" val="3089616497"/>
+      </p:ext>
+    </p:extLst>
+  </p:cSld>
+  <p:clrMapOvr>
+    <a:masterClrMapping/>
+  </p:clrMapOvr>
+</p:sld>
+</file>
+
+<file path=ppt/slides/slide22.xml><?xml version="1.0" encoding="utf-8"?>
 <p:sld xmlns:a="http://schemas.openxmlformats.org/drawingml/2006/main" xmlns:r="http://schemas.openxmlformats.org/officeDocument/2006/relationships" xmlns:p="http://schemas.openxmlformats.org/presentationml/2006/main" show="0">
   <p:cSld>
     <p:spTree>
@@ -36142,7 +37552,1155 @@
 </p:sld>
 </file>
 
-<file path=ppt/slides/slide2.xml><?xml version="1.0" encoding="utf-8"?>
+<file path=ppt/slides/slide23.xml><?xml version="1.0" encoding="utf-8"?>
+<p:sld xmlns:a="http://schemas.openxmlformats.org/drawingml/2006/main" xmlns:r="http://schemas.openxmlformats.org/officeDocument/2006/relationships" xmlns:p="http://schemas.openxmlformats.org/presentationml/2006/main">
+  <p:cSld>
+    <p:spTree>
+      <p:nvGrpSpPr>
+        <p:cNvPr id="1" name=""/>
+        <p:cNvGrpSpPr/>
+        <p:nvPr/>
+      </p:nvGrpSpPr>
+      <p:grpSpPr>
+        <a:xfrm>
+          <a:off x="0" y="0"/>
+          <a:ext cx="0" cy="0"/>
+          <a:chOff x="0" y="0"/>
+          <a:chExt cx="0" cy="0"/>
+        </a:xfrm>
+      </p:grpSpPr>
+      <p:sp>
+        <p:nvSpPr>
+          <p:cNvPr id="2" name="Title 1">
+            <a:extLst>
+              <a:ext uri="{FF2B5EF4-FFF2-40B4-BE49-F238E27FC236}">
+                <a16:creationId xmlns:a16="http://schemas.microsoft.com/office/drawing/2014/main" id="{0933727F-A7FD-4F26-9E91-7740D49790C4}"/>
+              </a:ext>
+            </a:extLst>
+          </p:cNvPr>
+          <p:cNvSpPr>
+            <a:spLocks noGrp="1"/>
+          </p:cNvSpPr>
+          <p:nvPr>
+            <p:ph type="title"/>
+          </p:nvPr>
+        </p:nvSpPr>
+        <p:spPr/>
+        <p:txBody>
+          <a:bodyPr/>
+          <a:lstStyle/>
+          <a:p>
+            <a:r>
+              <a:rPr lang="en-US" dirty="0"/>
+              <a:t>Anonymous Feedback</a:t>
+            </a:r>
+          </a:p>
+        </p:txBody>
+      </p:sp>
+      <p:sp>
+        <p:nvSpPr>
+          <p:cNvPr id="3" name="Content Placeholder 2">
+            <a:extLst>
+              <a:ext uri="{FF2B5EF4-FFF2-40B4-BE49-F238E27FC236}">
+                <a16:creationId xmlns:a16="http://schemas.microsoft.com/office/drawing/2014/main" id="{87297AEA-EFC7-4D9E-8F5E-2DC8091B070B}"/>
+              </a:ext>
+            </a:extLst>
+          </p:cNvPr>
+          <p:cNvSpPr>
+            <a:spLocks noGrp="1"/>
+          </p:cNvSpPr>
+          <p:nvPr>
+            <p:ph idx="1"/>
+          </p:nvPr>
+        </p:nvSpPr>
+        <p:spPr/>
+        <p:txBody>
+          <a:bodyPr/>
+          <a:lstStyle/>
+          <a:p>
+            <a:r>
+              <a:rPr lang="en-US" sz="4400" dirty="0"/>
+              <a:t>Please send me feedback</a:t>
+            </a:r>
+          </a:p>
+          <a:p>
+            <a:pPr marL="0" indent="0">
+              <a:buNone/>
+            </a:pPr>
+            <a:endParaRPr lang="en-US" sz="4400" dirty="0"/>
+          </a:p>
+          <a:p>
+            <a:r>
+              <a:rPr lang="en-US" sz="4400" dirty="0">
+                <a:hlinkClick r:id="rId3"/>
+              </a:rPr>
+              <a:t>https://swiftsolves.sarahah.com/</a:t>
+            </a:r>
+            <a:r>
+              <a:rPr lang="en-US" sz="4400" dirty="0"/>
+              <a:t> </a:t>
+            </a:r>
+          </a:p>
+        </p:txBody>
+      </p:sp>
+    </p:spTree>
+    <p:extLst>
+      <p:ext uri="{BB962C8B-B14F-4D97-AF65-F5344CB8AC3E}">
+        <p14:creationId xmlns:p14="http://schemas.microsoft.com/office/powerpoint/2010/main" val="1267344926"/>
+      </p:ext>
+    </p:extLst>
+  </p:cSld>
+  <p:clrMapOvr>
+    <a:masterClrMapping/>
+  </p:clrMapOvr>
+</p:sld>
+</file>
+
+<file path=ppt/slides/slide3.xml><?xml version="1.0" encoding="utf-8"?>
+<p:sld xmlns:a="http://schemas.openxmlformats.org/drawingml/2006/main" xmlns:r="http://schemas.openxmlformats.org/officeDocument/2006/relationships" xmlns:p="http://schemas.openxmlformats.org/presentationml/2006/main">
+  <p:cSld>
+    <p:bg>
+      <p:bgPr>
+        <a:solidFill>
+          <a:schemeClr val="bg1"/>
+        </a:solidFill>
+        <a:effectLst/>
+      </p:bgPr>
+    </p:bg>
+    <p:spTree>
+      <p:nvGrpSpPr>
+        <p:cNvPr id="1" name=""/>
+        <p:cNvGrpSpPr/>
+        <p:nvPr/>
+      </p:nvGrpSpPr>
+      <p:grpSpPr>
+        <a:xfrm>
+          <a:off x="0" y="0"/>
+          <a:ext cx="0" cy="0"/>
+          <a:chOff x="0" y="0"/>
+          <a:chExt cx="0" cy="0"/>
+        </a:xfrm>
+      </p:grpSpPr>
+      <p:sp>
+        <p:nvSpPr>
+          <p:cNvPr id="12" name="Rectangle 11">
+            <a:extLst>
+              <a:ext uri="{FF2B5EF4-FFF2-40B4-BE49-F238E27FC236}">
+                <a16:creationId xmlns:a16="http://schemas.microsoft.com/office/drawing/2014/main" id="{0E02442B-BFCE-4D94-A053-748333A3C5C8}"/>
+              </a:ext>
+            </a:extLst>
+          </p:cNvPr>
+          <p:cNvSpPr>
+            <a:spLocks noGrp="1" noRot="1" noChangeAspect="1" noMove="1" noResize="1" noEditPoints="1" noAdjustHandles="1" noChangeArrowheads="1" noChangeShapeType="1" noTextEdit="1"/>
+          </p:cNvSpPr>
+          <p:nvPr>
+            <p:extLst>
+              <p:ext uri="{386F3935-93C4-4BCD-93E2-E3B085C9AB24}">
+                <p16:designElem xmlns:p16="http://schemas.microsoft.com/office/powerpoint/2015/main" val="1"/>
+              </p:ext>
+            </p:extLst>
+          </p:nvPr>
+        </p:nvSpPr>
+        <p:spPr>
+          <a:xfrm>
+            <a:off x="0" y="2"/>
+            <a:ext cx="4636008" cy="6857998"/>
+          </a:xfrm>
+          <a:prstGeom prst="rect">
+            <a:avLst/>
+          </a:prstGeom>
+          <a:solidFill>
+            <a:schemeClr val="tx1">
+              <a:lumMod val="85000"/>
+              <a:lumOff val="15000"/>
+            </a:schemeClr>
+          </a:solidFill>
+          <a:ln>
+            <a:noFill/>
+          </a:ln>
+          <a:effectLst/>
+        </p:spPr>
+        <p:style>
+          <a:lnRef idx="1">
+            <a:schemeClr val="accent1"/>
+          </a:lnRef>
+          <a:fillRef idx="3">
+            <a:schemeClr val="accent1"/>
+          </a:fillRef>
+          <a:effectRef idx="2">
+            <a:schemeClr val="accent1"/>
+          </a:effectRef>
+          <a:fontRef idx="minor">
+            <a:schemeClr val="lt1"/>
+          </a:fontRef>
+        </p:style>
+        <p:txBody>
+          <a:bodyPr rtlCol="0" anchor="ctr"/>
+          <a:lstStyle/>
+          <a:p>
+            <a:pPr marL="0" marR="0" lvl="0" indent="0" algn="ctr" defTabSz="457200" rtl="0" eaLnBrk="1" fontAlgn="auto" latinLnBrk="0" hangingPunct="1">
+              <a:lnSpc>
+                <a:spcPct val="100000"/>
+              </a:lnSpc>
+              <a:spcBef>
+                <a:spcPts val="0"/>
+              </a:spcBef>
+              <a:spcAft>
+                <a:spcPts val="0"/>
+              </a:spcAft>
+              <a:buClrTx/>
+              <a:buSzTx/>
+              <a:buFontTx/>
+              <a:buNone/>
+              <a:tabLst/>
+              <a:defRPr/>
+            </a:pPr>
+            <a:endParaRPr kumimoji="0" lang="en-US" sz="1800" b="0" i="0" u="none" strike="noStrike" kern="1200" cap="none" spc="0" normalizeH="0" baseline="0" noProof="0">
+              <a:ln>
+                <a:noFill/>
+              </a:ln>
+              <a:solidFill>
+                <a:srgbClr val="FFFFFF"/>
+              </a:solidFill>
+              <a:effectLst/>
+              <a:uLnTx/>
+              <a:uFillTx/>
+              <a:latin typeface="Calibri" panose="020F0502020204030204"/>
+              <a:ea typeface="+mn-ea"/>
+              <a:cs typeface="+mn-cs"/>
+            </a:endParaRPr>
+          </a:p>
+        </p:txBody>
+      </p:sp>
+      <p:sp>
+        <p:nvSpPr>
+          <p:cNvPr id="2" name="Title 1">
+            <a:extLst>
+              <a:ext uri="{FF2B5EF4-FFF2-40B4-BE49-F238E27FC236}">
+                <a16:creationId xmlns:a16="http://schemas.microsoft.com/office/drawing/2014/main" id="{2639C35A-8E03-48CA-914E-0AAAE92FB30E}"/>
+              </a:ext>
+            </a:extLst>
+          </p:cNvPr>
+          <p:cNvSpPr>
+            <a:spLocks noGrp="1"/>
+          </p:cNvSpPr>
+          <p:nvPr>
+            <p:ph type="title"/>
+          </p:nvPr>
+        </p:nvSpPr>
+        <p:spPr>
+          <a:xfrm>
+            <a:off x="648929" y="629266"/>
+            <a:ext cx="3667039" cy="1676603"/>
+          </a:xfrm>
+        </p:spPr>
+        <p:txBody>
+          <a:bodyPr>
+            <a:normAutofit/>
+          </a:bodyPr>
+          <a:lstStyle/>
+          <a:p>
+            <a:r>
+              <a:rPr lang="en-US" sz="3600">
+                <a:solidFill>
+                  <a:schemeClr val="bg1"/>
+                </a:solidFill>
+              </a:rPr>
+              <a:t>Upcoming Workshops</a:t>
+            </a:r>
+          </a:p>
+        </p:txBody>
+      </p:sp>
+      <p:sp>
+        <p:nvSpPr>
+          <p:cNvPr id="5" name="Content Placeholder 4">
+            <a:extLst>
+              <a:ext uri="{FF2B5EF4-FFF2-40B4-BE49-F238E27FC236}">
+                <a16:creationId xmlns:a16="http://schemas.microsoft.com/office/drawing/2014/main" id="{374F3176-42D2-4C6B-9462-4ED4A7DAF798}"/>
+              </a:ext>
+            </a:extLst>
+          </p:cNvPr>
+          <p:cNvSpPr>
+            <a:spLocks noGrp="1"/>
+          </p:cNvSpPr>
+          <p:nvPr>
+            <p:ph idx="1"/>
+          </p:nvPr>
+        </p:nvSpPr>
+        <p:spPr>
+          <a:xfrm>
+            <a:off x="648931" y="2438401"/>
+            <a:ext cx="3667036" cy="3779520"/>
+          </a:xfrm>
+        </p:spPr>
+        <p:txBody>
+          <a:bodyPr>
+            <a:normAutofit/>
+          </a:bodyPr>
+          <a:lstStyle/>
+          <a:p>
+            <a:r>
+              <a:rPr lang="en-US" sz="4200" u="sng" dirty="0">
+                <a:solidFill>
+                  <a:schemeClr val="bg1"/>
+                </a:solidFill>
+                <a:hlinkClick r:id="rId3"/>
+              </a:rPr>
+              <a:t>http://aka.ms/</a:t>
+            </a:r>
+            <a:r>
+              <a:rPr lang="en-US" sz="3600" u="sng" dirty="0">
+                <a:solidFill>
+                  <a:schemeClr val="bg1"/>
+                </a:solidFill>
+                <a:hlinkClick r:id="rId3"/>
+              </a:rPr>
+              <a:t>azureworkshops</a:t>
+            </a:r>
+            <a:r>
+              <a:rPr lang="en-US" sz="3600" dirty="0">
+                <a:solidFill>
+                  <a:schemeClr val="bg1"/>
+                </a:solidFill>
+              </a:rPr>
+              <a:t> </a:t>
+            </a:r>
+          </a:p>
+          <a:p>
+            <a:endParaRPr lang="en-US" sz="1800" dirty="0">
+              <a:solidFill>
+                <a:schemeClr val="bg1"/>
+              </a:solidFill>
+            </a:endParaRPr>
+          </a:p>
+        </p:txBody>
+      </p:sp>
+      <p:pic>
+        <p:nvPicPr>
+          <p:cNvPr id="3" name="Picture 2">
+            <a:extLst>
+              <a:ext uri="{FF2B5EF4-FFF2-40B4-BE49-F238E27FC236}">
+                <a16:creationId xmlns:a16="http://schemas.microsoft.com/office/drawing/2014/main" id="{0318BF5F-9985-4BC0-A635-40D7C85E2F9C}"/>
+              </a:ext>
+            </a:extLst>
+          </p:cNvPr>
+          <p:cNvPicPr>
+            <a:picLocks noChangeAspect="1"/>
+          </p:cNvPicPr>
+          <p:nvPr/>
+        </p:nvPicPr>
+        <p:blipFill>
+          <a:blip r:embed="rId4"/>
+          <a:stretch>
+            <a:fillRect/>
+          </a:stretch>
+        </p:blipFill>
+        <p:spPr>
+          <a:xfrm>
+            <a:off x="6793697" y="0"/>
+            <a:ext cx="3597212" cy="6864300"/>
+          </a:xfrm>
+          <a:prstGeom prst="rect">
+            <a:avLst/>
+          </a:prstGeom>
+        </p:spPr>
+      </p:pic>
+    </p:spTree>
+    <p:extLst>
+      <p:ext uri="{BB962C8B-B14F-4D97-AF65-F5344CB8AC3E}">
+        <p14:creationId xmlns:p14="http://schemas.microsoft.com/office/powerpoint/2010/main" val="3223582618"/>
+      </p:ext>
+    </p:extLst>
+  </p:cSld>
+  <p:clrMapOvr>
+    <a:masterClrMapping/>
+  </p:clrMapOvr>
+</p:sld>
+</file>
+
+<file path=ppt/slides/slide4.xml><?xml version="1.0" encoding="utf-8"?>
+<p:sld xmlns:a="http://schemas.openxmlformats.org/drawingml/2006/main" xmlns:r="http://schemas.openxmlformats.org/officeDocument/2006/relationships" xmlns:p="http://schemas.openxmlformats.org/presentationml/2006/main">
+  <p:cSld>
+    <p:spTree>
+      <p:nvGrpSpPr>
+        <p:cNvPr id="1" name=""/>
+        <p:cNvGrpSpPr/>
+        <p:nvPr/>
+      </p:nvGrpSpPr>
+      <p:grpSpPr>
+        <a:xfrm>
+          <a:off x="0" y="0"/>
+          <a:ext cx="0" cy="0"/>
+          <a:chOff x="0" y="0"/>
+          <a:chExt cx="0" cy="0"/>
+        </a:xfrm>
+      </p:grpSpPr>
+      <p:sp>
+        <p:nvSpPr>
+          <p:cNvPr id="2" name="Title 1">
+            <a:extLst>
+              <a:ext uri="{FF2B5EF4-FFF2-40B4-BE49-F238E27FC236}">
+                <a16:creationId xmlns:a16="http://schemas.microsoft.com/office/drawing/2014/main" id="{1F137A35-2C0B-4392-B300-A5918282BF8F}"/>
+              </a:ext>
+            </a:extLst>
+          </p:cNvPr>
+          <p:cNvSpPr>
+            <a:spLocks noGrp="1"/>
+          </p:cNvSpPr>
+          <p:nvPr>
+            <p:ph type="title"/>
+          </p:nvPr>
+        </p:nvSpPr>
+        <p:spPr>
+          <a:xfrm>
+            <a:off x="0" y="0"/>
+            <a:ext cx="12192000" cy="1325563"/>
+          </a:xfrm>
+        </p:spPr>
+        <p:txBody>
+          <a:bodyPr/>
+          <a:lstStyle/>
+          <a:p>
+            <a:pPr algn="ctr"/>
+            <a:r>
+              <a:rPr lang="en-US" dirty="0"/>
+              <a:t>Objectives</a:t>
+            </a:r>
+          </a:p>
+        </p:txBody>
+      </p:sp>
+      <p:sp>
+        <p:nvSpPr>
+          <p:cNvPr id="3" name="Content Placeholder 2">
+            <a:extLst>
+              <a:ext uri="{FF2B5EF4-FFF2-40B4-BE49-F238E27FC236}">
+                <a16:creationId xmlns:a16="http://schemas.microsoft.com/office/drawing/2014/main" id="{9B78FC5D-EB6D-4AC8-9BAB-BB9A88041357}"/>
+              </a:ext>
+            </a:extLst>
+          </p:cNvPr>
+          <p:cNvSpPr>
+            <a:spLocks noGrp="1"/>
+          </p:cNvSpPr>
+          <p:nvPr>
+            <p:ph idx="1"/>
+          </p:nvPr>
+        </p:nvSpPr>
+        <p:spPr>
+          <a:xfrm>
+            <a:off x="0" y="1283516"/>
+            <a:ext cx="4944862" cy="5574484"/>
+          </a:xfrm>
+        </p:spPr>
+        <p:txBody>
+          <a:bodyPr>
+            <a:normAutofit lnSpcReduction="10000"/>
+          </a:bodyPr>
+          <a:lstStyle/>
+          <a:p>
+            <a:pPr lvl="0"/>
+            <a:r>
+              <a:rPr lang="en-US" sz="1200" b="1" i="1" u="sng" dirty="0"/>
+              <a:t>DAY 1</a:t>
+            </a:r>
+          </a:p>
+          <a:p>
+            <a:pPr lvl="0"/>
+            <a:r>
+              <a:rPr lang="en-US" sz="1200" b="1" dirty="0"/>
+              <a:t>(9:00 – 9:30) Introduction</a:t>
+            </a:r>
+            <a:endParaRPr lang="en-US" sz="1200" dirty="0"/>
+          </a:p>
+          <a:p>
+            <a:pPr lvl="1"/>
+            <a:r>
+              <a:rPr lang="en-US" sz="1200" dirty="0"/>
+              <a:t>Introductions</a:t>
+            </a:r>
+          </a:p>
+          <a:p>
+            <a:pPr lvl="1"/>
+            <a:r>
+              <a:rPr lang="en-US" sz="1200" dirty="0"/>
+              <a:t>Setup Environment</a:t>
+            </a:r>
+          </a:p>
+          <a:p>
+            <a:r>
+              <a:rPr lang="en-US" sz="1200" b="1" dirty="0"/>
+              <a:t>(9:30-9:45) Module 1: Overview</a:t>
+            </a:r>
+          </a:p>
+          <a:p>
+            <a:r>
+              <a:rPr lang="en-US" sz="1200" b="1" dirty="0"/>
+              <a:t>(9:45-10:00) Module 2: PowerShell</a:t>
+            </a:r>
+          </a:p>
+          <a:p>
+            <a:pPr lvl="1"/>
+            <a:r>
+              <a:rPr lang="en-US" sz="1200" b="1" dirty="0"/>
+              <a:t>PowerShell Deployment – </a:t>
+            </a:r>
+            <a:r>
+              <a:rPr lang="en-US" sz="1200" b="1" dirty="0" err="1"/>
+              <a:t>SimpleVM</a:t>
+            </a:r>
+            <a:r>
+              <a:rPr lang="en-US" sz="1200" b="1" dirty="0"/>
+              <a:t>, </a:t>
+            </a:r>
+            <a:r>
+              <a:rPr lang="en-US" sz="1200" b="1" dirty="0" err="1"/>
+              <a:t>SampleVM</a:t>
+            </a:r>
+            <a:endParaRPr lang="en-US" sz="1200" b="1" dirty="0"/>
+          </a:p>
+          <a:p>
+            <a:r>
+              <a:rPr lang="en-US" sz="1200" b="1" dirty="0"/>
+              <a:t>(10:00-12:00) Module 3: ARM Templates</a:t>
+            </a:r>
+          </a:p>
+          <a:p>
+            <a:pPr lvl="1"/>
+            <a:r>
+              <a:rPr lang="en-US" sz="1200" b="1" dirty="0"/>
+              <a:t>Module 3.1</a:t>
+            </a:r>
+          </a:p>
+          <a:p>
+            <a:pPr lvl="1"/>
+            <a:r>
+              <a:rPr lang="en-US" sz="1200" b="1" dirty="0"/>
+              <a:t>Break @ 10:30 – 15 Minutes</a:t>
+            </a:r>
+          </a:p>
+          <a:p>
+            <a:pPr lvl="1"/>
+            <a:r>
+              <a:rPr lang="en-US" sz="1200" b="1" dirty="0"/>
+              <a:t>Exercise Networking: ARM Template: 14</a:t>
+            </a:r>
+          </a:p>
+          <a:p>
+            <a:pPr lvl="1"/>
+            <a:r>
+              <a:rPr lang="en-US" sz="1200" b="1" dirty="0"/>
+              <a:t>Module 3.2 and 3.3</a:t>
+            </a:r>
+          </a:p>
+          <a:p>
+            <a:r>
+              <a:rPr lang="en-US" sz="1200" b="1" dirty="0"/>
+              <a:t>(12:00-12:30) Lunch Break 30 Minutes</a:t>
+            </a:r>
+          </a:p>
+          <a:p>
+            <a:r>
+              <a:rPr lang="en-US" sz="1200" b="1" dirty="0"/>
+              <a:t>(12:30-2:00) Module 3: ARM Templates </a:t>
+            </a:r>
+            <a:r>
+              <a:rPr lang="en-US" sz="1200" b="1" dirty="0" err="1"/>
+              <a:t>Cont</a:t>
+            </a:r>
+            <a:endParaRPr lang="en-US" sz="1200" b="1" dirty="0"/>
+          </a:p>
+          <a:p>
+            <a:pPr lvl="1"/>
+            <a:r>
+              <a:rPr lang="en-US" sz="1200" b="1" dirty="0"/>
+              <a:t>Module 3.4 and 3.5</a:t>
+            </a:r>
+          </a:p>
+          <a:p>
+            <a:pPr lvl="1"/>
+            <a:r>
+              <a:rPr lang="en-US" sz="1200" b="1" dirty="0"/>
+              <a:t>Exercise VM: ARM Template: 16</a:t>
+            </a:r>
+          </a:p>
+          <a:p>
+            <a:r>
+              <a:rPr lang="en-US" sz="1200" b="1" dirty="0"/>
+              <a:t>(2:00-2:15) 15 Minute Break</a:t>
+            </a:r>
+          </a:p>
+          <a:p>
+            <a:r>
+              <a:rPr lang="en-US" sz="1200" b="1" dirty="0"/>
+              <a:t>(2:15-3:45) Module 4: ARM Functions</a:t>
+            </a:r>
+          </a:p>
+          <a:p>
+            <a:pPr lvl="1"/>
+            <a:r>
+              <a:rPr lang="en-US" sz="1200" b="1" dirty="0"/>
+              <a:t>Module 4.1,4.2,4.3,4.4</a:t>
+            </a:r>
+          </a:p>
+          <a:p>
+            <a:pPr lvl="1"/>
+            <a:r>
+              <a:rPr lang="en-US" sz="1200" b="1" dirty="0"/>
+              <a:t>Exercise VM: ARM Template Function: 17</a:t>
+            </a:r>
+          </a:p>
+          <a:p>
+            <a:r>
+              <a:rPr lang="en-US" sz="1200" b="1" dirty="0"/>
+              <a:t>(3:45-4:00) 15 Minute Break</a:t>
+            </a:r>
+          </a:p>
+          <a:p>
+            <a:r>
+              <a:rPr lang="en-US" sz="1200" b="1" dirty="0"/>
+              <a:t>(4:00-4:30) Module 5: Nesting Templates</a:t>
+            </a:r>
+          </a:p>
+          <a:p>
+            <a:endParaRPr lang="en-US" sz="1400" b="1" dirty="0"/>
+          </a:p>
+          <a:p>
+            <a:endParaRPr lang="en-US" sz="1400" b="1" dirty="0"/>
+          </a:p>
+          <a:p>
+            <a:pPr lvl="1"/>
+            <a:endParaRPr lang="en-US" sz="1000" b="1" dirty="0"/>
+          </a:p>
+          <a:p>
+            <a:endParaRPr lang="en-US" sz="1400" b="1" dirty="0"/>
+          </a:p>
+          <a:p>
+            <a:endParaRPr lang="en-US" sz="1400" b="1" dirty="0"/>
+          </a:p>
+          <a:p>
+            <a:endParaRPr lang="en-US" sz="1400" b="1" dirty="0"/>
+          </a:p>
+          <a:p>
+            <a:pPr lvl="1"/>
+            <a:endParaRPr lang="en-US" sz="1000" b="1" dirty="0"/>
+          </a:p>
+          <a:p>
+            <a:endParaRPr lang="en-US" sz="1400" b="1" dirty="0"/>
+          </a:p>
+          <a:p>
+            <a:endParaRPr lang="en-US" sz="1400" b="1" dirty="0"/>
+          </a:p>
+          <a:p>
+            <a:endParaRPr lang="en-US" sz="5200" b="1" dirty="0"/>
+          </a:p>
+          <a:p>
+            <a:endParaRPr lang="en-US" sz="5200" dirty="0"/>
+          </a:p>
+          <a:p>
+            <a:endParaRPr lang="en-US" sz="4800" dirty="0"/>
+          </a:p>
+          <a:p>
+            <a:endParaRPr lang="en-US" sz="4800" dirty="0"/>
+          </a:p>
+          <a:p>
+            <a:endParaRPr lang="en-US" sz="4800" dirty="0"/>
+          </a:p>
+          <a:p>
+            <a:pPr lvl="1"/>
+            <a:endParaRPr lang="en-US" dirty="0"/>
+          </a:p>
+        </p:txBody>
+      </p:sp>
+      <p:sp>
+        <p:nvSpPr>
+          <p:cNvPr id="4" name="Content Placeholder 2">
+            <a:extLst>
+              <a:ext uri="{FF2B5EF4-FFF2-40B4-BE49-F238E27FC236}">
+                <a16:creationId xmlns:a16="http://schemas.microsoft.com/office/drawing/2014/main" id="{715704E2-36A0-4586-806F-06044A70AB44}"/>
+              </a:ext>
+            </a:extLst>
+          </p:cNvPr>
+          <p:cNvSpPr txBox="1">
+            <a:spLocks/>
+          </p:cNvSpPr>
+          <p:nvPr/>
+        </p:nvSpPr>
+        <p:spPr>
+          <a:xfrm>
+            <a:off x="6096000" y="1283516"/>
+            <a:ext cx="4944862" cy="5574484"/>
+          </a:xfrm>
+          <a:prstGeom prst="rect">
+            <a:avLst/>
+          </a:prstGeom>
+        </p:spPr>
+        <p:txBody>
+          <a:bodyPr vert="horz" lIns="91440" tIns="45720" rIns="91440" bIns="45720" rtlCol="0">
+            <a:normAutofit/>
+          </a:bodyPr>
+          <a:lstStyle>
+            <a:lvl1pPr marL="228600" indent="-228600" algn="l" defTabSz="914400" rtl="0" eaLnBrk="1" latinLnBrk="0" hangingPunct="1">
+              <a:lnSpc>
+                <a:spcPct val="90000"/>
+              </a:lnSpc>
+              <a:spcBef>
+                <a:spcPts val="1000"/>
+              </a:spcBef>
+              <a:buFont typeface="Arial" panose="020B0604020202020204" pitchFamily="34" charset="0"/>
+              <a:buChar char="•"/>
+              <a:defRPr sz="2800" kern="1200">
+                <a:solidFill>
+                  <a:schemeClr val="tx1"/>
+                </a:solidFill>
+                <a:latin typeface="+mn-lt"/>
+                <a:ea typeface="+mn-ea"/>
+                <a:cs typeface="+mn-cs"/>
+              </a:defRPr>
+            </a:lvl1pPr>
+            <a:lvl2pPr marL="685800" indent="-228600" algn="l" defTabSz="914400" rtl="0" eaLnBrk="1" latinLnBrk="0" hangingPunct="1">
+              <a:lnSpc>
+                <a:spcPct val="90000"/>
+              </a:lnSpc>
+              <a:spcBef>
+                <a:spcPts val="500"/>
+              </a:spcBef>
+              <a:buFont typeface="Arial" panose="020B0604020202020204" pitchFamily="34" charset="0"/>
+              <a:buChar char="•"/>
+              <a:defRPr sz="2400" kern="1200">
+                <a:solidFill>
+                  <a:schemeClr val="tx1"/>
+                </a:solidFill>
+                <a:latin typeface="+mn-lt"/>
+                <a:ea typeface="+mn-ea"/>
+                <a:cs typeface="+mn-cs"/>
+              </a:defRPr>
+            </a:lvl2pPr>
+            <a:lvl3pPr marL="1143000" indent="-228600" algn="l" defTabSz="914400" rtl="0" eaLnBrk="1" latinLnBrk="0" hangingPunct="1">
+              <a:lnSpc>
+                <a:spcPct val="90000"/>
+              </a:lnSpc>
+              <a:spcBef>
+                <a:spcPts val="500"/>
+              </a:spcBef>
+              <a:buFont typeface="Arial" panose="020B0604020202020204" pitchFamily="34" charset="0"/>
+              <a:buChar char="•"/>
+              <a:defRPr sz="2000" kern="1200">
+                <a:solidFill>
+                  <a:schemeClr val="tx1"/>
+                </a:solidFill>
+                <a:latin typeface="+mn-lt"/>
+                <a:ea typeface="+mn-ea"/>
+                <a:cs typeface="+mn-cs"/>
+              </a:defRPr>
+            </a:lvl3pPr>
+            <a:lvl4pPr marL="1600200" indent="-228600" algn="l" defTabSz="914400" rtl="0" eaLnBrk="1" latinLnBrk="0" hangingPunct="1">
+              <a:lnSpc>
+                <a:spcPct val="90000"/>
+              </a:lnSpc>
+              <a:spcBef>
+                <a:spcPts val="500"/>
+              </a:spcBef>
+              <a:buFont typeface="Arial" panose="020B0604020202020204" pitchFamily="34" charset="0"/>
+              <a:buChar char="•"/>
+              <a:defRPr sz="1800" kern="1200">
+                <a:solidFill>
+                  <a:schemeClr val="tx1"/>
+                </a:solidFill>
+                <a:latin typeface="+mn-lt"/>
+                <a:ea typeface="+mn-ea"/>
+                <a:cs typeface="+mn-cs"/>
+              </a:defRPr>
+            </a:lvl4pPr>
+            <a:lvl5pPr marL="2057400" indent="-228600" algn="l" defTabSz="914400" rtl="0" eaLnBrk="1" latinLnBrk="0" hangingPunct="1">
+              <a:lnSpc>
+                <a:spcPct val="90000"/>
+              </a:lnSpc>
+              <a:spcBef>
+                <a:spcPts val="500"/>
+              </a:spcBef>
+              <a:buFont typeface="Arial" panose="020B0604020202020204" pitchFamily="34" charset="0"/>
+              <a:buChar char="•"/>
+              <a:defRPr sz="1800" kern="1200">
+                <a:solidFill>
+                  <a:schemeClr val="tx1"/>
+                </a:solidFill>
+                <a:latin typeface="+mn-lt"/>
+                <a:ea typeface="+mn-ea"/>
+                <a:cs typeface="+mn-cs"/>
+              </a:defRPr>
+            </a:lvl5pPr>
+            <a:lvl6pPr marL="2514600" indent="-228600" algn="l" defTabSz="914400" rtl="0" eaLnBrk="1" latinLnBrk="0" hangingPunct="1">
+              <a:lnSpc>
+                <a:spcPct val="90000"/>
+              </a:lnSpc>
+              <a:spcBef>
+                <a:spcPts val="500"/>
+              </a:spcBef>
+              <a:buFont typeface="Arial" panose="020B0604020202020204" pitchFamily="34" charset="0"/>
+              <a:buChar char="•"/>
+              <a:defRPr sz="1800" kern="1200">
+                <a:solidFill>
+                  <a:schemeClr val="tx1"/>
+                </a:solidFill>
+                <a:latin typeface="+mn-lt"/>
+                <a:ea typeface="+mn-ea"/>
+                <a:cs typeface="+mn-cs"/>
+              </a:defRPr>
+            </a:lvl6pPr>
+            <a:lvl7pPr marL="2971800" indent="-228600" algn="l" defTabSz="914400" rtl="0" eaLnBrk="1" latinLnBrk="0" hangingPunct="1">
+              <a:lnSpc>
+                <a:spcPct val="90000"/>
+              </a:lnSpc>
+              <a:spcBef>
+                <a:spcPts val="500"/>
+              </a:spcBef>
+              <a:buFont typeface="Arial" panose="020B0604020202020204" pitchFamily="34" charset="0"/>
+              <a:buChar char="•"/>
+              <a:defRPr sz="1800" kern="1200">
+                <a:solidFill>
+                  <a:schemeClr val="tx1"/>
+                </a:solidFill>
+                <a:latin typeface="+mn-lt"/>
+                <a:ea typeface="+mn-ea"/>
+                <a:cs typeface="+mn-cs"/>
+              </a:defRPr>
+            </a:lvl7pPr>
+            <a:lvl8pPr marL="3429000" indent="-228600" algn="l" defTabSz="914400" rtl="0" eaLnBrk="1" latinLnBrk="0" hangingPunct="1">
+              <a:lnSpc>
+                <a:spcPct val="90000"/>
+              </a:lnSpc>
+              <a:spcBef>
+                <a:spcPts val="500"/>
+              </a:spcBef>
+              <a:buFont typeface="Arial" panose="020B0604020202020204" pitchFamily="34" charset="0"/>
+              <a:buChar char="•"/>
+              <a:defRPr sz="1800" kern="1200">
+                <a:solidFill>
+                  <a:schemeClr val="tx1"/>
+                </a:solidFill>
+                <a:latin typeface="+mn-lt"/>
+                <a:ea typeface="+mn-ea"/>
+                <a:cs typeface="+mn-cs"/>
+              </a:defRPr>
+            </a:lvl8pPr>
+            <a:lvl9pPr marL="3886200" indent="-228600" algn="l" defTabSz="914400" rtl="0" eaLnBrk="1" latinLnBrk="0" hangingPunct="1">
+              <a:lnSpc>
+                <a:spcPct val="90000"/>
+              </a:lnSpc>
+              <a:spcBef>
+                <a:spcPts val="500"/>
+              </a:spcBef>
+              <a:buFont typeface="Arial" panose="020B0604020202020204" pitchFamily="34" charset="0"/>
+              <a:buChar char="•"/>
+              <a:defRPr sz="1800" kern="1200">
+                <a:solidFill>
+                  <a:schemeClr val="tx1"/>
+                </a:solidFill>
+                <a:latin typeface="+mn-lt"/>
+                <a:ea typeface="+mn-ea"/>
+                <a:cs typeface="+mn-cs"/>
+              </a:defRPr>
+            </a:lvl9pPr>
+          </a:lstStyle>
+          <a:p>
+            <a:pPr marL="228600" marR="0" lvl="0" indent="-228600" algn="l" defTabSz="914400" rtl="0" eaLnBrk="1" fontAlgn="auto" latinLnBrk="0" hangingPunct="1">
+              <a:lnSpc>
+                <a:spcPct val="90000"/>
+              </a:lnSpc>
+              <a:spcBef>
+                <a:spcPts val="1000"/>
+              </a:spcBef>
+              <a:spcAft>
+                <a:spcPts val="0"/>
+              </a:spcAft>
+              <a:buClrTx/>
+              <a:buSzTx/>
+              <a:buFont typeface="Arial" panose="020B0604020202020204" pitchFamily="34" charset="0"/>
+              <a:buChar char="•"/>
+              <a:tabLst/>
+              <a:defRPr/>
+            </a:pPr>
+            <a:r>
+              <a:rPr kumimoji="0" lang="en-US" sz="1200" b="1" i="1" u="sng" strike="noStrike" kern="1200" cap="none" spc="0" normalizeH="0" baseline="0" noProof="0" dirty="0">
+                <a:ln>
+                  <a:noFill/>
+                </a:ln>
+                <a:solidFill>
+                  <a:prstClr val="black"/>
+                </a:solidFill>
+                <a:effectLst/>
+                <a:uLnTx/>
+                <a:uFillTx/>
+                <a:ea typeface="+mn-ea"/>
+                <a:cs typeface="+mn-cs"/>
+              </a:rPr>
+              <a:t>DAY 2</a:t>
+            </a:r>
+          </a:p>
+          <a:p>
+            <a:pPr marL="228600" marR="0" lvl="0" indent="-228600" algn="l" defTabSz="914400" rtl="0" eaLnBrk="1" fontAlgn="auto" latinLnBrk="0" hangingPunct="1">
+              <a:lnSpc>
+                <a:spcPct val="90000"/>
+              </a:lnSpc>
+              <a:spcBef>
+                <a:spcPts val="1000"/>
+              </a:spcBef>
+              <a:spcAft>
+                <a:spcPts val="0"/>
+              </a:spcAft>
+              <a:buClrTx/>
+              <a:buSzTx/>
+              <a:buFont typeface="Arial" panose="020B0604020202020204" pitchFamily="34" charset="0"/>
+              <a:buChar char="•"/>
+              <a:tabLst/>
+              <a:defRPr/>
+            </a:pPr>
+            <a:r>
+              <a:rPr kumimoji="0" lang="en-US" sz="1200" b="1" i="0" u="none" strike="noStrike" kern="1200" cap="none" spc="0" normalizeH="0" baseline="0" noProof="0" dirty="0">
+                <a:ln>
+                  <a:noFill/>
+                </a:ln>
+                <a:solidFill>
+                  <a:prstClr val="black"/>
+                </a:solidFill>
+                <a:effectLst/>
+                <a:uLnTx/>
+                <a:uFillTx/>
+                <a:ea typeface="+mn-ea"/>
+                <a:cs typeface="+mn-cs"/>
+              </a:rPr>
+              <a:t>(9:00 – 9:15) Recap</a:t>
+            </a:r>
+            <a:endParaRPr kumimoji="0" lang="en-US" sz="1200" b="0" i="0" u="none" strike="noStrike" kern="1200" cap="none" spc="0" normalizeH="0" baseline="0" noProof="0" dirty="0">
+              <a:ln>
+                <a:noFill/>
+              </a:ln>
+              <a:solidFill>
+                <a:prstClr val="black"/>
+              </a:solidFill>
+              <a:effectLst/>
+              <a:uLnTx/>
+              <a:uFillTx/>
+              <a:ea typeface="+mn-ea"/>
+              <a:cs typeface="+mn-cs"/>
+            </a:endParaRPr>
+          </a:p>
+          <a:p>
+            <a:r>
+              <a:rPr kumimoji="0" lang="en-US" sz="1200" b="1" i="0" u="none" strike="noStrike" kern="1200" cap="none" spc="0" normalizeH="0" baseline="0" noProof="0" dirty="0">
+                <a:ln>
+                  <a:noFill/>
+                </a:ln>
+                <a:solidFill>
+                  <a:prstClr val="black"/>
+                </a:solidFill>
+                <a:effectLst/>
+                <a:uLnTx/>
+                <a:uFillTx/>
+                <a:ea typeface="+mn-ea"/>
+                <a:cs typeface="+mn-cs"/>
+              </a:rPr>
+              <a:t>(9:15-10:15</a:t>
+            </a:r>
+            <a:r>
+              <a:rPr lang="en-US" sz="1200" b="1" dirty="0">
+                <a:solidFill>
+                  <a:prstClr val="black"/>
+                </a:solidFill>
+              </a:rPr>
+              <a:t>) Module 6: Terraform</a:t>
+            </a:r>
+          </a:p>
+          <a:p>
+            <a:pPr lvl="1"/>
+            <a:r>
+              <a:rPr lang="en-US" sz="1200" b="1" dirty="0"/>
+              <a:t>Module 6.1,6.2,6.3</a:t>
+            </a:r>
+          </a:p>
+          <a:p>
+            <a:pPr lvl="1"/>
+            <a:r>
+              <a:rPr lang="en-US" sz="1200" b="1" dirty="0"/>
+              <a:t>Exercise VM: Terraform: 19</a:t>
+            </a:r>
+          </a:p>
+          <a:p>
+            <a:r>
+              <a:rPr lang="en-US" sz="1200" b="1" dirty="0"/>
+              <a:t>(10:15-10:30) 15 Minute Break</a:t>
+            </a:r>
+          </a:p>
+          <a:p>
+            <a:r>
+              <a:rPr lang="en-US" sz="1200" b="1" dirty="0"/>
+              <a:t>(10:30-12:00) Module 7: AZBB</a:t>
+            </a:r>
+          </a:p>
+          <a:p>
+            <a:r>
+              <a:rPr lang="en-US" sz="1200" b="1" dirty="0"/>
+              <a:t>(12:00-12:30) Lunch Break 30 Minutes</a:t>
+            </a:r>
+          </a:p>
+          <a:p>
+            <a:r>
+              <a:rPr lang="en-US" sz="1200" b="1" dirty="0"/>
+              <a:t>(12:30-3:30) Module 8: Build Something, AMA</a:t>
+            </a:r>
+          </a:p>
+          <a:p>
+            <a:r>
+              <a:rPr lang="en-US" sz="1200" b="1" dirty="0"/>
+              <a:t>(3:30-4:15) Module 8: Show and Tell</a:t>
+            </a:r>
+          </a:p>
+          <a:p>
+            <a:endParaRPr lang="en-US" sz="1600" b="1" dirty="0"/>
+          </a:p>
+          <a:p>
+            <a:endParaRPr lang="en-US" sz="1600" b="1" dirty="0"/>
+          </a:p>
+          <a:p>
+            <a:endParaRPr lang="en-US" sz="1600" b="1" dirty="0"/>
+          </a:p>
+          <a:p>
+            <a:endParaRPr lang="en-US" sz="1600" b="1" dirty="0"/>
+          </a:p>
+          <a:p>
+            <a:endParaRPr lang="en-US" sz="1600" b="1" dirty="0"/>
+          </a:p>
+          <a:p>
+            <a:pPr lvl="1"/>
+            <a:endParaRPr kumimoji="0" lang="en-US" sz="4000" b="0" i="0" u="none" strike="noStrike" kern="1200" cap="none" spc="0" normalizeH="0" baseline="0" noProof="0" dirty="0">
+              <a:ln>
+                <a:noFill/>
+              </a:ln>
+              <a:solidFill>
+                <a:prstClr val="black"/>
+              </a:solidFill>
+              <a:effectLst/>
+              <a:uLnTx/>
+              <a:uFillTx/>
+              <a:latin typeface="Calibri" panose="020F0502020204030204"/>
+              <a:ea typeface="+mn-ea"/>
+              <a:cs typeface="+mn-cs"/>
+            </a:endParaRPr>
+          </a:p>
+          <a:p>
+            <a:pPr marL="228600" marR="0" lvl="0" indent="-228600" algn="l" defTabSz="914400" rtl="0" eaLnBrk="1" fontAlgn="auto" latinLnBrk="0" hangingPunct="1">
+              <a:lnSpc>
+                <a:spcPct val="90000"/>
+              </a:lnSpc>
+              <a:spcBef>
+                <a:spcPts val="1000"/>
+              </a:spcBef>
+              <a:spcAft>
+                <a:spcPts val="0"/>
+              </a:spcAft>
+              <a:buClrTx/>
+              <a:buSzTx/>
+              <a:buFont typeface="Arial" panose="020B0604020202020204" pitchFamily="34" charset="0"/>
+              <a:buChar char="•"/>
+              <a:tabLst/>
+              <a:defRPr/>
+            </a:pPr>
+            <a:endParaRPr kumimoji="0" lang="en-US" sz="4800" b="0" i="0" u="none" strike="noStrike" kern="1200" cap="none" spc="0" normalizeH="0" baseline="0" noProof="0" dirty="0">
+              <a:ln>
+                <a:noFill/>
+              </a:ln>
+              <a:solidFill>
+                <a:prstClr val="black"/>
+              </a:solidFill>
+              <a:effectLst/>
+              <a:uLnTx/>
+              <a:uFillTx/>
+              <a:latin typeface="Calibri" panose="020F0502020204030204"/>
+              <a:ea typeface="+mn-ea"/>
+              <a:cs typeface="+mn-cs"/>
+            </a:endParaRPr>
+          </a:p>
+          <a:p>
+            <a:pPr marL="228600" marR="0" lvl="0" indent="-228600" algn="l" defTabSz="914400" rtl="0" eaLnBrk="1" fontAlgn="auto" latinLnBrk="0" hangingPunct="1">
+              <a:lnSpc>
+                <a:spcPct val="90000"/>
+              </a:lnSpc>
+              <a:spcBef>
+                <a:spcPts val="1000"/>
+              </a:spcBef>
+              <a:spcAft>
+                <a:spcPts val="0"/>
+              </a:spcAft>
+              <a:buClrTx/>
+              <a:buSzTx/>
+              <a:buFont typeface="Arial" panose="020B0604020202020204" pitchFamily="34" charset="0"/>
+              <a:buChar char="•"/>
+              <a:tabLst/>
+              <a:defRPr/>
+            </a:pPr>
+            <a:endParaRPr kumimoji="0" lang="en-US" sz="4800" b="0" i="0" u="none" strike="noStrike" kern="1200" cap="none" spc="0" normalizeH="0" baseline="0" noProof="0" dirty="0">
+              <a:ln>
+                <a:noFill/>
+              </a:ln>
+              <a:solidFill>
+                <a:prstClr val="black"/>
+              </a:solidFill>
+              <a:effectLst/>
+              <a:uLnTx/>
+              <a:uFillTx/>
+              <a:latin typeface="Calibri" panose="020F0502020204030204"/>
+              <a:ea typeface="+mn-ea"/>
+              <a:cs typeface="+mn-cs"/>
+            </a:endParaRPr>
+          </a:p>
+          <a:p>
+            <a:pPr marL="685800" marR="0" lvl="1" indent="-228600" algn="l" defTabSz="914400" rtl="0" eaLnBrk="1" fontAlgn="auto" latinLnBrk="0" hangingPunct="1">
+              <a:lnSpc>
+                <a:spcPct val="90000"/>
+              </a:lnSpc>
+              <a:spcBef>
+                <a:spcPts val="500"/>
+              </a:spcBef>
+              <a:spcAft>
+                <a:spcPts val="0"/>
+              </a:spcAft>
+              <a:buClrTx/>
+              <a:buSzTx/>
+              <a:buFont typeface="Arial" panose="020B0604020202020204" pitchFamily="34" charset="0"/>
+              <a:buChar char="•"/>
+              <a:tabLst/>
+              <a:defRPr/>
+            </a:pPr>
+            <a:endParaRPr kumimoji="0" lang="en-US" sz="2400" b="0" i="0" u="none" strike="noStrike" kern="1200" cap="none" spc="0" normalizeH="0" baseline="0" noProof="0" dirty="0">
+              <a:ln>
+                <a:noFill/>
+              </a:ln>
+              <a:solidFill>
+                <a:prstClr val="black"/>
+              </a:solidFill>
+              <a:effectLst/>
+              <a:uLnTx/>
+              <a:uFillTx/>
+              <a:latin typeface="Calibri" panose="020F0502020204030204"/>
+              <a:ea typeface="+mn-ea"/>
+              <a:cs typeface="+mn-cs"/>
+            </a:endParaRPr>
+          </a:p>
+        </p:txBody>
+      </p:sp>
+    </p:spTree>
+    <p:extLst>
+      <p:ext uri="{BB962C8B-B14F-4D97-AF65-F5344CB8AC3E}">
+        <p14:creationId xmlns:p14="http://schemas.microsoft.com/office/powerpoint/2010/main" val="4239214747"/>
+      </p:ext>
+    </p:extLst>
+  </p:cSld>
+  <p:clrMapOvr>
+    <a:masterClrMapping/>
+  </p:clrMapOvr>
+</p:sld>
+</file>
+
+<file path=ppt/slides/slide5.xml><?xml version="1.0" encoding="utf-8"?>
 <p:sld xmlns:a="http://schemas.openxmlformats.org/drawingml/2006/main" xmlns:r="http://schemas.openxmlformats.org/officeDocument/2006/relationships" xmlns:p="http://schemas.openxmlformats.org/presentationml/2006/main">
   <p:cSld>
     <p:spTree>
@@ -36344,111 +38902,7 @@
 </p:sld>
 </file>
 
-<file path=ppt/slides/slide20.xml><?xml version="1.0" encoding="utf-8"?>
-<p:sld xmlns:a="http://schemas.openxmlformats.org/drawingml/2006/main" xmlns:r="http://schemas.openxmlformats.org/officeDocument/2006/relationships" xmlns:p="http://schemas.openxmlformats.org/presentationml/2006/main" show="0">
-  <p:cSld>
-    <p:spTree>
-      <p:nvGrpSpPr>
-        <p:cNvPr id="1" name=""/>
-        <p:cNvGrpSpPr/>
-        <p:nvPr/>
-      </p:nvGrpSpPr>
-      <p:grpSpPr>
-        <a:xfrm>
-          <a:off x="0" y="0"/>
-          <a:ext cx="0" cy="0"/>
-          <a:chOff x="0" y="0"/>
-          <a:chExt cx="0" cy="0"/>
-        </a:xfrm>
-      </p:grpSpPr>
-      <p:sp>
-        <p:nvSpPr>
-          <p:cNvPr id="2" name="Title 1">
-            <a:extLst>
-              <a:ext uri="{FF2B5EF4-FFF2-40B4-BE49-F238E27FC236}">
-                <a16:creationId xmlns:a16="http://schemas.microsoft.com/office/drawing/2014/main" id="{0933727F-A7FD-4F26-9E91-7740D49790C4}"/>
-              </a:ext>
-            </a:extLst>
-          </p:cNvPr>
-          <p:cNvSpPr>
-            <a:spLocks noGrp="1"/>
-          </p:cNvSpPr>
-          <p:nvPr>
-            <p:ph type="title"/>
-          </p:nvPr>
-        </p:nvSpPr>
-        <p:spPr/>
-        <p:txBody>
-          <a:bodyPr/>
-          <a:lstStyle/>
-          <a:p>
-            <a:r>
-              <a:rPr lang="en-US" dirty="0"/>
-              <a:t>Anonymous Feedback</a:t>
-            </a:r>
-          </a:p>
-        </p:txBody>
-      </p:sp>
-      <p:sp>
-        <p:nvSpPr>
-          <p:cNvPr id="3" name="Content Placeholder 2">
-            <a:extLst>
-              <a:ext uri="{FF2B5EF4-FFF2-40B4-BE49-F238E27FC236}">
-                <a16:creationId xmlns:a16="http://schemas.microsoft.com/office/drawing/2014/main" id="{87297AEA-EFC7-4D9E-8F5E-2DC8091B070B}"/>
-              </a:ext>
-            </a:extLst>
-          </p:cNvPr>
-          <p:cNvSpPr>
-            <a:spLocks noGrp="1"/>
-          </p:cNvSpPr>
-          <p:nvPr>
-            <p:ph idx="1"/>
-          </p:nvPr>
-        </p:nvSpPr>
-        <p:spPr/>
-        <p:txBody>
-          <a:bodyPr/>
-          <a:lstStyle/>
-          <a:p>
-            <a:r>
-              <a:rPr lang="en-US" sz="4400" dirty="0"/>
-              <a:t>Please send me feedback</a:t>
-            </a:r>
-          </a:p>
-          <a:p>
-            <a:pPr marL="0" indent="0">
-              <a:buNone/>
-            </a:pPr>
-            <a:endParaRPr lang="en-US" sz="4400" dirty="0"/>
-          </a:p>
-          <a:p>
-            <a:r>
-              <a:rPr lang="en-US" sz="4400" dirty="0">
-                <a:hlinkClick r:id="rId3"/>
-              </a:rPr>
-              <a:t>https://swiftsolves.sarahah.com/</a:t>
-            </a:r>
-            <a:r>
-              <a:rPr lang="en-US" sz="4400" dirty="0"/>
-              <a:t> </a:t>
-            </a:r>
-          </a:p>
-        </p:txBody>
-      </p:sp>
-    </p:spTree>
-    <p:extLst>
-      <p:ext uri="{BB962C8B-B14F-4D97-AF65-F5344CB8AC3E}">
-        <p14:creationId xmlns:p14="http://schemas.microsoft.com/office/powerpoint/2010/main" val="1267344926"/>
-      </p:ext>
-    </p:extLst>
-  </p:cSld>
-  <p:clrMapOvr>
-    <a:masterClrMapping/>
-  </p:clrMapOvr>
-</p:sld>
-</file>
-
-<file path=ppt/slides/slide3.xml><?xml version="1.0" encoding="utf-8"?>
+<file path=ppt/slides/slide6.xml><?xml version="1.0" encoding="utf-8"?>
 <p:sld xmlns:a="http://schemas.openxmlformats.org/drawingml/2006/main" xmlns:r="http://schemas.openxmlformats.org/officeDocument/2006/relationships" xmlns:p="http://schemas.openxmlformats.org/presentationml/2006/main">
   <p:cSld>
     <p:spTree>
@@ -36562,7 +39016,7 @@
 </p:sld>
 </file>
 
-<file path=ppt/slides/slide4.xml><?xml version="1.0" encoding="utf-8"?>
+<file path=ppt/slides/slide7.xml><?xml version="1.0" encoding="utf-8"?>
 <p:sld xmlns:a="http://schemas.openxmlformats.org/drawingml/2006/main" xmlns:r="http://schemas.openxmlformats.org/officeDocument/2006/relationships" xmlns:p="http://schemas.openxmlformats.org/presentationml/2006/main">
   <p:cSld>
     <p:spTree>
@@ -36660,7 +39114,7 @@
 </p:sld>
 </file>
 
-<file path=ppt/slides/slide5.xml><?xml version="1.0" encoding="utf-8"?>
+<file path=ppt/slides/slide8.xml><?xml version="1.0" encoding="utf-8"?>
 <p:sld xmlns:a="http://schemas.openxmlformats.org/drawingml/2006/main" xmlns:r="http://schemas.openxmlformats.org/officeDocument/2006/relationships" xmlns:p="http://schemas.openxmlformats.org/presentationml/2006/main">
   <p:cSld>
     <p:spTree>
@@ -36770,7 +39224,7 @@
 </p:sld>
 </file>
 
-<file path=ppt/slides/slide6.xml><?xml version="1.0" encoding="utf-8"?>
+<file path=ppt/slides/slide9.xml><?xml version="1.0" encoding="utf-8"?>
 <p:sld xmlns:a="http://schemas.openxmlformats.org/drawingml/2006/main" xmlns:r="http://schemas.openxmlformats.org/officeDocument/2006/relationships" xmlns:p="http://schemas.openxmlformats.org/presentationml/2006/main">
   <p:cSld>
     <p:spTree>
@@ -36880,544 +39334,6 @@
     <p:extLst>
       <p:ext uri="{BB962C8B-B14F-4D97-AF65-F5344CB8AC3E}">
         <p14:creationId xmlns:p14="http://schemas.microsoft.com/office/powerpoint/2010/main" val="4211072044"/>
-      </p:ext>
-    </p:extLst>
-  </p:cSld>
-  <p:clrMapOvr>
-    <a:masterClrMapping/>
-  </p:clrMapOvr>
-</p:sld>
-</file>
-
-<file path=ppt/slides/slide7.xml><?xml version="1.0" encoding="utf-8"?>
-<p:sld xmlns:a="http://schemas.openxmlformats.org/drawingml/2006/main" xmlns:r="http://schemas.openxmlformats.org/officeDocument/2006/relationships" xmlns:p="http://schemas.openxmlformats.org/presentationml/2006/main">
-  <p:cSld>
-    <p:spTree>
-      <p:nvGrpSpPr>
-        <p:cNvPr id="1" name=""/>
-        <p:cNvGrpSpPr/>
-        <p:nvPr/>
-      </p:nvGrpSpPr>
-      <p:grpSpPr>
-        <a:xfrm>
-          <a:off x="0" y="0"/>
-          <a:ext cx="0" cy="0"/>
-          <a:chOff x="0" y="0"/>
-          <a:chExt cx="0" cy="0"/>
-        </a:xfrm>
-      </p:grpSpPr>
-      <p:sp>
-        <p:nvSpPr>
-          <p:cNvPr id="2" name="Title 1">
-            <a:extLst>
-              <a:ext uri="{FF2B5EF4-FFF2-40B4-BE49-F238E27FC236}">
-                <a16:creationId xmlns:a16="http://schemas.microsoft.com/office/drawing/2014/main" id="{18AF46C7-7693-44E6-8F36-134D491A9273}"/>
-              </a:ext>
-            </a:extLst>
-          </p:cNvPr>
-          <p:cNvSpPr>
-            <a:spLocks noGrp="1"/>
-          </p:cNvSpPr>
-          <p:nvPr>
-            <p:ph type="title"/>
-          </p:nvPr>
-        </p:nvSpPr>
-        <p:spPr/>
-        <p:txBody>
-          <a:bodyPr/>
-          <a:lstStyle/>
-          <a:p>
-            <a:r>
-              <a:rPr lang="en-US" dirty="0"/>
-              <a:t>Azure Building Blocks</a:t>
-            </a:r>
-          </a:p>
-        </p:txBody>
-      </p:sp>
-      <p:sp>
-        <p:nvSpPr>
-          <p:cNvPr id="3" name="Content Placeholder 2">
-            <a:extLst>
-              <a:ext uri="{FF2B5EF4-FFF2-40B4-BE49-F238E27FC236}">
-                <a16:creationId xmlns:a16="http://schemas.microsoft.com/office/drawing/2014/main" id="{45D71D06-0F4C-4701-8E5B-F00575A0717C}"/>
-              </a:ext>
-            </a:extLst>
-          </p:cNvPr>
-          <p:cNvSpPr>
-            <a:spLocks noGrp="1"/>
-          </p:cNvSpPr>
-          <p:nvPr>
-            <p:ph idx="1"/>
-          </p:nvPr>
-        </p:nvSpPr>
-        <p:spPr/>
-        <p:txBody>
-          <a:bodyPr>
-            <a:normAutofit fontScale="92500" lnSpcReduction="10000"/>
-          </a:bodyPr>
-          <a:lstStyle/>
-          <a:p>
-            <a:r>
-              <a:rPr lang="en-US" dirty="0"/>
-              <a:t>Developed by MS Patterns and Practices team</a:t>
-            </a:r>
-          </a:p>
-          <a:p>
-            <a:r>
-              <a:rPr lang="en-US" dirty="0"/>
-              <a:t>Need Azure CLI, Node.JS and </a:t>
-            </a:r>
-            <a:r>
-              <a:rPr lang="en-US" dirty="0" err="1"/>
-              <a:t>azbb</a:t>
-            </a:r>
-            <a:r>
-              <a:rPr lang="en-US" dirty="0"/>
-              <a:t> package</a:t>
-            </a:r>
-          </a:p>
-          <a:p>
-            <a:r>
-              <a:rPr lang="en-US" dirty="0"/>
-              <a:t>Simplified JSON, treats as blocks similar to Terraform</a:t>
-            </a:r>
-          </a:p>
-          <a:p>
-            <a:endParaRPr lang="en-US" dirty="0"/>
-          </a:p>
-          <a:p>
-            <a:r>
-              <a:rPr lang="en-US" dirty="0"/>
-              <a:t>Flexibility \ customization is limited to blocks defined by </a:t>
-            </a:r>
-            <a:r>
-              <a:rPr lang="en-US" dirty="0" err="1"/>
-              <a:t>azbb</a:t>
-            </a:r>
-            <a:endParaRPr lang="en-US" dirty="0"/>
-          </a:p>
-          <a:p>
-            <a:endParaRPr lang="en-US" dirty="0"/>
-          </a:p>
-          <a:p>
-            <a:endParaRPr lang="en-US" dirty="0"/>
-          </a:p>
-          <a:p>
-            <a:r>
-              <a:rPr lang="en-US" dirty="0">
-                <a:hlinkClick r:id="rId3"/>
-              </a:rPr>
-              <a:t>https://github.com/mspnp/template-building-blocks/wiki</a:t>
-            </a:r>
-            <a:endParaRPr lang="en-US" dirty="0"/>
-          </a:p>
-          <a:p>
-            <a:r>
-              <a:rPr lang="en-US" dirty="0">
-                <a:hlinkClick r:id="rId4"/>
-              </a:rPr>
-              <a:t>https://github.com/mspnp/template-building-blocks/tree/master/scenarios</a:t>
-            </a:r>
-            <a:r>
-              <a:rPr lang="en-US" dirty="0"/>
-              <a:t> </a:t>
-            </a:r>
-          </a:p>
-        </p:txBody>
-      </p:sp>
-    </p:spTree>
-    <p:extLst>
-      <p:ext uri="{BB962C8B-B14F-4D97-AF65-F5344CB8AC3E}">
-        <p14:creationId xmlns:p14="http://schemas.microsoft.com/office/powerpoint/2010/main" val="1899649903"/>
-      </p:ext>
-    </p:extLst>
-  </p:cSld>
-  <p:clrMapOvr>
-    <a:masterClrMapping/>
-  </p:clrMapOvr>
-</p:sld>
-</file>
-
-<file path=ppt/slides/slide8.xml><?xml version="1.0" encoding="utf-8"?>
-<p:sld xmlns:a="http://schemas.openxmlformats.org/drawingml/2006/main" xmlns:r="http://schemas.openxmlformats.org/officeDocument/2006/relationships" xmlns:p="http://schemas.openxmlformats.org/presentationml/2006/main">
-  <p:cSld>
-    <p:spTree>
-      <p:nvGrpSpPr>
-        <p:cNvPr id="1" name=""/>
-        <p:cNvGrpSpPr/>
-        <p:nvPr/>
-      </p:nvGrpSpPr>
-      <p:grpSpPr>
-        <a:xfrm>
-          <a:off x="0" y="0"/>
-          <a:ext cx="0" cy="0"/>
-          <a:chOff x="0" y="0"/>
-          <a:chExt cx="0" cy="0"/>
-        </a:xfrm>
-      </p:grpSpPr>
-      <p:sp>
-        <p:nvSpPr>
-          <p:cNvPr id="2" name="Title 1">
-            <a:extLst>
-              <a:ext uri="{FF2B5EF4-FFF2-40B4-BE49-F238E27FC236}">
-                <a16:creationId xmlns:a16="http://schemas.microsoft.com/office/drawing/2014/main" id="{1F137A35-2C0B-4392-B300-A5918282BF8F}"/>
-              </a:ext>
-            </a:extLst>
-          </p:cNvPr>
-          <p:cNvSpPr>
-            <a:spLocks noGrp="1"/>
-          </p:cNvSpPr>
-          <p:nvPr>
-            <p:ph type="title"/>
-          </p:nvPr>
-        </p:nvSpPr>
-        <p:spPr>
-          <a:xfrm>
-            <a:off x="0" y="0"/>
-            <a:ext cx="12192000" cy="1325563"/>
-          </a:xfrm>
-        </p:spPr>
-        <p:txBody>
-          <a:bodyPr/>
-          <a:lstStyle/>
-          <a:p>
-            <a:pPr algn="ctr"/>
-            <a:r>
-              <a:rPr lang="en-US" dirty="0"/>
-              <a:t>Objectives</a:t>
-            </a:r>
-          </a:p>
-        </p:txBody>
-      </p:sp>
-      <p:sp>
-        <p:nvSpPr>
-          <p:cNvPr id="3" name="Content Placeholder 2">
-            <a:extLst>
-              <a:ext uri="{FF2B5EF4-FFF2-40B4-BE49-F238E27FC236}">
-                <a16:creationId xmlns:a16="http://schemas.microsoft.com/office/drawing/2014/main" id="{9B78FC5D-EB6D-4AC8-9BAB-BB9A88041357}"/>
-              </a:ext>
-            </a:extLst>
-          </p:cNvPr>
-          <p:cNvSpPr>
-            <a:spLocks noGrp="1"/>
-          </p:cNvSpPr>
-          <p:nvPr>
-            <p:ph idx="1"/>
-          </p:nvPr>
-        </p:nvSpPr>
-        <p:spPr>
-          <a:xfrm>
-            <a:off x="0" y="1283516"/>
-            <a:ext cx="11353800" cy="5574484"/>
-          </a:xfrm>
-        </p:spPr>
-        <p:txBody>
-          <a:bodyPr>
-            <a:normAutofit fontScale="25000" lnSpcReduction="20000"/>
-          </a:bodyPr>
-          <a:lstStyle/>
-          <a:p>
-            <a:pPr lvl="0"/>
-            <a:r>
-              <a:rPr lang="en-US" sz="4800" b="1" dirty="0"/>
-              <a:t>(9:15 – 10:00) ARM Networking</a:t>
-            </a:r>
-            <a:endParaRPr lang="en-US" sz="4800" dirty="0"/>
-          </a:p>
-          <a:p>
-            <a:pPr lvl="1"/>
-            <a:r>
-              <a:rPr lang="en-US" sz="4800" dirty="0"/>
-              <a:t>Build a VNET in Portal</a:t>
-            </a:r>
-          </a:p>
-          <a:p>
-            <a:pPr lvl="1"/>
-            <a:r>
-              <a:rPr lang="en-US" sz="4800" dirty="0"/>
-              <a:t>Build a VNET in ARM template</a:t>
-            </a:r>
-          </a:p>
-          <a:p>
-            <a:pPr lvl="1"/>
-            <a:r>
-              <a:rPr lang="en-US" sz="4800" dirty="0"/>
-              <a:t>Connect VNETs in Portal</a:t>
-            </a:r>
-          </a:p>
-          <a:p>
-            <a:pPr lvl="2"/>
-            <a:r>
-              <a:rPr lang="en-US" sz="4400" dirty="0"/>
-              <a:t>Review updated ARM service as code around connections</a:t>
-            </a:r>
-          </a:p>
-          <a:p>
-            <a:pPr lvl="0"/>
-            <a:r>
-              <a:rPr lang="en-US" sz="4800" b="1" dirty="0"/>
-              <a:t>(10:00-12:00) Building VMs w/Storage</a:t>
-            </a:r>
-            <a:endParaRPr lang="en-US" sz="4800" dirty="0"/>
-          </a:p>
-          <a:p>
-            <a:pPr lvl="1"/>
-            <a:r>
-              <a:rPr lang="en-US" sz="4800" dirty="0"/>
-              <a:t>Create a storage account for diagnostics \ create containers</a:t>
-            </a:r>
-          </a:p>
-          <a:p>
-            <a:pPr lvl="1"/>
-            <a:r>
-              <a:rPr lang="en-US" sz="4800" dirty="0"/>
-              <a:t>Build a VM in Portal</a:t>
-            </a:r>
-          </a:p>
-          <a:p>
-            <a:pPr lvl="1"/>
-            <a:r>
-              <a:rPr lang="en-US" sz="4800" dirty="0"/>
-              <a:t>Build a VM in ARM Template</a:t>
-            </a:r>
-          </a:p>
-          <a:p>
-            <a:pPr lvl="0"/>
-            <a:r>
-              <a:rPr lang="en-US" sz="4800" b="1" dirty="0"/>
-              <a:t>(11:30-12:00) Lunch</a:t>
-            </a:r>
-            <a:endParaRPr lang="en-US" sz="4800" dirty="0"/>
-          </a:p>
-          <a:p>
-            <a:pPr lvl="0"/>
-            <a:r>
-              <a:rPr lang="en-US" sz="4800" b="1" dirty="0"/>
-              <a:t>(12:00-1:00) ARM Functions</a:t>
-            </a:r>
-          </a:p>
-          <a:p>
-            <a:pPr lvl="1"/>
-            <a:r>
-              <a:rPr lang="en-US" sz="4400" dirty="0"/>
-              <a:t>Update templates to use Copy</a:t>
-            </a:r>
-          </a:p>
-          <a:p>
-            <a:r>
-              <a:rPr lang="en-US" sz="4800" b="1" dirty="0"/>
-              <a:t>(1:00-2:00) Secure Secrets</a:t>
-            </a:r>
-          </a:p>
-          <a:p>
-            <a:pPr lvl="1"/>
-            <a:r>
-              <a:rPr lang="en-US" sz="4400" dirty="0"/>
-              <a:t>Deploy </a:t>
-            </a:r>
-            <a:r>
-              <a:rPr lang="en-US" sz="4400" dirty="0" err="1"/>
-              <a:t>KeyVault</a:t>
-            </a:r>
-            <a:endParaRPr lang="en-US" sz="4400" dirty="0"/>
-          </a:p>
-          <a:p>
-            <a:pPr lvl="1"/>
-            <a:r>
-              <a:rPr lang="en-US" sz="4400" dirty="0"/>
-              <a:t>Update ARM Templates to use </a:t>
-            </a:r>
-            <a:r>
-              <a:rPr lang="en-US" sz="4400" dirty="0" err="1"/>
-              <a:t>KeyVault</a:t>
-            </a:r>
-            <a:endParaRPr lang="en-US" sz="4400" dirty="0"/>
-          </a:p>
-          <a:p>
-            <a:r>
-              <a:rPr lang="en-US" sz="4800" b="1" dirty="0"/>
-              <a:t>(2:00-3:30) Investigate Terraform</a:t>
-            </a:r>
-          </a:p>
-          <a:p>
-            <a:pPr lvl="1"/>
-            <a:r>
-              <a:rPr lang="en-US" sz="4400" dirty="0"/>
-              <a:t>Authenticate to Azure</a:t>
-            </a:r>
-          </a:p>
-          <a:p>
-            <a:pPr lvl="1"/>
-            <a:r>
-              <a:rPr lang="en-US" sz="4400" dirty="0"/>
-              <a:t>Using Script Block</a:t>
-            </a:r>
-          </a:p>
-          <a:p>
-            <a:pPr lvl="1"/>
-            <a:r>
-              <a:rPr lang="en-US" sz="4400" dirty="0"/>
-              <a:t>Using ARM Template in Script Block</a:t>
-            </a:r>
-          </a:p>
-          <a:p>
-            <a:r>
-              <a:rPr lang="en-US" sz="4800" b="1" dirty="0"/>
-              <a:t>(3:30-4:15) Investigate Azure Building Blocks</a:t>
-            </a:r>
-          </a:p>
-          <a:p>
-            <a:pPr lvl="1"/>
-            <a:r>
-              <a:rPr lang="en-US" sz="4400" dirty="0"/>
-              <a:t>Use Azure Building Blocks</a:t>
-            </a:r>
-          </a:p>
-          <a:p>
-            <a:r>
-              <a:rPr lang="en-US" sz="4800" b="1" dirty="0"/>
-              <a:t>(4:15-5:00) Buildout Infrastructure and Services as Code in Sandbox</a:t>
-            </a:r>
-          </a:p>
-          <a:p>
-            <a:pPr lvl="1"/>
-            <a:r>
-              <a:rPr lang="en-US" sz="4400" dirty="0"/>
-              <a:t>Continue deploying and testing</a:t>
-            </a:r>
-          </a:p>
-          <a:p>
-            <a:pPr lvl="1"/>
-            <a:r>
-              <a:rPr lang="en-US" sz="4400" dirty="0"/>
-              <a:t>Questions and Answers</a:t>
-            </a:r>
-          </a:p>
-          <a:p>
-            <a:endParaRPr lang="en-US" sz="4800" dirty="0"/>
-          </a:p>
-          <a:p>
-            <a:endParaRPr lang="en-US" sz="4800" dirty="0"/>
-          </a:p>
-          <a:p>
-            <a:endParaRPr lang="en-US" sz="4800" dirty="0"/>
-          </a:p>
-          <a:p>
-            <a:pPr lvl="1"/>
-            <a:endParaRPr lang="en-US" dirty="0"/>
-          </a:p>
-        </p:txBody>
-      </p:sp>
-    </p:spTree>
-    <p:extLst>
-      <p:ext uri="{BB962C8B-B14F-4D97-AF65-F5344CB8AC3E}">
-        <p14:creationId xmlns:p14="http://schemas.microsoft.com/office/powerpoint/2010/main" val="118023117"/>
-      </p:ext>
-    </p:extLst>
-  </p:cSld>
-  <p:clrMapOvr>
-    <a:masterClrMapping/>
-  </p:clrMapOvr>
-</p:sld>
-</file>
-
-<file path=ppt/slides/slide9.xml><?xml version="1.0" encoding="utf-8"?>
-<p:sld xmlns:a="http://schemas.openxmlformats.org/drawingml/2006/main" xmlns:r="http://schemas.openxmlformats.org/officeDocument/2006/relationships" xmlns:p="http://schemas.openxmlformats.org/presentationml/2006/main" show="0">
-  <p:cSld>
-    <p:spTree>
-      <p:nvGrpSpPr>
-        <p:cNvPr id="1" name=""/>
-        <p:cNvGrpSpPr/>
-        <p:nvPr/>
-      </p:nvGrpSpPr>
-      <p:grpSpPr>
-        <a:xfrm>
-          <a:off x="0" y="0"/>
-          <a:ext cx="0" cy="0"/>
-          <a:chOff x="0" y="0"/>
-          <a:chExt cx="0" cy="0"/>
-        </a:xfrm>
-      </p:grpSpPr>
-      <p:sp>
-        <p:nvSpPr>
-          <p:cNvPr id="2" name="Title 1">
-            <a:extLst>
-              <a:ext uri="{FF2B5EF4-FFF2-40B4-BE49-F238E27FC236}">
-                <a16:creationId xmlns:a16="http://schemas.microsoft.com/office/drawing/2014/main" id="{8885C75E-6DC4-42DC-B8C4-3FA9A70A870E}"/>
-              </a:ext>
-            </a:extLst>
-          </p:cNvPr>
-          <p:cNvSpPr>
-            <a:spLocks noGrp="1"/>
-          </p:cNvSpPr>
-          <p:nvPr>
-            <p:ph type="title"/>
-          </p:nvPr>
-        </p:nvSpPr>
-        <p:spPr/>
-        <p:txBody>
-          <a:bodyPr/>
-          <a:lstStyle/>
-          <a:p>
-            <a:r>
-              <a:rPr lang="en-US" dirty="0"/>
-              <a:t>Be Sure to:</a:t>
-            </a:r>
-          </a:p>
-        </p:txBody>
-      </p:sp>
-      <p:sp>
-        <p:nvSpPr>
-          <p:cNvPr id="3" name="Content Placeholder 2">
-            <a:extLst>
-              <a:ext uri="{FF2B5EF4-FFF2-40B4-BE49-F238E27FC236}">
-                <a16:creationId xmlns:a16="http://schemas.microsoft.com/office/drawing/2014/main" id="{02705D34-E93C-4D8D-AB4E-8B806745AFF0}"/>
-              </a:ext>
-            </a:extLst>
-          </p:cNvPr>
-          <p:cNvSpPr>
-            <a:spLocks noGrp="1"/>
-          </p:cNvSpPr>
-          <p:nvPr>
-            <p:ph idx="1"/>
-          </p:nvPr>
-        </p:nvSpPr>
-        <p:spPr/>
-        <p:txBody>
-          <a:bodyPr>
-            <a:normAutofit/>
-          </a:bodyPr>
-          <a:lstStyle/>
-          <a:p>
-            <a:r>
-              <a:rPr lang="en-US" sz="4400" dirty="0"/>
-              <a:t>When creating Resources and Resource Groups use a </a:t>
-            </a:r>
-            <a:r>
-              <a:rPr lang="en-US" sz="4400" dirty="0">
-                <a:solidFill>
-                  <a:srgbClr val="FF0000"/>
-                </a:solidFill>
-              </a:rPr>
-              <a:t>xxx</a:t>
-            </a:r>
-            <a:r>
-              <a:rPr lang="en-US" sz="4400" dirty="0"/>
-              <a:t> as your initials prefix to the names </a:t>
-            </a:r>
-          </a:p>
-          <a:p>
-            <a:r>
-              <a:rPr lang="en-US" sz="4400" dirty="0"/>
-              <a:t>this way you do not overstep or use other peoples resources in the same Subscription</a:t>
-            </a:r>
-          </a:p>
-        </p:txBody>
-      </p:sp>
-    </p:spTree>
-    <p:extLst>
-      <p:ext uri="{BB962C8B-B14F-4D97-AF65-F5344CB8AC3E}">
-        <p14:creationId xmlns:p14="http://schemas.microsoft.com/office/powerpoint/2010/main" val="1807721756"/>
       </p:ext>
     </p:extLst>
   </p:cSld>
